--- a/Aplikacija za organizaciju demosa za računarske praktikume te.pptx
+++ b/Aplikacija za organizaciju demosa za računarske praktikume te.pptx
@@ -120,6 +120,11 @@
       </a:defRPr>
     </a:lvl9pPr>
   </p:defaultTextStyle>
+  <p:extLst>
+    <p:ext uri="{EFAFB233-063F-42B5-8137-9DF3F51BA10A}">
+      <p15:sldGuideLst xmlns:p15="http://schemas.microsoft.com/office/powerpoint/2012/main"/>
+    </p:ext>
+  </p:extLst>
 </p:presentation>
 </file>
 
@@ -309,7 +314,7 @@
           <a:p>
             <a:fld id="{6EDAAA84-1BAE-433E-A720-ABFDC1AB93A5}" type="datetimeFigureOut">
               <a:rPr lang="en-US" smtClean="0"/>
-              <a:t>7/4/2024</a:t>
+              <a:t>7/5/2024</a:t>
             </a:fld>
             <a:endParaRPr lang="en-US"/>
           </a:p>
@@ -584,7 +589,7 @@
           <a:p>
             <a:fld id="{6EDAAA84-1BAE-433E-A720-ABFDC1AB93A5}" type="datetimeFigureOut">
               <a:rPr lang="en-US" smtClean="0"/>
-              <a:t>7/4/2024</a:t>
+              <a:t>7/5/2024</a:t>
             </a:fld>
             <a:endParaRPr lang="en-US"/>
           </a:p>
@@ -778,7 +783,7 @@
           <a:p>
             <a:fld id="{6EDAAA84-1BAE-433E-A720-ABFDC1AB93A5}" type="datetimeFigureOut">
               <a:rPr lang="en-US" smtClean="0"/>
-              <a:t>7/4/2024</a:t>
+              <a:t>7/5/2024</a:t>
             </a:fld>
             <a:endParaRPr lang="en-US"/>
           </a:p>
@@ -1051,7 +1056,7 @@
           <a:p>
             <a:fld id="{6EDAAA84-1BAE-433E-A720-ABFDC1AB93A5}" type="datetimeFigureOut">
               <a:rPr lang="en-US" smtClean="0"/>
-              <a:t>7/4/2024</a:t>
+              <a:t>7/5/2024</a:t>
             </a:fld>
             <a:endParaRPr lang="en-US"/>
           </a:p>
@@ -1392,7 +1397,7 @@
           <a:p>
             <a:fld id="{6EDAAA84-1BAE-433E-A720-ABFDC1AB93A5}" type="datetimeFigureOut">
               <a:rPr lang="en-US" smtClean="0"/>
-              <a:t>7/4/2024</a:t>
+              <a:t>7/5/2024</a:t>
             </a:fld>
             <a:endParaRPr lang="en-US"/>
           </a:p>
@@ -2015,7 +2020,7 @@
           <a:p>
             <a:fld id="{6EDAAA84-1BAE-433E-A720-ABFDC1AB93A5}" type="datetimeFigureOut">
               <a:rPr lang="en-US" smtClean="0"/>
-              <a:t>7/4/2024</a:t>
+              <a:t>7/5/2024</a:t>
             </a:fld>
             <a:endParaRPr lang="en-US"/>
           </a:p>
@@ -2875,7 +2880,7 @@
           <a:p>
             <a:fld id="{6EDAAA84-1BAE-433E-A720-ABFDC1AB93A5}" type="datetimeFigureOut">
               <a:rPr lang="en-US" smtClean="0"/>
-              <a:t>7/4/2024</a:t>
+              <a:t>7/5/2024</a:t>
             </a:fld>
             <a:endParaRPr lang="en-US"/>
           </a:p>
@@ -3045,7 +3050,7 @@
           <a:p>
             <a:fld id="{6EDAAA84-1BAE-433E-A720-ABFDC1AB93A5}" type="datetimeFigureOut">
               <a:rPr lang="en-US" smtClean="0"/>
-              <a:t>7/4/2024</a:t>
+              <a:t>7/5/2024</a:t>
             </a:fld>
             <a:endParaRPr lang="en-US"/>
           </a:p>
@@ -3225,7 +3230,7 @@
           <a:p>
             <a:fld id="{6EDAAA84-1BAE-433E-A720-ABFDC1AB93A5}" type="datetimeFigureOut">
               <a:rPr lang="en-US" smtClean="0"/>
-              <a:t>7/4/2024</a:t>
+              <a:t>7/5/2024</a:t>
             </a:fld>
             <a:endParaRPr lang="en-US"/>
           </a:p>
@@ -3395,7 +3400,7 @@
           <a:p>
             <a:fld id="{6EDAAA84-1BAE-433E-A720-ABFDC1AB93A5}" type="datetimeFigureOut">
               <a:rPr lang="en-US" smtClean="0"/>
-              <a:t>7/4/2024</a:t>
+              <a:t>7/5/2024</a:t>
             </a:fld>
             <a:endParaRPr lang="en-US"/>
           </a:p>
@@ -3642,7 +3647,7 @@
           <a:p>
             <a:fld id="{6EDAAA84-1BAE-433E-A720-ABFDC1AB93A5}" type="datetimeFigureOut">
               <a:rPr lang="en-US" smtClean="0"/>
-              <a:t>7/4/2024</a:t>
+              <a:t>7/5/2024</a:t>
             </a:fld>
             <a:endParaRPr lang="en-US"/>
           </a:p>
@@ -3934,7 +3939,7 @@
           <a:p>
             <a:fld id="{6EDAAA84-1BAE-433E-A720-ABFDC1AB93A5}" type="datetimeFigureOut">
               <a:rPr lang="en-US" smtClean="0"/>
-              <a:t>7/4/2024</a:t>
+              <a:t>7/5/2024</a:t>
             </a:fld>
             <a:endParaRPr lang="en-US"/>
           </a:p>
@@ -4378,7 +4383,7 @@
           <a:p>
             <a:fld id="{6EDAAA84-1BAE-433E-A720-ABFDC1AB93A5}" type="datetimeFigureOut">
               <a:rPr lang="en-US" smtClean="0"/>
-              <a:t>7/4/2024</a:t>
+              <a:t>7/5/2024</a:t>
             </a:fld>
             <a:endParaRPr lang="en-US"/>
           </a:p>
@@ -4496,7 +4501,7 @@
           <a:p>
             <a:fld id="{6EDAAA84-1BAE-433E-A720-ABFDC1AB93A5}" type="datetimeFigureOut">
               <a:rPr lang="en-US" smtClean="0"/>
-              <a:t>7/4/2024</a:t>
+              <a:t>7/5/2024</a:t>
             </a:fld>
             <a:endParaRPr lang="en-US"/>
           </a:p>
@@ -4591,7 +4596,7 @@
           <a:p>
             <a:fld id="{6EDAAA84-1BAE-433E-A720-ABFDC1AB93A5}" type="datetimeFigureOut">
               <a:rPr lang="en-US" smtClean="0"/>
-              <a:t>7/4/2024</a:t>
+              <a:t>7/5/2024</a:t>
             </a:fld>
             <a:endParaRPr lang="en-US"/>
           </a:p>
@@ -4870,7 +4875,7 @@
           <a:p>
             <a:fld id="{6EDAAA84-1BAE-433E-A720-ABFDC1AB93A5}" type="datetimeFigureOut">
               <a:rPr lang="en-US" smtClean="0"/>
-              <a:t>7/4/2024</a:t>
+              <a:t>7/5/2024</a:t>
             </a:fld>
             <a:endParaRPr lang="en-US"/>
           </a:p>
@@ -5145,7 +5150,7 @@
           <a:p>
             <a:fld id="{6EDAAA84-1BAE-433E-A720-ABFDC1AB93A5}" type="datetimeFigureOut">
               <a:rPr lang="en-US" smtClean="0"/>
-              <a:t>7/4/2024</a:t>
+              <a:t>7/5/2024</a:t>
             </a:fld>
             <a:endParaRPr lang="en-US"/>
           </a:p>
@@ -5574,7 +5579,7 @@
           <a:p>
             <a:fld id="{6EDAAA84-1BAE-433E-A720-ABFDC1AB93A5}" type="datetimeFigureOut">
               <a:rPr lang="en-US" smtClean="0"/>
-              <a:t>7/4/2024</a:t>
+              <a:t>7/5/2024</a:t>
             </a:fld>
             <a:endParaRPr lang="en-US"/>
           </a:p>
@@ -6285,7 +6290,9 @@
     <p:bg>
       <p:bgPr>
         <a:solidFill>
-          <a:schemeClr val="bg1"/>
+          <a:schemeClr val="bg1">
+            <a:lumMod val="85000"/>
+          </a:schemeClr>
         </a:solidFill>
         <a:effectLst/>
       </p:bgPr>
@@ -7437,7 +7444,9 @@
     <p:bg>
       <p:bgPr>
         <a:solidFill>
-          <a:schemeClr val="bg1"/>
+          <a:schemeClr val="bg1">
+            <a:lumMod val="85000"/>
+          </a:schemeClr>
         </a:solidFill>
         <a:effectLst/>
       </p:bgPr>
@@ -8589,7 +8598,9 @@
     <p:bg>
       <p:bgPr>
         <a:solidFill>
-          <a:schemeClr val="bg2"/>
+          <a:schemeClr val="bg1">
+            <a:lumMod val="85000"/>
+          </a:schemeClr>
         </a:solidFill>
         <a:effectLst/>
       </p:bgPr>
@@ -9753,7 +9764,9 @@
     <p:bg>
       <p:bgPr>
         <a:solidFill>
-          <a:schemeClr val="bg1"/>
+          <a:schemeClr val="bg1">
+            <a:lumMod val="85000"/>
+          </a:schemeClr>
         </a:solidFill>
         <a:effectLst/>
       </p:bgPr>
@@ -10935,7 +10948,9 @@
     <p:bg>
       <p:bgPr>
         <a:solidFill>
-          <a:schemeClr val="bg2"/>
+          <a:schemeClr val="bg1">
+            <a:lumMod val="85000"/>
+          </a:schemeClr>
         </a:solidFill>
         <a:effectLst/>
       </p:bgPr>
@@ -12069,7 +12084,9 @@
     <p:bg>
       <p:bgPr>
         <a:solidFill>
-          <a:schemeClr val="bg1"/>
+          <a:schemeClr val="bg1">
+            <a:lumMod val="85000"/>
+          </a:schemeClr>
         </a:solidFill>
         <a:effectLst/>
       </p:bgPr>
@@ -13251,7 +13268,9 @@
     <p:bg>
       <p:bgPr>
         <a:solidFill>
-          <a:schemeClr val="bg1"/>
+          <a:schemeClr val="bg1">
+            <a:lumMod val="85000"/>
+          </a:schemeClr>
         </a:solidFill>
         <a:effectLst/>
       </p:bgPr>
@@ -14518,7 +14537,9 @@
     <p:bg>
       <p:bgPr>
         <a:solidFill>
-          <a:schemeClr val="bg1"/>
+          <a:schemeClr val="bg1">
+            <a:lumMod val="85000"/>
+          </a:schemeClr>
         </a:solidFill>
         <a:effectLst/>
       </p:bgPr>
@@ -15748,7 +15769,9 @@
     <p:bg>
       <p:bgPr>
         <a:solidFill>
-          <a:schemeClr val="bg2"/>
+          <a:schemeClr val="bg1">
+            <a:lumMod val="85000"/>
+          </a:schemeClr>
         </a:solidFill>
         <a:effectLst/>
       </p:bgPr>
@@ -16896,7 +16919,9 @@
     <p:bg>
       <p:bgPr>
         <a:solidFill>
-          <a:schemeClr val="bg1"/>
+          <a:schemeClr val="bg1">
+            <a:lumMod val="85000"/>
+          </a:schemeClr>
         </a:solidFill>
         <a:effectLst/>
       </p:bgPr>
@@ -18108,7 +18133,9 @@
     <p:bg>
       <p:bgPr>
         <a:solidFill>
-          <a:schemeClr val="bg1"/>
+          <a:schemeClr val="bg1">
+            <a:lumMod val="85000"/>
+          </a:schemeClr>
         </a:solidFill>
         <a:effectLst/>
       </p:bgPr>
@@ -19290,7 +19317,9 @@
     <p:bg>
       <p:bgPr>
         <a:solidFill>
-          <a:schemeClr val="bg1"/>
+          <a:schemeClr val="bg1">
+            <a:lumMod val="85000"/>
+          </a:schemeClr>
         </a:solidFill>
         <a:effectLst/>
       </p:bgPr>
@@ -20476,7 +20505,9 @@
     <p:bg>
       <p:bgPr>
         <a:solidFill>
-          <a:schemeClr val="bg1"/>
+          <a:schemeClr val="bg1">
+            <a:lumMod val="85000"/>
+          </a:schemeClr>
         </a:solidFill>
         <a:effectLst/>
       </p:bgPr>
@@ -22748,7 +22779,9 @@
     <p:bg>
       <p:bgPr>
         <a:solidFill>
-          <a:schemeClr val="bg1"/>
+          <a:schemeClr val="bg1">
+            <a:lumMod val="85000"/>
+          </a:schemeClr>
         </a:solidFill>
         <a:effectLst/>
       </p:bgPr>

--- a/Aplikacija za organizaciju demosa za računarske praktikume te.pptx
+++ b/Aplikacija za organizaciju demosa za računarske praktikume te.pptx
@@ -12,16 +12,17 @@
     <p:sldId id="261" r:id="rId6"/>
     <p:sldId id="263" r:id="rId7"/>
     <p:sldId id="262" r:id="rId8"/>
-    <p:sldId id="264" r:id="rId9"/>
-    <p:sldId id="269" r:id="rId10"/>
+    <p:sldId id="269" r:id="rId9"/>
+    <p:sldId id="264" r:id="rId10"/>
     <p:sldId id="265" r:id="rId11"/>
     <p:sldId id="266" r:id="rId12"/>
     <p:sldId id="267" r:id="rId13"/>
-    <p:sldId id="268" r:id="rId14"/>
-    <p:sldId id="270" r:id="rId15"/>
-    <p:sldId id="271" r:id="rId16"/>
-    <p:sldId id="272" r:id="rId17"/>
-    <p:sldId id="273" r:id="rId18"/>
+    <p:sldId id="274" r:id="rId14"/>
+    <p:sldId id="268" r:id="rId15"/>
+    <p:sldId id="270" r:id="rId16"/>
+    <p:sldId id="271" r:id="rId17"/>
+    <p:sldId id="272" r:id="rId18"/>
+    <p:sldId id="273" r:id="rId19"/>
   </p:sldIdLst>
   <p:sldSz cx="12192000" cy="6858000"/>
   <p:notesSz cx="6858000" cy="9144000"/>
@@ -314,7 +315,7 @@
           <a:p>
             <a:fld id="{6EDAAA84-1BAE-433E-A720-ABFDC1AB93A5}" type="datetimeFigureOut">
               <a:rPr lang="en-US" smtClean="0"/>
-              <a:t>7/5/2024</a:t>
+              <a:t>7/8/2024</a:t>
             </a:fld>
             <a:endParaRPr lang="en-US"/>
           </a:p>
@@ -589,7 +590,7 @@
           <a:p>
             <a:fld id="{6EDAAA84-1BAE-433E-A720-ABFDC1AB93A5}" type="datetimeFigureOut">
               <a:rPr lang="en-US" smtClean="0"/>
-              <a:t>7/5/2024</a:t>
+              <a:t>7/8/2024</a:t>
             </a:fld>
             <a:endParaRPr lang="en-US"/>
           </a:p>
@@ -783,7 +784,7 @@
           <a:p>
             <a:fld id="{6EDAAA84-1BAE-433E-A720-ABFDC1AB93A5}" type="datetimeFigureOut">
               <a:rPr lang="en-US" smtClean="0"/>
-              <a:t>7/5/2024</a:t>
+              <a:t>7/8/2024</a:t>
             </a:fld>
             <a:endParaRPr lang="en-US"/>
           </a:p>
@@ -1056,7 +1057,7 @@
           <a:p>
             <a:fld id="{6EDAAA84-1BAE-433E-A720-ABFDC1AB93A5}" type="datetimeFigureOut">
               <a:rPr lang="en-US" smtClean="0"/>
-              <a:t>7/5/2024</a:t>
+              <a:t>7/8/2024</a:t>
             </a:fld>
             <a:endParaRPr lang="en-US"/>
           </a:p>
@@ -1397,7 +1398,7 @@
           <a:p>
             <a:fld id="{6EDAAA84-1BAE-433E-A720-ABFDC1AB93A5}" type="datetimeFigureOut">
               <a:rPr lang="en-US" smtClean="0"/>
-              <a:t>7/5/2024</a:t>
+              <a:t>7/8/2024</a:t>
             </a:fld>
             <a:endParaRPr lang="en-US"/>
           </a:p>
@@ -2020,7 +2021,7 @@
           <a:p>
             <a:fld id="{6EDAAA84-1BAE-433E-A720-ABFDC1AB93A5}" type="datetimeFigureOut">
               <a:rPr lang="en-US" smtClean="0"/>
-              <a:t>7/5/2024</a:t>
+              <a:t>7/8/2024</a:t>
             </a:fld>
             <a:endParaRPr lang="en-US"/>
           </a:p>
@@ -2880,7 +2881,7 @@
           <a:p>
             <a:fld id="{6EDAAA84-1BAE-433E-A720-ABFDC1AB93A5}" type="datetimeFigureOut">
               <a:rPr lang="en-US" smtClean="0"/>
-              <a:t>7/5/2024</a:t>
+              <a:t>7/8/2024</a:t>
             </a:fld>
             <a:endParaRPr lang="en-US"/>
           </a:p>
@@ -3050,7 +3051,7 @@
           <a:p>
             <a:fld id="{6EDAAA84-1BAE-433E-A720-ABFDC1AB93A5}" type="datetimeFigureOut">
               <a:rPr lang="en-US" smtClean="0"/>
-              <a:t>7/5/2024</a:t>
+              <a:t>7/8/2024</a:t>
             </a:fld>
             <a:endParaRPr lang="en-US"/>
           </a:p>
@@ -3230,7 +3231,7 @@
           <a:p>
             <a:fld id="{6EDAAA84-1BAE-433E-A720-ABFDC1AB93A5}" type="datetimeFigureOut">
               <a:rPr lang="en-US" smtClean="0"/>
-              <a:t>7/5/2024</a:t>
+              <a:t>7/8/2024</a:t>
             </a:fld>
             <a:endParaRPr lang="en-US"/>
           </a:p>
@@ -3400,7 +3401,7 @@
           <a:p>
             <a:fld id="{6EDAAA84-1BAE-433E-A720-ABFDC1AB93A5}" type="datetimeFigureOut">
               <a:rPr lang="en-US" smtClean="0"/>
-              <a:t>7/5/2024</a:t>
+              <a:t>7/8/2024</a:t>
             </a:fld>
             <a:endParaRPr lang="en-US"/>
           </a:p>
@@ -3647,7 +3648,7 @@
           <a:p>
             <a:fld id="{6EDAAA84-1BAE-433E-A720-ABFDC1AB93A5}" type="datetimeFigureOut">
               <a:rPr lang="en-US" smtClean="0"/>
-              <a:t>7/5/2024</a:t>
+              <a:t>7/8/2024</a:t>
             </a:fld>
             <a:endParaRPr lang="en-US"/>
           </a:p>
@@ -3939,7 +3940,7 @@
           <a:p>
             <a:fld id="{6EDAAA84-1BAE-433E-A720-ABFDC1AB93A5}" type="datetimeFigureOut">
               <a:rPr lang="en-US" smtClean="0"/>
-              <a:t>7/5/2024</a:t>
+              <a:t>7/8/2024</a:t>
             </a:fld>
             <a:endParaRPr lang="en-US"/>
           </a:p>
@@ -4383,7 +4384,7 @@
           <a:p>
             <a:fld id="{6EDAAA84-1BAE-433E-A720-ABFDC1AB93A5}" type="datetimeFigureOut">
               <a:rPr lang="en-US" smtClean="0"/>
-              <a:t>7/5/2024</a:t>
+              <a:t>7/8/2024</a:t>
             </a:fld>
             <a:endParaRPr lang="en-US"/>
           </a:p>
@@ -4501,7 +4502,7 @@
           <a:p>
             <a:fld id="{6EDAAA84-1BAE-433E-A720-ABFDC1AB93A5}" type="datetimeFigureOut">
               <a:rPr lang="en-US" smtClean="0"/>
-              <a:t>7/5/2024</a:t>
+              <a:t>7/8/2024</a:t>
             </a:fld>
             <a:endParaRPr lang="en-US"/>
           </a:p>
@@ -4596,7 +4597,7 @@
           <a:p>
             <a:fld id="{6EDAAA84-1BAE-433E-A720-ABFDC1AB93A5}" type="datetimeFigureOut">
               <a:rPr lang="en-US" smtClean="0"/>
-              <a:t>7/5/2024</a:t>
+              <a:t>7/8/2024</a:t>
             </a:fld>
             <a:endParaRPr lang="en-US"/>
           </a:p>
@@ -4875,7 +4876,7 @@
           <a:p>
             <a:fld id="{6EDAAA84-1BAE-433E-A720-ABFDC1AB93A5}" type="datetimeFigureOut">
               <a:rPr lang="en-US" smtClean="0"/>
-              <a:t>7/5/2024</a:t>
+              <a:t>7/8/2024</a:t>
             </a:fld>
             <a:endParaRPr lang="en-US"/>
           </a:p>
@@ -5150,7 +5151,7 @@
           <a:p>
             <a:fld id="{6EDAAA84-1BAE-433E-A720-ABFDC1AB93A5}" type="datetimeFigureOut">
               <a:rPr lang="en-US" smtClean="0"/>
-              <a:t>7/5/2024</a:t>
+              <a:t>7/8/2024</a:t>
             </a:fld>
             <a:endParaRPr lang="en-US"/>
           </a:p>
@@ -5579,7 +5580,7 @@
           <a:p>
             <a:fld id="{6EDAAA84-1BAE-433E-A720-ABFDC1AB93A5}" type="datetimeFigureOut">
               <a:rPr lang="en-US" smtClean="0"/>
-              <a:t>7/5/2024</a:t>
+              <a:t>7/8/2024</a:t>
             </a:fld>
             <a:endParaRPr lang="en-US"/>
           </a:p>
@@ -6289,6 +6290,1752 @@
   <p:cSld>
     <p:bg>
       <p:bgPr>
+        <a:blipFill rotWithShape="1">
+          <a:blip r:embed="rId2">
+            <a:duotone>
+              <a:schemeClr val="bg2">
+                <a:shade val="69000"/>
+                <a:hueMod val="108000"/>
+                <a:satMod val="164000"/>
+                <a:lumMod val="74000"/>
+              </a:schemeClr>
+              <a:schemeClr val="bg2">
+                <a:tint val="96000"/>
+                <a:hueMod val="88000"/>
+                <a:satMod val="140000"/>
+                <a:lumMod val="132000"/>
+              </a:schemeClr>
+            </a:duotone>
+          </a:blip>
+          <a:stretch/>
+        </a:blipFill>
+        <a:effectLst/>
+      </p:bgPr>
+    </p:bg>
+    <p:spTree>
+      <p:nvGrpSpPr>
+        <p:cNvPr id="1" name=""/>
+        <p:cNvGrpSpPr/>
+        <p:nvPr/>
+      </p:nvGrpSpPr>
+      <p:grpSpPr>
+        <a:xfrm>
+          <a:off x="0" y="0"/>
+          <a:ext cx="0" cy="0"/>
+          <a:chOff x="0" y="0"/>
+          <a:chExt cx="0" cy="0"/>
+        </a:xfrm>
+      </p:grpSpPr>
+      <p:pic>
+        <p:nvPicPr>
+          <p:cNvPr id="19" name="Picture 18">
+            <a:extLst>
+              <a:ext uri="{FF2B5EF4-FFF2-40B4-BE49-F238E27FC236}">
+                <a16:creationId xmlns:a16="http://schemas.microsoft.com/office/drawing/2014/main" id="{DF19BAF3-7E20-4B9D-B544-BABAEEA1FA75}"/>
+              </a:ext>
+              <a:ext uri="{C183D7F6-B498-43B3-948B-1728B52AA6E4}">
+                <adec:decorative xmlns:adec="http://schemas.microsoft.com/office/drawing/2017/decorative" val="1"/>
+              </a:ext>
+            </a:extLst>
+          </p:cNvPr>
+          <p:cNvPicPr>
+            <a:picLocks noGrp="1" noRot="1" noChangeAspect="1" noMove="1" noResize="1" noEditPoints="1" noAdjustHandles="1" noChangeArrowheads="1" noChangeShapeType="1" noCrop="1"/>
+          </p:cNvPicPr>
+          <p:nvPr>
+            <p:extLst>
+              <p:ext uri="{386F3935-93C4-4BCD-93E2-E3B085C9AB24}">
+                <p16:designElem xmlns:p16="http://schemas.microsoft.com/office/powerpoint/2015/main" val="1"/>
+              </p:ext>
+            </p:extLst>
+          </p:nvPr>
+        </p:nvPicPr>
+        <p:blipFill rotWithShape="1">
+          <a:blip r:embed="rId3">
+            <a:extLst>
+              <a:ext uri="{28A0092B-C50C-407E-A947-70E740481C1C}">
+                <a14:useLocalDpi xmlns:a14="http://schemas.microsoft.com/office/drawing/2010/main" val="0"/>
+              </a:ext>
+            </a:extLst>
+          </a:blip>
+          <a:srcRect l="3613"/>
+          <a:stretch/>
+        </p:blipFill>
+        <p:spPr>
+          <a:xfrm>
+            <a:off x="0" y="2669685"/>
+            <a:ext cx="4037012" cy="4188315"/>
+          </a:xfrm>
+          <a:prstGeom prst="rect">
+            <a:avLst/>
+          </a:prstGeom>
+        </p:spPr>
+      </p:pic>
+      <p:pic>
+        <p:nvPicPr>
+          <p:cNvPr id="24" name="Picture 23">
+            <a:extLst>
+              <a:ext uri="{FF2B5EF4-FFF2-40B4-BE49-F238E27FC236}">
+                <a16:creationId xmlns:a16="http://schemas.microsoft.com/office/drawing/2014/main" id="{950648F4-ABCD-4DF0-8641-76CFB2354721}"/>
+              </a:ext>
+              <a:ext uri="{C183D7F6-B498-43B3-948B-1728B52AA6E4}">
+                <adec:decorative xmlns:adec="http://schemas.microsoft.com/office/drawing/2017/decorative" val="1"/>
+              </a:ext>
+            </a:extLst>
+          </p:cNvPr>
+          <p:cNvPicPr>
+            <a:picLocks noGrp="1" noRot="1" noChangeAspect="1" noMove="1" noResize="1" noEditPoints="1" noAdjustHandles="1" noChangeArrowheads="1" noChangeShapeType="1" noCrop="1"/>
+          </p:cNvPicPr>
+          <p:nvPr>
+            <p:extLst>
+              <p:ext uri="{386F3935-93C4-4BCD-93E2-E3B085C9AB24}">
+                <p16:designElem xmlns:p16="http://schemas.microsoft.com/office/powerpoint/2015/main" val="1"/>
+              </p:ext>
+            </p:extLst>
+          </p:nvPr>
+        </p:nvPicPr>
+        <p:blipFill rotWithShape="1">
+          <a:blip r:embed="rId4">
+            <a:extLst>
+              <a:ext uri="{28A0092B-C50C-407E-A947-70E740481C1C}">
+                <a14:useLocalDpi xmlns:a14="http://schemas.microsoft.com/office/drawing/2010/main" val="0"/>
+              </a:ext>
+            </a:extLst>
+          </a:blip>
+          <a:srcRect l="35640"/>
+          <a:stretch/>
+        </p:blipFill>
+        <p:spPr>
+          <a:xfrm>
+            <a:off x="0" y="2892347"/>
+            <a:ext cx="1522412" cy="2365453"/>
+          </a:xfrm>
+          <a:prstGeom prst="rect">
+            <a:avLst/>
+          </a:prstGeom>
+        </p:spPr>
+      </p:pic>
+      <p:sp>
+        <p:nvSpPr>
+          <p:cNvPr id="23" name="Oval 22">
+            <a:extLst>
+              <a:ext uri="{FF2B5EF4-FFF2-40B4-BE49-F238E27FC236}">
+                <a16:creationId xmlns:a16="http://schemas.microsoft.com/office/drawing/2014/main" id="{989BE678-777B-482A-A616-FEDC47B162E5}"/>
+              </a:ext>
+              <a:ext uri="{C183D7F6-B498-43B3-948B-1728B52AA6E4}">
+                <adec:decorative xmlns:adec="http://schemas.microsoft.com/office/drawing/2017/decorative" val="1"/>
+              </a:ext>
+            </a:extLst>
+          </p:cNvPr>
+          <p:cNvSpPr>
+            <a:spLocks noGrp="1" noRot="1" noChangeAspect="1" noMove="1" noResize="1" noEditPoints="1" noAdjustHandles="1" noChangeArrowheads="1" noChangeShapeType="1" noTextEdit="1"/>
+          </p:cNvSpPr>
+          <p:nvPr>
+            <p:extLst>
+              <p:ext uri="{386F3935-93C4-4BCD-93E2-E3B085C9AB24}">
+                <p16:designElem xmlns:p16="http://schemas.microsoft.com/office/powerpoint/2015/main" val="1"/>
+              </p:ext>
+            </p:extLst>
+          </p:nvPr>
+        </p:nvSpPr>
+        <p:spPr>
+          <a:xfrm>
+            <a:off x="8609012" y="1676400"/>
+            <a:ext cx="2819400" cy="2819400"/>
+          </a:xfrm>
+          <a:prstGeom prst="ellipse">
+            <a:avLst/>
+          </a:prstGeom>
+          <a:gradFill flip="none" rotWithShape="1">
+            <a:gsLst>
+              <a:gs pos="0">
+                <a:schemeClr val="bg2">
+                  <a:lumMod val="60000"/>
+                  <a:lumOff val="40000"/>
+                  <a:alpha val="7000"/>
+                </a:schemeClr>
+              </a:gs>
+              <a:gs pos="69000">
+                <a:schemeClr val="bg2">
+                  <a:lumMod val="60000"/>
+                  <a:lumOff val="40000"/>
+                  <a:alpha val="0"/>
+                </a:schemeClr>
+              </a:gs>
+              <a:gs pos="36000">
+                <a:schemeClr val="bg2">
+                  <a:lumMod val="60000"/>
+                  <a:lumOff val="40000"/>
+                  <a:alpha val="6000"/>
+                </a:schemeClr>
+              </a:gs>
+            </a:gsLst>
+            <a:path path="circle">
+              <a:fillToRect l="50000" t="50000" r="50000" b="50000"/>
+            </a:path>
+            <a:tileRect/>
+          </a:gradFill>
+          <a:ln>
+            <a:noFill/>
+          </a:ln>
+          <a:effectLst/>
+        </p:spPr>
+        <p:style>
+          <a:lnRef idx="1">
+            <a:schemeClr val="accent1"/>
+          </a:lnRef>
+          <a:fillRef idx="3">
+            <a:schemeClr val="accent1"/>
+          </a:fillRef>
+          <a:effectRef idx="2">
+            <a:schemeClr val="accent1"/>
+          </a:effectRef>
+          <a:fontRef idx="minor">
+            <a:schemeClr val="lt1"/>
+          </a:fontRef>
+        </p:style>
+        <p:txBody>
+          <a:bodyPr/>
+          <a:lstStyle/>
+          <a:p>
+            <a:endParaRPr lang="en-US"/>
+          </a:p>
+        </p:txBody>
+      </p:sp>
+      <p:pic>
+        <p:nvPicPr>
+          <p:cNvPr id="25" name="Picture 24">
+            <a:extLst>
+              <a:ext uri="{FF2B5EF4-FFF2-40B4-BE49-F238E27FC236}">
+                <a16:creationId xmlns:a16="http://schemas.microsoft.com/office/drawing/2014/main" id="{CF1EB4BD-9C7E-4AA3-9681-C7EB0DA6250B}"/>
+              </a:ext>
+              <a:ext uri="{C183D7F6-B498-43B3-948B-1728B52AA6E4}">
+                <adec:decorative xmlns:adec="http://schemas.microsoft.com/office/drawing/2017/decorative" val="1"/>
+              </a:ext>
+            </a:extLst>
+          </p:cNvPr>
+          <p:cNvPicPr>
+            <a:picLocks noGrp="1" noRot="1" noChangeAspect="1" noMove="1" noResize="1" noEditPoints="1" noAdjustHandles="1" noChangeArrowheads="1" noChangeShapeType="1" noCrop="1"/>
+          </p:cNvPicPr>
+          <p:nvPr>
+            <p:extLst>
+              <p:ext uri="{386F3935-93C4-4BCD-93E2-E3B085C9AB24}">
+                <p16:designElem xmlns:p16="http://schemas.microsoft.com/office/powerpoint/2015/main" val="1"/>
+              </p:ext>
+            </p:extLst>
+          </p:nvPr>
+        </p:nvPicPr>
+        <p:blipFill rotWithShape="1">
+          <a:blip r:embed="rId5">
+            <a:extLst>
+              <a:ext uri="{28A0092B-C50C-407E-A947-70E740481C1C}">
+                <a14:useLocalDpi xmlns:a14="http://schemas.microsoft.com/office/drawing/2010/main" val="0"/>
+              </a:ext>
+            </a:extLst>
+          </a:blip>
+          <a:srcRect t="28813"/>
+          <a:stretch/>
+        </p:blipFill>
+        <p:spPr>
+          <a:xfrm>
+            <a:off x="7999412" y="0"/>
+            <a:ext cx="1603387" cy="1141407"/>
+          </a:xfrm>
+          <a:prstGeom prst="rect">
+            <a:avLst/>
+          </a:prstGeom>
+        </p:spPr>
+      </p:pic>
+      <p:pic>
+        <p:nvPicPr>
+          <p:cNvPr id="27" name="Picture 26">
+            <a:extLst>
+              <a:ext uri="{FF2B5EF4-FFF2-40B4-BE49-F238E27FC236}">
+                <a16:creationId xmlns:a16="http://schemas.microsoft.com/office/drawing/2014/main" id="{94AAE3AA-3759-4D28-B0EF-575F25A5146C}"/>
+              </a:ext>
+              <a:ext uri="{C183D7F6-B498-43B3-948B-1728B52AA6E4}">
+                <adec:decorative xmlns:adec="http://schemas.microsoft.com/office/drawing/2017/decorative" val="1"/>
+              </a:ext>
+            </a:extLst>
+          </p:cNvPr>
+          <p:cNvPicPr>
+            <a:picLocks noGrp="1" noRot="1" noChangeAspect="1" noMove="1" noResize="1" noEditPoints="1" noAdjustHandles="1" noChangeArrowheads="1" noChangeShapeType="1" noCrop="1"/>
+          </p:cNvPicPr>
+          <p:nvPr>
+            <p:extLst>
+              <p:ext uri="{386F3935-93C4-4BCD-93E2-E3B085C9AB24}">
+                <p16:designElem xmlns:p16="http://schemas.microsoft.com/office/powerpoint/2015/main" val="1"/>
+              </p:ext>
+            </p:extLst>
+          </p:nvPr>
+        </p:nvPicPr>
+        <p:blipFill rotWithShape="1">
+          <a:blip r:embed="rId6">
+            <a:extLst>
+              <a:ext uri="{28A0092B-C50C-407E-A947-70E740481C1C}">
+                <a14:useLocalDpi xmlns:a14="http://schemas.microsoft.com/office/drawing/2010/main" val="0"/>
+              </a:ext>
+            </a:extLst>
+          </a:blip>
+          <a:srcRect b="23320"/>
+          <a:stretch/>
+        </p:blipFill>
+        <p:spPr>
+          <a:xfrm>
+            <a:off x="8605878" y="6096000"/>
+            <a:ext cx="993734" cy="762000"/>
+          </a:xfrm>
+          <a:prstGeom prst="rect">
+            <a:avLst/>
+          </a:prstGeom>
+        </p:spPr>
+      </p:pic>
+      <p:sp>
+        <p:nvSpPr>
+          <p:cNvPr id="29" name="Rectangle 28">
+            <a:extLst>
+              <a:ext uri="{FF2B5EF4-FFF2-40B4-BE49-F238E27FC236}">
+                <a16:creationId xmlns:a16="http://schemas.microsoft.com/office/drawing/2014/main" id="{D28BE0C3-2102-4820-B88B-A448B1840D14}"/>
+              </a:ext>
+              <a:ext uri="{C183D7F6-B498-43B3-948B-1728B52AA6E4}">
+                <adec:decorative xmlns:adec="http://schemas.microsoft.com/office/drawing/2017/decorative" val="1"/>
+              </a:ext>
+            </a:extLst>
+          </p:cNvPr>
+          <p:cNvSpPr>
+            <a:spLocks noGrp="1" noRot="1" noChangeAspect="1" noMove="1" noResize="1" noEditPoints="1" noAdjustHandles="1" noChangeArrowheads="1" noChangeShapeType="1" noTextEdit="1"/>
+          </p:cNvSpPr>
+          <p:nvPr>
+            <p:extLst>
+              <p:ext uri="{386F3935-93C4-4BCD-93E2-E3B085C9AB24}">
+                <p16:designElem xmlns:p16="http://schemas.microsoft.com/office/powerpoint/2015/main" val="1"/>
+              </p:ext>
+            </p:extLst>
+          </p:nvPr>
+        </p:nvSpPr>
+        <p:spPr>
+          <a:xfrm>
+            <a:off x="10437812" y="0"/>
+            <a:ext cx="685800" cy="1143000"/>
+          </a:xfrm>
+          <a:prstGeom prst="rect">
+            <a:avLst/>
+          </a:prstGeom>
+          <a:solidFill>
+            <a:schemeClr val="accent1"/>
+          </a:solidFill>
+          <a:ln>
+            <a:noFill/>
+          </a:ln>
+        </p:spPr>
+        <p:style>
+          <a:lnRef idx="1">
+            <a:schemeClr val="accent1"/>
+          </a:lnRef>
+          <a:fillRef idx="3">
+            <a:schemeClr val="accent1"/>
+          </a:fillRef>
+          <a:effectRef idx="2">
+            <a:schemeClr val="accent1"/>
+          </a:effectRef>
+          <a:fontRef idx="minor">
+            <a:schemeClr val="lt1"/>
+          </a:fontRef>
+        </p:style>
+        <p:txBody>
+          <a:bodyPr/>
+          <a:lstStyle/>
+          <a:p>
+            <a:endParaRPr lang="en-US"/>
+          </a:p>
+        </p:txBody>
+      </p:sp>
+      <p:pic>
+        <p:nvPicPr>
+          <p:cNvPr id="5" name="Content Placeholder 4">
+            <a:extLst>
+              <a:ext uri="{FF2B5EF4-FFF2-40B4-BE49-F238E27FC236}">
+                <a16:creationId xmlns:a16="http://schemas.microsoft.com/office/drawing/2014/main" id="{C72A5182-1867-57B8-7ADB-044DCEA30403}"/>
+              </a:ext>
+            </a:extLst>
+          </p:cNvPr>
+          <p:cNvPicPr>
+            <a:picLocks noGrp="1" noChangeAspect="1"/>
+          </p:cNvPicPr>
+          <p:nvPr>
+            <p:ph idx="1"/>
+          </p:nvPr>
+        </p:nvPicPr>
+        <p:blipFill rotWithShape="1">
+          <a:blip r:embed="rId7"/>
+          <a:srcRect l="16039" r="4427" b="-1"/>
+          <a:stretch/>
+        </p:blipFill>
+        <p:spPr>
+          <a:xfrm>
+            <a:off x="1" y="-5"/>
+            <a:ext cx="12191695" cy="5020241"/>
+          </a:xfrm>
+          <a:custGeom>
+            <a:avLst/>
+            <a:gdLst/>
+            <a:ahLst/>
+            <a:cxnLst/>
+            <a:rect l="l" t="t" r="r" b="b"/>
+            <a:pathLst>
+              <a:path w="12191695" h="5020241">
+                <a:moveTo>
+                  <a:pt x="0" y="0"/>
+                </a:moveTo>
+                <a:lnTo>
+                  <a:pt x="12191695" y="0"/>
+                </a:lnTo>
+                <a:lnTo>
+                  <a:pt x="12191695" y="4057991"/>
+                </a:lnTo>
+                <a:lnTo>
+                  <a:pt x="11914945" y="4110187"/>
+                </a:lnTo>
+                <a:lnTo>
+                  <a:pt x="11639412" y="4159931"/>
+                </a:lnTo>
+                <a:lnTo>
+                  <a:pt x="11362661" y="4208624"/>
+                </a:lnTo>
+                <a:lnTo>
+                  <a:pt x="11084690" y="4250310"/>
+                </a:lnTo>
+                <a:lnTo>
+                  <a:pt x="10807939" y="4292347"/>
+                </a:lnTo>
+                <a:lnTo>
+                  <a:pt x="10529968" y="4331582"/>
+                </a:lnTo>
+                <a:lnTo>
+                  <a:pt x="10255655" y="4365211"/>
+                </a:lnTo>
+                <a:lnTo>
+                  <a:pt x="9977684" y="4397089"/>
+                </a:lnTo>
+                <a:lnTo>
+                  <a:pt x="9700933" y="4426165"/>
+                </a:lnTo>
+                <a:lnTo>
+                  <a:pt x="9429058" y="4451387"/>
+                </a:lnTo>
+                <a:lnTo>
+                  <a:pt x="9153526" y="4476609"/>
+                </a:lnTo>
+                <a:lnTo>
+                  <a:pt x="8881651" y="4497628"/>
+                </a:lnTo>
+                <a:lnTo>
+                  <a:pt x="8609776" y="4514092"/>
+                </a:lnTo>
+                <a:lnTo>
+                  <a:pt x="8339121" y="4531258"/>
+                </a:lnTo>
+                <a:lnTo>
+                  <a:pt x="8070903" y="4545620"/>
+                </a:lnTo>
+                <a:lnTo>
+                  <a:pt x="7805124" y="4555779"/>
+                </a:lnTo>
+                <a:lnTo>
+                  <a:pt x="7539345" y="4564537"/>
+                </a:lnTo>
+                <a:lnTo>
+                  <a:pt x="7276005" y="4572944"/>
+                </a:lnTo>
+                <a:lnTo>
+                  <a:pt x="7016322" y="4576798"/>
+                </a:lnTo>
+                <a:lnTo>
+                  <a:pt x="6756639" y="4581001"/>
+                </a:lnTo>
+                <a:lnTo>
+                  <a:pt x="6500613" y="4583103"/>
+                </a:lnTo>
+                <a:lnTo>
+                  <a:pt x="6247026" y="4581001"/>
+                </a:lnTo>
+                <a:lnTo>
+                  <a:pt x="5995877" y="4581001"/>
+                </a:lnTo>
+                <a:lnTo>
+                  <a:pt x="5747167" y="4576798"/>
+                </a:lnTo>
+                <a:lnTo>
+                  <a:pt x="5503333" y="4570492"/>
+                </a:lnTo>
+                <a:lnTo>
+                  <a:pt x="5261938" y="4564537"/>
+                </a:lnTo>
+                <a:lnTo>
+                  <a:pt x="5025418" y="4557881"/>
+                </a:lnTo>
+                <a:lnTo>
+                  <a:pt x="4790118" y="4547722"/>
+                </a:lnTo>
+                <a:lnTo>
+                  <a:pt x="4558477" y="4536862"/>
+                </a:lnTo>
+                <a:lnTo>
+                  <a:pt x="4331710" y="4527054"/>
+                </a:lnTo>
+                <a:lnTo>
+                  <a:pt x="3889152" y="4499379"/>
+                </a:lnTo>
+                <a:lnTo>
+                  <a:pt x="3464881" y="4469954"/>
+                </a:lnTo>
+                <a:lnTo>
+                  <a:pt x="3057678" y="4439126"/>
+                </a:lnTo>
+                <a:lnTo>
+                  <a:pt x="2672421" y="4405147"/>
+                </a:lnTo>
+                <a:lnTo>
+                  <a:pt x="2304232" y="4369765"/>
+                </a:lnTo>
+                <a:lnTo>
+                  <a:pt x="1962864" y="4331582"/>
+                </a:lnTo>
+                <a:lnTo>
+                  <a:pt x="1642223" y="4294099"/>
+                </a:lnTo>
+                <a:lnTo>
+                  <a:pt x="1347183" y="4256616"/>
+                </a:lnTo>
+                <a:lnTo>
+                  <a:pt x="1076528" y="4221235"/>
+                </a:lnTo>
+                <a:lnTo>
+                  <a:pt x="836351" y="4187605"/>
+                </a:lnTo>
+                <a:lnTo>
+                  <a:pt x="619339" y="4155727"/>
+                </a:lnTo>
+                <a:lnTo>
+                  <a:pt x="436464" y="4129104"/>
+                </a:lnTo>
+                <a:lnTo>
+                  <a:pt x="282848" y="4103881"/>
+                </a:lnTo>
+                <a:lnTo>
+                  <a:pt x="71932" y="4067800"/>
+                </a:lnTo>
+                <a:lnTo>
+                  <a:pt x="1" y="4055539"/>
+                </a:lnTo>
+                <a:lnTo>
+                  <a:pt x="1" y="5020241"/>
+                </a:lnTo>
+                <a:lnTo>
+                  <a:pt x="0" y="5020241"/>
+                </a:lnTo>
+                <a:close/>
+              </a:path>
+            </a:pathLst>
+          </a:custGeom>
+        </p:spPr>
+      </p:pic>
+      <p:sp>
+        <p:nvSpPr>
+          <p:cNvPr id="31" name="Freeform 16">
+            <a:extLst>
+              <a:ext uri="{FF2B5EF4-FFF2-40B4-BE49-F238E27FC236}">
+                <a16:creationId xmlns:a16="http://schemas.microsoft.com/office/drawing/2014/main" id="{E4F17063-EDA4-417B-946F-BA357F3B390D}"/>
+              </a:ext>
+              <a:ext uri="{C183D7F6-B498-43B3-948B-1728B52AA6E4}">
+                <adec:decorative xmlns:adec="http://schemas.microsoft.com/office/drawing/2017/decorative" val="1"/>
+              </a:ext>
+            </a:extLst>
+          </p:cNvPr>
+          <p:cNvSpPr>
+            <a:spLocks noGrp="1" noRot="1" noChangeAspect="1" noMove="1" noResize="1" noEditPoints="1" noAdjustHandles="1" noChangeArrowheads="1" noChangeShapeType="1" noTextEdit="1"/>
+          </p:cNvSpPr>
+          <p:nvPr>
+            <p:extLst>
+              <p:ext uri="{386F3935-93C4-4BCD-93E2-E3B085C9AB24}">
+                <p16:designElem xmlns:p16="http://schemas.microsoft.com/office/powerpoint/2015/main" val="1"/>
+              </p:ext>
+            </p:extLst>
+          </p:nvPr>
+        </p:nvSpPr>
+        <p:spPr>
+          <a:xfrm>
+            <a:off x="8719939" y="3753695"/>
+            <a:ext cx="3472060" cy="825932"/>
+          </a:xfrm>
+          <a:custGeom>
+            <a:avLst/>
+            <a:gdLst>
+              <a:gd name="connsiteX0" fmla="*/ 3470310 w 3472060"/>
+              <a:gd name="connsiteY0" fmla="*/ 0 h 825932"/>
+              <a:gd name="connsiteX1" fmla="*/ 3472060 w 3472060"/>
+              <a:gd name="connsiteY1" fmla="*/ 12850 h 825932"/>
+              <a:gd name="connsiteX2" fmla="*/ 3472060 w 3472060"/>
+              <a:gd name="connsiteY2" fmla="*/ 480529 h 825932"/>
+              <a:gd name="connsiteX3" fmla="*/ 3363699 w 3472060"/>
+              <a:gd name="connsiteY3" fmla="*/ 498471 h 825932"/>
+              <a:gd name="connsiteX4" fmla="*/ 42060 w 3472060"/>
+              <a:gd name="connsiteY4" fmla="*/ 824486 h 825932"/>
+              <a:gd name="connsiteX5" fmla="*/ 0 w 3472060"/>
+              <a:gd name="connsiteY5" fmla="*/ 758452 h 825932"/>
+              <a:gd name="connsiteX6" fmla="*/ 188014 w 3472060"/>
+              <a:gd name="connsiteY6" fmla="*/ 735602 h 825932"/>
+              <a:gd name="connsiteX7" fmla="*/ 284087 w 3472060"/>
+              <a:gd name="connsiteY7" fmla="*/ 722590 h 825932"/>
+              <a:gd name="connsiteX8" fmla="*/ 382288 w 3472060"/>
+              <a:gd name="connsiteY8" fmla="*/ 709392 h 825932"/>
+              <a:gd name="connsiteX9" fmla="*/ 481858 w 3472060"/>
+              <a:gd name="connsiteY9" fmla="*/ 695774 h 825932"/>
+              <a:gd name="connsiteX10" fmla="*/ 581897 w 3472060"/>
+              <a:gd name="connsiteY10" fmla="*/ 680711 h 825932"/>
+              <a:gd name="connsiteX11" fmla="*/ 683670 w 3472060"/>
+              <a:gd name="connsiteY11" fmla="*/ 665256 h 825932"/>
+              <a:gd name="connsiteX12" fmla="*/ 787206 w 3472060"/>
+              <a:gd name="connsiteY12" fmla="*/ 649587 h 825932"/>
+              <a:gd name="connsiteX13" fmla="*/ 892019 w 3472060"/>
+              <a:gd name="connsiteY13" fmla="*/ 632968 h 825932"/>
+              <a:gd name="connsiteX14" fmla="*/ 997620 w 3472060"/>
+              <a:gd name="connsiteY14" fmla="*/ 614667 h 825932"/>
+              <a:gd name="connsiteX15" fmla="*/ 1104727 w 3472060"/>
+              <a:gd name="connsiteY15" fmla="*/ 596741 h 825932"/>
+              <a:gd name="connsiteX16" fmla="*/ 1212669 w 3472060"/>
+              <a:gd name="connsiteY16" fmla="*/ 577397 h 825932"/>
+              <a:gd name="connsiteX17" fmla="*/ 1321506 w 3472060"/>
+              <a:gd name="connsiteY17" fmla="*/ 556988 h 825932"/>
+              <a:gd name="connsiteX18" fmla="*/ 1430709 w 3472060"/>
+              <a:gd name="connsiteY18" fmla="*/ 536607 h 825932"/>
+              <a:gd name="connsiteX19" fmla="*/ 1541050 w 3472060"/>
+              <a:gd name="connsiteY19" fmla="*/ 514481 h 825932"/>
+              <a:gd name="connsiteX20" fmla="*/ 1652805 w 3472060"/>
+              <a:gd name="connsiteY20" fmla="*/ 492202 h 825932"/>
+              <a:gd name="connsiteX21" fmla="*/ 1763708 w 3472060"/>
+              <a:gd name="connsiteY21" fmla="*/ 469161 h 825932"/>
+              <a:gd name="connsiteX22" fmla="*/ 1875795 w 3472060"/>
+              <a:gd name="connsiteY22" fmla="*/ 444641 h 825932"/>
+              <a:gd name="connsiteX23" fmla="*/ 1989128 w 3472060"/>
+              <a:gd name="connsiteY23" fmla="*/ 418995 h 825932"/>
+              <a:gd name="connsiteX24" fmla="*/ 2102476 w 3472060"/>
+              <a:gd name="connsiteY24" fmla="*/ 393438 h 825932"/>
+              <a:gd name="connsiteX25" fmla="*/ 2215549 w 3472060"/>
+              <a:gd name="connsiteY25" fmla="*/ 366291 h 825932"/>
+              <a:gd name="connsiteX26" fmla="*/ 2330490 w 3472060"/>
+              <a:gd name="connsiteY26" fmla="*/ 337455 h 825932"/>
+              <a:gd name="connsiteX27" fmla="*/ 2443333 w 3472060"/>
+              <a:gd name="connsiteY27" fmla="*/ 308983 h 825932"/>
+              <a:gd name="connsiteX28" fmla="*/ 2558014 w 3472060"/>
+              <a:gd name="connsiteY28" fmla="*/ 278646 h 825932"/>
+              <a:gd name="connsiteX29" fmla="*/ 2673621 w 3472060"/>
+              <a:gd name="connsiteY29" fmla="*/ 247421 h 825932"/>
+              <a:gd name="connsiteX30" fmla="*/ 2787008 w 3472060"/>
+              <a:gd name="connsiteY30" fmla="*/ 215853 h 825932"/>
+              <a:gd name="connsiteX31" fmla="*/ 2901442 w 3472060"/>
+              <a:gd name="connsiteY31" fmla="*/ 182011 h 825932"/>
+              <a:gd name="connsiteX32" fmla="*/ 3015722 w 3472060"/>
+              <a:gd name="connsiteY32" fmla="*/ 147286 h 825932"/>
+              <a:gd name="connsiteX33" fmla="*/ 3130018 w 3472060"/>
+              <a:gd name="connsiteY33" fmla="*/ 112649 h 825932"/>
+              <a:gd name="connsiteX34" fmla="*/ 3243551 w 3472060"/>
+              <a:gd name="connsiteY34" fmla="*/ 75688 h 825932"/>
+              <a:gd name="connsiteX35" fmla="*/ 3356992 w 3472060"/>
+              <a:gd name="connsiteY35" fmla="*/ 38197 h 825932"/>
+              <a:gd name="connsiteX36" fmla="*/ 3470310 w 3472060"/>
+              <a:gd name="connsiteY36" fmla="*/ 0 h 825932"/>
+            </a:gdLst>
+            <a:ahLst/>
+            <a:cxnLst>
+              <a:cxn ang="0">
+                <a:pos x="connsiteX0" y="connsiteY0"/>
+              </a:cxn>
+              <a:cxn ang="0">
+                <a:pos x="connsiteX1" y="connsiteY1"/>
+              </a:cxn>
+              <a:cxn ang="0">
+                <a:pos x="connsiteX2" y="connsiteY2"/>
+              </a:cxn>
+              <a:cxn ang="0">
+                <a:pos x="connsiteX3" y="connsiteY3"/>
+              </a:cxn>
+              <a:cxn ang="0">
+                <a:pos x="connsiteX4" y="connsiteY4"/>
+              </a:cxn>
+              <a:cxn ang="0">
+                <a:pos x="connsiteX5" y="connsiteY5"/>
+              </a:cxn>
+              <a:cxn ang="0">
+                <a:pos x="connsiteX6" y="connsiteY6"/>
+              </a:cxn>
+              <a:cxn ang="0">
+                <a:pos x="connsiteX7" y="connsiteY7"/>
+              </a:cxn>
+              <a:cxn ang="0">
+                <a:pos x="connsiteX8" y="connsiteY8"/>
+              </a:cxn>
+              <a:cxn ang="0">
+                <a:pos x="connsiteX9" y="connsiteY9"/>
+              </a:cxn>
+              <a:cxn ang="0">
+                <a:pos x="connsiteX10" y="connsiteY10"/>
+              </a:cxn>
+              <a:cxn ang="0">
+                <a:pos x="connsiteX11" y="connsiteY11"/>
+              </a:cxn>
+              <a:cxn ang="0">
+                <a:pos x="connsiteX12" y="connsiteY12"/>
+              </a:cxn>
+              <a:cxn ang="0">
+                <a:pos x="connsiteX13" y="connsiteY13"/>
+              </a:cxn>
+              <a:cxn ang="0">
+                <a:pos x="connsiteX14" y="connsiteY14"/>
+              </a:cxn>
+              <a:cxn ang="0">
+                <a:pos x="connsiteX15" y="connsiteY15"/>
+              </a:cxn>
+              <a:cxn ang="0">
+                <a:pos x="connsiteX16" y="connsiteY16"/>
+              </a:cxn>
+              <a:cxn ang="0">
+                <a:pos x="connsiteX17" y="connsiteY17"/>
+              </a:cxn>
+              <a:cxn ang="0">
+                <a:pos x="connsiteX18" y="connsiteY18"/>
+              </a:cxn>
+              <a:cxn ang="0">
+                <a:pos x="connsiteX19" y="connsiteY19"/>
+              </a:cxn>
+              <a:cxn ang="0">
+                <a:pos x="connsiteX20" y="connsiteY20"/>
+              </a:cxn>
+              <a:cxn ang="0">
+                <a:pos x="connsiteX21" y="connsiteY21"/>
+              </a:cxn>
+              <a:cxn ang="0">
+                <a:pos x="connsiteX22" y="connsiteY22"/>
+              </a:cxn>
+              <a:cxn ang="0">
+                <a:pos x="connsiteX23" y="connsiteY23"/>
+              </a:cxn>
+              <a:cxn ang="0">
+                <a:pos x="connsiteX24" y="connsiteY24"/>
+              </a:cxn>
+              <a:cxn ang="0">
+                <a:pos x="connsiteX25" y="connsiteY25"/>
+              </a:cxn>
+              <a:cxn ang="0">
+                <a:pos x="connsiteX26" y="connsiteY26"/>
+              </a:cxn>
+              <a:cxn ang="0">
+                <a:pos x="connsiteX27" y="connsiteY27"/>
+              </a:cxn>
+              <a:cxn ang="0">
+                <a:pos x="connsiteX28" y="connsiteY28"/>
+              </a:cxn>
+              <a:cxn ang="0">
+                <a:pos x="connsiteX29" y="connsiteY29"/>
+              </a:cxn>
+              <a:cxn ang="0">
+                <a:pos x="connsiteX30" y="connsiteY30"/>
+              </a:cxn>
+              <a:cxn ang="0">
+                <a:pos x="connsiteX31" y="connsiteY31"/>
+              </a:cxn>
+              <a:cxn ang="0">
+                <a:pos x="connsiteX32" y="connsiteY32"/>
+              </a:cxn>
+              <a:cxn ang="0">
+                <a:pos x="connsiteX33" y="connsiteY33"/>
+              </a:cxn>
+              <a:cxn ang="0">
+                <a:pos x="connsiteX34" y="connsiteY34"/>
+              </a:cxn>
+              <a:cxn ang="0">
+                <a:pos x="connsiteX35" y="connsiteY35"/>
+              </a:cxn>
+              <a:cxn ang="0">
+                <a:pos x="connsiteX36" y="connsiteY36"/>
+              </a:cxn>
+            </a:cxnLst>
+            <a:rect l="l" t="t" r="r" b="b"/>
+            <a:pathLst>
+              <a:path w="3472060" h="825932">
+                <a:moveTo>
+                  <a:pt x="3470310" y="0"/>
+                </a:moveTo>
+                <a:lnTo>
+                  <a:pt x="3472060" y="12850"/>
+                </a:lnTo>
+                <a:lnTo>
+                  <a:pt x="3472060" y="480529"/>
+                </a:lnTo>
+                <a:lnTo>
+                  <a:pt x="3363699" y="498471"/>
+                </a:lnTo>
+                <a:cubicBezTo>
+                  <a:pt x="2435623" y="645518"/>
+                  <a:pt x="603076" y="844866"/>
+                  <a:pt x="42060" y="824486"/>
+                </a:cubicBezTo>
+                <a:cubicBezTo>
+                  <a:pt x="28151" y="802425"/>
+                  <a:pt x="13909" y="780513"/>
+                  <a:pt x="0" y="758452"/>
+                </a:cubicBezTo>
+                <a:lnTo>
+                  <a:pt x="188014" y="735602"/>
+                </a:lnTo>
+                <a:lnTo>
+                  <a:pt x="284087" y="722590"/>
+                </a:lnTo>
+                <a:lnTo>
+                  <a:pt x="382288" y="709392"/>
+                </a:lnTo>
+                <a:lnTo>
+                  <a:pt x="481858" y="695774"/>
+                </a:lnTo>
+                <a:lnTo>
+                  <a:pt x="581897" y="680711"/>
+                </a:lnTo>
+                <a:lnTo>
+                  <a:pt x="683670" y="665256"/>
+                </a:lnTo>
+                <a:lnTo>
+                  <a:pt x="787206" y="649587"/>
+                </a:lnTo>
+                <a:lnTo>
+                  <a:pt x="892019" y="632968"/>
+                </a:lnTo>
+                <a:lnTo>
+                  <a:pt x="997620" y="614667"/>
+                </a:lnTo>
+                <a:lnTo>
+                  <a:pt x="1104727" y="596741"/>
+                </a:lnTo>
+                <a:lnTo>
+                  <a:pt x="1212669" y="577397"/>
+                </a:lnTo>
+                <a:lnTo>
+                  <a:pt x="1321506" y="556988"/>
+                </a:lnTo>
+                <a:lnTo>
+                  <a:pt x="1430709" y="536607"/>
+                </a:lnTo>
+                <a:lnTo>
+                  <a:pt x="1541050" y="514481"/>
+                </a:lnTo>
+                <a:lnTo>
+                  <a:pt x="1652805" y="492202"/>
+                </a:lnTo>
+                <a:lnTo>
+                  <a:pt x="1763708" y="469161"/>
+                </a:lnTo>
+                <a:lnTo>
+                  <a:pt x="1875795" y="444641"/>
+                </a:lnTo>
+                <a:lnTo>
+                  <a:pt x="1989128" y="418995"/>
+                </a:lnTo>
+                <a:lnTo>
+                  <a:pt x="2102476" y="393438"/>
+                </a:lnTo>
+                <a:lnTo>
+                  <a:pt x="2215549" y="366291"/>
+                </a:lnTo>
+                <a:lnTo>
+                  <a:pt x="2330490" y="337455"/>
+                </a:lnTo>
+                <a:lnTo>
+                  <a:pt x="2443333" y="308983"/>
+                </a:lnTo>
+                <a:lnTo>
+                  <a:pt x="2558014" y="278646"/>
+                </a:lnTo>
+                <a:lnTo>
+                  <a:pt x="2673621" y="247421"/>
+                </a:lnTo>
+                <a:lnTo>
+                  <a:pt x="2787008" y="215853"/>
+                </a:lnTo>
+                <a:lnTo>
+                  <a:pt x="2901442" y="182011"/>
+                </a:lnTo>
+                <a:lnTo>
+                  <a:pt x="3015722" y="147286"/>
+                </a:lnTo>
+                <a:lnTo>
+                  <a:pt x="3130018" y="112649"/>
+                </a:lnTo>
+                <a:lnTo>
+                  <a:pt x="3243551" y="75688"/>
+                </a:lnTo>
+                <a:lnTo>
+                  <a:pt x="3356992" y="38197"/>
+                </a:lnTo>
+                <a:lnTo>
+                  <a:pt x="3470310" y="0"/>
+                </a:lnTo>
+                <a:close/>
+              </a:path>
+            </a:pathLst>
+          </a:custGeom>
+          <a:solidFill>
+            <a:schemeClr val="tx2">
+              <a:alpha val="40000"/>
+            </a:schemeClr>
+          </a:solidFill>
+          <a:ln>
+            <a:noFill/>
+          </a:ln>
+        </p:spPr>
+        <p:txBody>
+          <a:bodyPr rtlCol="0" anchor="ctr"/>
+          <a:lstStyle/>
+          <a:p>
+            <a:pPr algn="ctr"/>
+            <a:endParaRPr lang="en-US">
+              <a:solidFill>
+                <a:schemeClr val="tx1"/>
+              </a:solidFill>
+            </a:endParaRPr>
+          </a:p>
+        </p:txBody>
+      </p:sp>
+      <p:sp>
+        <p:nvSpPr>
+          <p:cNvPr id="33" name="Freeform: Shape 32">
+            <a:extLst>
+              <a:ext uri="{FF2B5EF4-FFF2-40B4-BE49-F238E27FC236}">
+                <a16:creationId xmlns:a16="http://schemas.microsoft.com/office/drawing/2014/main" id="{D36F3EEA-55D4-4677-80E7-92D00B8F343B}"/>
+              </a:ext>
+              <a:ext uri="{C183D7F6-B498-43B3-948B-1728B52AA6E4}">
+                <adec:decorative xmlns:adec="http://schemas.microsoft.com/office/drawing/2017/decorative" val="1"/>
+              </a:ext>
+            </a:extLst>
+          </p:cNvPr>
+          <p:cNvSpPr>
+            <a:spLocks noGrp="1" noRot="1" noChangeAspect="1" noMove="1" noResize="1" noEditPoints="1" noAdjustHandles="1" noChangeArrowheads="1" noChangeShapeType="1" noTextEdit="1"/>
+          </p:cNvSpPr>
+          <p:nvPr>
+            <p:extLst>
+              <p:ext uri="{386F3935-93C4-4BCD-93E2-E3B085C9AB24}">
+                <p16:designElem xmlns:p16="http://schemas.microsoft.com/office/powerpoint/2015/main" val="1"/>
+              </p:ext>
+            </p:extLst>
+          </p:nvPr>
+        </p:nvSpPr>
+        <p:spPr>
+          <a:xfrm>
+            <a:off x="0" y="4055533"/>
+            <a:ext cx="12192000" cy="2802467"/>
+          </a:xfrm>
+          <a:custGeom>
+            <a:avLst/>
+            <a:gdLst>
+              <a:gd name="connsiteX0" fmla="*/ 1 w 12192000"/>
+              <a:gd name="connsiteY0" fmla="*/ 0 h 2802467"/>
+              <a:gd name="connsiteX1" fmla="*/ 71932 w 12192000"/>
+              <a:gd name="connsiteY1" fmla="*/ 12261 h 2802467"/>
+              <a:gd name="connsiteX2" fmla="*/ 282848 w 12192000"/>
+              <a:gd name="connsiteY2" fmla="*/ 48342 h 2802467"/>
+              <a:gd name="connsiteX3" fmla="*/ 436464 w 12192000"/>
+              <a:gd name="connsiteY3" fmla="*/ 73565 h 2802467"/>
+              <a:gd name="connsiteX4" fmla="*/ 619339 w 12192000"/>
+              <a:gd name="connsiteY4" fmla="*/ 100188 h 2802467"/>
+              <a:gd name="connsiteX5" fmla="*/ 836351 w 12192000"/>
+              <a:gd name="connsiteY5" fmla="*/ 132066 h 2802467"/>
+              <a:gd name="connsiteX6" fmla="*/ 1076528 w 12192000"/>
+              <a:gd name="connsiteY6" fmla="*/ 165696 h 2802467"/>
+              <a:gd name="connsiteX7" fmla="*/ 1347183 w 12192000"/>
+              <a:gd name="connsiteY7" fmla="*/ 201077 h 2802467"/>
+              <a:gd name="connsiteX8" fmla="*/ 1642223 w 12192000"/>
+              <a:gd name="connsiteY8" fmla="*/ 238560 h 2802467"/>
+              <a:gd name="connsiteX9" fmla="*/ 1962864 w 12192000"/>
+              <a:gd name="connsiteY9" fmla="*/ 276043 h 2802467"/>
+              <a:gd name="connsiteX10" fmla="*/ 2304232 w 12192000"/>
+              <a:gd name="connsiteY10" fmla="*/ 314226 h 2802467"/>
+              <a:gd name="connsiteX11" fmla="*/ 2672421 w 12192000"/>
+              <a:gd name="connsiteY11" fmla="*/ 349608 h 2802467"/>
+              <a:gd name="connsiteX12" fmla="*/ 3057678 w 12192000"/>
+              <a:gd name="connsiteY12" fmla="*/ 383587 h 2802467"/>
+              <a:gd name="connsiteX13" fmla="*/ 3464881 w 12192000"/>
+              <a:gd name="connsiteY13" fmla="*/ 414415 h 2802467"/>
+              <a:gd name="connsiteX14" fmla="*/ 3889152 w 12192000"/>
+              <a:gd name="connsiteY14" fmla="*/ 443840 h 2802467"/>
+              <a:gd name="connsiteX15" fmla="*/ 4331710 w 12192000"/>
+              <a:gd name="connsiteY15" fmla="*/ 471515 h 2802467"/>
+              <a:gd name="connsiteX16" fmla="*/ 4558476 w 12192000"/>
+              <a:gd name="connsiteY16" fmla="*/ 481323 h 2802467"/>
+              <a:gd name="connsiteX17" fmla="*/ 4790118 w 12192000"/>
+              <a:gd name="connsiteY17" fmla="*/ 492183 h 2802467"/>
+              <a:gd name="connsiteX18" fmla="*/ 5025418 w 12192000"/>
+              <a:gd name="connsiteY18" fmla="*/ 502342 h 2802467"/>
+              <a:gd name="connsiteX19" fmla="*/ 5261937 w 12192000"/>
+              <a:gd name="connsiteY19" fmla="*/ 508998 h 2802467"/>
+              <a:gd name="connsiteX20" fmla="*/ 5503332 w 12192000"/>
+              <a:gd name="connsiteY20" fmla="*/ 514953 h 2802467"/>
+              <a:gd name="connsiteX21" fmla="*/ 5747166 w 12192000"/>
+              <a:gd name="connsiteY21" fmla="*/ 521259 h 2802467"/>
+              <a:gd name="connsiteX22" fmla="*/ 5995877 w 12192000"/>
+              <a:gd name="connsiteY22" fmla="*/ 525462 h 2802467"/>
+              <a:gd name="connsiteX23" fmla="*/ 6247026 w 12192000"/>
+              <a:gd name="connsiteY23" fmla="*/ 525462 h 2802467"/>
+              <a:gd name="connsiteX24" fmla="*/ 6500613 w 12192000"/>
+              <a:gd name="connsiteY24" fmla="*/ 527564 h 2802467"/>
+              <a:gd name="connsiteX25" fmla="*/ 6756639 w 12192000"/>
+              <a:gd name="connsiteY25" fmla="*/ 525462 h 2802467"/>
+              <a:gd name="connsiteX26" fmla="*/ 7016322 w 12192000"/>
+              <a:gd name="connsiteY26" fmla="*/ 521259 h 2802467"/>
+              <a:gd name="connsiteX27" fmla="*/ 7276005 w 12192000"/>
+              <a:gd name="connsiteY27" fmla="*/ 517405 h 2802467"/>
+              <a:gd name="connsiteX28" fmla="*/ 7539345 w 12192000"/>
+              <a:gd name="connsiteY28" fmla="*/ 508998 h 2802467"/>
+              <a:gd name="connsiteX29" fmla="*/ 7805124 w 12192000"/>
+              <a:gd name="connsiteY29" fmla="*/ 500240 h 2802467"/>
+              <a:gd name="connsiteX30" fmla="*/ 8070903 w 12192000"/>
+              <a:gd name="connsiteY30" fmla="*/ 490081 h 2802467"/>
+              <a:gd name="connsiteX31" fmla="*/ 8339121 w 12192000"/>
+              <a:gd name="connsiteY31" fmla="*/ 475719 h 2802467"/>
+              <a:gd name="connsiteX32" fmla="*/ 8609776 w 12192000"/>
+              <a:gd name="connsiteY32" fmla="*/ 458553 h 2802467"/>
+              <a:gd name="connsiteX33" fmla="*/ 8881651 w 12192000"/>
+              <a:gd name="connsiteY33" fmla="*/ 442089 h 2802467"/>
+              <a:gd name="connsiteX34" fmla="*/ 9153526 w 12192000"/>
+              <a:gd name="connsiteY34" fmla="*/ 421070 h 2802467"/>
+              <a:gd name="connsiteX35" fmla="*/ 9429058 w 12192000"/>
+              <a:gd name="connsiteY35" fmla="*/ 395848 h 2802467"/>
+              <a:gd name="connsiteX36" fmla="*/ 9700933 w 12192000"/>
+              <a:gd name="connsiteY36" fmla="*/ 370626 h 2802467"/>
+              <a:gd name="connsiteX37" fmla="*/ 9977684 w 12192000"/>
+              <a:gd name="connsiteY37" fmla="*/ 341550 h 2802467"/>
+              <a:gd name="connsiteX38" fmla="*/ 10255655 w 12192000"/>
+              <a:gd name="connsiteY38" fmla="*/ 309672 h 2802467"/>
+              <a:gd name="connsiteX39" fmla="*/ 10529968 w 12192000"/>
+              <a:gd name="connsiteY39" fmla="*/ 276043 h 2802467"/>
+              <a:gd name="connsiteX40" fmla="*/ 10807939 w 12192000"/>
+              <a:gd name="connsiteY40" fmla="*/ 236808 h 2802467"/>
+              <a:gd name="connsiteX41" fmla="*/ 11084690 w 12192000"/>
+              <a:gd name="connsiteY41" fmla="*/ 194771 h 2802467"/>
+              <a:gd name="connsiteX42" fmla="*/ 11362661 w 12192000"/>
+              <a:gd name="connsiteY42" fmla="*/ 153085 h 2802467"/>
+              <a:gd name="connsiteX43" fmla="*/ 11639412 w 12192000"/>
+              <a:gd name="connsiteY43" fmla="*/ 104392 h 2802467"/>
+              <a:gd name="connsiteX44" fmla="*/ 11914945 w 12192000"/>
+              <a:gd name="connsiteY44" fmla="*/ 54648 h 2802467"/>
+              <a:gd name="connsiteX45" fmla="*/ 12191696 w 12192000"/>
+              <a:gd name="connsiteY45" fmla="*/ 2452 h 2802467"/>
+              <a:gd name="connsiteX46" fmla="*/ 12191696 w 12192000"/>
+              <a:gd name="connsiteY46" fmla="*/ 2236410 h 2802467"/>
+              <a:gd name="connsiteX47" fmla="*/ 12192000 w 12192000"/>
+              <a:gd name="connsiteY47" fmla="*/ 2236410 h 2802467"/>
+              <a:gd name="connsiteX48" fmla="*/ 12192000 w 12192000"/>
+              <a:gd name="connsiteY48" fmla="*/ 2802467 h 2802467"/>
+              <a:gd name="connsiteX49" fmla="*/ 12191696 w 12192000"/>
+              <a:gd name="connsiteY49" fmla="*/ 2802467 h 2802467"/>
+              <a:gd name="connsiteX50" fmla="*/ 0 w 12192000"/>
+              <a:gd name="connsiteY50" fmla="*/ 2802467 h 2802467"/>
+              <a:gd name="connsiteX51" fmla="*/ 0 w 12192000"/>
+              <a:gd name="connsiteY51" fmla="*/ 2236410 h 2802467"/>
+              <a:gd name="connsiteX52" fmla="*/ 1 w 12192000"/>
+              <a:gd name="connsiteY52" fmla="*/ 2236410 h 2802467"/>
+            </a:gdLst>
+            <a:ahLst/>
+            <a:cxnLst>
+              <a:cxn ang="0">
+                <a:pos x="connsiteX0" y="connsiteY0"/>
+              </a:cxn>
+              <a:cxn ang="0">
+                <a:pos x="connsiteX1" y="connsiteY1"/>
+              </a:cxn>
+              <a:cxn ang="0">
+                <a:pos x="connsiteX2" y="connsiteY2"/>
+              </a:cxn>
+              <a:cxn ang="0">
+                <a:pos x="connsiteX3" y="connsiteY3"/>
+              </a:cxn>
+              <a:cxn ang="0">
+                <a:pos x="connsiteX4" y="connsiteY4"/>
+              </a:cxn>
+              <a:cxn ang="0">
+                <a:pos x="connsiteX5" y="connsiteY5"/>
+              </a:cxn>
+              <a:cxn ang="0">
+                <a:pos x="connsiteX6" y="connsiteY6"/>
+              </a:cxn>
+              <a:cxn ang="0">
+                <a:pos x="connsiteX7" y="connsiteY7"/>
+              </a:cxn>
+              <a:cxn ang="0">
+                <a:pos x="connsiteX8" y="connsiteY8"/>
+              </a:cxn>
+              <a:cxn ang="0">
+                <a:pos x="connsiteX9" y="connsiteY9"/>
+              </a:cxn>
+              <a:cxn ang="0">
+                <a:pos x="connsiteX10" y="connsiteY10"/>
+              </a:cxn>
+              <a:cxn ang="0">
+                <a:pos x="connsiteX11" y="connsiteY11"/>
+              </a:cxn>
+              <a:cxn ang="0">
+                <a:pos x="connsiteX12" y="connsiteY12"/>
+              </a:cxn>
+              <a:cxn ang="0">
+                <a:pos x="connsiteX13" y="connsiteY13"/>
+              </a:cxn>
+              <a:cxn ang="0">
+                <a:pos x="connsiteX14" y="connsiteY14"/>
+              </a:cxn>
+              <a:cxn ang="0">
+                <a:pos x="connsiteX15" y="connsiteY15"/>
+              </a:cxn>
+              <a:cxn ang="0">
+                <a:pos x="connsiteX16" y="connsiteY16"/>
+              </a:cxn>
+              <a:cxn ang="0">
+                <a:pos x="connsiteX17" y="connsiteY17"/>
+              </a:cxn>
+              <a:cxn ang="0">
+                <a:pos x="connsiteX18" y="connsiteY18"/>
+              </a:cxn>
+              <a:cxn ang="0">
+                <a:pos x="connsiteX19" y="connsiteY19"/>
+              </a:cxn>
+              <a:cxn ang="0">
+                <a:pos x="connsiteX20" y="connsiteY20"/>
+              </a:cxn>
+              <a:cxn ang="0">
+                <a:pos x="connsiteX21" y="connsiteY21"/>
+              </a:cxn>
+              <a:cxn ang="0">
+                <a:pos x="connsiteX22" y="connsiteY22"/>
+              </a:cxn>
+              <a:cxn ang="0">
+                <a:pos x="connsiteX23" y="connsiteY23"/>
+              </a:cxn>
+              <a:cxn ang="0">
+                <a:pos x="connsiteX24" y="connsiteY24"/>
+              </a:cxn>
+              <a:cxn ang="0">
+                <a:pos x="connsiteX25" y="connsiteY25"/>
+              </a:cxn>
+              <a:cxn ang="0">
+                <a:pos x="connsiteX26" y="connsiteY26"/>
+              </a:cxn>
+              <a:cxn ang="0">
+                <a:pos x="connsiteX27" y="connsiteY27"/>
+              </a:cxn>
+              <a:cxn ang="0">
+                <a:pos x="connsiteX28" y="connsiteY28"/>
+              </a:cxn>
+              <a:cxn ang="0">
+                <a:pos x="connsiteX29" y="connsiteY29"/>
+              </a:cxn>
+              <a:cxn ang="0">
+                <a:pos x="connsiteX30" y="connsiteY30"/>
+              </a:cxn>
+              <a:cxn ang="0">
+                <a:pos x="connsiteX31" y="connsiteY31"/>
+              </a:cxn>
+              <a:cxn ang="0">
+                <a:pos x="connsiteX32" y="connsiteY32"/>
+              </a:cxn>
+              <a:cxn ang="0">
+                <a:pos x="connsiteX33" y="connsiteY33"/>
+              </a:cxn>
+              <a:cxn ang="0">
+                <a:pos x="connsiteX34" y="connsiteY34"/>
+              </a:cxn>
+              <a:cxn ang="0">
+                <a:pos x="connsiteX35" y="connsiteY35"/>
+              </a:cxn>
+              <a:cxn ang="0">
+                <a:pos x="connsiteX36" y="connsiteY36"/>
+              </a:cxn>
+              <a:cxn ang="0">
+                <a:pos x="connsiteX37" y="connsiteY37"/>
+              </a:cxn>
+              <a:cxn ang="0">
+                <a:pos x="connsiteX38" y="connsiteY38"/>
+              </a:cxn>
+              <a:cxn ang="0">
+                <a:pos x="connsiteX39" y="connsiteY39"/>
+              </a:cxn>
+              <a:cxn ang="0">
+                <a:pos x="connsiteX40" y="connsiteY40"/>
+              </a:cxn>
+              <a:cxn ang="0">
+                <a:pos x="connsiteX41" y="connsiteY41"/>
+              </a:cxn>
+              <a:cxn ang="0">
+                <a:pos x="connsiteX42" y="connsiteY42"/>
+              </a:cxn>
+              <a:cxn ang="0">
+                <a:pos x="connsiteX43" y="connsiteY43"/>
+              </a:cxn>
+              <a:cxn ang="0">
+                <a:pos x="connsiteX44" y="connsiteY44"/>
+              </a:cxn>
+              <a:cxn ang="0">
+                <a:pos x="connsiteX45" y="connsiteY45"/>
+              </a:cxn>
+              <a:cxn ang="0">
+                <a:pos x="connsiteX46" y="connsiteY46"/>
+              </a:cxn>
+              <a:cxn ang="0">
+                <a:pos x="connsiteX47" y="connsiteY47"/>
+              </a:cxn>
+              <a:cxn ang="0">
+                <a:pos x="connsiteX48" y="connsiteY48"/>
+              </a:cxn>
+              <a:cxn ang="0">
+                <a:pos x="connsiteX49" y="connsiteY49"/>
+              </a:cxn>
+              <a:cxn ang="0">
+                <a:pos x="connsiteX50" y="connsiteY50"/>
+              </a:cxn>
+              <a:cxn ang="0">
+                <a:pos x="connsiteX51" y="connsiteY51"/>
+              </a:cxn>
+              <a:cxn ang="0">
+                <a:pos x="connsiteX52" y="connsiteY52"/>
+              </a:cxn>
+            </a:cxnLst>
+            <a:rect l="l" t="t" r="r" b="b"/>
+            <a:pathLst>
+              <a:path w="12192000" h="2802467">
+                <a:moveTo>
+                  <a:pt x="1" y="0"/>
+                </a:moveTo>
+                <a:lnTo>
+                  <a:pt x="71932" y="12261"/>
+                </a:lnTo>
+                <a:lnTo>
+                  <a:pt x="282848" y="48342"/>
+                </a:lnTo>
+                <a:lnTo>
+                  <a:pt x="436464" y="73565"/>
+                </a:lnTo>
+                <a:lnTo>
+                  <a:pt x="619339" y="100188"/>
+                </a:lnTo>
+                <a:lnTo>
+                  <a:pt x="836351" y="132066"/>
+                </a:lnTo>
+                <a:lnTo>
+                  <a:pt x="1076528" y="165696"/>
+                </a:lnTo>
+                <a:lnTo>
+                  <a:pt x="1347183" y="201077"/>
+                </a:lnTo>
+                <a:lnTo>
+                  <a:pt x="1642223" y="238560"/>
+                </a:lnTo>
+                <a:lnTo>
+                  <a:pt x="1962864" y="276043"/>
+                </a:lnTo>
+                <a:lnTo>
+                  <a:pt x="2304232" y="314226"/>
+                </a:lnTo>
+                <a:lnTo>
+                  <a:pt x="2672421" y="349608"/>
+                </a:lnTo>
+                <a:lnTo>
+                  <a:pt x="3057678" y="383587"/>
+                </a:lnTo>
+                <a:lnTo>
+                  <a:pt x="3464881" y="414415"/>
+                </a:lnTo>
+                <a:lnTo>
+                  <a:pt x="3889152" y="443840"/>
+                </a:lnTo>
+                <a:lnTo>
+                  <a:pt x="4331710" y="471515"/>
+                </a:lnTo>
+                <a:lnTo>
+                  <a:pt x="4558476" y="481323"/>
+                </a:lnTo>
+                <a:lnTo>
+                  <a:pt x="4790118" y="492183"/>
+                </a:lnTo>
+                <a:lnTo>
+                  <a:pt x="5025418" y="502342"/>
+                </a:lnTo>
+                <a:lnTo>
+                  <a:pt x="5261937" y="508998"/>
+                </a:lnTo>
+                <a:lnTo>
+                  <a:pt x="5503332" y="514953"/>
+                </a:lnTo>
+                <a:lnTo>
+                  <a:pt x="5747166" y="521259"/>
+                </a:lnTo>
+                <a:lnTo>
+                  <a:pt x="5995877" y="525462"/>
+                </a:lnTo>
+                <a:lnTo>
+                  <a:pt x="6247026" y="525462"/>
+                </a:lnTo>
+                <a:lnTo>
+                  <a:pt x="6500613" y="527564"/>
+                </a:lnTo>
+                <a:lnTo>
+                  <a:pt x="6756639" y="525462"/>
+                </a:lnTo>
+                <a:lnTo>
+                  <a:pt x="7016322" y="521259"/>
+                </a:lnTo>
+                <a:lnTo>
+                  <a:pt x="7276005" y="517405"/>
+                </a:lnTo>
+                <a:lnTo>
+                  <a:pt x="7539345" y="508998"/>
+                </a:lnTo>
+                <a:lnTo>
+                  <a:pt x="7805124" y="500240"/>
+                </a:lnTo>
+                <a:lnTo>
+                  <a:pt x="8070903" y="490081"/>
+                </a:lnTo>
+                <a:lnTo>
+                  <a:pt x="8339121" y="475719"/>
+                </a:lnTo>
+                <a:lnTo>
+                  <a:pt x="8609776" y="458553"/>
+                </a:lnTo>
+                <a:lnTo>
+                  <a:pt x="8881651" y="442089"/>
+                </a:lnTo>
+                <a:lnTo>
+                  <a:pt x="9153526" y="421070"/>
+                </a:lnTo>
+                <a:lnTo>
+                  <a:pt x="9429058" y="395848"/>
+                </a:lnTo>
+                <a:lnTo>
+                  <a:pt x="9700933" y="370626"/>
+                </a:lnTo>
+                <a:lnTo>
+                  <a:pt x="9977684" y="341550"/>
+                </a:lnTo>
+                <a:lnTo>
+                  <a:pt x="10255655" y="309672"/>
+                </a:lnTo>
+                <a:lnTo>
+                  <a:pt x="10529968" y="276043"/>
+                </a:lnTo>
+                <a:lnTo>
+                  <a:pt x="10807939" y="236808"/>
+                </a:lnTo>
+                <a:lnTo>
+                  <a:pt x="11084690" y="194771"/>
+                </a:lnTo>
+                <a:lnTo>
+                  <a:pt x="11362661" y="153085"/>
+                </a:lnTo>
+                <a:lnTo>
+                  <a:pt x="11639412" y="104392"/>
+                </a:lnTo>
+                <a:lnTo>
+                  <a:pt x="11914945" y="54648"/>
+                </a:lnTo>
+                <a:lnTo>
+                  <a:pt x="12191696" y="2452"/>
+                </a:lnTo>
+                <a:lnTo>
+                  <a:pt x="12191696" y="2236410"/>
+                </a:lnTo>
+                <a:lnTo>
+                  <a:pt x="12192000" y="2236410"/>
+                </a:lnTo>
+                <a:lnTo>
+                  <a:pt x="12192000" y="2802467"/>
+                </a:lnTo>
+                <a:lnTo>
+                  <a:pt x="12191696" y="2802467"/>
+                </a:lnTo>
+                <a:lnTo>
+                  <a:pt x="0" y="2802467"/>
+                </a:lnTo>
+                <a:lnTo>
+                  <a:pt x="0" y="2236410"/>
+                </a:lnTo>
+                <a:lnTo>
+                  <a:pt x="1" y="2236410"/>
+                </a:lnTo>
+                <a:close/>
+              </a:path>
+            </a:pathLst>
+          </a:custGeom>
+          <a:ln>
+            <a:noFill/>
+          </a:ln>
+        </p:spPr>
+        <p:style>
+          <a:lnRef idx="2">
+            <a:schemeClr val="accent1">
+              <a:shade val="50000"/>
+            </a:schemeClr>
+          </a:lnRef>
+          <a:fillRef idx="1003">
+            <a:schemeClr val="dk2"/>
+          </a:fillRef>
+          <a:effectRef idx="0">
+            <a:schemeClr val="accent1"/>
+          </a:effectRef>
+          <a:fontRef idx="minor">
+            <a:schemeClr val="lt1"/>
+          </a:fontRef>
+        </p:style>
+        <p:txBody>
+          <a:bodyPr rtlCol="0" anchor="ctr"/>
+          <a:lstStyle/>
+          <a:p>
+            <a:pPr algn="ctr"/>
+            <a:endParaRPr lang="en-US"/>
+          </a:p>
+        </p:txBody>
+      </p:sp>
+      <p:sp>
+        <p:nvSpPr>
+          <p:cNvPr id="2" name="Title 1">
+            <a:extLst>
+              <a:ext uri="{FF2B5EF4-FFF2-40B4-BE49-F238E27FC236}">
+                <a16:creationId xmlns:a16="http://schemas.microsoft.com/office/drawing/2014/main" id="{2BE2B028-0D59-B19F-C36F-340FAA48809F}"/>
+              </a:ext>
+            </a:extLst>
+          </p:cNvPr>
+          <p:cNvSpPr>
+            <a:spLocks noGrp="1"/>
+          </p:cNvSpPr>
+          <p:nvPr>
+            <p:ph type="title"/>
+          </p:nvPr>
+        </p:nvSpPr>
+        <p:spPr>
+          <a:xfrm>
+            <a:off x="636916" y="4854346"/>
+            <a:ext cx="10407602" cy="868026"/>
+          </a:xfrm>
+        </p:spPr>
+        <p:txBody>
+          <a:bodyPr vert="horz" lIns="91440" tIns="45720" rIns="91440" bIns="45720" rtlCol="0" anchor="b">
+            <a:normAutofit/>
+          </a:bodyPr>
+          <a:lstStyle/>
+          <a:p>
+            <a:r>
+              <a:rPr lang="en-US" sz="4800" dirty="0" err="1">
+                <a:solidFill>
+                  <a:srgbClr val="EBEBEB"/>
+                </a:solidFill>
+              </a:rPr>
+              <a:t>Galerija</a:t>
+            </a:r>
+            <a:endParaRPr lang="en-US" sz="4800" dirty="0">
+              <a:solidFill>
+                <a:srgbClr val="EBEBEB"/>
+              </a:solidFill>
+            </a:endParaRPr>
+          </a:p>
+        </p:txBody>
+      </p:sp>
+      <p:sp>
+        <p:nvSpPr>
+          <p:cNvPr id="7" name="Content Placeholder 28">
+            <a:extLst>
+              <a:ext uri="{FF2B5EF4-FFF2-40B4-BE49-F238E27FC236}">
+                <a16:creationId xmlns:a16="http://schemas.microsoft.com/office/drawing/2014/main" id="{61000218-474F-A897-8921-812C28302BF1}"/>
+              </a:ext>
+            </a:extLst>
+          </p:cNvPr>
+          <p:cNvSpPr txBox="1">
+            <a:spLocks/>
+          </p:cNvSpPr>
+          <p:nvPr/>
+        </p:nvSpPr>
+        <p:spPr>
+          <a:xfrm>
+            <a:off x="4259062" y="5169358"/>
+            <a:ext cx="7791855" cy="796117"/>
+          </a:xfrm>
+          <a:prstGeom prst="rect">
+            <a:avLst/>
+          </a:prstGeom>
+        </p:spPr>
+        <p:txBody>
+          <a:bodyPr vert="horz" lIns="91440" tIns="45720" rIns="91440" bIns="45720" rtlCol="0">
+            <a:normAutofit lnSpcReduction="10000"/>
+          </a:bodyPr>
+          <a:lstStyle>
+            <a:lvl1pPr marL="342900" indent="-342900" algn="l" defTabSz="457200" rtl="0" eaLnBrk="1" latinLnBrk="0" hangingPunct="1">
+              <a:spcBef>
+                <a:spcPts val="1000"/>
+              </a:spcBef>
+              <a:spcAft>
+                <a:spcPts val="0"/>
+              </a:spcAft>
+              <a:buClr>
+                <a:schemeClr val="bg2">
+                  <a:lumMod val="40000"/>
+                  <a:lumOff val="60000"/>
+                </a:schemeClr>
+              </a:buClr>
+              <a:buSzPct val="80000"/>
+              <a:buFont typeface="Wingdings 3" charset="2"/>
+              <a:buChar char=""/>
+              <a:defRPr sz="2000" b="0" i="0" kern="1200">
+                <a:solidFill>
+                  <a:schemeClr val="tx1"/>
+                </a:solidFill>
+                <a:latin typeface="+mj-lt"/>
+                <a:ea typeface="+mj-ea"/>
+                <a:cs typeface="+mj-cs"/>
+              </a:defRPr>
+            </a:lvl1pPr>
+            <a:lvl2pPr marL="742950" indent="-285750" algn="l" defTabSz="457200" rtl="0" eaLnBrk="1" latinLnBrk="0" hangingPunct="1">
+              <a:spcBef>
+                <a:spcPts val="1000"/>
+              </a:spcBef>
+              <a:spcAft>
+                <a:spcPts val="0"/>
+              </a:spcAft>
+              <a:buClr>
+                <a:schemeClr val="bg2">
+                  <a:lumMod val="40000"/>
+                  <a:lumOff val="60000"/>
+                </a:schemeClr>
+              </a:buClr>
+              <a:buSzPct val="80000"/>
+              <a:buFont typeface="Wingdings 3" charset="2"/>
+              <a:buChar char=""/>
+              <a:defRPr sz="1800" b="0" i="0" kern="1200">
+                <a:solidFill>
+                  <a:schemeClr val="tx1"/>
+                </a:solidFill>
+                <a:latin typeface="+mj-lt"/>
+                <a:ea typeface="+mj-ea"/>
+                <a:cs typeface="+mj-cs"/>
+              </a:defRPr>
+            </a:lvl2pPr>
+            <a:lvl3pPr marL="1143000" indent="-228600" algn="l" defTabSz="457200" rtl="0" eaLnBrk="1" latinLnBrk="0" hangingPunct="1">
+              <a:spcBef>
+                <a:spcPts val="1000"/>
+              </a:spcBef>
+              <a:spcAft>
+                <a:spcPts val="0"/>
+              </a:spcAft>
+              <a:buClr>
+                <a:schemeClr val="bg2">
+                  <a:lumMod val="40000"/>
+                  <a:lumOff val="60000"/>
+                </a:schemeClr>
+              </a:buClr>
+              <a:buSzPct val="80000"/>
+              <a:buFont typeface="Wingdings 3" charset="2"/>
+              <a:buChar char=""/>
+              <a:defRPr sz="1600" b="0" i="0" kern="1200">
+                <a:solidFill>
+                  <a:schemeClr val="tx1"/>
+                </a:solidFill>
+                <a:latin typeface="+mj-lt"/>
+                <a:ea typeface="+mj-ea"/>
+                <a:cs typeface="+mj-cs"/>
+              </a:defRPr>
+            </a:lvl3pPr>
+            <a:lvl4pPr marL="1600200" indent="-228600" algn="l" defTabSz="457200" rtl="0" eaLnBrk="1" latinLnBrk="0" hangingPunct="1">
+              <a:spcBef>
+                <a:spcPts val="1000"/>
+              </a:spcBef>
+              <a:spcAft>
+                <a:spcPts val="0"/>
+              </a:spcAft>
+              <a:buClr>
+                <a:schemeClr val="bg2">
+                  <a:lumMod val="40000"/>
+                  <a:lumOff val="60000"/>
+                </a:schemeClr>
+              </a:buClr>
+              <a:buSzPct val="80000"/>
+              <a:buFont typeface="Wingdings 3" charset="2"/>
+              <a:buChar char=""/>
+              <a:defRPr sz="1400" b="0" i="0" kern="1200">
+                <a:solidFill>
+                  <a:schemeClr val="tx1"/>
+                </a:solidFill>
+                <a:latin typeface="+mj-lt"/>
+                <a:ea typeface="+mj-ea"/>
+                <a:cs typeface="+mj-cs"/>
+              </a:defRPr>
+            </a:lvl4pPr>
+            <a:lvl5pPr marL="2057400" indent="-228600" algn="l" defTabSz="457200" rtl="0" eaLnBrk="1" latinLnBrk="0" hangingPunct="1">
+              <a:spcBef>
+                <a:spcPts val="1000"/>
+              </a:spcBef>
+              <a:spcAft>
+                <a:spcPts val="0"/>
+              </a:spcAft>
+              <a:buClr>
+                <a:schemeClr val="bg2">
+                  <a:lumMod val="40000"/>
+                  <a:lumOff val="60000"/>
+                </a:schemeClr>
+              </a:buClr>
+              <a:buSzPct val="80000"/>
+              <a:buFont typeface="Wingdings 3" charset="2"/>
+              <a:buChar char=""/>
+              <a:defRPr sz="1400" b="0" i="0" kern="1200">
+                <a:solidFill>
+                  <a:schemeClr val="tx1"/>
+                </a:solidFill>
+                <a:latin typeface="+mj-lt"/>
+                <a:ea typeface="+mj-ea"/>
+                <a:cs typeface="+mj-cs"/>
+              </a:defRPr>
+            </a:lvl5pPr>
+            <a:lvl6pPr marL="2506000" indent="-228600" algn="l" defTabSz="457200" rtl="0" eaLnBrk="1" latinLnBrk="0" hangingPunct="1">
+              <a:spcBef>
+                <a:spcPts val="1000"/>
+              </a:spcBef>
+              <a:spcAft>
+                <a:spcPts val="0"/>
+              </a:spcAft>
+              <a:buClr>
+                <a:schemeClr val="bg2">
+                  <a:lumMod val="40000"/>
+                  <a:lumOff val="60000"/>
+                </a:schemeClr>
+              </a:buClr>
+              <a:buSzPct val="80000"/>
+              <a:buFont typeface="Wingdings 3" charset="2"/>
+              <a:buChar char=""/>
+              <a:defRPr sz="1400" b="0" i="0" kern="1200">
+                <a:solidFill>
+                  <a:schemeClr val="tx1"/>
+                </a:solidFill>
+                <a:latin typeface="+mj-lt"/>
+                <a:ea typeface="+mj-ea"/>
+                <a:cs typeface="+mj-cs"/>
+              </a:defRPr>
+            </a:lvl6pPr>
+            <a:lvl7pPr marL="2971800" indent="-228600" algn="l" defTabSz="457200" rtl="0" eaLnBrk="1" latinLnBrk="0" hangingPunct="1">
+              <a:spcBef>
+                <a:spcPts val="1000"/>
+              </a:spcBef>
+              <a:spcAft>
+                <a:spcPts val="0"/>
+              </a:spcAft>
+              <a:buClr>
+                <a:schemeClr val="bg2">
+                  <a:lumMod val="40000"/>
+                  <a:lumOff val="60000"/>
+                </a:schemeClr>
+              </a:buClr>
+              <a:buSzPct val="80000"/>
+              <a:buFont typeface="Wingdings 3" charset="2"/>
+              <a:buChar char=""/>
+              <a:defRPr sz="1400" b="0" i="0" kern="1200">
+                <a:solidFill>
+                  <a:schemeClr val="tx1"/>
+                </a:solidFill>
+                <a:latin typeface="+mj-lt"/>
+                <a:ea typeface="+mj-ea"/>
+                <a:cs typeface="+mj-cs"/>
+              </a:defRPr>
+            </a:lvl7pPr>
+            <a:lvl8pPr marL="3429000" indent="-228600" algn="l" defTabSz="457200" rtl="0" eaLnBrk="1" latinLnBrk="0" hangingPunct="1">
+              <a:spcBef>
+                <a:spcPts val="1000"/>
+              </a:spcBef>
+              <a:spcAft>
+                <a:spcPts val="0"/>
+              </a:spcAft>
+              <a:buClr>
+                <a:schemeClr val="bg2">
+                  <a:lumMod val="40000"/>
+                  <a:lumOff val="60000"/>
+                </a:schemeClr>
+              </a:buClr>
+              <a:buSzPct val="80000"/>
+              <a:buFont typeface="Wingdings 3" charset="2"/>
+              <a:buChar char=""/>
+              <a:defRPr sz="1400" b="0" i="0" kern="1200">
+                <a:solidFill>
+                  <a:schemeClr val="tx1"/>
+                </a:solidFill>
+                <a:latin typeface="+mj-lt"/>
+                <a:ea typeface="+mj-ea"/>
+                <a:cs typeface="+mj-cs"/>
+              </a:defRPr>
+            </a:lvl8pPr>
+            <a:lvl9pPr marL="3886200" indent="-228600" algn="l" defTabSz="457200" rtl="0" eaLnBrk="1" latinLnBrk="0" hangingPunct="1">
+              <a:spcBef>
+                <a:spcPts val="1000"/>
+              </a:spcBef>
+              <a:spcAft>
+                <a:spcPts val="0"/>
+              </a:spcAft>
+              <a:buClr>
+                <a:schemeClr val="bg2">
+                  <a:lumMod val="40000"/>
+                  <a:lumOff val="60000"/>
+                </a:schemeClr>
+              </a:buClr>
+              <a:buSzPct val="80000"/>
+              <a:buFont typeface="Wingdings 3" charset="2"/>
+              <a:buChar char=""/>
+              <a:defRPr sz="1400" b="0" i="0" kern="1200">
+                <a:solidFill>
+                  <a:schemeClr val="tx1"/>
+                </a:solidFill>
+                <a:latin typeface="+mj-lt"/>
+                <a:ea typeface="+mj-ea"/>
+                <a:cs typeface="+mj-cs"/>
+              </a:defRPr>
+            </a:lvl9pPr>
+          </a:lstStyle>
+          <a:p>
+            <a:r>
+              <a:rPr lang="hr-HR" dirty="0">
+                <a:solidFill>
+                  <a:srgbClr val="EBEBEB"/>
+                </a:solidFill>
+              </a:rPr>
+              <a:t>Galerija za slike demosa i svega neformalnog</a:t>
+            </a:r>
+          </a:p>
+          <a:p>
+            <a:r>
+              <a:rPr lang="hr-HR" dirty="0">
+                <a:solidFill>
+                  <a:srgbClr val="EBEBEB"/>
+                </a:solidFill>
+              </a:rPr>
+              <a:t>Slike može uplaodati/micati samo Admin</a:t>
+            </a:r>
+          </a:p>
+        </p:txBody>
+      </p:sp>
+    </p:spTree>
+    <p:extLst>
+      <p:ext uri="{BB962C8B-B14F-4D97-AF65-F5344CB8AC3E}">
+        <p14:creationId xmlns:p14="http://schemas.microsoft.com/office/powerpoint/2010/main" val="753475647"/>
+      </p:ext>
+    </p:extLst>
+  </p:cSld>
+  <p:clrMapOvr>
+    <a:masterClrMapping/>
+  </p:clrMapOvr>
+</p:sld>
+</file>
+
+<file path=ppt/slides/slide11.xml><?xml version="1.0" encoding="utf-8"?>
+<p:sld xmlns:a="http://schemas.openxmlformats.org/drawingml/2006/main" xmlns:r="http://schemas.openxmlformats.org/officeDocument/2006/relationships" xmlns:p="http://schemas.openxmlformats.org/presentationml/2006/main">
+  <p:cSld>
+    <p:bg>
+      <p:bgPr>
         <a:solidFill>
           <a:schemeClr val="bg1">
             <a:lumMod val="85000"/>
@@ -7324,7 +9071,7 @@
           <p:cNvPr id="2" name="Title 1">
             <a:extLst>
               <a:ext uri="{FF2B5EF4-FFF2-40B4-BE49-F238E27FC236}">
-                <a16:creationId xmlns:a16="http://schemas.microsoft.com/office/drawing/2014/main" id="{2BE2B028-0D59-B19F-C36F-340FAA48809F}"/>
+                <a16:creationId xmlns:a16="http://schemas.microsoft.com/office/drawing/2014/main" id="{49517801-4538-CD1D-C35A-70F466409393}"/>
               </a:ext>
             </a:extLst>
           </p:cNvPr>
@@ -7353,7 +9100,7 @@
                   <a:srgbClr val="FFFFFF"/>
                 </a:solidFill>
               </a:rPr>
-              <a:t>Galerija</a:t>
+              <a:t>Popis svih demosa</a:t>
             </a:r>
             <a:endParaRPr lang="en-US" dirty="0">
               <a:solidFill>
@@ -7368,7 +9115,7 @@
           <p:cNvPr id="3" name="Content Placeholder 2">
             <a:extLst>
               <a:ext uri="{FF2B5EF4-FFF2-40B4-BE49-F238E27FC236}">
-                <a16:creationId xmlns:a16="http://schemas.microsoft.com/office/drawing/2014/main" id="{16D705D6-E06E-1C92-ADC4-8FA1374E25E2}"/>
+                <a16:creationId xmlns:a16="http://schemas.microsoft.com/office/drawing/2014/main" id="{25F72908-B1E2-279B-5DC2-E358AE1D7C9F}"/>
               </a:ext>
             </a:extLst>
           </p:cNvPr>
@@ -7400,7 +9147,7 @@
           <p:cNvPr id="5" name="Picture 4">
             <a:extLst>
               <a:ext uri="{FF2B5EF4-FFF2-40B4-BE49-F238E27FC236}">
-                <a16:creationId xmlns:a16="http://schemas.microsoft.com/office/drawing/2014/main" id="{C72A5182-1867-57B8-7ADB-044DCEA30403}"/>
+                <a16:creationId xmlns:a16="http://schemas.microsoft.com/office/drawing/2014/main" id="{D3161197-D2A3-3C61-D7A4-A36B66462D31}"/>
               </a:ext>
             </a:extLst>
           </p:cNvPr>
@@ -7417,8 +9164,8 @@
         </p:blipFill>
         <p:spPr>
           <a:xfrm>
-            <a:off x="933855" y="1709702"/>
-            <a:ext cx="10515600" cy="3438434"/>
+            <a:off x="533400" y="2167492"/>
+            <a:ext cx="11125200" cy="3286125"/>
           </a:xfrm>
           <a:prstGeom prst="rect">
             <a:avLst/>
@@ -7428,7 +9175,7 @@
     </p:spTree>
     <p:extLst>
       <p:ext uri="{BB962C8B-B14F-4D97-AF65-F5344CB8AC3E}">
-        <p14:creationId xmlns:p14="http://schemas.microsoft.com/office/powerpoint/2010/main" val="753475647"/>
+        <p14:creationId xmlns:p14="http://schemas.microsoft.com/office/powerpoint/2010/main" val="1781346833"/>
       </p:ext>
     </p:extLst>
   </p:cSld>
@@ -7438,7 +9185,1229 @@
 </p:sld>
 </file>
 
-<file path=ppt/slides/slide11.xml><?xml version="1.0" encoding="utf-8"?>
+<file path=ppt/slides/slide12.xml><?xml version="1.0" encoding="utf-8"?>
+<p:sld xmlns:a="http://schemas.openxmlformats.org/drawingml/2006/main" xmlns:r="http://schemas.openxmlformats.org/officeDocument/2006/relationships" xmlns:p="http://schemas.openxmlformats.org/presentationml/2006/main">
+  <p:cSld>
+    <p:bg>
+      <p:bgPr>
+        <a:blipFill rotWithShape="1">
+          <a:blip r:embed="rId2">
+            <a:duotone>
+              <a:schemeClr val="bg2">
+                <a:shade val="69000"/>
+                <a:hueMod val="108000"/>
+                <a:satMod val="164000"/>
+                <a:lumMod val="74000"/>
+              </a:schemeClr>
+              <a:schemeClr val="bg2">
+                <a:tint val="96000"/>
+                <a:hueMod val="88000"/>
+                <a:satMod val="140000"/>
+                <a:lumMod val="132000"/>
+              </a:schemeClr>
+            </a:duotone>
+          </a:blip>
+          <a:stretch/>
+        </a:blipFill>
+        <a:effectLst/>
+      </p:bgPr>
+    </p:bg>
+    <p:spTree>
+      <p:nvGrpSpPr>
+        <p:cNvPr id="1" name=""/>
+        <p:cNvGrpSpPr/>
+        <p:nvPr/>
+      </p:nvGrpSpPr>
+      <p:grpSpPr>
+        <a:xfrm>
+          <a:off x="0" y="0"/>
+          <a:ext cx="0" cy="0"/>
+          <a:chOff x="0" y="0"/>
+          <a:chExt cx="0" cy="0"/>
+        </a:xfrm>
+      </p:grpSpPr>
+      <p:sp>
+        <p:nvSpPr>
+          <p:cNvPr id="2" name="Title 1">
+            <a:extLst>
+              <a:ext uri="{FF2B5EF4-FFF2-40B4-BE49-F238E27FC236}">
+                <a16:creationId xmlns:a16="http://schemas.microsoft.com/office/drawing/2014/main" id="{9FF5CC05-6745-AD14-68B1-11D3358827E3}"/>
+              </a:ext>
+            </a:extLst>
+          </p:cNvPr>
+          <p:cNvSpPr>
+            <a:spLocks noGrp="1"/>
+          </p:cNvSpPr>
+          <p:nvPr>
+            <p:ph type="title"/>
+          </p:nvPr>
+        </p:nvSpPr>
+        <p:spPr>
+          <a:xfrm>
+            <a:off x="646112" y="452718"/>
+            <a:ext cx="5629222" cy="1400530"/>
+          </a:xfrm>
+        </p:spPr>
+        <p:txBody>
+          <a:bodyPr>
+            <a:normAutofit/>
+          </a:bodyPr>
+          <a:lstStyle/>
+          <a:p>
+            <a:r>
+              <a:rPr lang="hr-HR"/>
+              <a:t>Postavke</a:t>
+            </a:r>
+            <a:endParaRPr lang="en-US"/>
+          </a:p>
+        </p:txBody>
+      </p:sp>
+      <p:sp>
+        <p:nvSpPr>
+          <p:cNvPr id="30" name="Freeform: Shape 29">
+            <a:extLst>
+              <a:ext uri="{FF2B5EF4-FFF2-40B4-BE49-F238E27FC236}">
+                <a16:creationId xmlns:a16="http://schemas.microsoft.com/office/drawing/2014/main" id="{B52D69C2-6C47-427C-AE60-582FE30B22A7}"/>
+              </a:ext>
+              <a:ext uri="{C183D7F6-B498-43B3-948B-1728B52AA6E4}">
+                <adec:decorative xmlns:adec="http://schemas.microsoft.com/office/drawing/2017/decorative" val="1"/>
+              </a:ext>
+            </a:extLst>
+          </p:cNvPr>
+          <p:cNvSpPr>
+            <a:spLocks noGrp="1" noRot="1" noChangeAspect="1" noMove="1" noResize="1" noEditPoints="1" noAdjustHandles="1" noChangeArrowheads="1" noChangeShapeType="1" noTextEdit="1"/>
+          </p:cNvSpPr>
+          <p:nvPr>
+            <p:extLst>
+              <p:ext uri="{386F3935-93C4-4BCD-93E2-E3B085C9AB24}">
+                <p16:designElem xmlns:p16="http://schemas.microsoft.com/office/powerpoint/2015/main" val="1"/>
+              </p:ext>
+            </p:extLst>
+          </p:nvPr>
+        </p:nvSpPr>
+        <p:spPr bwMode="gray">
+          <a:xfrm rot="16200000">
+            <a:off x="5998731" y="664312"/>
+            <a:ext cx="6858001" cy="5529377"/>
+          </a:xfrm>
+          <a:custGeom>
+            <a:avLst/>
+            <a:gdLst>
+              <a:gd name="connsiteX0" fmla="*/ 6858001 w 6858001"/>
+              <a:gd name="connsiteY0" fmla="*/ 1177 h 5529377"/>
+              <a:gd name="connsiteX1" fmla="*/ 6858001 w 6858001"/>
+              <a:gd name="connsiteY1" fmla="*/ 1344715 h 5529377"/>
+              <a:gd name="connsiteX2" fmla="*/ 6858000 w 6858001"/>
+              <a:gd name="connsiteY2" fmla="*/ 1344715 h 5529377"/>
+              <a:gd name="connsiteX3" fmla="*/ 6858000 w 6858001"/>
+              <a:gd name="connsiteY3" fmla="*/ 5529377 h 5529377"/>
+              <a:gd name="connsiteX4" fmla="*/ 0 w 6858001"/>
+              <a:gd name="connsiteY4" fmla="*/ 5529376 h 5529377"/>
+              <a:gd name="connsiteX5" fmla="*/ 0 w 6858001"/>
+              <a:gd name="connsiteY5" fmla="*/ 891096 h 5529377"/>
+              <a:gd name="connsiteX6" fmla="*/ 1 w 6858001"/>
+              <a:gd name="connsiteY6" fmla="*/ 891096 h 5529377"/>
+              <a:gd name="connsiteX7" fmla="*/ 1 w 6858001"/>
+              <a:gd name="connsiteY7" fmla="*/ 0 h 5529377"/>
+              <a:gd name="connsiteX8" fmla="*/ 40463 w 6858001"/>
+              <a:gd name="connsiteY8" fmla="*/ 5883 h 5529377"/>
+              <a:gd name="connsiteX9" fmla="*/ 159107 w 6858001"/>
+              <a:gd name="connsiteY9" fmla="*/ 23196 h 5529377"/>
+              <a:gd name="connsiteX10" fmla="*/ 245518 w 6858001"/>
+              <a:gd name="connsiteY10" fmla="*/ 35299 h 5529377"/>
+              <a:gd name="connsiteX11" fmla="*/ 348388 w 6858001"/>
+              <a:gd name="connsiteY11" fmla="*/ 48073 h 5529377"/>
+              <a:gd name="connsiteX12" fmla="*/ 470460 w 6858001"/>
+              <a:gd name="connsiteY12" fmla="*/ 63369 h 5529377"/>
+              <a:gd name="connsiteX13" fmla="*/ 605563 w 6858001"/>
+              <a:gd name="connsiteY13" fmla="*/ 79506 h 5529377"/>
+              <a:gd name="connsiteX14" fmla="*/ 757810 w 6858001"/>
+              <a:gd name="connsiteY14" fmla="*/ 96483 h 5529377"/>
+              <a:gd name="connsiteX15" fmla="*/ 923774 w 6858001"/>
+              <a:gd name="connsiteY15" fmla="*/ 114469 h 5529377"/>
+              <a:gd name="connsiteX16" fmla="*/ 1104139 w 6858001"/>
+              <a:gd name="connsiteY16" fmla="*/ 132454 h 5529377"/>
+              <a:gd name="connsiteX17" fmla="*/ 1296163 w 6858001"/>
+              <a:gd name="connsiteY17" fmla="*/ 150776 h 5529377"/>
+              <a:gd name="connsiteX18" fmla="*/ 1503275 w 6858001"/>
+              <a:gd name="connsiteY18" fmla="*/ 167753 h 5529377"/>
+              <a:gd name="connsiteX19" fmla="*/ 1719988 w 6858001"/>
+              <a:gd name="connsiteY19" fmla="*/ 184058 h 5529377"/>
+              <a:gd name="connsiteX20" fmla="*/ 1949045 w 6858001"/>
+              <a:gd name="connsiteY20" fmla="*/ 198849 h 5529377"/>
+              <a:gd name="connsiteX21" fmla="*/ 2187703 w 6858001"/>
+              <a:gd name="connsiteY21" fmla="*/ 212969 h 5529377"/>
+              <a:gd name="connsiteX22" fmla="*/ 2436649 w 6858001"/>
+              <a:gd name="connsiteY22" fmla="*/ 226248 h 5529377"/>
+              <a:gd name="connsiteX23" fmla="*/ 2564208 w 6858001"/>
+              <a:gd name="connsiteY23" fmla="*/ 230955 h 5529377"/>
+              <a:gd name="connsiteX24" fmla="*/ 2694509 w 6858001"/>
+              <a:gd name="connsiteY24" fmla="*/ 236165 h 5529377"/>
+              <a:gd name="connsiteX25" fmla="*/ 2826868 w 6858001"/>
+              <a:gd name="connsiteY25" fmla="*/ 241040 h 5529377"/>
+              <a:gd name="connsiteX26" fmla="*/ 2959914 w 6858001"/>
+              <a:gd name="connsiteY26" fmla="*/ 244234 h 5529377"/>
+              <a:gd name="connsiteX27" fmla="*/ 3095702 w 6858001"/>
+              <a:gd name="connsiteY27" fmla="*/ 247091 h 5529377"/>
+              <a:gd name="connsiteX28" fmla="*/ 3232862 w 6858001"/>
+              <a:gd name="connsiteY28" fmla="*/ 250117 h 5529377"/>
+              <a:gd name="connsiteX29" fmla="*/ 3372765 w 6858001"/>
+              <a:gd name="connsiteY29" fmla="*/ 252134 h 5529377"/>
+              <a:gd name="connsiteX30" fmla="*/ 3514040 w 6858001"/>
+              <a:gd name="connsiteY30" fmla="*/ 252134 h 5529377"/>
+              <a:gd name="connsiteX31" fmla="*/ 3656686 w 6858001"/>
+              <a:gd name="connsiteY31" fmla="*/ 253142 h 5529377"/>
+              <a:gd name="connsiteX32" fmla="*/ 3800704 w 6858001"/>
+              <a:gd name="connsiteY32" fmla="*/ 252134 h 5529377"/>
+              <a:gd name="connsiteX33" fmla="*/ 3946780 w 6858001"/>
+              <a:gd name="connsiteY33" fmla="*/ 250117 h 5529377"/>
+              <a:gd name="connsiteX34" fmla="*/ 4092855 w 6858001"/>
+              <a:gd name="connsiteY34" fmla="*/ 248268 h 5529377"/>
+              <a:gd name="connsiteX35" fmla="*/ 4240988 w 6858001"/>
+              <a:gd name="connsiteY35" fmla="*/ 244234 h 5529377"/>
+              <a:gd name="connsiteX36" fmla="*/ 4390492 w 6858001"/>
+              <a:gd name="connsiteY36" fmla="*/ 240032 h 5529377"/>
+              <a:gd name="connsiteX37" fmla="*/ 4539997 w 6858001"/>
+              <a:gd name="connsiteY37" fmla="*/ 235157 h 5529377"/>
+              <a:gd name="connsiteX38" fmla="*/ 4690873 w 6858001"/>
+              <a:gd name="connsiteY38" fmla="*/ 228266 h 5529377"/>
+              <a:gd name="connsiteX39" fmla="*/ 4843120 w 6858001"/>
+              <a:gd name="connsiteY39" fmla="*/ 220029 h 5529377"/>
+              <a:gd name="connsiteX40" fmla="*/ 4996054 w 6858001"/>
+              <a:gd name="connsiteY40" fmla="*/ 212129 h 5529377"/>
+              <a:gd name="connsiteX41" fmla="*/ 5148987 w 6858001"/>
+              <a:gd name="connsiteY41" fmla="*/ 202044 h 5529377"/>
+              <a:gd name="connsiteX42" fmla="*/ 5303978 w 6858001"/>
+              <a:gd name="connsiteY42" fmla="*/ 189941 h 5529377"/>
+              <a:gd name="connsiteX43" fmla="*/ 5456911 w 6858001"/>
+              <a:gd name="connsiteY43" fmla="*/ 177839 h 5529377"/>
+              <a:gd name="connsiteX44" fmla="*/ 5612588 w 6858001"/>
+              <a:gd name="connsiteY44" fmla="*/ 163887 h 5529377"/>
+              <a:gd name="connsiteX45" fmla="*/ 5768950 w 6858001"/>
+              <a:gd name="connsiteY45" fmla="*/ 148591 h 5529377"/>
+              <a:gd name="connsiteX46" fmla="*/ 5923255 w 6858001"/>
+              <a:gd name="connsiteY46" fmla="*/ 132455 h 5529377"/>
+              <a:gd name="connsiteX47" fmla="*/ 6079618 w 6858001"/>
+              <a:gd name="connsiteY47" fmla="*/ 113629 h 5529377"/>
+              <a:gd name="connsiteX48" fmla="*/ 6235294 w 6858001"/>
+              <a:gd name="connsiteY48" fmla="*/ 93458 h 5529377"/>
+              <a:gd name="connsiteX49" fmla="*/ 6391657 w 6858001"/>
+              <a:gd name="connsiteY49" fmla="*/ 73455 h 5529377"/>
+              <a:gd name="connsiteX50" fmla="*/ 6547333 w 6858001"/>
+              <a:gd name="connsiteY50" fmla="*/ 50091 h 5529377"/>
+              <a:gd name="connsiteX51" fmla="*/ 6702324 w 6858001"/>
+              <a:gd name="connsiteY51" fmla="*/ 26222 h 5529377"/>
+            </a:gdLst>
+            <a:ahLst/>
+            <a:cxnLst>
+              <a:cxn ang="0">
+                <a:pos x="connsiteX0" y="connsiteY0"/>
+              </a:cxn>
+              <a:cxn ang="0">
+                <a:pos x="connsiteX1" y="connsiteY1"/>
+              </a:cxn>
+              <a:cxn ang="0">
+                <a:pos x="connsiteX2" y="connsiteY2"/>
+              </a:cxn>
+              <a:cxn ang="0">
+                <a:pos x="connsiteX3" y="connsiteY3"/>
+              </a:cxn>
+              <a:cxn ang="0">
+                <a:pos x="connsiteX4" y="connsiteY4"/>
+              </a:cxn>
+              <a:cxn ang="0">
+                <a:pos x="connsiteX5" y="connsiteY5"/>
+              </a:cxn>
+              <a:cxn ang="0">
+                <a:pos x="connsiteX6" y="connsiteY6"/>
+              </a:cxn>
+              <a:cxn ang="0">
+                <a:pos x="connsiteX7" y="connsiteY7"/>
+              </a:cxn>
+              <a:cxn ang="0">
+                <a:pos x="connsiteX8" y="connsiteY8"/>
+              </a:cxn>
+              <a:cxn ang="0">
+                <a:pos x="connsiteX9" y="connsiteY9"/>
+              </a:cxn>
+              <a:cxn ang="0">
+                <a:pos x="connsiteX10" y="connsiteY10"/>
+              </a:cxn>
+              <a:cxn ang="0">
+                <a:pos x="connsiteX11" y="connsiteY11"/>
+              </a:cxn>
+              <a:cxn ang="0">
+                <a:pos x="connsiteX12" y="connsiteY12"/>
+              </a:cxn>
+              <a:cxn ang="0">
+                <a:pos x="connsiteX13" y="connsiteY13"/>
+              </a:cxn>
+              <a:cxn ang="0">
+                <a:pos x="connsiteX14" y="connsiteY14"/>
+              </a:cxn>
+              <a:cxn ang="0">
+                <a:pos x="connsiteX15" y="connsiteY15"/>
+              </a:cxn>
+              <a:cxn ang="0">
+                <a:pos x="connsiteX16" y="connsiteY16"/>
+              </a:cxn>
+              <a:cxn ang="0">
+                <a:pos x="connsiteX17" y="connsiteY17"/>
+              </a:cxn>
+              <a:cxn ang="0">
+                <a:pos x="connsiteX18" y="connsiteY18"/>
+              </a:cxn>
+              <a:cxn ang="0">
+                <a:pos x="connsiteX19" y="connsiteY19"/>
+              </a:cxn>
+              <a:cxn ang="0">
+                <a:pos x="connsiteX20" y="connsiteY20"/>
+              </a:cxn>
+              <a:cxn ang="0">
+                <a:pos x="connsiteX21" y="connsiteY21"/>
+              </a:cxn>
+              <a:cxn ang="0">
+                <a:pos x="connsiteX22" y="connsiteY22"/>
+              </a:cxn>
+              <a:cxn ang="0">
+                <a:pos x="connsiteX23" y="connsiteY23"/>
+              </a:cxn>
+              <a:cxn ang="0">
+                <a:pos x="connsiteX24" y="connsiteY24"/>
+              </a:cxn>
+              <a:cxn ang="0">
+                <a:pos x="connsiteX25" y="connsiteY25"/>
+              </a:cxn>
+              <a:cxn ang="0">
+                <a:pos x="connsiteX26" y="connsiteY26"/>
+              </a:cxn>
+              <a:cxn ang="0">
+                <a:pos x="connsiteX27" y="connsiteY27"/>
+              </a:cxn>
+              <a:cxn ang="0">
+                <a:pos x="connsiteX28" y="connsiteY28"/>
+              </a:cxn>
+              <a:cxn ang="0">
+                <a:pos x="connsiteX29" y="connsiteY29"/>
+              </a:cxn>
+              <a:cxn ang="0">
+                <a:pos x="connsiteX30" y="connsiteY30"/>
+              </a:cxn>
+              <a:cxn ang="0">
+                <a:pos x="connsiteX31" y="connsiteY31"/>
+              </a:cxn>
+              <a:cxn ang="0">
+                <a:pos x="connsiteX32" y="connsiteY32"/>
+              </a:cxn>
+              <a:cxn ang="0">
+                <a:pos x="connsiteX33" y="connsiteY33"/>
+              </a:cxn>
+              <a:cxn ang="0">
+                <a:pos x="connsiteX34" y="connsiteY34"/>
+              </a:cxn>
+              <a:cxn ang="0">
+                <a:pos x="connsiteX35" y="connsiteY35"/>
+              </a:cxn>
+              <a:cxn ang="0">
+                <a:pos x="connsiteX36" y="connsiteY36"/>
+              </a:cxn>
+              <a:cxn ang="0">
+                <a:pos x="connsiteX37" y="connsiteY37"/>
+              </a:cxn>
+              <a:cxn ang="0">
+                <a:pos x="connsiteX38" y="connsiteY38"/>
+              </a:cxn>
+              <a:cxn ang="0">
+                <a:pos x="connsiteX39" y="connsiteY39"/>
+              </a:cxn>
+              <a:cxn ang="0">
+                <a:pos x="connsiteX40" y="connsiteY40"/>
+              </a:cxn>
+              <a:cxn ang="0">
+                <a:pos x="connsiteX41" y="connsiteY41"/>
+              </a:cxn>
+              <a:cxn ang="0">
+                <a:pos x="connsiteX42" y="connsiteY42"/>
+              </a:cxn>
+              <a:cxn ang="0">
+                <a:pos x="connsiteX43" y="connsiteY43"/>
+              </a:cxn>
+              <a:cxn ang="0">
+                <a:pos x="connsiteX44" y="connsiteY44"/>
+              </a:cxn>
+              <a:cxn ang="0">
+                <a:pos x="connsiteX45" y="connsiteY45"/>
+              </a:cxn>
+              <a:cxn ang="0">
+                <a:pos x="connsiteX46" y="connsiteY46"/>
+              </a:cxn>
+              <a:cxn ang="0">
+                <a:pos x="connsiteX47" y="connsiteY47"/>
+              </a:cxn>
+              <a:cxn ang="0">
+                <a:pos x="connsiteX48" y="connsiteY48"/>
+              </a:cxn>
+              <a:cxn ang="0">
+                <a:pos x="connsiteX49" y="connsiteY49"/>
+              </a:cxn>
+              <a:cxn ang="0">
+                <a:pos x="connsiteX50" y="connsiteY50"/>
+              </a:cxn>
+              <a:cxn ang="0">
+                <a:pos x="connsiteX51" y="connsiteY51"/>
+              </a:cxn>
+            </a:cxnLst>
+            <a:rect l="l" t="t" r="r" b="b"/>
+            <a:pathLst>
+              <a:path w="6858001" h="5529377">
+                <a:moveTo>
+                  <a:pt x="6858001" y="1177"/>
+                </a:moveTo>
+                <a:lnTo>
+                  <a:pt x="6858001" y="1344715"/>
+                </a:lnTo>
+                <a:lnTo>
+                  <a:pt x="6858000" y="1344715"/>
+                </a:lnTo>
+                <a:lnTo>
+                  <a:pt x="6858000" y="5529377"/>
+                </a:lnTo>
+                <a:lnTo>
+                  <a:pt x="0" y="5529376"/>
+                </a:lnTo>
+                <a:lnTo>
+                  <a:pt x="0" y="891096"/>
+                </a:lnTo>
+                <a:lnTo>
+                  <a:pt x="1" y="891096"/>
+                </a:lnTo>
+                <a:lnTo>
+                  <a:pt x="1" y="0"/>
+                </a:lnTo>
+                <a:lnTo>
+                  <a:pt x="40463" y="5883"/>
+                </a:lnTo>
+                <a:lnTo>
+                  <a:pt x="159107" y="23196"/>
+                </a:lnTo>
+                <a:lnTo>
+                  <a:pt x="245518" y="35299"/>
+                </a:lnTo>
+                <a:lnTo>
+                  <a:pt x="348388" y="48073"/>
+                </a:lnTo>
+                <a:lnTo>
+                  <a:pt x="470460" y="63369"/>
+                </a:lnTo>
+                <a:lnTo>
+                  <a:pt x="605563" y="79506"/>
+                </a:lnTo>
+                <a:lnTo>
+                  <a:pt x="757810" y="96483"/>
+                </a:lnTo>
+                <a:lnTo>
+                  <a:pt x="923774" y="114469"/>
+                </a:lnTo>
+                <a:lnTo>
+                  <a:pt x="1104139" y="132454"/>
+                </a:lnTo>
+                <a:lnTo>
+                  <a:pt x="1296163" y="150776"/>
+                </a:lnTo>
+                <a:lnTo>
+                  <a:pt x="1503275" y="167753"/>
+                </a:lnTo>
+                <a:lnTo>
+                  <a:pt x="1719988" y="184058"/>
+                </a:lnTo>
+                <a:lnTo>
+                  <a:pt x="1949045" y="198849"/>
+                </a:lnTo>
+                <a:lnTo>
+                  <a:pt x="2187703" y="212969"/>
+                </a:lnTo>
+                <a:lnTo>
+                  <a:pt x="2436649" y="226248"/>
+                </a:lnTo>
+                <a:lnTo>
+                  <a:pt x="2564208" y="230955"/>
+                </a:lnTo>
+                <a:lnTo>
+                  <a:pt x="2694509" y="236165"/>
+                </a:lnTo>
+                <a:lnTo>
+                  <a:pt x="2826868" y="241040"/>
+                </a:lnTo>
+                <a:lnTo>
+                  <a:pt x="2959914" y="244234"/>
+                </a:lnTo>
+                <a:lnTo>
+                  <a:pt x="3095702" y="247091"/>
+                </a:lnTo>
+                <a:lnTo>
+                  <a:pt x="3232862" y="250117"/>
+                </a:lnTo>
+                <a:lnTo>
+                  <a:pt x="3372765" y="252134"/>
+                </a:lnTo>
+                <a:lnTo>
+                  <a:pt x="3514040" y="252134"/>
+                </a:lnTo>
+                <a:lnTo>
+                  <a:pt x="3656686" y="253142"/>
+                </a:lnTo>
+                <a:lnTo>
+                  <a:pt x="3800704" y="252134"/>
+                </a:lnTo>
+                <a:lnTo>
+                  <a:pt x="3946780" y="250117"/>
+                </a:lnTo>
+                <a:lnTo>
+                  <a:pt x="4092855" y="248268"/>
+                </a:lnTo>
+                <a:lnTo>
+                  <a:pt x="4240988" y="244234"/>
+                </a:lnTo>
+                <a:lnTo>
+                  <a:pt x="4390492" y="240032"/>
+                </a:lnTo>
+                <a:lnTo>
+                  <a:pt x="4539997" y="235157"/>
+                </a:lnTo>
+                <a:lnTo>
+                  <a:pt x="4690873" y="228266"/>
+                </a:lnTo>
+                <a:lnTo>
+                  <a:pt x="4843120" y="220029"/>
+                </a:lnTo>
+                <a:lnTo>
+                  <a:pt x="4996054" y="212129"/>
+                </a:lnTo>
+                <a:lnTo>
+                  <a:pt x="5148987" y="202044"/>
+                </a:lnTo>
+                <a:lnTo>
+                  <a:pt x="5303978" y="189941"/>
+                </a:lnTo>
+                <a:lnTo>
+                  <a:pt x="5456911" y="177839"/>
+                </a:lnTo>
+                <a:lnTo>
+                  <a:pt x="5612588" y="163887"/>
+                </a:lnTo>
+                <a:lnTo>
+                  <a:pt x="5768950" y="148591"/>
+                </a:lnTo>
+                <a:lnTo>
+                  <a:pt x="5923255" y="132455"/>
+                </a:lnTo>
+                <a:lnTo>
+                  <a:pt x="6079618" y="113629"/>
+                </a:lnTo>
+                <a:lnTo>
+                  <a:pt x="6235294" y="93458"/>
+                </a:lnTo>
+                <a:lnTo>
+                  <a:pt x="6391657" y="73455"/>
+                </a:lnTo>
+                <a:lnTo>
+                  <a:pt x="6547333" y="50091"/>
+                </a:lnTo>
+                <a:lnTo>
+                  <a:pt x="6702324" y="26222"/>
+                </a:lnTo>
+                <a:close/>
+              </a:path>
+            </a:pathLst>
+          </a:custGeom>
+          <a:solidFill>
+            <a:srgbClr val="FFFFFF"/>
+          </a:solidFill>
+          <a:ln>
+            <a:noFill/>
+          </a:ln>
+        </p:spPr>
+        <p:txBody>
+          <a:bodyPr/>
+          <a:lstStyle/>
+          <a:p>
+            <a:endParaRPr lang="en-US"/>
+          </a:p>
+        </p:txBody>
+      </p:sp>
+      <p:sp>
+        <p:nvSpPr>
+          <p:cNvPr id="32" name="Freeform 7">
+            <a:extLst>
+              <a:ext uri="{FF2B5EF4-FFF2-40B4-BE49-F238E27FC236}">
+                <a16:creationId xmlns:a16="http://schemas.microsoft.com/office/drawing/2014/main" id="{E849FE61-12C4-4A06-A722-B545DE0C8A24}"/>
+              </a:ext>
+              <a:ext uri="{C183D7F6-B498-43B3-948B-1728B52AA6E4}">
+                <adec:decorative xmlns:adec="http://schemas.microsoft.com/office/drawing/2017/decorative" val="1"/>
+              </a:ext>
+            </a:extLst>
+          </p:cNvPr>
+          <p:cNvSpPr>
+            <a:spLocks noGrp="1" noRot="1" noChangeAspect="1" noMove="1" noResize="1" noEditPoints="1" noAdjustHandles="1" noChangeArrowheads="1" noChangeShapeType="1" noTextEdit="1"/>
+          </p:cNvSpPr>
+          <p:nvPr>
+            <p:extLst>
+              <p:ext uri="{386F3935-93C4-4BCD-93E2-E3B085C9AB24}">
+                <p16:designElem xmlns:p16="http://schemas.microsoft.com/office/powerpoint/2015/main" val="1"/>
+              </p:ext>
+            </p:extLst>
+          </p:nvPr>
+        </p:nvSpPr>
+        <p:spPr>
+          <a:xfrm>
+            <a:off x="6449843" y="-1"/>
+            <a:ext cx="559472" cy="3709642"/>
+          </a:xfrm>
+          <a:custGeom>
+            <a:avLst/>
+            <a:gdLst>
+              <a:gd name="connsiteX0" fmla="*/ 0 w 559472"/>
+              <a:gd name="connsiteY0" fmla="*/ 0 h 3709642"/>
+              <a:gd name="connsiteX1" fmla="*/ 473952 w 559472"/>
+              <a:gd name="connsiteY1" fmla="*/ 0 h 3709642"/>
+              <a:gd name="connsiteX2" fmla="*/ 485840 w 559472"/>
+              <a:gd name="connsiteY2" fmla="*/ 161194 h 3709642"/>
+              <a:gd name="connsiteX3" fmla="*/ 523949 w 559472"/>
+              <a:gd name="connsiteY3" fmla="*/ 3672197 h 3709642"/>
+              <a:gd name="connsiteX4" fmla="*/ 454748 w 559472"/>
+              <a:gd name="connsiteY4" fmla="*/ 3709642 h 3709642"/>
+              <a:gd name="connsiteX5" fmla="*/ 448224 w 559472"/>
+              <a:gd name="connsiteY5" fmla="*/ 3510471 h 3709642"/>
+              <a:gd name="connsiteX6" fmla="*/ 443564 w 559472"/>
+              <a:gd name="connsiteY6" fmla="*/ 3408563 h 3709642"/>
+              <a:gd name="connsiteX7" fmla="*/ 438902 w 559472"/>
+              <a:gd name="connsiteY7" fmla="*/ 3304407 h 3709642"/>
+              <a:gd name="connsiteX8" fmla="*/ 433941 w 559472"/>
+              <a:gd name="connsiteY8" fmla="*/ 3198777 h 3709642"/>
+              <a:gd name="connsiteX9" fmla="*/ 427584 w 559472"/>
+              <a:gd name="connsiteY9" fmla="*/ 3092510 h 3709642"/>
+              <a:gd name="connsiteX10" fmla="*/ 420988 w 559472"/>
+              <a:gd name="connsiteY10" fmla="*/ 2984390 h 3709642"/>
+              <a:gd name="connsiteX11" fmla="*/ 414330 w 559472"/>
+              <a:gd name="connsiteY11" fmla="*/ 2874401 h 3709642"/>
+              <a:gd name="connsiteX12" fmla="*/ 406840 w 559472"/>
+              <a:gd name="connsiteY12" fmla="*/ 2762980 h 3709642"/>
+              <a:gd name="connsiteX13" fmla="*/ 397745 w 559472"/>
+              <a:gd name="connsiteY13" fmla="*/ 2650566 h 3709642"/>
+              <a:gd name="connsiteX14" fmla="*/ 389154 w 559472"/>
+              <a:gd name="connsiteY14" fmla="*/ 2536612 h 3709642"/>
+              <a:gd name="connsiteX15" fmla="*/ 379225 w 559472"/>
+              <a:gd name="connsiteY15" fmla="*/ 2421642 h 3709642"/>
+              <a:gd name="connsiteX16" fmla="*/ 368316 w 559472"/>
+              <a:gd name="connsiteY16" fmla="*/ 2305627 h 3709642"/>
+              <a:gd name="connsiteX17" fmla="*/ 357466 w 559472"/>
+              <a:gd name="connsiteY17" fmla="*/ 2189233 h 3709642"/>
+              <a:gd name="connsiteX18" fmla="*/ 344982 w 559472"/>
+              <a:gd name="connsiteY18" fmla="*/ 2071473 h 3709642"/>
+              <a:gd name="connsiteX19" fmla="*/ 332466 w 559472"/>
+              <a:gd name="connsiteY19" fmla="*/ 1952216 h 3709642"/>
+              <a:gd name="connsiteX20" fmla="*/ 319121 w 559472"/>
+              <a:gd name="connsiteY20" fmla="*/ 1833776 h 3709642"/>
+              <a:gd name="connsiteX21" fmla="*/ 304408 w 559472"/>
+              <a:gd name="connsiteY21" fmla="*/ 1713948 h 3709642"/>
+              <a:gd name="connsiteX22" fmla="*/ 288685 w 559472"/>
+              <a:gd name="connsiteY22" fmla="*/ 1592703 h 3709642"/>
+              <a:gd name="connsiteX23" fmla="*/ 273050 w 559472"/>
+              <a:gd name="connsiteY23" fmla="*/ 1471451 h 3709642"/>
+              <a:gd name="connsiteX24" fmla="*/ 255813 w 559472"/>
+              <a:gd name="connsiteY24" fmla="*/ 1350328 h 3709642"/>
+              <a:gd name="connsiteX25" fmla="*/ 237060 w 559472"/>
+              <a:gd name="connsiteY25" fmla="*/ 1227080 h 3709642"/>
+              <a:gd name="connsiteX26" fmla="*/ 218488 w 559472"/>
+              <a:gd name="connsiteY26" fmla="*/ 1106065 h 3709642"/>
+              <a:gd name="connsiteX27" fmla="*/ 198221 w 559472"/>
+              <a:gd name="connsiteY27" fmla="*/ 982940 h 3709642"/>
+              <a:gd name="connsiteX28" fmla="*/ 177152 w 559472"/>
+              <a:gd name="connsiteY28" fmla="*/ 858755 h 3709642"/>
+              <a:gd name="connsiteX29" fmla="*/ 155551 w 559472"/>
+              <a:gd name="connsiteY29" fmla="*/ 736861 h 3709642"/>
+              <a:gd name="connsiteX30" fmla="*/ 131782 w 559472"/>
+              <a:gd name="connsiteY30" fmla="*/ 613645 h 3709642"/>
+              <a:gd name="connsiteX31" fmla="*/ 107123 w 559472"/>
+              <a:gd name="connsiteY31" fmla="*/ 490500 h 3709642"/>
+              <a:gd name="connsiteX32" fmla="*/ 82552 w 559472"/>
+              <a:gd name="connsiteY32" fmla="*/ 367348 h 3709642"/>
+              <a:gd name="connsiteX33" fmla="*/ 55608 w 559472"/>
+              <a:gd name="connsiteY33" fmla="*/ 244762 h 3709642"/>
+              <a:gd name="connsiteX34" fmla="*/ 28130 w 559472"/>
+              <a:gd name="connsiteY34" fmla="*/ 122220 h 3709642"/>
+              <a:gd name="connsiteX35" fmla="*/ 0 w 559472"/>
+              <a:gd name="connsiteY35" fmla="*/ 0 h 3709642"/>
+            </a:gdLst>
+            <a:ahLst/>
+            <a:cxnLst>
+              <a:cxn ang="0">
+                <a:pos x="connsiteX0" y="connsiteY0"/>
+              </a:cxn>
+              <a:cxn ang="0">
+                <a:pos x="connsiteX1" y="connsiteY1"/>
+              </a:cxn>
+              <a:cxn ang="0">
+                <a:pos x="connsiteX2" y="connsiteY2"/>
+              </a:cxn>
+              <a:cxn ang="0">
+                <a:pos x="connsiteX3" y="connsiteY3"/>
+              </a:cxn>
+              <a:cxn ang="0">
+                <a:pos x="connsiteX4" y="connsiteY4"/>
+              </a:cxn>
+              <a:cxn ang="0">
+                <a:pos x="connsiteX5" y="connsiteY5"/>
+              </a:cxn>
+              <a:cxn ang="0">
+                <a:pos x="connsiteX6" y="connsiteY6"/>
+              </a:cxn>
+              <a:cxn ang="0">
+                <a:pos x="connsiteX7" y="connsiteY7"/>
+              </a:cxn>
+              <a:cxn ang="0">
+                <a:pos x="connsiteX8" y="connsiteY8"/>
+              </a:cxn>
+              <a:cxn ang="0">
+                <a:pos x="connsiteX9" y="connsiteY9"/>
+              </a:cxn>
+              <a:cxn ang="0">
+                <a:pos x="connsiteX10" y="connsiteY10"/>
+              </a:cxn>
+              <a:cxn ang="0">
+                <a:pos x="connsiteX11" y="connsiteY11"/>
+              </a:cxn>
+              <a:cxn ang="0">
+                <a:pos x="connsiteX12" y="connsiteY12"/>
+              </a:cxn>
+              <a:cxn ang="0">
+                <a:pos x="connsiteX13" y="connsiteY13"/>
+              </a:cxn>
+              <a:cxn ang="0">
+                <a:pos x="connsiteX14" y="connsiteY14"/>
+              </a:cxn>
+              <a:cxn ang="0">
+                <a:pos x="connsiteX15" y="connsiteY15"/>
+              </a:cxn>
+              <a:cxn ang="0">
+                <a:pos x="connsiteX16" y="connsiteY16"/>
+              </a:cxn>
+              <a:cxn ang="0">
+                <a:pos x="connsiteX17" y="connsiteY17"/>
+              </a:cxn>
+              <a:cxn ang="0">
+                <a:pos x="connsiteX18" y="connsiteY18"/>
+              </a:cxn>
+              <a:cxn ang="0">
+                <a:pos x="connsiteX19" y="connsiteY19"/>
+              </a:cxn>
+              <a:cxn ang="0">
+                <a:pos x="connsiteX20" y="connsiteY20"/>
+              </a:cxn>
+              <a:cxn ang="0">
+                <a:pos x="connsiteX21" y="connsiteY21"/>
+              </a:cxn>
+              <a:cxn ang="0">
+                <a:pos x="connsiteX22" y="connsiteY22"/>
+              </a:cxn>
+              <a:cxn ang="0">
+                <a:pos x="connsiteX23" y="connsiteY23"/>
+              </a:cxn>
+              <a:cxn ang="0">
+                <a:pos x="connsiteX24" y="connsiteY24"/>
+              </a:cxn>
+              <a:cxn ang="0">
+                <a:pos x="connsiteX25" y="connsiteY25"/>
+              </a:cxn>
+              <a:cxn ang="0">
+                <a:pos x="connsiteX26" y="connsiteY26"/>
+              </a:cxn>
+              <a:cxn ang="0">
+                <a:pos x="connsiteX27" y="connsiteY27"/>
+              </a:cxn>
+              <a:cxn ang="0">
+                <a:pos x="connsiteX28" y="connsiteY28"/>
+              </a:cxn>
+              <a:cxn ang="0">
+                <a:pos x="connsiteX29" y="connsiteY29"/>
+              </a:cxn>
+              <a:cxn ang="0">
+                <a:pos x="connsiteX30" y="connsiteY30"/>
+              </a:cxn>
+              <a:cxn ang="0">
+                <a:pos x="connsiteX31" y="connsiteY31"/>
+              </a:cxn>
+              <a:cxn ang="0">
+                <a:pos x="connsiteX32" y="connsiteY32"/>
+              </a:cxn>
+              <a:cxn ang="0">
+                <a:pos x="connsiteX33" y="connsiteY33"/>
+              </a:cxn>
+              <a:cxn ang="0">
+                <a:pos x="connsiteX34" y="connsiteY34"/>
+              </a:cxn>
+              <a:cxn ang="0">
+                <a:pos x="connsiteX35" y="connsiteY35"/>
+              </a:cxn>
+            </a:cxnLst>
+            <a:rect l="l" t="t" r="r" b="b"/>
+            <a:pathLst>
+              <a:path w="559472" h="3709642">
+                <a:moveTo>
+                  <a:pt x="0" y="0"/>
+                </a:moveTo>
+                <a:lnTo>
+                  <a:pt x="473952" y="0"/>
+                </a:lnTo>
+                <a:lnTo>
+                  <a:pt x="485840" y="161194"/>
+                </a:lnTo>
+                <a:cubicBezTo>
+                  <a:pt x="552063" y="1147770"/>
+                  <a:pt x="592441" y="3086737"/>
+                  <a:pt x="523949" y="3672197"/>
+                </a:cubicBezTo>
+                <a:cubicBezTo>
+                  <a:pt x="500842" y="3684557"/>
+                  <a:pt x="477855" y="3697282"/>
+                  <a:pt x="454748" y="3709642"/>
+                </a:cubicBezTo>
+                <a:lnTo>
+                  <a:pt x="448224" y="3510471"/>
+                </a:lnTo>
+                <a:lnTo>
+                  <a:pt x="443564" y="3408563"/>
+                </a:lnTo>
+                <a:lnTo>
+                  <a:pt x="438902" y="3304407"/>
+                </a:lnTo>
+                <a:lnTo>
+                  <a:pt x="433941" y="3198777"/>
+                </a:lnTo>
+                <a:lnTo>
+                  <a:pt x="427584" y="3092510"/>
+                </a:lnTo>
+                <a:lnTo>
+                  <a:pt x="420988" y="2984390"/>
+                </a:lnTo>
+                <a:lnTo>
+                  <a:pt x="414330" y="2874401"/>
+                </a:lnTo>
+                <a:lnTo>
+                  <a:pt x="406840" y="2762980"/>
+                </a:lnTo>
+                <a:lnTo>
+                  <a:pt x="397745" y="2650566"/>
+                </a:lnTo>
+                <a:lnTo>
+                  <a:pt x="389154" y="2536612"/>
+                </a:lnTo>
+                <a:lnTo>
+                  <a:pt x="379225" y="2421642"/>
+                </a:lnTo>
+                <a:lnTo>
+                  <a:pt x="368316" y="2305627"/>
+                </a:lnTo>
+                <a:lnTo>
+                  <a:pt x="357466" y="2189233"/>
+                </a:lnTo>
+                <a:lnTo>
+                  <a:pt x="344982" y="2071473"/>
+                </a:lnTo>
+                <a:lnTo>
+                  <a:pt x="332466" y="1952216"/>
+                </a:lnTo>
+                <a:lnTo>
+                  <a:pt x="319121" y="1833776"/>
+                </a:lnTo>
+                <a:lnTo>
+                  <a:pt x="304408" y="1713948"/>
+                </a:lnTo>
+                <a:lnTo>
+                  <a:pt x="288685" y="1592703"/>
+                </a:lnTo>
+                <a:lnTo>
+                  <a:pt x="273050" y="1471451"/>
+                </a:lnTo>
+                <a:lnTo>
+                  <a:pt x="255813" y="1350328"/>
+                </a:lnTo>
+                <a:lnTo>
+                  <a:pt x="237060" y="1227080"/>
+                </a:lnTo>
+                <a:lnTo>
+                  <a:pt x="218488" y="1106065"/>
+                </a:lnTo>
+                <a:lnTo>
+                  <a:pt x="198221" y="982940"/>
+                </a:lnTo>
+                <a:lnTo>
+                  <a:pt x="177152" y="858755"/>
+                </a:lnTo>
+                <a:lnTo>
+                  <a:pt x="155551" y="736861"/>
+                </a:lnTo>
+                <a:lnTo>
+                  <a:pt x="131782" y="613645"/>
+                </a:lnTo>
+                <a:lnTo>
+                  <a:pt x="107123" y="490500"/>
+                </a:lnTo>
+                <a:lnTo>
+                  <a:pt x="82552" y="367348"/>
+                </a:lnTo>
+                <a:lnTo>
+                  <a:pt x="55608" y="244762"/>
+                </a:lnTo>
+                <a:lnTo>
+                  <a:pt x="28130" y="122220"/>
+                </a:lnTo>
+                <a:lnTo>
+                  <a:pt x="0" y="0"/>
+                </a:lnTo>
+                <a:close/>
+              </a:path>
+            </a:pathLst>
+          </a:custGeom>
+          <a:solidFill>
+            <a:schemeClr val="tx1">
+              <a:alpha val="20000"/>
+            </a:schemeClr>
+          </a:solidFill>
+          <a:ln>
+            <a:noFill/>
+          </a:ln>
+        </p:spPr>
+        <p:txBody>
+          <a:bodyPr rtlCol="0" anchor="ctr"/>
+          <a:lstStyle/>
+          <a:p>
+            <a:pPr algn="ctr"/>
+            <a:endParaRPr lang="en-US"/>
+          </a:p>
+        </p:txBody>
+      </p:sp>
+      <p:pic>
+        <p:nvPicPr>
+          <p:cNvPr id="5" name="Picture 4">
+            <a:extLst>
+              <a:ext uri="{FF2B5EF4-FFF2-40B4-BE49-F238E27FC236}">
+                <a16:creationId xmlns:a16="http://schemas.microsoft.com/office/drawing/2014/main" id="{BC7A3D0F-2197-82CB-B277-DB66A9510CA3}"/>
+              </a:ext>
+            </a:extLst>
+          </p:cNvPr>
+          <p:cNvPicPr>
+            <a:picLocks noChangeAspect="1"/>
+          </p:cNvPicPr>
+          <p:nvPr/>
+        </p:nvPicPr>
+        <p:blipFill>
+          <a:blip r:embed="rId3"/>
+          <a:stretch>
+            <a:fillRect/>
+          </a:stretch>
+        </p:blipFill>
+        <p:spPr>
+          <a:xfrm>
+            <a:off x="7614947" y="1853248"/>
+            <a:ext cx="3625568" cy="2683330"/>
+          </a:xfrm>
+          <a:prstGeom prst="rect">
+            <a:avLst/>
+          </a:prstGeom>
+          <a:effectLst/>
+        </p:spPr>
+      </p:pic>
+      <p:sp>
+        <p:nvSpPr>
+          <p:cNvPr id="34" name="Rectangle 33">
+            <a:extLst>
+              <a:ext uri="{FF2B5EF4-FFF2-40B4-BE49-F238E27FC236}">
+                <a16:creationId xmlns:a16="http://schemas.microsoft.com/office/drawing/2014/main" id="{7FB12D8C-572F-4417-9FE1-D691A132F69F}"/>
+              </a:ext>
+              <a:ext uri="{C183D7F6-B498-43B3-948B-1728B52AA6E4}">
+                <adec:decorative xmlns:adec="http://schemas.microsoft.com/office/drawing/2017/decorative" val="1"/>
+              </a:ext>
+            </a:extLst>
+          </p:cNvPr>
+          <p:cNvSpPr>
+            <a:spLocks noGrp="1" noRot="1" noChangeAspect="1" noMove="1" noResize="1" noEditPoints="1" noAdjustHandles="1" noChangeArrowheads="1" noChangeShapeType="1" noTextEdit="1"/>
+          </p:cNvSpPr>
+          <p:nvPr>
+            <p:extLst>
+              <p:ext uri="{386F3935-93C4-4BCD-93E2-E3B085C9AB24}">
+                <p16:designElem xmlns:p16="http://schemas.microsoft.com/office/powerpoint/2015/main" val="1"/>
+              </p:ext>
+            </p:extLst>
+          </p:nvPr>
+        </p:nvSpPr>
+        <p:spPr>
+          <a:xfrm>
+            <a:off x="10442448" y="0"/>
+            <a:ext cx="685800" cy="1143000"/>
+          </a:xfrm>
+          <a:prstGeom prst="rect">
+            <a:avLst/>
+          </a:prstGeom>
+          <a:solidFill>
+            <a:schemeClr val="accent1"/>
+          </a:solidFill>
+          <a:ln>
+            <a:noFill/>
+          </a:ln>
+        </p:spPr>
+        <p:style>
+          <a:lnRef idx="1">
+            <a:schemeClr val="accent1"/>
+          </a:lnRef>
+          <a:fillRef idx="3">
+            <a:schemeClr val="accent1"/>
+          </a:fillRef>
+          <a:effectRef idx="2">
+            <a:schemeClr val="accent1"/>
+          </a:effectRef>
+          <a:fontRef idx="minor">
+            <a:schemeClr val="lt1"/>
+          </a:fontRef>
+        </p:style>
+        <p:txBody>
+          <a:bodyPr/>
+          <a:lstStyle/>
+          <a:p>
+            <a:endParaRPr lang="en-US"/>
+          </a:p>
+        </p:txBody>
+      </p:sp>
+      <p:sp>
+        <p:nvSpPr>
+          <p:cNvPr id="3" name="Content Placeholder 2">
+            <a:extLst>
+              <a:ext uri="{FF2B5EF4-FFF2-40B4-BE49-F238E27FC236}">
+                <a16:creationId xmlns:a16="http://schemas.microsoft.com/office/drawing/2014/main" id="{54BA88AC-AB4A-29CB-21AB-09D28DE7E928}"/>
+              </a:ext>
+            </a:extLst>
+          </p:cNvPr>
+          <p:cNvSpPr>
+            <a:spLocks noGrp="1"/>
+          </p:cNvSpPr>
+          <p:nvPr>
+            <p:ph idx="1"/>
+          </p:nvPr>
+        </p:nvSpPr>
+        <p:spPr>
+          <a:xfrm>
+            <a:off x="646112" y="2052918"/>
+            <a:ext cx="5628635" cy="4195481"/>
+          </a:xfrm>
+        </p:spPr>
+        <p:txBody>
+          <a:bodyPr>
+            <a:normAutofit/>
+          </a:bodyPr>
+          <a:lstStyle/>
+          <a:p>
+            <a:r>
+              <a:rPr lang="hr-HR" dirty="0"/>
+              <a:t>Općenite postavke koje imaju svi demosi</a:t>
+            </a:r>
+          </a:p>
+          <a:p>
+            <a:r>
+              <a:rPr lang="hr-HR" dirty="0"/>
+              <a:t>Moguća je promjena vlastitih podataka, promejna šifre te promjena teme aplikacije u dark ili light mode</a:t>
+            </a:r>
+          </a:p>
+        </p:txBody>
+      </p:sp>
+      <p:pic>
+        <p:nvPicPr>
+          <p:cNvPr id="11" name="Picture 10">
+            <a:extLst>
+              <a:ext uri="{FF2B5EF4-FFF2-40B4-BE49-F238E27FC236}">
+                <a16:creationId xmlns:a16="http://schemas.microsoft.com/office/drawing/2014/main" id="{DDB490D0-6A68-F9DE-F7CE-931016174044}"/>
+              </a:ext>
+            </a:extLst>
+          </p:cNvPr>
+          <p:cNvPicPr>
+            <a:picLocks noChangeAspect="1"/>
+          </p:cNvPicPr>
+          <p:nvPr/>
+        </p:nvPicPr>
+        <p:blipFill>
+          <a:blip r:embed="rId4"/>
+          <a:stretch>
+            <a:fillRect/>
+          </a:stretch>
+        </p:blipFill>
+        <p:spPr>
+          <a:xfrm>
+            <a:off x="2534281" y="3726642"/>
+            <a:ext cx="2910617" cy="2721427"/>
+          </a:xfrm>
+          <a:prstGeom prst="rect">
+            <a:avLst/>
+          </a:prstGeom>
+          <a:effectLst/>
+        </p:spPr>
+      </p:pic>
+    </p:spTree>
+    <p:extLst>
+      <p:ext uri="{BB962C8B-B14F-4D97-AF65-F5344CB8AC3E}">
+        <p14:creationId xmlns:p14="http://schemas.microsoft.com/office/powerpoint/2010/main" val="1779434013"/>
+      </p:ext>
+    </p:extLst>
+  </p:cSld>
+  <p:clrMapOvr>
+    <a:masterClrMapping/>
+  </p:clrMapOvr>
+</p:sld>
+</file>
+
+<file path=ppt/slides/slide13.xml><?xml version="1.0" encoding="utf-8"?>
+<p:sld xmlns:a="http://schemas.openxmlformats.org/drawingml/2006/main" xmlns:r="http://schemas.openxmlformats.org/officeDocument/2006/relationships" xmlns:p="http://schemas.openxmlformats.org/presentationml/2006/main">
+  <p:cSld>
+    <p:spTree>
+      <p:nvGrpSpPr>
+        <p:cNvPr id="1" name=""/>
+        <p:cNvGrpSpPr/>
+        <p:nvPr/>
+      </p:nvGrpSpPr>
+      <p:grpSpPr>
+        <a:xfrm>
+          <a:off x="0" y="0"/>
+          <a:ext cx="0" cy="0"/>
+          <a:chOff x="0" y="0"/>
+          <a:chExt cx="0" cy="0"/>
+        </a:xfrm>
+      </p:grpSpPr>
+      <p:sp>
+        <p:nvSpPr>
+          <p:cNvPr id="2" name="Title 1">
+            <a:extLst>
+              <a:ext uri="{FF2B5EF4-FFF2-40B4-BE49-F238E27FC236}">
+                <a16:creationId xmlns:a16="http://schemas.microsoft.com/office/drawing/2014/main" id="{617B9159-5343-DC49-0521-E77AA970B98B}"/>
+              </a:ext>
+            </a:extLst>
+          </p:cNvPr>
+          <p:cNvSpPr>
+            <a:spLocks noGrp="1"/>
+          </p:cNvSpPr>
+          <p:nvPr>
+            <p:ph type="title"/>
+          </p:nvPr>
+        </p:nvSpPr>
+        <p:spPr/>
+        <p:txBody>
+          <a:bodyPr/>
+          <a:lstStyle/>
+          <a:p>
+            <a:r>
+              <a:rPr lang="hr-HR" dirty="0"/>
+              <a:t>Postavke</a:t>
+            </a:r>
+            <a:endParaRPr lang="en-US" dirty="0"/>
+          </a:p>
+        </p:txBody>
+      </p:sp>
+      <p:sp>
+        <p:nvSpPr>
+          <p:cNvPr id="3" name="Content Placeholder 2">
+            <a:extLst>
+              <a:ext uri="{FF2B5EF4-FFF2-40B4-BE49-F238E27FC236}">
+                <a16:creationId xmlns:a16="http://schemas.microsoft.com/office/drawing/2014/main" id="{769BF622-BD5E-4A4A-B94F-076DE75FF5FB}"/>
+              </a:ext>
+            </a:extLst>
+          </p:cNvPr>
+          <p:cNvSpPr>
+            <a:spLocks noGrp="1"/>
+          </p:cNvSpPr>
+          <p:nvPr>
+            <p:ph idx="1"/>
+          </p:nvPr>
+        </p:nvSpPr>
+        <p:spPr/>
+        <p:txBody>
+          <a:bodyPr/>
+          <a:lstStyle/>
+          <a:p>
+            <a:endParaRPr lang="en-US"/>
+          </a:p>
+        </p:txBody>
+      </p:sp>
+      <p:pic>
+        <p:nvPicPr>
+          <p:cNvPr id="4" name="Picture 3">
+            <a:extLst>
+              <a:ext uri="{FF2B5EF4-FFF2-40B4-BE49-F238E27FC236}">
+                <a16:creationId xmlns:a16="http://schemas.microsoft.com/office/drawing/2014/main" id="{671D90C4-B755-3004-98A0-5B2E70C0B290}"/>
+              </a:ext>
+            </a:extLst>
+          </p:cNvPr>
+          <p:cNvPicPr>
+            <a:picLocks noChangeAspect="1"/>
+          </p:cNvPicPr>
+          <p:nvPr/>
+        </p:nvPicPr>
+        <p:blipFill>
+          <a:blip r:embed="rId2"/>
+          <a:stretch>
+            <a:fillRect/>
+          </a:stretch>
+        </p:blipFill>
+        <p:spPr>
+          <a:xfrm>
+            <a:off x="5867024" y="609601"/>
+            <a:ext cx="6093698" cy="4745093"/>
+          </a:xfrm>
+          <a:prstGeom prst="rect">
+            <a:avLst/>
+          </a:prstGeom>
+        </p:spPr>
+      </p:pic>
+      <p:pic>
+        <p:nvPicPr>
+          <p:cNvPr id="6" name="Picture 5">
+            <a:extLst>
+              <a:ext uri="{FF2B5EF4-FFF2-40B4-BE49-F238E27FC236}">
+                <a16:creationId xmlns:a16="http://schemas.microsoft.com/office/drawing/2014/main" id="{1B357C7F-659E-F942-145B-76A47E71AB80}"/>
+              </a:ext>
+            </a:extLst>
+          </p:cNvPr>
+          <p:cNvPicPr>
+            <a:picLocks noChangeAspect="1"/>
+          </p:cNvPicPr>
+          <p:nvPr/>
+        </p:nvPicPr>
+        <p:blipFill>
+          <a:blip r:embed="rId3"/>
+          <a:stretch>
+            <a:fillRect/>
+          </a:stretch>
+        </p:blipFill>
+        <p:spPr>
+          <a:xfrm>
+            <a:off x="627289" y="2176742"/>
+            <a:ext cx="4949293" cy="4071657"/>
+          </a:xfrm>
+          <a:prstGeom prst="rect">
+            <a:avLst/>
+          </a:prstGeom>
+        </p:spPr>
+      </p:pic>
+    </p:spTree>
+    <p:extLst>
+      <p:ext uri="{BB962C8B-B14F-4D97-AF65-F5344CB8AC3E}">
+        <p14:creationId xmlns:p14="http://schemas.microsoft.com/office/powerpoint/2010/main" val="861047004"/>
+      </p:ext>
+    </p:extLst>
+  </p:cSld>
+  <p:clrMapOvr>
+    <a:masterClrMapping/>
+  </p:clrMapOvr>
+</p:sld>
+</file>
+
+<file path=ppt/slides/slide14.xml><?xml version="1.0" encoding="utf-8"?>
 <p:sld xmlns:a="http://schemas.openxmlformats.org/drawingml/2006/main" xmlns:r="http://schemas.openxmlformats.org/officeDocument/2006/relationships" xmlns:p="http://schemas.openxmlformats.org/presentationml/2006/main">
   <p:cSld>
     <p:bg>
@@ -8478,7 +11447,7 @@
           <p:cNvPr id="2" name="Title 1">
             <a:extLst>
               <a:ext uri="{FF2B5EF4-FFF2-40B4-BE49-F238E27FC236}">
-                <a16:creationId xmlns:a16="http://schemas.microsoft.com/office/drawing/2014/main" id="{49517801-4538-CD1D-C35A-70F466409393}"/>
+                <a16:creationId xmlns:a16="http://schemas.microsoft.com/office/drawing/2014/main" id="{03E713EA-12AB-269D-EEBF-97329312EE54}"/>
               </a:ext>
             </a:extLst>
           </p:cNvPr>
@@ -8507,7 +11476,7 @@
                   <a:srgbClr val="FFFFFF"/>
                 </a:solidFill>
               </a:rPr>
-              <a:t>Popis svih demosa</a:t>
+              <a:t>Obavijesti</a:t>
             </a:r>
             <a:endParaRPr lang="en-US" dirty="0">
               <a:solidFill>
@@ -8522,7 +11491,7 @@
           <p:cNvPr id="3" name="Content Placeholder 2">
             <a:extLst>
               <a:ext uri="{FF2B5EF4-FFF2-40B4-BE49-F238E27FC236}">
-                <a16:creationId xmlns:a16="http://schemas.microsoft.com/office/drawing/2014/main" id="{25F72908-B1E2-279B-5DC2-E358AE1D7C9F}"/>
+                <a16:creationId xmlns:a16="http://schemas.microsoft.com/office/drawing/2014/main" id="{040D87C1-030C-69B0-D5D6-E7570872DEC4}"/>
               </a:ext>
             </a:extLst>
           </p:cNvPr>
@@ -8545,16 +11514,16 @@
           </a:bodyPr>
           <a:lstStyle/>
           <a:p>
-            <a:endParaRPr lang="en-US"/>
+            <a:endParaRPr lang="en-US" dirty="0"/>
           </a:p>
         </p:txBody>
       </p:sp>
       <p:pic>
         <p:nvPicPr>
-          <p:cNvPr id="5" name="Picture 4">
+          <p:cNvPr id="7" name="Picture 6">
             <a:extLst>
               <a:ext uri="{FF2B5EF4-FFF2-40B4-BE49-F238E27FC236}">
-                <a16:creationId xmlns:a16="http://schemas.microsoft.com/office/drawing/2014/main" id="{D3161197-D2A3-3C61-D7A4-A36B66462D31}"/>
+                <a16:creationId xmlns:a16="http://schemas.microsoft.com/office/drawing/2014/main" id="{06C6930C-32F3-D7A2-29A6-BEBE0A491031}"/>
               </a:ext>
             </a:extLst>
           </p:cNvPr>
@@ -8571,8 +11540,38 @@
         </p:blipFill>
         <p:spPr>
           <a:xfrm>
-            <a:off x="533400" y="2167492"/>
-            <a:ext cx="11125200" cy="3286125"/>
+            <a:off x="3142034" y="1620358"/>
+            <a:ext cx="9049966" cy="2494726"/>
+          </a:xfrm>
+          <a:prstGeom prst="rect">
+            <a:avLst/>
+          </a:prstGeom>
+        </p:spPr>
+      </p:pic>
+      <p:pic>
+        <p:nvPicPr>
+          <p:cNvPr id="11" name="Picture 10">
+            <a:extLst>
+              <a:ext uri="{FF2B5EF4-FFF2-40B4-BE49-F238E27FC236}">
+                <a16:creationId xmlns:a16="http://schemas.microsoft.com/office/drawing/2014/main" id="{CD4BA187-8D54-9FCA-C0BF-94E8E1904082}"/>
+              </a:ext>
+            </a:extLst>
+          </p:cNvPr>
+          <p:cNvPicPr>
+            <a:picLocks noChangeAspect="1"/>
+          </p:cNvPicPr>
+          <p:nvPr/>
+        </p:nvPicPr>
+        <p:blipFill>
+          <a:blip r:embed="rId3"/>
+          <a:stretch>
+            <a:fillRect/>
+          </a:stretch>
+        </p:blipFill>
+        <p:spPr>
+          <a:xfrm>
+            <a:off x="941962" y="4270721"/>
+            <a:ext cx="7500026" cy="2108634"/>
           </a:xfrm>
           <a:prstGeom prst="rect">
             <a:avLst/>
@@ -8582,7 +11581,7 @@
     </p:spTree>
     <p:extLst>
       <p:ext uri="{BB962C8B-B14F-4D97-AF65-F5344CB8AC3E}">
-        <p14:creationId xmlns:p14="http://schemas.microsoft.com/office/powerpoint/2010/main" val="1781346833"/>
+        <p14:creationId xmlns:p14="http://schemas.microsoft.com/office/powerpoint/2010/main" val="1549712537"/>
       </p:ext>
     </p:extLst>
   </p:cSld>
@@ -8592,7 +11591,7 @@
 </p:sld>
 </file>
 
-<file path=ppt/slides/slide12.xml><?xml version="1.0" encoding="utf-8"?>
+<file path=ppt/slides/slide15.xml><?xml version="1.0" encoding="utf-8"?>
 <p:sld xmlns:a="http://schemas.openxmlformats.org/drawingml/2006/main" xmlns:r="http://schemas.openxmlformats.org/officeDocument/2006/relationships" xmlns:p="http://schemas.openxmlformats.org/presentationml/2006/main">
   <p:cSld>
     <p:bg>
@@ -9613,7 +12612,7 @@
                   <a:srgbClr val="FFFFFF"/>
                 </a:solidFill>
               </a:rPr>
-              <a:t>Postavke</a:t>
+              <a:t>Admin postavke</a:t>
             </a:r>
             <a:endParaRPr lang="en-US" dirty="0">
               <a:solidFill>
@@ -9657,10 +12656,10 @@
       </p:sp>
       <p:pic>
         <p:nvPicPr>
-          <p:cNvPr id="5" name="Picture 4">
+          <p:cNvPr id="8" name="Picture 7">
             <a:extLst>
               <a:ext uri="{FF2B5EF4-FFF2-40B4-BE49-F238E27FC236}">
-                <a16:creationId xmlns:a16="http://schemas.microsoft.com/office/drawing/2014/main" id="{BC7A3D0F-2197-82CB-B277-DB66A9510CA3}"/>
+                <a16:creationId xmlns:a16="http://schemas.microsoft.com/office/drawing/2014/main" id="{3D8FF26A-3C84-4E11-5893-26F32BC51075}"/>
               </a:ext>
             </a:extLst>
           </p:cNvPr>
@@ -9677,8 +12676,8 @@
         </p:blipFill>
         <p:spPr>
           <a:xfrm>
-            <a:off x="843036" y="1266818"/>
-            <a:ext cx="2147058" cy="1589066"/>
+            <a:off x="1046414" y="2496594"/>
+            <a:ext cx="3385026" cy="2287457"/>
           </a:xfrm>
           <a:prstGeom prst="rect">
             <a:avLst/>
@@ -9687,10 +12686,10 @@
       </p:pic>
       <p:pic>
         <p:nvPicPr>
-          <p:cNvPr id="11" name="Picture 10">
+          <p:cNvPr id="10" name="Picture 9">
             <a:extLst>
               <a:ext uri="{FF2B5EF4-FFF2-40B4-BE49-F238E27FC236}">
-                <a16:creationId xmlns:a16="http://schemas.microsoft.com/office/drawing/2014/main" id="{DDB490D0-6A68-F9DE-F7CE-931016174044}"/>
+                <a16:creationId xmlns:a16="http://schemas.microsoft.com/office/drawing/2014/main" id="{D9A6B651-20C5-FB10-3E8C-4191CDF41CC9}"/>
               </a:ext>
             </a:extLst>
           </p:cNvPr>
@@ -9707,38 +12706,8 @@
         </p:blipFill>
         <p:spPr>
           <a:xfrm>
-            <a:off x="580983" y="3216931"/>
-            <a:ext cx="3554737" cy="3327839"/>
-          </a:xfrm>
-          <a:prstGeom prst="rect">
-            <a:avLst/>
-          </a:prstGeom>
-        </p:spPr>
-      </p:pic>
-      <p:pic>
-        <p:nvPicPr>
-          <p:cNvPr id="15" name="Picture 14">
-            <a:extLst>
-              <a:ext uri="{FF2B5EF4-FFF2-40B4-BE49-F238E27FC236}">
-                <a16:creationId xmlns:a16="http://schemas.microsoft.com/office/drawing/2014/main" id="{3367BB68-8005-58C9-0701-1ECC78EDE04B}"/>
-              </a:ext>
-            </a:extLst>
-          </p:cNvPr>
-          <p:cNvPicPr>
-            <a:picLocks noChangeAspect="1"/>
-          </p:cNvPicPr>
-          <p:nvPr/>
-        </p:nvPicPr>
-        <p:blipFill>
-          <a:blip r:embed="rId4"/>
-          <a:stretch>
-            <a:fillRect/>
-          </a:stretch>
-        </p:blipFill>
-        <p:spPr>
-          <a:xfrm>
-            <a:off x="4628521" y="741259"/>
-            <a:ext cx="7070677" cy="5505855"/>
+            <a:off x="5551790" y="666345"/>
+            <a:ext cx="5434483" cy="5525310"/>
           </a:xfrm>
           <a:prstGeom prst="rect">
             <a:avLst/>
@@ -9748,7 +12717,7 @@
     </p:spTree>
     <p:extLst>
       <p:ext uri="{BB962C8B-B14F-4D97-AF65-F5344CB8AC3E}">
-        <p14:creationId xmlns:p14="http://schemas.microsoft.com/office/powerpoint/2010/main" val="1779434013"/>
+        <p14:creationId xmlns:p14="http://schemas.microsoft.com/office/powerpoint/2010/main" val="3596773160"/>
       </p:ext>
     </p:extLst>
   </p:cSld>
@@ -9758,7 +12727,7 @@
 </p:sld>
 </file>
 
-<file path=ppt/slides/slide13.xml><?xml version="1.0" encoding="utf-8"?>
+<file path=ppt/slides/slide16.xml><?xml version="1.0" encoding="utf-8"?>
 <p:sld xmlns:a="http://schemas.openxmlformats.org/drawingml/2006/main" xmlns:r="http://schemas.openxmlformats.org/officeDocument/2006/relationships" xmlns:p="http://schemas.openxmlformats.org/presentationml/2006/main">
   <p:cSld>
     <p:bg>
@@ -10798,7 +13767,7 @@
           <p:cNvPr id="2" name="Title 1">
             <a:extLst>
               <a:ext uri="{FF2B5EF4-FFF2-40B4-BE49-F238E27FC236}">
-                <a16:creationId xmlns:a16="http://schemas.microsoft.com/office/drawing/2014/main" id="{03E713EA-12AB-269D-EEBF-97329312EE54}"/>
+                <a16:creationId xmlns:a16="http://schemas.microsoft.com/office/drawing/2014/main" id="{55E695C3-4EDE-3CB9-11EB-E12363B5DB64}"/>
               </a:ext>
             </a:extLst>
           </p:cNvPr>
@@ -10827,7 +13796,7 @@
                   <a:srgbClr val="FFFFFF"/>
                 </a:solidFill>
               </a:rPr>
-              <a:t>Obavijesti</a:t>
+              <a:t>Admin postavke</a:t>
             </a:r>
             <a:endParaRPr lang="en-US" dirty="0">
               <a:solidFill>
@@ -10842,7 +13811,7 @@
           <p:cNvPr id="3" name="Content Placeholder 2">
             <a:extLst>
               <a:ext uri="{FF2B5EF4-FFF2-40B4-BE49-F238E27FC236}">
-                <a16:creationId xmlns:a16="http://schemas.microsoft.com/office/drawing/2014/main" id="{040D87C1-030C-69B0-D5D6-E7570872DEC4}"/>
+                <a16:creationId xmlns:a16="http://schemas.microsoft.com/office/drawing/2014/main" id="{E615D0C0-0DF3-4B17-E532-2A00622131B8}"/>
               </a:ext>
             </a:extLst>
           </p:cNvPr>
@@ -10865,16 +13834,16 @@
           </a:bodyPr>
           <a:lstStyle/>
           <a:p>
-            <a:endParaRPr lang="en-US" dirty="0"/>
+            <a:endParaRPr lang="en-US"/>
           </a:p>
         </p:txBody>
       </p:sp>
       <p:pic>
         <p:nvPicPr>
-          <p:cNvPr id="7" name="Picture 6">
+          <p:cNvPr id="5" name="Picture 4">
             <a:extLst>
               <a:ext uri="{FF2B5EF4-FFF2-40B4-BE49-F238E27FC236}">
-                <a16:creationId xmlns:a16="http://schemas.microsoft.com/office/drawing/2014/main" id="{06C6930C-32F3-D7A2-29A6-BEBE0A491031}"/>
+                <a16:creationId xmlns:a16="http://schemas.microsoft.com/office/drawing/2014/main" id="{5C54E126-1D95-AA6C-9A02-11CC57649C42}"/>
               </a:ext>
             </a:extLst>
           </p:cNvPr>
@@ -10891,8 +13860,8 @@
         </p:blipFill>
         <p:spPr>
           <a:xfrm>
-            <a:off x="3142034" y="1620358"/>
-            <a:ext cx="9049966" cy="2494726"/>
+            <a:off x="-418" y="1689954"/>
+            <a:ext cx="12192000" cy="1826551"/>
           </a:xfrm>
           <a:prstGeom prst="rect">
             <a:avLst/>
@@ -10901,10 +13870,10 @@
       </p:pic>
       <p:pic>
         <p:nvPicPr>
-          <p:cNvPr id="11" name="Picture 10">
+          <p:cNvPr id="7" name="Picture 6">
             <a:extLst>
               <a:ext uri="{FF2B5EF4-FFF2-40B4-BE49-F238E27FC236}">
-                <a16:creationId xmlns:a16="http://schemas.microsoft.com/office/drawing/2014/main" id="{CD4BA187-8D54-9FCA-C0BF-94E8E1904082}"/>
+                <a16:creationId xmlns:a16="http://schemas.microsoft.com/office/drawing/2014/main" id="{E7B7EB2B-2551-735C-AA48-76691A16BFBF}"/>
               </a:ext>
             </a:extLst>
           </p:cNvPr>
@@ -10921,8 +13890,8 @@
         </p:blipFill>
         <p:spPr>
           <a:xfrm>
-            <a:off x="941962" y="4270721"/>
-            <a:ext cx="7500026" cy="2108634"/>
+            <a:off x="654083" y="3705958"/>
+            <a:ext cx="4638675" cy="2924175"/>
           </a:xfrm>
           <a:prstGeom prst="rect">
             <a:avLst/>
@@ -10932,7 +13901,7 @@
     </p:spTree>
     <p:extLst>
       <p:ext uri="{BB962C8B-B14F-4D97-AF65-F5344CB8AC3E}">
-        <p14:creationId xmlns:p14="http://schemas.microsoft.com/office/powerpoint/2010/main" val="1549712537"/>
+        <p14:creationId xmlns:p14="http://schemas.microsoft.com/office/powerpoint/2010/main" val="2480409555"/>
       </p:ext>
     </p:extLst>
   </p:cSld>
@@ -10942,1143 +13911,7 @@
 </p:sld>
 </file>
 
-<file path=ppt/slides/slide14.xml><?xml version="1.0" encoding="utf-8"?>
-<p:sld xmlns:a="http://schemas.openxmlformats.org/drawingml/2006/main" xmlns:r="http://schemas.openxmlformats.org/officeDocument/2006/relationships" xmlns:p="http://schemas.openxmlformats.org/presentationml/2006/main">
-  <p:cSld>
-    <p:bg>
-      <p:bgPr>
-        <a:solidFill>
-          <a:schemeClr val="bg1">
-            <a:lumMod val="85000"/>
-          </a:schemeClr>
-        </a:solidFill>
-        <a:effectLst/>
-      </p:bgPr>
-    </p:bg>
-    <p:spTree>
-      <p:nvGrpSpPr>
-        <p:cNvPr id="1" name=""/>
-        <p:cNvGrpSpPr/>
-        <p:nvPr/>
-      </p:nvGrpSpPr>
-      <p:grpSpPr>
-        <a:xfrm>
-          <a:off x="0" y="0"/>
-          <a:ext cx="0" cy="0"/>
-          <a:chOff x="0" y="0"/>
-          <a:chExt cx="0" cy="0"/>
-        </a:xfrm>
-      </p:grpSpPr>
-      <p:sp useBgFill="1">
-        <p:nvSpPr>
-          <p:cNvPr id="19" name="Rectangle 18">
-            <a:extLst>
-              <a:ext uri="{FF2B5EF4-FFF2-40B4-BE49-F238E27FC236}">
-                <a16:creationId xmlns:a16="http://schemas.microsoft.com/office/drawing/2014/main" id="{052BEFF1-896C-45B1-B02C-96A6A1BC389A}"/>
-              </a:ext>
-              <a:ext uri="{C183D7F6-B498-43B3-948B-1728B52AA6E4}">
-                <adec:decorative xmlns:adec="http://schemas.microsoft.com/office/drawing/2017/decorative" val="1"/>
-              </a:ext>
-            </a:extLst>
-          </p:cNvPr>
-          <p:cNvSpPr>
-            <a:spLocks noGrp="1" noRot="1" noChangeAspect="1" noMove="1" noResize="1" noEditPoints="1" noAdjustHandles="1" noChangeArrowheads="1" noChangeShapeType="1" noTextEdit="1"/>
-          </p:cNvSpPr>
-          <p:nvPr>
-            <p:extLst>
-              <p:ext uri="{386F3935-93C4-4BCD-93E2-E3B085C9AB24}">
-                <p16:designElem xmlns:p16="http://schemas.microsoft.com/office/powerpoint/2015/main" val="1"/>
-              </p:ext>
-            </p:extLst>
-          </p:nvPr>
-        </p:nvSpPr>
-        <p:spPr>
-          <a:xfrm>
-            <a:off x="1" y="0"/>
-            <a:ext cx="12192000" cy="6858000"/>
-          </a:xfrm>
-          <a:prstGeom prst="rect">
-            <a:avLst/>
-          </a:prstGeom>
-          <a:ln>
-            <a:noFill/>
-          </a:ln>
-        </p:spPr>
-        <p:style>
-          <a:lnRef idx="2">
-            <a:schemeClr val="accent1">
-              <a:shade val="50000"/>
-            </a:schemeClr>
-          </a:lnRef>
-          <a:fillRef idx="1003">
-            <a:schemeClr val="dk2"/>
-          </a:fillRef>
-          <a:effectRef idx="0">
-            <a:schemeClr val="accent1"/>
-          </a:effectRef>
-          <a:fontRef idx="minor">
-            <a:schemeClr val="lt1"/>
-          </a:fontRef>
-        </p:style>
-        <p:txBody>
-          <a:bodyPr rtlCol="0" anchor="ctr"/>
-          <a:lstStyle/>
-          <a:p>
-            <a:pPr algn="ctr"/>
-            <a:endParaRPr lang="en-US"/>
-          </a:p>
-        </p:txBody>
-      </p:sp>
-      <p:sp>
-        <p:nvSpPr>
-          <p:cNvPr id="21" name="Freeform 36">
-            <a:extLst>
-              <a:ext uri="{FF2B5EF4-FFF2-40B4-BE49-F238E27FC236}">
-                <a16:creationId xmlns:a16="http://schemas.microsoft.com/office/drawing/2014/main" id="{BB237A14-61B1-4C00-A670-5D8D68A8668E}"/>
-              </a:ext>
-              <a:ext uri="{C183D7F6-B498-43B3-948B-1728B52AA6E4}">
-                <adec:decorative xmlns:adec="http://schemas.microsoft.com/office/drawing/2017/decorative" val="1"/>
-              </a:ext>
-            </a:extLst>
-          </p:cNvPr>
-          <p:cNvSpPr>
-            <a:spLocks noGrp="1" noRot="1" noChangeAspect="1" noMove="1" noResize="1" noEditPoints="1" noAdjustHandles="1" noChangeArrowheads="1" noChangeShapeType="1" noTextEdit="1"/>
-          </p:cNvSpPr>
-          <p:nvPr>
-            <p:extLst>
-              <p:ext uri="{386F3935-93C4-4BCD-93E2-E3B085C9AB24}">
-                <p16:designElem xmlns:p16="http://schemas.microsoft.com/office/powerpoint/2015/main" val="1"/>
-              </p:ext>
-            </p:extLst>
-          </p:nvPr>
-        </p:nvSpPr>
-        <p:spPr>
-          <a:xfrm flipH="1">
-            <a:off x="4644637" y="0"/>
-            <a:ext cx="559472" cy="3709642"/>
-          </a:xfrm>
-          <a:custGeom>
-            <a:avLst/>
-            <a:gdLst>
-              <a:gd name="connsiteX0" fmla="*/ 0 w 559472"/>
-              <a:gd name="connsiteY0" fmla="*/ 0 h 3709642"/>
-              <a:gd name="connsiteX1" fmla="*/ 473952 w 559472"/>
-              <a:gd name="connsiteY1" fmla="*/ 0 h 3709642"/>
-              <a:gd name="connsiteX2" fmla="*/ 485840 w 559472"/>
-              <a:gd name="connsiteY2" fmla="*/ 161194 h 3709642"/>
-              <a:gd name="connsiteX3" fmla="*/ 523949 w 559472"/>
-              <a:gd name="connsiteY3" fmla="*/ 3672197 h 3709642"/>
-              <a:gd name="connsiteX4" fmla="*/ 454748 w 559472"/>
-              <a:gd name="connsiteY4" fmla="*/ 3709642 h 3709642"/>
-              <a:gd name="connsiteX5" fmla="*/ 448224 w 559472"/>
-              <a:gd name="connsiteY5" fmla="*/ 3510471 h 3709642"/>
-              <a:gd name="connsiteX6" fmla="*/ 443564 w 559472"/>
-              <a:gd name="connsiteY6" fmla="*/ 3408563 h 3709642"/>
-              <a:gd name="connsiteX7" fmla="*/ 438902 w 559472"/>
-              <a:gd name="connsiteY7" fmla="*/ 3304407 h 3709642"/>
-              <a:gd name="connsiteX8" fmla="*/ 433941 w 559472"/>
-              <a:gd name="connsiteY8" fmla="*/ 3198777 h 3709642"/>
-              <a:gd name="connsiteX9" fmla="*/ 427584 w 559472"/>
-              <a:gd name="connsiteY9" fmla="*/ 3092510 h 3709642"/>
-              <a:gd name="connsiteX10" fmla="*/ 420988 w 559472"/>
-              <a:gd name="connsiteY10" fmla="*/ 2984390 h 3709642"/>
-              <a:gd name="connsiteX11" fmla="*/ 414330 w 559472"/>
-              <a:gd name="connsiteY11" fmla="*/ 2874401 h 3709642"/>
-              <a:gd name="connsiteX12" fmla="*/ 406840 w 559472"/>
-              <a:gd name="connsiteY12" fmla="*/ 2762980 h 3709642"/>
-              <a:gd name="connsiteX13" fmla="*/ 397745 w 559472"/>
-              <a:gd name="connsiteY13" fmla="*/ 2650566 h 3709642"/>
-              <a:gd name="connsiteX14" fmla="*/ 389154 w 559472"/>
-              <a:gd name="connsiteY14" fmla="*/ 2536612 h 3709642"/>
-              <a:gd name="connsiteX15" fmla="*/ 379225 w 559472"/>
-              <a:gd name="connsiteY15" fmla="*/ 2421642 h 3709642"/>
-              <a:gd name="connsiteX16" fmla="*/ 368316 w 559472"/>
-              <a:gd name="connsiteY16" fmla="*/ 2305627 h 3709642"/>
-              <a:gd name="connsiteX17" fmla="*/ 357466 w 559472"/>
-              <a:gd name="connsiteY17" fmla="*/ 2189233 h 3709642"/>
-              <a:gd name="connsiteX18" fmla="*/ 344982 w 559472"/>
-              <a:gd name="connsiteY18" fmla="*/ 2071473 h 3709642"/>
-              <a:gd name="connsiteX19" fmla="*/ 332466 w 559472"/>
-              <a:gd name="connsiteY19" fmla="*/ 1952216 h 3709642"/>
-              <a:gd name="connsiteX20" fmla="*/ 319121 w 559472"/>
-              <a:gd name="connsiteY20" fmla="*/ 1833776 h 3709642"/>
-              <a:gd name="connsiteX21" fmla="*/ 304408 w 559472"/>
-              <a:gd name="connsiteY21" fmla="*/ 1713948 h 3709642"/>
-              <a:gd name="connsiteX22" fmla="*/ 288685 w 559472"/>
-              <a:gd name="connsiteY22" fmla="*/ 1592703 h 3709642"/>
-              <a:gd name="connsiteX23" fmla="*/ 273050 w 559472"/>
-              <a:gd name="connsiteY23" fmla="*/ 1471451 h 3709642"/>
-              <a:gd name="connsiteX24" fmla="*/ 255813 w 559472"/>
-              <a:gd name="connsiteY24" fmla="*/ 1350328 h 3709642"/>
-              <a:gd name="connsiteX25" fmla="*/ 237060 w 559472"/>
-              <a:gd name="connsiteY25" fmla="*/ 1227080 h 3709642"/>
-              <a:gd name="connsiteX26" fmla="*/ 218488 w 559472"/>
-              <a:gd name="connsiteY26" fmla="*/ 1106065 h 3709642"/>
-              <a:gd name="connsiteX27" fmla="*/ 198221 w 559472"/>
-              <a:gd name="connsiteY27" fmla="*/ 982940 h 3709642"/>
-              <a:gd name="connsiteX28" fmla="*/ 177152 w 559472"/>
-              <a:gd name="connsiteY28" fmla="*/ 858755 h 3709642"/>
-              <a:gd name="connsiteX29" fmla="*/ 155551 w 559472"/>
-              <a:gd name="connsiteY29" fmla="*/ 736861 h 3709642"/>
-              <a:gd name="connsiteX30" fmla="*/ 131782 w 559472"/>
-              <a:gd name="connsiteY30" fmla="*/ 613645 h 3709642"/>
-              <a:gd name="connsiteX31" fmla="*/ 107123 w 559472"/>
-              <a:gd name="connsiteY31" fmla="*/ 490500 h 3709642"/>
-              <a:gd name="connsiteX32" fmla="*/ 82552 w 559472"/>
-              <a:gd name="connsiteY32" fmla="*/ 367348 h 3709642"/>
-              <a:gd name="connsiteX33" fmla="*/ 55608 w 559472"/>
-              <a:gd name="connsiteY33" fmla="*/ 244762 h 3709642"/>
-              <a:gd name="connsiteX34" fmla="*/ 28130 w 559472"/>
-              <a:gd name="connsiteY34" fmla="*/ 122220 h 3709642"/>
-              <a:gd name="connsiteX35" fmla="*/ 0 w 559472"/>
-              <a:gd name="connsiteY35" fmla="*/ 0 h 3709642"/>
-            </a:gdLst>
-            <a:ahLst/>
-            <a:cxnLst>
-              <a:cxn ang="0">
-                <a:pos x="connsiteX0" y="connsiteY0"/>
-              </a:cxn>
-              <a:cxn ang="0">
-                <a:pos x="connsiteX1" y="connsiteY1"/>
-              </a:cxn>
-              <a:cxn ang="0">
-                <a:pos x="connsiteX2" y="connsiteY2"/>
-              </a:cxn>
-              <a:cxn ang="0">
-                <a:pos x="connsiteX3" y="connsiteY3"/>
-              </a:cxn>
-              <a:cxn ang="0">
-                <a:pos x="connsiteX4" y="connsiteY4"/>
-              </a:cxn>
-              <a:cxn ang="0">
-                <a:pos x="connsiteX5" y="connsiteY5"/>
-              </a:cxn>
-              <a:cxn ang="0">
-                <a:pos x="connsiteX6" y="connsiteY6"/>
-              </a:cxn>
-              <a:cxn ang="0">
-                <a:pos x="connsiteX7" y="connsiteY7"/>
-              </a:cxn>
-              <a:cxn ang="0">
-                <a:pos x="connsiteX8" y="connsiteY8"/>
-              </a:cxn>
-              <a:cxn ang="0">
-                <a:pos x="connsiteX9" y="connsiteY9"/>
-              </a:cxn>
-              <a:cxn ang="0">
-                <a:pos x="connsiteX10" y="connsiteY10"/>
-              </a:cxn>
-              <a:cxn ang="0">
-                <a:pos x="connsiteX11" y="connsiteY11"/>
-              </a:cxn>
-              <a:cxn ang="0">
-                <a:pos x="connsiteX12" y="connsiteY12"/>
-              </a:cxn>
-              <a:cxn ang="0">
-                <a:pos x="connsiteX13" y="connsiteY13"/>
-              </a:cxn>
-              <a:cxn ang="0">
-                <a:pos x="connsiteX14" y="connsiteY14"/>
-              </a:cxn>
-              <a:cxn ang="0">
-                <a:pos x="connsiteX15" y="connsiteY15"/>
-              </a:cxn>
-              <a:cxn ang="0">
-                <a:pos x="connsiteX16" y="connsiteY16"/>
-              </a:cxn>
-              <a:cxn ang="0">
-                <a:pos x="connsiteX17" y="connsiteY17"/>
-              </a:cxn>
-              <a:cxn ang="0">
-                <a:pos x="connsiteX18" y="connsiteY18"/>
-              </a:cxn>
-              <a:cxn ang="0">
-                <a:pos x="connsiteX19" y="connsiteY19"/>
-              </a:cxn>
-              <a:cxn ang="0">
-                <a:pos x="connsiteX20" y="connsiteY20"/>
-              </a:cxn>
-              <a:cxn ang="0">
-                <a:pos x="connsiteX21" y="connsiteY21"/>
-              </a:cxn>
-              <a:cxn ang="0">
-                <a:pos x="connsiteX22" y="connsiteY22"/>
-              </a:cxn>
-              <a:cxn ang="0">
-                <a:pos x="connsiteX23" y="connsiteY23"/>
-              </a:cxn>
-              <a:cxn ang="0">
-                <a:pos x="connsiteX24" y="connsiteY24"/>
-              </a:cxn>
-              <a:cxn ang="0">
-                <a:pos x="connsiteX25" y="connsiteY25"/>
-              </a:cxn>
-              <a:cxn ang="0">
-                <a:pos x="connsiteX26" y="connsiteY26"/>
-              </a:cxn>
-              <a:cxn ang="0">
-                <a:pos x="connsiteX27" y="connsiteY27"/>
-              </a:cxn>
-              <a:cxn ang="0">
-                <a:pos x="connsiteX28" y="connsiteY28"/>
-              </a:cxn>
-              <a:cxn ang="0">
-                <a:pos x="connsiteX29" y="connsiteY29"/>
-              </a:cxn>
-              <a:cxn ang="0">
-                <a:pos x="connsiteX30" y="connsiteY30"/>
-              </a:cxn>
-              <a:cxn ang="0">
-                <a:pos x="connsiteX31" y="connsiteY31"/>
-              </a:cxn>
-              <a:cxn ang="0">
-                <a:pos x="connsiteX32" y="connsiteY32"/>
-              </a:cxn>
-              <a:cxn ang="0">
-                <a:pos x="connsiteX33" y="connsiteY33"/>
-              </a:cxn>
-              <a:cxn ang="0">
-                <a:pos x="connsiteX34" y="connsiteY34"/>
-              </a:cxn>
-              <a:cxn ang="0">
-                <a:pos x="connsiteX35" y="connsiteY35"/>
-              </a:cxn>
-            </a:cxnLst>
-            <a:rect l="l" t="t" r="r" b="b"/>
-            <a:pathLst>
-              <a:path w="559472" h="3709642">
-                <a:moveTo>
-                  <a:pt x="0" y="0"/>
-                </a:moveTo>
-                <a:lnTo>
-                  <a:pt x="473952" y="0"/>
-                </a:lnTo>
-                <a:lnTo>
-                  <a:pt x="485840" y="161194"/>
-                </a:lnTo>
-                <a:cubicBezTo>
-                  <a:pt x="552063" y="1147770"/>
-                  <a:pt x="592441" y="3086737"/>
-                  <a:pt x="523949" y="3672197"/>
-                </a:cubicBezTo>
-                <a:cubicBezTo>
-                  <a:pt x="500842" y="3684557"/>
-                  <a:pt x="477855" y="3697282"/>
-                  <a:pt x="454748" y="3709642"/>
-                </a:cubicBezTo>
-                <a:lnTo>
-                  <a:pt x="448224" y="3510471"/>
-                </a:lnTo>
-                <a:lnTo>
-                  <a:pt x="443564" y="3408563"/>
-                </a:lnTo>
-                <a:lnTo>
-                  <a:pt x="438902" y="3304407"/>
-                </a:lnTo>
-                <a:lnTo>
-                  <a:pt x="433941" y="3198777"/>
-                </a:lnTo>
-                <a:lnTo>
-                  <a:pt x="427584" y="3092510"/>
-                </a:lnTo>
-                <a:lnTo>
-                  <a:pt x="420988" y="2984390"/>
-                </a:lnTo>
-                <a:lnTo>
-                  <a:pt x="414330" y="2874401"/>
-                </a:lnTo>
-                <a:lnTo>
-                  <a:pt x="406840" y="2762980"/>
-                </a:lnTo>
-                <a:lnTo>
-                  <a:pt x="397745" y="2650566"/>
-                </a:lnTo>
-                <a:lnTo>
-                  <a:pt x="389154" y="2536612"/>
-                </a:lnTo>
-                <a:lnTo>
-                  <a:pt x="379225" y="2421642"/>
-                </a:lnTo>
-                <a:lnTo>
-                  <a:pt x="368316" y="2305627"/>
-                </a:lnTo>
-                <a:lnTo>
-                  <a:pt x="357466" y="2189233"/>
-                </a:lnTo>
-                <a:lnTo>
-                  <a:pt x="344982" y="2071473"/>
-                </a:lnTo>
-                <a:lnTo>
-                  <a:pt x="332466" y="1952216"/>
-                </a:lnTo>
-                <a:lnTo>
-                  <a:pt x="319121" y="1833776"/>
-                </a:lnTo>
-                <a:lnTo>
-                  <a:pt x="304408" y="1713948"/>
-                </a:lnTo>
-                <a:lnTo>
-                  <a:pt x="288685" y="1592703"/>
-                </a:lnTo>
-                <a:lnTo>
-                  <a:pt x="273050" y="1471451"/>
-                </a:lnTo>
-                <a:lnTo>
-                  <a:pt x="255813" y="1350328"/>
-                </a:lnTo>
-                <a:lnTo>
-                  <a:pt x="237060" y="1227080"/>
-                </a:lnTo>
-                <a:lnTo>
-                  <a:pt x="218488" y="1106065"/>
-                </a:lnTo>
-                <a:lnTo>
-                  <a:pt x="198221" y="982940"/>
-                </a:lnTo>
-                <a:lnTo>
-                  <a:pt x="177152" y="858755"/>
-                </a:lnTo>
-                <a:lnTo>
-                  <a:pt x="155551" y="736861"/>
-                </a:lnTo>
-                <a:lnTo>
-                  <a:pt x="131782" y="613645"/>
-                </a:lnTo>
-                <a:lnTo>
-                  <a:pt x="107123" y="490500"/>
-                </a:lnTo>
-                <a:lnTo>
-                  <a:pt x="82552" y="367348"/>
-                </a:lnTo>
-                <a:lnTo>
-                  <a:pt x="55608" y="244762"/>
-                </a:lnTo>
-                <a:lnTo>
-                  <a:pt x="28130" y="122220"/>
-                </a:lnTo>
-                <a:lnTo>
-                  <a:pt x="0" y="0"/>
-                </a:lnTo>
-                <a:close/>
-              </a:path>
-            </a:pathLst>
-          </a:custGeom>
-          <a:solidFill>
-            <a:schemeClr val="tx2">
-              <a:alpha val="20000"/>
-            </a:schemeClr>
-          </a:solidFill>
-          <a:ln>
-            <a:noFill/>
-          </a:ln>
-        </p:spPr>
-        <p:txBody>
-          <a:bodyPr rtlCol="0" anchor="ctr"/>
-          <a:lstStyle/>
-          <a:p>
-            <a:pPr algn="ctr"/>
-            <a:endParaRPr lang="en-US"/>
-          </a:p>
-        </p:txBody>
-      </p:sp>
-      <p:sp>
-        <p:nvSpPr>
-          <p:cNvPr id="23" name="Freeform: Shape 22">
-            <a:extLst>
-              <a:ext uri="{FF2B5EF4-FFF2-40B4-BE49-F238E27FC236}">
-                <a16:creationId xmlns:a16="http://schemas.microsoft.com/office/drawing/2014/main" id="{8598F259-6F54-47A3-8D13-1603D786A328}"/>
-              </a:ext>
-              <a:ext uri="{C183D7F6-B498-43B3-948B-1728B52AA6E4}">
-                <adec:decorative xmlns:adec="http://schemas.microsoft.com/office/drawing/2017/decorative" val="1"/>
-              </a:ext>
-            </a:extLst>
-          </p:cNvPr>
-          <p:cNvSpPr>
-            <a:spLocks noGrp="1" noRot="1" noChangeAspect="1" noMove="1" noResize="1" noEditPoints="1" noAdjustHandles="1" noChangeArrowheads="1" noChangeShapeType="1" noTextEdit="1"/>
-          </p:cNvSpPr>
-          <p:nvPr>
-            <p:extLst>
-              <p:ext uri="{386F3935-93C4-4BCD-93E2-E3B085C9AB24}">
-                <p16:designElem xmlns:p16="http://schemas.microsoft.com/office/powerpoint/2015/main" val="1"/>
-              </p:ext>
-            </p:extLst>
-          </p:nvPr>
-        </p:nvSpPr>
-        <p:spPr>
-          <a:xfrm>
-            <a:off x="1" y="1"/>
-            <a:ext cx="4990911" cy="6858001"/>
-          </a:xfrm>
-          <a:custGeom>
-            <a:avLst/>
-            <a:gdLst>
-              <a:gd name="connsiteX0" fmla="*/ 3646196 w 4990911"/>
-              <a:gd name="connsiteY0" fmla="*/ 0 h 6858001"/>
-              <a:gd name="connsiteX1" fmla="*/ 4989734 w 4990911"/>
-              <a:gd name="connsiteY1" fmla="*/ 0 h 6858001"/>
-              <a:gd name="connsiteX2" fmla="*/ 4964689 w 4990911"/>
-              <a:gd name="connsiteY2" fmla="*/ 155677 h 6858001"/>
-              <a:gd name="connsiteX3" fmla="*/ 4940820 w 4990911"/>
-              <a:gd name="connsiteY3" fmla="*/ 310668 h 6858001"/>
-              <a:gd name="connsiteX4" fmla="*/ 4917456 w 4990911"/>
-              <a:gd name="connsiteY4" fmla="*/ 466344 h 6858001"/>
-              <a:gd name="connsiteX5" fmla="*/ 4897453 w 4990911"/>
-              <a:gd name="connsiteY5" fmla="*/ 622707 h 6858001"/>
-              <a:gd name="connsiteX6" fmla="*/ 4877282 w 4990911"/>
-              <a:gd name="connsiteY6" fmla="*/ 778383 h 6858001"/>
-              <a:gd name="connsiteX7" fmla="*/ 4858456 w 4990911"/>
-              <a:gd name="connsiteY7" fmla="*/ 934746 h 6858001"/>
-              <a:gd name="connsiteX8" fmla="*/ 4842320 w 4990911"/>
-              <a:gd name="connsiteY8" fmla="*/ 1089051 h 6858001"/>
-              <a:gd name="connsiteX9" fmla="*/ 4827024 w 4990911"/>
-              <a:gd name="connsiteY9" fmla="*/ 1245413 h 6858001"/>
-              <a:gd name="connsiteX10" fmla="*/ 4813072 w 4990911"/>
-              <a:gd name="connsiteY10" fmla="*/ 1401090 h 6858001"/>
-              <a:gd name="connsiteX11" fmla="*/ 4800970 w 4990911"/>
-              <a:gd name="connsiteY11" fmla="*/ 1554023 h 6858001"/>
-              <a:gd name="connsiteX12" fmla="*/ 4788867 w 4990911"/>
-              <a:gd name="connsiteY12" fmla="*/ 1709014 h 6858001"/>
-              <a:gd name="connsiteX13" fmla="*/ 4778782 w 4990911"/>
-              <a:gd name="connsiteY13" fmla="*/ 1861947 h 6858001"/>
-              <a:gd name="connsiteX14" fmla="*/ 4770882 w 4990911"/>
-              <a:gd name="connsiteY14" fmla="*/ 2014881 h 6858001"/>
-              <a:gd name="connsiteX15" fmla="*/ 4762645 w 4990911"/>
-              <a:gd name="connsiteY15" fmla="*/ 2167128 h 6858001"/>
-              <a:gd name="connsiteX16" fmla="*/ 4755754 w 4990911"/>
-              <a:gd name="connsiteY16" fmla="*/ 2318004 h 6858001"/>
-              <a:gd name="connsiteX17" fmla="*/ 4750879 w 4990911"/>
-              <a:gd name="connsiteY17" fmla="*/ 2467509 h 6858001"/>
-              <a:gd name="connsiteX18" fmla="*/ 4746677 w 4990911"/>
-              <a:gd name="connsiteY18" fmla="*/ 2617013 h 6858001"/>
-              <a:gd name="connsiteX19" fmla="*/ 4742643 w 4990911"/>
-              <a:gd name="connsiteY19" fmla="*/ 2765146 h 6858001"/>
-              <a:gd name="connsiteX20" fmla="*/ 4740794 w 4990911"/>
-              <a:gd name="connsiteY20" fmla="*/ 2911221 h 6858001"/>
-              <a:gd name="connsiteX21" fmla="*/ 4738777 w 4990911"/>
-              <a:gd name="connsiteY21" fmla="*/ 3057297 h 6858001"/>
-              <a:gd name="connsiteX22" fmla="*/ 4737768 w 4990911"/>
-              <a:gd name="connsiteY22" fmla="*/ 3201315 h 6858001"/>
-              <a:gd name="connsiteX23" fmla="*/ 4738777 w 4990911"/>
-              <a:gd name="connsiteY23" fmla="*/ 3343961 h 6858001"/>
-              <a:gd name="connsiteX24" fmla="*/ 4738777 w 4990911"/>
-              <a:gd name="connsiteY24" fmla="*/ 3485236 h 6858001"/>
-              <a:gd name="connsiteX25" fmla="*/ 4740794 w 4990911"/>
-              <a:gd name="connsiteY25" fmla="*/ 3625139 h 6858001"/>
-              <a:gd name="connsiteX26" fmla="*/ 4743819 w 4990911"/>
-              <a:gd name="connsiteY26" fmla="*/ 3762299 h 6858001"/>
-              <a:gd name="connsiteX27" fmla="*/ 4746677 w 4990911"/>
-              <a:gd name="connsiteY27" fmla="*/ 3898087 h 6858001"/>
-              <a:gd name="connsiteX28" fmla="*/ 4749871 w 4990911"/>
-              <a:gd name="connsiteY28" fmla="*/ 4031133 h 6858001"/>
-              <a:gd name="connsiteX29" fmla="*/ 4754745 w 4990911"/>
-              <a:gd name="connsiteY29" fmla="*/ 4163492 h 6858001"/>
-              <a:gd name="connsiteX30" fmla="*/ 4759956 w 4990911"/>
-              <a:gd name="connsiteY30" fmla="*/ 4293793 h 6858001"/>
-              <a:gd name="connsiteX31" fmla="*/ 4764662 w 4990911"/>
-              <a:gd name="connsiteY31" fmla="*/ 4421352 h 6858001"/>
-              <a:gd name="connsiteX32" fmla="*/ 4777942 w 4990911"/>
-              <a:gd name="connsiteY32" fmla="*/ 4670298 h 6858001"/>
-              <a:gd name="connsiteX33" fmla="*/ 4792061 w 4990911"/>
-              <a:gd name="connsiteY33" fmla="*/ 4908956 h 6858001"/>
-              <a:gd name="connsiteX34" fmla="*/ 4806853 w 4990911"/>
-              <a:gd name="connsiteY34" fmla="*/ 5138013 h 6858001"/>
-              <a:gd name="connsiteX35" fmla="*/ 4823158 w 4990911"/>
-              <a:gd name="connsiteY35" fmla="*/ 5354726 h 6858001"/>
-              <a:gd name="connsiteX36" fmla="*/ 4840135 w 4990911"/>
-              <a:gd name="connsiteY36" fmla="*/ 5561838 h 6858001"/>
-              <a:gd name="connsiteX37" fmla="*/ 4858456 w 4990911"/>
-              <a:gd name="connsiteY37" fmla="*/ 5753862 h 6858001"/>
-              <a:gd name="connsiteX38" fmla="*/ 4876442 w 4990911"/>
-              <a:gd name="connsiteY38" fmla="*/ 5934227 h 6858001"/>
-              <a:gd name="connsiteX39" fmla="*/ 4894427 w 4990911"/>
-              <a:gd name="connsiteY39" fmla="*/ 6100191 h 6858001"/>
-              <a:gd name="connsiteX40" fmla="*/ 4911404 w 4990911"/>
-              <a:gd name="connsiteY40" fmla="*/ 6252438 h 6858001"/>
-              <a:gd name="connsiteX41" fmla="*/ 4927541 w 4990911"/>
-              <a:gd name="connsiteY41" fmla="*/ 6387541 h 6858001"/>
-              <a:gd name="connsiteX42" fmla="*/ 4942837 w 4990911"/>
-              <a:gd name="connsiteY42" fmla="*/ 6509613 h 6858001"/>
-              <a:gd name="connsiteX43" fmla="*/ 4955612 w 4990911"/>
-              <a:gd name="connsiteY43" fmla="*/ 6612483 h 6858001"/>
-              <a:gd name="connsiteX44" fmla="*/ 4967714 w 4990911"/>
-              <a:gd name="connsiteY44" fmla="*/ 6698894 h 6858001"/>
-              <a:gd name="connsiteX45" fmla="*/ 4985028 w 4990911"/>
-              <a:gd name="connsiteY45" fmla="*/ 6817538 h 6858001"/>
-              <a:gd name="connsiteX46" fmla="*/ 4990911 w 4990911"/>
-              <a:gd name="connsiteY46" fmla="*/ 6858000 h 6858001"/>
-              <a:gd name="connsiteX47" fmla="*/ 4085557 w 4990911"/>
-              <a:gd name="connsiteY47" fmla="*/ 6858000 h 6858001"/>
-              <a:gd name="connsiteX48" fmla="*/ 4085557 w 4990911"/>
-              <a:gd name="connsiteY48" fmla="*/ 6858001 h 6858001"/>
-              <a:gd name="connsiteX49" fmla="*/ 0 w 4990911"/>
-              <a:gd name="connsiteY49" fmla="*/ 6858001 h 6858001"/>
-              <a:gd name="connsiteX50" fmla="*/ 0 w 4990911"/>
-              <a:gd name="connsiteY50" fmla="*/ 1 h 6858001"/>
-              <a:gd name="connsiteX51" fmla="*/ 3646196 w 4990911"/>
-              <a:gd name="connsiteY51" fmla="*/ 1 h 6858001"/>
-            </a:gdLst>
-            <a:ahLst/>
-            <a:cxnLst>
-              <a:cxn ang="0">
-                <a:pos x="connsiteX0" y="connsiteY0"/>
-              </a:cxn>
-              <a:cxn ang="0">
-                <a:pos x="connsiteX1" y="connsiteY1"/>
-              </a:cxn>
-              <a:cxn ang="0">
-                <a:pos x="connsiteX2" y="connsiteY2"/>
-              </a:cxn>
-              <a:cxn ang="0">
-                <a:pos x="connsiteX3" y="connsiteY3"/>
-              </a:cxn>
-              <a:cxn ang="0">
-                <a:pos x="connsiteX4" y="connsiteY4"/>
-              </a:cxn>
-              <a:cxn ang="0">
-                <a:pos x="connsiteX5" y="connsiteY5"/>
-              </a:cxn>
-              <a:cxn ang="0">
-                <a:pos x="connsiteX6" y="connsiteY6"/>
-              </a:cxn>
-              <a:cxn ang="0">
-                <a:pos x="connsiteX7" y="connsiteY7"/>
-              </a:cxn>
-              <a:cxn ang="0">
-                <a:pos x="connsiteX8" y="connsiteY8"/>
-              </a:cxn>
-              <a:cxn ang="0">
-                <a:pos x="connsiteX9" y="connsiteY9"/>
-              </a:cxn>
-              <a:cxn ang="0">
-                <a:pos x="connsiteX10" y="connsiteY10"/>
-              </a:cxn>
-              <a:cxn ang="0">
-                <a:pos x="connsiteX11" y="connsiteY11"/>
-              </a:cxn>
-              <a:cxn ang="0">
-                <a:pos x="connsiteX12" y="connsiteY12"/>
-              </a:cxn>
-              <a:cxn ang="0">
-                <a:pos x="connsiteX13" y="connsiteY13"/>
-              </a:cxn>
-              <a:cxn ang="0">
-                <a:pos x="connsiteX14" y="connsiteY14"/>
-              </a:cxn>
-              <a:cxn ang="0">
-                <a:pos x="connsiteX15" y="connsiteY15"/>
-              </a:cxn>
-              <a:cxn ang="0">
-                <a:pos x="connsiteX16" y="connsiteY16"/>
-              </a:cxn>
-              <a:cxn ang="0">
-                <a:pos x="connsiteX17" y="connsiteY17"/>
-              </a:cxn>
-              <a:cxn ang="0">
-                <a:pos x="connsiteX18" y="connsiteY18"/>
-              </a:cxn>
-              <a:cxn ang="0">
-                <a:pos x="connsiteX19" y="connsiteY19"/>
-              </a:cxn>
-              <a:cxn ang="0">
-                <a:pos x="connsiteX20" y="connsiteY20"/>
-              </a:cxn>
-              <a:cxn ang="0">
-                <a:pos x="connsiteX21" y="connsiteY21"/>
-              </a:cxn>
-              <a:cxn ang="0">
-                <a:pos x="connsiteX22" y="connsiteY22"/>
-              </a:cxn>
-              <a:cxn ang="0">
-                <a:pos x="connsiteX23" y="connsiteY23"/>
-              </a:cxn>
-              <a:cxn ang="0">
-                <a:pos x="connsiteX24" y="connsiteY24"/>
-              </a:cxn>
-              <a:cxn ang="0">
-                <a:pos x="connsiteX25" y="connsiteY25"/>
-              </a:cxn>
-              <a:cxn ang="0">
-                <a:pos x="connsiteX26" y="connsiteY26"/>
-              </a:cxn>
-              <a:cxn ang="0">
-                <a:pos x="connsiteX27" y="connsiteY27"/>
-              </a:cxn>
-              <a:cxn ang="0">
-                <a:pos x="connsiteX28" y="connsiteY28"/>
-              </a:cxn>
-              <a:cxn ang="0">
-                <a:pos x="connsiteX29" y="connsiteY29"/>
-              </a:cxn>
-              <a:cxn ang="0">
-                <a:pos x="connsiteX30" y="connsiteY30"/>
-              </a:cxn>
-              <a:cxn ang="0">
-                <a:pos x="connsiteX31" y="connsiteY31"/>
-              </a:cxn>
-              <a:cxn ang="0">
-                <a:pos x="connsiteX32" y="connsiteY32"/>
-              </a:cxn>
-              <a:cxn ang="0">
-                <a:pos x="connsiteX33" y="connsiteY33"/>
-              </a:cxn>
-              <a:cxn ang="0">
-                <a:pos x="connsiteX34" y="connsiteY34"/>
-              </a:cxn>
-              <a:cxn ang="0">
-                <a:pos x="connsiteX35" y="connsiteY35"/>
-              </a:cxn>
-              <a:cxn ang="0">
-                <a:pos x="connsiteX36" y="connsiteY36"/>
-              </a:cxn>
-              <a:cxn ang="0">
-                <a:pos x="connsiteX37" y="connsiteY37"/>
-              </a:cxn>
-              <a:cxn ang="0">
-                <a:pos x="connsiteX38" y="connsiteY38"/>
-              </a:cxn>
-              <a:cxn ang="0">
-                <a:pos x="connsiteX39" y="connsiteY39"/>
-              </a:cxn>
-              <a:cxn ang="0">
-                <a:pos x="connsiteX40" y="connsiteY40"/>
-              </a:cxn>
-              <a:cxn ang="0">
-                <a:pos x="connsiteX41" y="connsiteY41"/>
-              </a:cxn>
-              <a:cxn ang="0">
-                <a:pos x="connsiteX42" y="connsiteY42"/>
-              </a:cxn>
-              <a:cxn ang="0">
-                <a:pos x="connsiteX43" y="connsiteY43"/>
-              </a:cxn>
-              <a:cxn ang="0">
-                <a:pos x="connsiteX44" y="connsiteY44"/>
-              </a:cxn>
-              <a:cxn ang="0">
-                <a:pos x="connsiteX45" y="connsiteY45"/>
-              </a:cxn>
-              <a:cxn ang="0">
-                <a:pos x="connsiteX46" y="connsiteY46"/>
-              </a:cxn>
-              <a:cxn ang="0">
-                <a:pos x="connsiteX47" y="connsiteY47"/>
-              </a:cxn>
-              <a:cxn ang="0">
-                <a:pos x="connsiteX48" y="connsiteY48"/>
-              </a:cxn>
-              <a:cxn ang="0">
-                <a:pos x="connsiteX49" y="connsiteY49"/>
-              </a:cxn>
-              <a:cxn ang="0">
-                <a:pos x="connsiteX50" y="connsiteY50"/>
-              </a:cxn>
-              <a:cxn ang="0">
-                <a:pos x="connsiteX51" y="connsiteY51"/>
-              </a:cxn>
-            </a:cxnLst>
-            <a:rect l="l" t="t" r="r" b="b"/>
-            <a:pathLst>
-              <a:path w="4990911" h="6858001">
-                <a:moveTo>
-                  <a:pt x="3646196" y="0"/>
-                </a:moveTo>
-                <a:lnTo>
-                  <a:pt x="4989734" y="0"/>
-                </a:lnTo>
-                <a:lnTo>
-                  <a:pt x="4964689" y="155677"/>
-                </a:lnTo>
-                <a:lnTo>
-                  <a:pt x="4940820" y="310668"/>
-                </a:lnTo>
-                <a:lnTo>
-                  <a:pt x="4917456" y="466344"/>
-                </a:lnTo>
-                <a:lnTo>
-                  <a:pt x="4897453" y="622707"/>
-                </a:lnTo>
-                <a:lnTo>
-                  <a:pt x="4877282" y="778383"/>
-                </a:lnTo>
-                <a:lnTo>
-                  <a:pt x="4858456" y="934746"/>
-                </a:lnTo>
-                <a:lnTo>
-                  <a:pt x="4842320" y="1089051"/>
-                </a:lnTo>
-                <a:lnTo>
-                  <a:pt x="4827024" y="1245413"/>
-                </a:lnTo>
-                <a:lnTo>
-                  <a:pt x="4813072" y="1401090"/>
-                </a:lnTo>
-                <a:lnTo>
-                  <a:pt x="4800970" y="1554023"/>
-                </a:lnTo>
-                <a:lnTo>
-                  <a:pt x="4788867" y="1709014"/>
-                </a:lnTo>
-                <a:lnTo>
-                  <a:pt x="4778782" y="1861947"/>
-                </a:lnTo>
-                <a:lnTo>
-                  <a:pt x="4770882" y="2014881"/>
-                </a:lnTo>
-                <a:lnTo>
-                  <a:pt x="4762645" y="2167128"/>
-                </a:lnTo>
-                <a:lnTo>
-                  <a:pt x="4755754" y="2318004"/>
-                </a:lnTo>
-                <a:lnTo>
-                  <a:pt x="4750879" y="2467509"/>
-                </a:lnTo>
-                <a:lnTo>
-                  <a:pt x="4746677" y="2617013"/>
-                </a:lnTo>
-                <a:lnTo>
-                  <a:pt x="4742643" y="2765146"/>
-                </a:lnTo>
-                <a:lnTo>
-                  <a:pt x="4740794" y="2911221"/>
-                </a:lnTo>
-                <a:lnTo>
-                  <a:pt x="4738777" y="3057297"/>
-                </a:lnTo>
-                <a:lnTo>
-                  <a:pt x="4737768" y="3201315"/>
-                </a:lnTo>
-                <a:lnTo>
-                  <a:pt x="4738777" y="3343961"/>
-                </a:lnTo>
-                <a:lnTo>
-                  <a:pt x="4738777" y="3485236"/>
-                </a:lnTo>
-                <a:lnTo>
-                  <a:pt x="4740794" y="3625139"/>
-                </a:lnTo>
-                <a:lnTo>
-                  <a:pt x="4743819" y="3762299"/>
-                </a:lnTo>
-                <a:lnTo>
-                  <a:pt x="4746677" y="3898087"/>
-                </a:lnTo>
-                <a:lnTo>
-                  <a:pt x="4749871" y="4031133"/>
-                </a:lnTo>
-                <a:lnTo>
-                  <a:pt x="4754745" y="4163492"/>
-                </a:lnTo>
-                <a:lnTo>
-                  <a:pt x="4759956" y="4293793"/>
-                </a:lnTo>
-                <a:lnTo>
-                  <a:pt x="4764662" y="4421352"/>
-                </a:lnTo>
-                <a:lnTo>
-                  <a:pt x="4777942" y="4670298"/>
-                </a:lnTo>
-                <a:lnTo>
-                  <a:pt x="4792061" y="4908956"/>
-                </a:lnTo>
-                <a:lnTo>
-                  <a:pt x="4806853" y="5138013"/>
-                </a:lnTo>
-                <a:lnTo>
-                  <a:pt x="4823158" y="5354726"/>
-                </a:lnTo>
-                <a:lnTo>
-                  <a:pt x="4840135" y="5561838"/>
-                </a:lnTo>
-                <a:lnTo>
-                  <a:pt x="4858456" y="5753862"/>
-                </a:lnTo>
-                <a:lnTo>
-                  <a:pt x="4876442" y="5934227"/>
-                </a:lnTo>
-                <a:lnTo>
-                  <a:pt x="4894427" y="6100191"/>
-                </a:lnTo>
-                <a:lnTo>
-                  <a:pt x="4911404" y="6252438"/>
-                </a:lnTo>
-                <a:lnTo>
-                  <a:pt x="4927541" y="6387541"/>
-                </a:lnTo>
-                <a:lnTo>
-                  <a:pt x="4942837" y="6509613"/>
-                </a:lnTo>
-                <a:lnTo>
-                  <a:pt x="4955612" y="6612483"/>
-                </a:lnTo>
-                <a:lnTo>
-                  <a:pt x="4967714" y="6698894"/>
-                </a:lnTo>
-                <a:lnTo>
-                  <a:pt x="4985028" y="6817538"/>
-                </a:lnTo>
-                <a:lnTo>
-                  <a:pt x="4990911" y="6858000"/>
-                </a:lnTo>
-                <a:lnTo>
-                  <a:pt x="4085557" y="6858000"/>
-                </a:lnTo>
-                <a:lnTo>
-                  <a:pt x="4085557" y="6858001"/>
-                </a:lnTo>
-                <a:lnTo>
-                  <a:pt x="0" y="6858001"/>
-                </a:lnTo>
-                <a:lnTo>
-                  <a:pt x="0" y="1"/>
-                </a:lnTo>
-                <a:lnTo>
-                  <a:pt x="3646196" y="1"/>
-                </a:lnTo>
-                <a:close/>
-              </a:path>
-            </a:pathLst>
-          </a:custGeom>
-          <a:ln>
-            <a:noFill/>
-          </a:ln>
-        </p:spPr>
-        <p:style>
-          <a:lnRef idx="2">
-            <a:schemeClr val="accent1">
-              <a:shade val="50000"/>
-            </a:schemeClr>
-          </a:lnRef>
-          <a:fillRef idx="1003">
-            <a:schemeClr val="dk2"/>
-          </a:fillRef>
-          <a:effectRef idx="0">
-            <a:schemeClr val="accent1"/>
-          </a:effectRef>
-          <a:fontRef idx="minor">
-            <a:schemeClr val="lt1"/>
-          </a:fontRef>
-        </p:style>
-        <p:txBody>
-          <a:bodyPr rtlCol="0" anchor="ctr"/>
-          <a:lstStyle/>
-          <a:p>
-            <a:pPr algn="ctr"/>
-            <a:endParaRPr lang="en-US"/>
-          </a:p>
-        </p:txBody>
-      </p:sp>
-      <p:sp>
-        <p:nvSpPr>
-          <p:cNvPr id="25" name="Rectangle 24">
-            <a:extLst>
-              <a:ext uri="{FF2B5EF4-FFF2-40B4-BE49-F238E27FC236}">
-                <a16:creationId xmlns:a16="http://schemas.microsoft.com/office/drawing/2014/main" id="{0BA768A8-4FED-4ED8-9E46-6BE72188ECD2}"/>
-              </a:ext>
-              <a:ext uri="{C183D7F6-B498-43B3-948B-1728B52AA6E4}">
-                <adec:decorative xmlns:adec="http://schemas.microsoft.com/office/drawing/2017/decorative" val="1"/>
-              </a:ext>
-            </a:extLst>
-          </p:cNvPr>
-          <p:cNvSpPr>
-            <a:spLocks noGrp="1" noRot="1" noChangeAspect="1" noMove="1" noResize="1" noEditPoints="1" noAdjustHandles="1" noChangeArrowheads="1" noChangeShapeType="1" noTextEdit="1"/>
-          </p:cNvSpPr>
-          <p:nvPr>
-            <p:extLst>
-              <p:ext uri="{386F3935-93C4-4BCD-93E2-E3B085C9AB24}">
-                <p16:designElem xmlns:p16="http://schemas.microsoft.com/office/powerpoint/2015/main" val="1"/>
-              </p:ext>
-            </p:extLst>
-          </p:nvPr>
-        </p:nvSpPr>
-        <p:spPr>
-          <a:xfrm>
-            <a:off x="10437812" y="0"/>
-            <a:ext cx="685800" cy="1143000"/>
-          </a:xfrm>
-          <a:prstGeom prst="rect">
-            <a:avLst/>
-          </a:prstGeom>
-          <a:solidFill>
-            <a:schemeClr val="accent1"/>
-          </a:solidFill>
-          <a:ln>
-            <a:noFill/>
-          </a:ln>
-        </p:spPr>
-        <p:style>
-          <a:lnRef idx="1">
-            <a:schemeClr val="accent1"/>
-          </a:lnRef>
-          <a:fillRef idx="3">
-            <a:schemeClr val="accent1"/>
-          </a:fillRef>
-          <a:effectRef idx="2">
-            <a:schemeClr val="accent1"/>
-          </a:effectRef>
-          <a:fontRef idx="minor">
-            <a:schemeClr val="lt1"/>
-          </a:fontRef>
-        </p:style>
-        <p:txBody>
-          <a:bodyPr/>
-          <a:lstStyle/>
-          <a:p>
-            <a:endParaRPr lang="en-US"/>
-          </a:p>
-        </p:txBody>
-      </p:sp>
-      <p:sp>
-        <p:nvSpPr>
-          <p:cNvPr id="2" name="Title 1">
-            <a:extLst>
-              <a:ext uri="{FF2B5EF4-FFF2-40B4-BE49-F238E27FC236}">
-                <a16:creationId xmlns:a16="http://schemas.microsoft.com/office/drawing/2014/main" id="{9FF5CC05-6745-AD14-68B1-11D3358827E3}"/>
-              </a:ext>
-            </a:extLst>
-          </p:cNvPr>
-          <p:cNvSpPr>
-            <a:spLocks noGrp="1"/>
-          </p:cNvSpPr>
-          <p:nvPr>
-            <p:ph type="title"/>
-          </p:nvPr>
-        </p:nvSpPr>
-        <p:spPr>
-          <a:xfrm>
-            <a:off x="560880" y="313230"/>
-            <a:ext cx="3522879" cy="4470821"/>
-          </a:xfrm>
-        </p:spPr>
-        <p:txBody>
-          <a:bodyPr>
-            <a:normAutofit/>
-          </a:bodyPr>
-          <a:lstStyle/>
-          <a:p>
-            <a:pPr algn="r"/>
-            <a:r>
-              <a:rPr lang="hr-HR" dirty="0">
-                <a:solidFill>
-                  <a:srgbClr val="FFFFFF"/>
-                </a:solidFill>
-              </a:rPr>
-              <a:t>Admin postavke</a:t>
-            </a:r>
-            <a:endParaRPr lang="en-US" dirty="0">
-              <a:solidFill>
-                <a:srgbClr val="FFFFFF"/>
-              </a:solidFill>
-            </a:endParaRPr>
-          </a:p>
-        </p:txBody>
-      </p:sp>
-      <p:sp>
-        <p:nvSpPr>
-          <p:cNvPr id="3" name="Content Placeholder 2">
-            <a:extLst>
-              <a:ext uri="{FF2B5EF4-FFF2-40B4-BE49-F238E27FC236}">
-                <a16:creationId xmlns:a16="http://schemas.microsoft.com/office/drawing/2014/main" id="{54BA88AC-AB4A-29CB-21AB-09D28DE7E928}"/>
-              </a:ext>
-            </a:extLst>
-          </p:cNvPr>
-          <p:cNvSpPr>
-            <a:spLocks noGrp="1"/>
-          </p:cNvSpPr>
-          <p:nvPr>
-            <p:ph idx="1"/>
-          </p:nvPr>
-        </p:nvSpPr>
-        <p:spPr>
-          <a:xfrm>
-            <a:off x="5204109" y="1645920"/>
-            <a:ext cx="5919503" cy="4470821"/>
-          </a:xfrm>
-        </p:spPr>
-        <p:txBody>
-          <a:bodyPr>
-            <a:normAutofit/>
-          </a:bodyPr>
-          <a:lstStyle/>
-          <a:p>
-            <a:endParaRPr lang="en-US"/>
-          </a:p>
-        </p:txBody>
-      </p:sp>
-      <p:pic>
-        <p:nvPicPr>
-          <p:cNvPr id="8" name="Picture 7">
-            <a:extLst>
-              <a:ext uri="{FF2B5EF4-FFF2-40B4-BE49-F238E27FC236}">
-                <a16:creationId xmlns:a16="http://schemas.microsoft.com/office/drawing/2014/main" id="{3D8FF26A-3C84-4E11-5893-26F32BC51075}"/>
-              </a:ext>
-            </a:extLst>
-          </p:cNvPr>
-          <p:cNvPicPr>
-            <a:picLocks noChangeAspect="1"/>
-          </p:cNvPicPr>
-          <p:nvPr/>
-        </p:nvPicPr>
-        <p:blipFill>
-          <a:blip r:embed="rId2"/>
-          <a:stretch>
-            <a:fillRect/>
-          </a:stretch>
-        </p:blipFill>
-        <p:spPr>
-          <a:xfrm>
-            <a:off x="1046414" y="2496594"/>
-            <a:ext cx="3385026" cy="2287457"/>
-          </a:xfrm>
-          <a:prstGeom prst="rect">
-            <a:avLst/>
-          </a:prstGeom>
-        </p:spPr>
-      </p:pic>
-      <p:pic>
-        <p:nvPicPr>
-          <p:cNvPr id="10" name="Picture 9">
-            <a:extLst>
-              <a:ext uri="{FF2B5EF4-FFF2-40B4-BE49-F238E27FC236}">
-                <a16:creationId xmlns:a16="http://schemas.microsoft.com/office/drawing/2014/main" id="{D9A6B651-20C5-FB10-3E8C-4191CDF41CC9}"/>
-              </a:ext>
-            </a:extLst>
-          </p:cNvPr>
-          <p:cNvPicPr>
-            <a:picLocks noChangeAspect="1"/>
-          </p:cNvPicPr>
-          <p:nvPr/>
-        </p:nvPicPr>
-        <p:blipFill>
-          <a:blip r:embed="rId3"/>
-          <a:stretch>
-            <a:fillRect/>
-          </a:stretch>
-        </p:blipFill>
-        <p:spPr>
-          <a:xfrm>
-            <a:off x="5551790" y="666345"/>
-            <a:ext cx="5434483" cy="5525310"/>
-          </a:xfrm>
-          <a:prstGeom prst="rect">
-            <a:avLst/>
-          </a:prstGeom>
-        </p:spPr>
-      </p:pic>
-    </p:spTree>
-    <p:extLst>
-      <p:ext uri="{BB962C8B-B14F-4D97-AF65-F5344CB8AC3E}">
-        <p14:creationId xmlns:p14="http://schemas.microsoft.com/office/powerpoint/2010/main" val="3596773160"/>
-      </p:ext>
-    </p:extLst>
-  </p:cSld>
-  <p:clrMapOvr>
-    <a:overrideClrMapping bg1="lt1" tx1="dk1" bg2="lt2" tx2="dk2" accent1="accent1" accent2="accent2" accent3="accent3" accent4="accent4" accent5="accent5" accent6="accent6" hlink="hlink" folHlink="folHlink"/>
-  </p:clrMapOvr>
-</p:sld>
-</file>
-
-<file path=ppt/slides/slide15.xml><?xml version="1.0" encoding="utf-8"?>
+<file path=ppt/slides/slide17.xml><?xml version="1.0" encoding="utf-8"?>
 <p:sld xmlns:a="http://schemas.openxmlformats.org/drawingml/2006/main" xmlns:r="http://schemas.openxmlformats.org/officeDocument/2006/relationships" xmlns:p="http://schemas.openxmlformats.org/presentationml/2006/main">
   <p:cSld>
     <p:bg>
@@ -13191,1190 +15024,6 @@
       </p:sp>
       <p:pic>
         <p:nvPicPr>
-          <p:cNvPr id="5" name="Picture 4">
-            <a:extLst>
-              <a:ext uri="{FF2B5EF4-FFF2-40B4-BE49-F238E27FC236}">
-                <a16:creationId xmlns:a16="http://schemas.microsoft.com/office/drawing/2014/main" id="{5C54E126-1D95-AA6C-9A02-11CC57649C42}"/>
-              </a:ext>
-            </a:extLst>
-          </p:cNvPr>
-          <p:cNvPicPr>
-            <a:picLocks noChangeAspect="1"/>
-          </p:cNvPicPr>
-          <p:nvPr/>
-        </p:nvPicPr>
-        <p:blipFill>
-          <a:blip r:embed="rId2"/>
-          <a:stretch>
-            <a:fillRect/>
-          </a:stretch>
-        </p:blipFill>
-        <p:spPr>
-          <a:xfrm>
-            <a:off x="-418" y="1689954"/>
-            <a:ext cx="12192000" cy="1826551"/>
-          </a:xfrm>
-          <a:prstGeom prst="rect">
-            <a:avLst/>
-          </a:prstGeom>
-        </p:spPr>
-      </p:pic>
-      <p:pic>
-        <p:nvPicPr>
-          <p:cNvPr id="7" name="Picture 6">
-            <a:extLst>
-              <a:ext uri="{FF2B5EF4-FFF2-40B4-BE49-F238E27FC236}">
-                <a16:creationId xmlns:a16="http://schemas.microsoft.com/office/drawing/2014/main" id="{E7B7EB2B-2551-735C-AA48-76691A16BFBF}"/>
-              </a:ext>
-            </a:extLst>
-          </p:cNvPr>
-          <p:cNvPicPr>
-            <a:picLocks noChangeAspect="1"/>
-          </p:cNvPicPr>
-          <p:nvPr/>
-        </p:nvPicPr>
-        <p:blipFill>
-          <a:blip r:embed="rId3"/>
-          <a:stretch>
-            <a:fillRect/>
-          </a:stretch>
-        </p:blipFill>
-        <p:spPr>
-          <a:xfrm>
-            <a:off x="654083" y="3705958"/>
-            <a:ext cx="4638675" cy="2924175"/>
-          </a:xfrm>
-          <a:prstGeom prst="rect">
-            <a:avLst/>
-          </a:prstGeom>
-        </p:spPr>
-      </p:pic>
-    </p:spTree>
-    <p:extLst>
-      <p:ext uri="{BB962C8B-B14F-4D97-AF65-F5344CB8AC3E}">
-        <p14:creationId xmlns:p14="http://schemas.microsoft.com/office/powerpoint/2010/main" val="2480409555"/>
-      </p:ext>
-    </p:extLst>
-  </p:cSld>
-  <p:clrMapOvr>
-    <a:overrideClrMapping bg1="lt1" tx1="dk1" bg2="lt2" tx2="dk2" accent1="accent1" accent2="accent2" accent3="accent3" accent4="accent4" accent5="accent5" accent6="accent6" hlink="hlink" folHlink="folHlink"/>
-  </p:clrMapOvr>
-</p:sld>
-</file>
-
-<file path=ppt/slides/slide16.xml><?xml version="1.0" encoding="utf-8"?>
-<p:sld xmlns:a="http://schemas.openxmlformats.org/drawingml/2006/main" xmlns:r="http://schemas.openxmlformats.org/officeDocument/2006/relationships" xmlns:p="http://schemas.openxmlformats.org/presentationml/2006/main">
-  <p:cSld>
-    <p:bg>
-      <p:bgPr>
-        <a:solidFill>
-          <a:schemeClr val="bg1">
-            <a:lumMod val="85000"/>
-          </a:schemeClr>
-        </a:solidFill>
-        <a:effectLst/>
-      </p:bgPr>
-    </p:bg>
-    <p:spTree>
-      <p:nvGrpSpPr>
-        <p:cNvPr id="1" name=""/>
-        <p:cNvGrpSpPr/>
-        <p:nvPr/>
-      </p:nvGrpSpPr>
-      <p:grpSpPr>
-        <a:xfrm>
-          <a:off x="0" y="0"/>
-          <a:ext cx="0" cy="0"/>
-          <a:chOff x="0" y="0"/>
-          <a:chExt cx="0" cy="0"/>
-        </a:xfrm>
-      </p:grpSpPr>
-      <p:sp>
-        <p:nvSpPr>
-          <p:cNvPr id="8" name="Rectangle 7">
-            <a:extLst>
-              <a:ext uri="{FF2B5EF4-FFF2-40B4-BE49-F238E27FC236}">
-                <a16:creationId xmlns:a16="http://schemas.microsoft.com/office/drawing/2014/main" id="{74CD14DB-BB81-479F-A1FC-1C75640E9F84}"/>
-              </a:ext>
-              <a:ext uri="{C183D7F6-B498-43B3-948B-1728B52AA6E4}">
-                <adec:decorative xmlns:adec="http://schemas.microsoft.com/office/drawing/2017/decorative" val="1"/>
-              </a:ext>
-            </a:extLst>
-          </p:cNvPr>
-          <p:cNvSpPr>
-            <a:spLocks noGrp="1" noRot="1" noChangeAspect="1" noMove="1" noResize="1" noEditPoints="1" noAdjustHandles="1" noChangeArrowheads="1" noChangeShapeType="1" noTextEdit="1"/>
-          </p:cNvSpPr>
-          <p:nvPr>
-            <p:extLst>
-              <p:ext uri="{386F3935-93C4-4BCD-93E2-E3B085C9AB24}">
-                <p16:designElem xmlns:p16="http://schemas.microsoft.com/office/powerpoint/2015/main" val="1"/>
-              </p:ext>
-            </p:extLst>
-          </p:nvPr>
-        </p:nvSpPr>
-        <p:spPr>
-          <a:xfrm>
-            <a:off x="0" y="0"/>
-            <a:ext cx="12192000" cy="6858000"/>
-          </a:xfrm>
-          <a:prstGeom prst="rect">
-            <a:avLst/>
-          </a:prstGeom>
-          <a:ln>
-            <a:noFill/>
-          </a:ln>
-        </p:spPr>
-        <p:style>
-          <a:lnRef idx="2">
-            <a:schemeClr val="accent1">
-              <a:shade val="50000"/>
-            </a:schemeClr>
-          </a:lnRef>
-          <a:fillRef idx="1003">
-            <a:schemeClr val="dk2"/>
-          </a:fillRef>
-          <a:effectRef idx="0">
-            <a:schemeClr val="accent1"/>
-          </a:effectRef>
-          <a:fontRef idx="minor">
-            <a:schemeClr val="lt1"/>
-          </a:fontRef>
-        </p:style>
-        <p:txBody>
-          <a:bodyPr rtlCol="0" anchor="ctr"/>
-          <a:lstStyle/>
-          <a:p>
-            <a:pPr marL="0" marR="0" lvl="0" indent="0" algn="ctr" defTabSz="914400" rtl="0" eaLnBrk="1" fontAlgn="auto" latinLnBrk="0" hangingPunct="1">
-              <a:lnSpc>
-                <a:spcPct val="100000"/>
-              </a:lnSpc>
-              <a:spcBef>
-                <a:spcPts val="0"/>
-              </a:spcBef>
-              <a:spcAft>
-                <a:spcPts val="0"/>
-              </a:spcAft>
-              <a:buClrTx/>
-              <a:buSzTx/>
-              <a:buFontTx/>
-              <a:buNone/>
-              <a:tabLst/>
-              <a:defRPr/>
-            </a:pPr>
-            <a:endParaRPr kumimoji="0" lang="en-US" sz="1800" b="0" i="0" u="none" strike="noStrike" kern="1200" cap="none" spc="0" normalizeH="0" baseline="0" noProof="0">
-              <a:ln>
-                <a:noFill/>
-              </a:ln>
-              <a:solidFill>
-                <a:prstClr val="white"/>
-              </a:solidFill>
-              <a:effectLst/>
-              <a:uLnTx/>
-              <a:uFillTx/>
-              <a:latin typeface="Century Gothic" panose="020B0502020202020204"/>
-              <a:ea typeface="+mn-ea"/>
-              <a:cs typeface="+mn-cs"/>
-            </a:endParaRPr>
-          </a:p>
-        </p:txBody>
-      </p:sp>
-      <p:sp>
-        <p:nvSpPr>
-          <p:cNvPr id="10" name="Rectangle 9">
-            <a:extLst>
-              <a:ext uri="{FF2B5EF4-FFF2-40B4-BE49-F238E27FC236}">
-                <a16:creationId xmlns:a16="http://schemas.microsoft.com/office/drawing/2014/main" id="{C943A91B-7CA7-4592-A975-73B1BF8C4C74}"/>
-              </a:ext>
-              <a:ext uri="{C183D7F6-B498-43B3-948B-1728B52AA6E4}">
-                <adec:decorative xmlns:adec="http://schemas.microsoft.com/office/drawing/2017/decorative" val="1"/>
-              </a:ext>
-            </a:extLst>
-          </p:cNvPr>
-          <p:cNvSpPr>
-            <a:spLocks noGrp="1" noRot="1" noChangeAspect="1" noMove="1" noResize="1" noEditPoints="1" noAdjustHandles="1" noChangeArrowheads="1" noChangeShapeType="1" noTextEdit="1"/>
-          </p:cNvSpPr>
-          <p:nvPr>
-            <p:extLst>
-              <p:ext uri="{386F3935-93C4-4BCD-93E2-E3B085C9AB24}">
-                <p16:designElem xmlns:p16="http://schemas.microsoft.com/office/powerpoint/2015/main" val="1"/>
-              </p:ext>
-            </p:extLst>
-          </p:nvPr>
-        </p:nvSpPr>
-        <p:spPr>
-          <a:xfrm>
-            <a:off x="10437812" y="0"/>
-            <a:ext cx="685800" cy="1143000"/>
-          </a:xfrm>
-          <a:prstGeom prst="rect">
-            <a:avLst/>
-          </a:prstGeom>
-          <a:solidFill>
-            <a:schemeClr val="accent1"/>
-          </a:solidFill>
-          <a:ln>
-            <a:noFill/>
-          </a:ln>
-        </p:spPr>
-        <p:style>
-          <a:lnRef idx="1">
-            <a:schemeClr val="accent1"/>
-          </a:lnRef>
-          <a:fillRef idx="3">
-            <a:schemeClr val="accent1"/>
-          </a:fillRef>
-          <a:effectRef idx="2">
-            <a:schemeClr val="accent1"/>
-          </a:effectRef>
-          <a:fontRef idx="minor">
-            <a:schemeClr val="lt1"/>
-          </a:fontRef>
-        </p:style>
-        <p:txBody>
-          <a:bodyPr/>
-          <a:lstStyle/>
-          <a:p>
-            <a:endParaRPr lang="en-US"/>
-          </a:p>
-        </p:txBody>
-      </p:sp>
-      <p:sp>
-        <p:nvSpPr>
-          <p:cNvPr id="12" name="Freeform 7">
-            <a:extLst>
-              <a:ext uri="{FF2B5EF4-FFF2-40B4-BE49-F238E27FC236}">
-                <a16:creationId xmlns:a16="http://schemas.microsoft.com/office/drawing/2014/main" id="{EC471314-E46A-414B-8D91-74880E84F187}"/>
-              </a:ext>
-              <a:ext uri="{C183D7F6-B498-43B3-948B-1728B52AA6E4}">
-                <adec:decorative xmlns:adec="http://schemas.microsoft.com/office/drawing/2017/decorative" val="1"/>
-              </a:ext>
-            </a:extLst>
-          </p:cNvPr>
-          <p:cNvSpPr>
-            <a:spLocks noGrp="1" noRot="1" noChangeAspect="1" noMove="1" noResize="1" noEditPoints="1" noAdjustHandles="1" noChangeArrowheads="1" noChangeShapeType="1" noTextEdit="1"/>
-          </p:cNvSpPr>
-          <p:nvPr>
-            <p:extLst>
-              <p:ext uri="{386F3935-93C4-4BCD-93E2-E3B085C9AB24}">
-                <p16:designElem xmlns:p16="http://schemas.microsoft.com/office/powerpoint/2015/main" val="1"/>
-              </p:ext>
-            </p:extLst>
-          </p:nvPr>
-        </p:nvSpPr>
-        <p:spPr>
-          <a:xfrm>
-            <a:off x="8719939" y="1460230"/>
-            <a:ext cx="3472060" cy="825932"/>
-          </a:xfrm>
-          <a:custGeom>
-            <a:avLst/>
-            <a:gdLst>
-              <a:gd name="connsiteX0" fmla="*/ 3470310 w 3472060"/>
-              <a:gd name="connsiteY0" fmla="*/ 0 h 825932"/>
-              <a:gd name="connsiteX1" fmla="*/ 3472060 w 3472060"/>
-              <a:gd name="connsiteY1" fmla="*/ 12850 h 825932"/>
-              <a:gd name="connsiteX2" fmla="*/ 3472060 w 3472060"/>
-              <a:gd name="connsiteY2" fmla="*/ 480529 h 825932"/>
-              <a:gd name="connsiteX3" fmla="*/ 3363699 w 3472060"/>
-              <a:gd name="connsiteY3" fmla="*/ 498471 h 825932"/>
-              <a:gd name="connsiteX4" fmla="*/ 42060 w 3472060"/>
-              <a:gd name="connsiteY4" fmla="*/ 824486 h 825932"/>
-              <a:gd name="connsiteX5" fmla="*/ 0 w 3472060"/>
-              <a:gd name="connsiteY5" fmla="*/ 758452 h 825932"/>
-              <a:gd name="connsiteX6" fmla="*/ 188014 w 3472060"/>
-              <a:gd name="connsiteY6" fmla="*/ 735602 h 825932"/>
-              <a:gd name="connsiteX7" fmla="*/ 284087 w 3472060"/>
-              <a:gd name="connsiteY7" fmla="*/ 722590 h 825932"/>
-              <a:gd name="connsiteX8" fmla="*/ 382288 w 3472060"/>
-              <a:gd name="connsiteY8" fmla="*/ 709392 h 825932"/>
-              <a:gd name="connsiteX9" fmla="*/ 481858 w 3472060"/>
-              <a:gd name="connsiteY9" fmla="*/ 695774 h 825932"/>
-              <a:gd name="connsiteX10" fmla="*/ 581897 w 3472060"/>
-              <a:gd name="connsiteY10" fmla="*/ 680711 h 825932"/>
-              <a:gd name="connsiteX11" fmla="*/ 683670 w 3472060"/>
-              <a:gd name="connsiteY11" fmla="*/ 665256 h 825932"/>
-              <a:gd name="connsiteX12" fmla="*/ 787206 w 3472060"/>
-              <a:gd name="connsiteY12" fmla="*/ 649587 h 825932"/>
-              <a:gd name="connsiteX13" fmla="*/ 892019 w 3472060"/>
-              <a:gd name="connsiteY13" fmla="*/ 632968 h 825932"/>
-              <a:gd name="connsiteX14" fmla="*/ 997620 w 3472060"/>
-              <a:gd name="connsiteY14" fmla="*/ 614667 h 825932"/>
-              <a:gd name="connsiteX15" fmla="*/ 1104727 w 3472060"/>
-              <a:gd name="connsiteY15" fmla="*/ 596741 h 825932"/>
-              <a:gd name="connsiteX16" fmla="*/ 1212669 w 3472060"/>
-              <a:gd name="connsiteY16" fmla="*/ 577397 h 825932"/>
-              <a:gd name="connsiteX17" fmla="*/ 1321506 w 3472060"/>
-              <a:gd name="connsiteY17" fmla="*/ 556988 h 825932"/>
-              <a:gd name="connsiteX18" fmla="*/ 1430709 w 3472060"/>
-              <a:gd name="connsiteY18" fmla="*/ 536607 h 825932"/>
-              <a:gd name="connsiteX19" fmla="*/ 1541050 w 3472060"/>
-              <a:gd name="connsiteY19" fmla="*/ 514481 h 825932"/>
-              <a:gd name="connsiteX20" fmla="*/ 1652805 w 3472060"/>
-              <a:gd name="connsiteY20" fmla="*/ 492202 h 825932"/>
-              <a:gd name="connsiteX21" fmla="*/ 1763708 w 3472060"/>
-              <a:gd name="connsiteY21" fmla="*/ 469161 h 825932"/>
-              <a:gd name="connsiteX22" fmla="*/ 1875795 w 3472060"/>
-              <a:gd name="connsiteY22" fmla="*/ 444641 h 825932"/>
-              <a:gd name="connsiteX23" fmla="*/ 1989128 w 3472060"/>
-              <a:gd name="connsiteY23" fmla="*/ 418995 h 825932"/>
-              <a:gd name="connsiteX24" fmla="*/ 2102476 w 3472060"/>
-              <a:gd name="connsiteY24" fmla="*/ 393438 h 825932"/>
-              <a:gd name="connsiteX25" fmla="*/ 2215549 w 3472060"/>
-              <a:gd name="connsiteY25" fmla="*/ 366291 h 825932"/>
-              <a:gd name="connsiteX26" fmla="*/ 2330490 w 3472060"/>
-              <a:gd name="connsiteY26" fmla="*/ 337455 h 825932"/>
-              <a:gd name="connsiteX27" fmla="*/ 2443333 w 3472060"/>
-              <a:gd name="connsiteY27" fmla="*/ 308983 h 825932"/>
-              <a:gd name="connsiteX28" fmla="*/ 2558014 w 3472060"/>
-              <a:gd name="connsiteY28" fmla="*/ 278646 h 825932"/>
-              <a:gd name="connsiteX29" fmla="*/ 2673621 w 3472060"/>
-              <a:gd name="connsiteY29" fmla="*/ 247421 h 825932"/>
-              <a:gd name="connsiteX30" fmla="*/ 2787008 w 3472060"/>
-              <a:gd name="connsiteY30" fmla="*/ 215853 h 825932"/>
-              <a:gd name="connsiteX31" fmla="*/ 2901442 w 3472060"/>
-              <a:gd name="connsiteY31" fmla="*/ 182011 h 825932"/>
-              <a:gd name="connsiteX32" fmla="*/ 3015722 w 3472060"/>
-              <a:gd name="connsiteY32" fmla="*/ 147286 h 825932"/>
-              <a:gd name="connsiteX33" fmla="*/ 3130018 w 3472060"/>
-              <a:gd name="connsiteY33" fmla="*/ 112649 h 825932"/>
-              <a:gd name="connsiteX34" fmla="*/ 3243551 w 3472060"/>
-              <a:gd name="connsiteY34" fmla="*/ 75688 h 825932"/>
-              <a:gd name="connsiteX35" fmla="*/ 3356992 w 3472060"/>
-              <a:gd name="connsiteY35" fmla="*/ 38197 h 825932"/>
-              <a:gd name="connsiteX36" fmla="*/ 3470310 w 3472060"/>
-              <a:gd name="connsiteY36" fmla="*/ 0 h 825932"/>
-            </a:gdLst>
-            <a:ahLst/>
-            <a:cxnLst>
-              <a:cxn ang="0">
-                <a:pos x="connsiteX0" y="connsiteY0"/>
-              </a:cxn>
-              <a:cxn ang="0">
-                <a:pos x="connsiteX1" y="connsiteY1"/>
-              </a:cxn>
-              <a:cxn ang="0">
-                <a:pos x="connsiteX2" y="connsiteY2"/>
-              </a:cxn>
-              <a:cxn ang="0">
-                <a:pos x="connsiteX3" y="connsiteY3"/>
-              </a:cxn>
-              <a:cxn ang="0">
-                <a:pos x="connsiteX4" y="connsiteY4"/>
-              </a:cxn>
-              <a:cxn ang="0">
-                <a:pos x="connsiteX5" y="connsiteY5"/>
-              </a:cxn>
-              <a:cxn ang="0">
-                <a:pos x="connsiteX6" y="connsiteY6"/>
-              </a:cxn>
-              <a:cxn ang="0">
-                <a:pos x="connsiteX7" y="connsiteY7"/>
-              </a:cxn>
-              <a:cxn ang="0">
-                <a:pos x="connsiteX8" y="connsiteY8"/>
-              </a:cxn>
-              <a:cxn ang="0">
-                <a:pos x="connsiteX9" y="connsiteY9"/>
-              </a:cxn>
-              <a:cxn ang="0">
-                <a:pos x="connsiteX10" y="connsiteY10"/>
-              </a:cxn>
-              <a:cxn ang="0">
-                <a:pos x="connsiteX11" y="connsiteY11"/>
-              </a:cxn>
-              <a:cxn ang="0">
-                <a:pos x="connsiteX12" y="connsiteY12"/>
-              </a:cxn>
-              <a:cxn ang="0">
-                <a:pos x="connsiteX13" y="connsiteY13"/>
-              </a:cxn>
-              <a:cxn ang="0">
-                <a:pos x="connsiteX14" y="connsiteY14"/>
-              </a:cxn>
-              <a:cxn ang="0">
-                <a:pos x="connsiteX15" y="connsiteY15"/>
-              </a:cxn>
-              <a:cxn ang="0">
-                <a:pos x="connsiteX16" y="connsiteY16"/>
-              </a:cxn>
-              <a:cxn ang="0">
-                <a:pos x="connsiteX17" y="connsiteY17"/>
-              </a:cxn>
-              <a:cxn ang="0">
-                <a:pos x="connsiteX18" y="connsiteY18"/>
-              </a:cxn>
-              <a:cxn ang="0">
-                <a:pos x="connsiteX19" y="connsiteY19"/>
-              </a:cxn>
-              <a:cxn ang="0">
-                <a:pos x="connsiteX20" y="connsiteY20"/>
-              </a:cxn>
-              <a:cxn ang="0">
-                <a:pos x="connsiteX21" y="connsiteY21"/>
-              </a:cxn>
-              <a:cxn ang="0">
-                <a:pos x="connsiteX22" y="connsiteY22"/>
-              </a:cxn>
-              <a:cxn ang="0">
-                <a:pos x="connsiteX23" y="connsiteY23"/>
-              </a:cxn>
-              <a:cxn ang="0">
-                <a:pos x="connsiteX24" y="connsiteY24"/>
-              </a:cxn>
-              <a:cxn ang="0">
-                <a:pos x="connsiteX25" y="connsiteY25"/>
-              </a:cxn>
-              <a:cxn ang="0">
-                <a:pos x="connsiteX26" y="connsiteY26"/>
-              </a:cxn>
-              <a:cxn ang="0">
-                <a:pos x="connsiteX27" y="connsiteY27"/>
-              </a:cxn>
-              <a:cxn ang="0">
-                <a:pos x="connsiteX28" y="connsiteY28"/>
-              </a:cxn>
-              <a:cxn ang="0">
-                <a:pos x="connsiteX29" y="connsiteY29"/>
-              </a:cxn>
-              <a:cxn ang="0">
-                <a:pos x="connsiteX30" y="connsiteY30"/>
-              </a:cxn>
-              <a:cxn ang="0">
-                <a:pos x="connsiteX31" y="connsiteY31"/>
-              </a:cxn>
-              <a:cxn ang="0">
-                <a:pos x="connsiteX32" y="connsiteY32"/>
-              </a:cxn>
-              <a:cxn ang="0">
-                <a:pos x="connsiteX33" y="connsiteY33"/>
-              </a:cxn>
-              <a:cxn ang="0">
-                <a:pos x="connsiteX34" y="connsiteY34"/>
-              </a:cxn>
-              <a:cxn ang="0">
-                <a:pos x="connsiteX35" y="connsiteY35"/>
-              </a:cxn>
-              <a:cxn ang="0">
-                <a:pos x="connsiteX36" y="connsiteY36"/>
-              </a:cxn>
-            </a:cxnLst>
-            <a:rect l="l" t="t" r="r" b="b"/>
-            <a:pathLst>
-              <a:path w="3472060" h="825932">
-                <a:moveTo>
-                  <a:pt x="3470310" y="0"/>
-                </a:moveTo>
-                <a:lnTo>
-                  <a:pt x="3472060" y="12850"/>
-                </a:lnTo>
-                <a:lnTo>
-                  <a:pt x="3472060" y="480529"/>
-                </a:lnTo>
-                <a:lnTo>
-                  <a:pt x="3363699" y="498471"/>
-                </a:lnTo>
-                <a:cubicBezTo>
-                  <a:pt x="2435623" y="645518"/>
-                  <a:pt x="603076" y="844866"/>
-                  <a:pt x="42060" y="824486"/>
-                </a:cubicBezTo>
-                <a:cubicBezTo>
-                  <a:pt x="28151" y="802425"/>
-                  <a:pt x="13909" y="780513"/>
-                  <a:pt x="0" y="758452"/>
-                </a:cubicBezTo>
-                <a:lnTo>
-                  <a:pt x="188014" y="735602"/>
-                </a:lnTo>
-                <a:lnTo>
-                  <a:pt x="284087" y="722590"/>
-                </a:lnTo>
-                <a:lnTo>
-                  <a:pt x="382288" y="709392"/>
-                </a:lnTo>
-                <a:lnTo>
-                  <a:pt x="481858" y="695774"/>
-                </a:lnTo>
-                <a:lnTo>
-                  <a:pt x="581897" y="680711"/>
-                </a:lnTo>
-                <a:lnTo>
-                  <a:pt x="683670" y="665256"/>
-                </a:lnTo>
-                <a:lnTo>
-                  <a:pt x="787206" y="649587"/>
-                </a:lnTo>
-                <a:lnTo>
-                  <a:pt x="892019" y="632968"/>
-                </a:lnTo>
-                <a:lnTo>
-                  <a:pt x="997620" y="614667"/>
-                </a:lnTo>
-                <a:lnTo>
-                  <a:pt x="1104727" y="596741"/>
-                </a:lnTo>
-                <a:lnTo>
-                  <a:pt x="1212669" y="577397"/>
-                </a:lnTo>
-                <a:lnTo>
-                  <a:pt x="1321506" y="556988"/>
-                </a:lnTo>
-                <a:lnTo>
-                  <a:pt x="1430709" y="536607"/>
-                </a:lnTo>
-                <a:lnTo>
-                  <a:pt x="1541050" y="514481"/>
-                </a:lnTo>
-                <a:lnTo>
-                  <a:pt x="1652805" y="492202"/>
-                </a:lnTo>
-                <a:lnTo>
-                  <a:pt x="1763708" y="469161"/>
-                </a:lnTo>
-                <a:lnTo>
-                  <a:pt x="1875795" y="444641"/>
-                </a:lnTo>
-                <a:lnTo>
-                  <a:pt x="1989128" y="418995"/>
-                </a:lnTo>
-                <a:lnTo>
-                  <a:pt x="2102476" y="393438"/>
-                </a:lnTo>
-                <a:lnTo>
-                  <a:pt x="2215549" y="366291"/>
-                </a:lnTo>
-                <a:lnTo>
-                  <a:pt x="2330490" y="337455"/>
-                </a:lnTo>
-                <a:lnTo>
-                  <a:pt x="2443333" y="308983"/>
-                </a:lnTo>
-                <a:lnTo>
-                  <a:pt x="2558014" y="278646"/>
-                </a:lnTo>
-                <a:lnTo>
-                  <a:pt x="2673621" y="247421"/>
-                </a:lnTo>
-                <a:lnTo>
-                  <a:pt x="2787008" y="215853"/>
-                </a:lnTo>
-                <a:lnTo>
-                  <a:pt x="2901442" y="182011"/>
-                </a:lnTo>
-                <a:lnTo>
-                  <a:pt x="3015722" y="147286"/>
-                </a:lnTo>
-                <a:lnTo>
-                  <a:pt x="3130018" y="112649"/>
-                </a:lnTo>
-                <a:lnTo>
-                  <a:pt x="3243551" y="75688"/>
-                </a:lnTo>
-                <a:lnTo>
-                  <a:pt x="3356992" y="38197"/>
-                </a:lnTo>
-                <a:lnTo>
-                  <a:pt x="3470310" y="0"/>
-                </a:lnTo>
-                <a:close/>
-              </a:path>
-            </a:pathLst>
-          </a:custGeom>
-          <a:solidFill>
-            <a:schemeClr val="bg1">
-              <a:alpha val="20000"/>
-            </a:schemeClr>
-          </a:solidFill>
-          <a:ln>
-            <a:noFill/>
-          </a:ln>
-        </p:spPr>
-        <p:txBody>
-          <a:bodyPr rtlCol="0" anchor="ctr"/>
-          <a:lstStyle/>
-          <a:p>
-            <a:pPr marL="0" marR="0" lvl="0" indent="0" algn="ctr" defTabSz="914400" rtl="0" eaLnBrk="1" fontAlgn="auto" latinLnBrk="0" hangingPunct="1">
-              <a:lnSpc>
-                <a:spcPct val="100000"/>
-              </a:lnSpc>
-              <a:spcBef>
-                <a:spcPts val="0"/>
-              </a:spcBef>
-              <a:spcAft>
-                <a:spcPts val="0"/>
-              </a:spcAft>
-              <a:buClrTx/>
-              <a:buSzTx/>
-              <a:buFontTx/>
-              <a:buNone/>
-              <a:tabLst/>
-              <a:defRPr/>
-            </a:pPr>
-            <a:endParaRPr kumimoji="0" lang="en-US" sz="1800" b="0" i="0" u="none" strike="noStrike" kern="1200" cap="none" spc="0" normalizeH="0" baseline="0" noProof="0">
-              <a:ln>
-                <a:noFill/>
-              </a:ln>
-              <a:solidFill>
-                <a:prstClr val="black"/>
-              </a:solidFill>
-              <a:effectLst/>
-              <a:uLnTx/>
-              <a:uFillTx/>
-              <a:latin typeface="Century Gothic" panose="020B0502020202020204"/>
-              <a:ea typeface="+mn-ea"/>
-              <a:cs typeface="+mn-cs"/>
-            </a:endParaRPr>
-          </a:p>
-        </p:txBody>
-      </p:sp>
-      <p:sp useBgFill="1">
-        <p:nvSpPr>
-          <p:cNvPr id="14" name="Freeform: Shape 13">
-            <a:extLst>
-              <a:ext uri="{FF2B5EF4-FFF2-40B4-BE49-F238E27FC236}">
-                <a16:creationId xmlns:a16="http://schemas.microsoft.com/office/drawing/2014/main" id="{6A681326-1C9D-44A3-A627-3871BDAE4127}"/>
-              </a:ext>
-              <a:ext uri="{C183D7F6-B498-43B3-948B-1728B52AA6E4}">
-                <adec:decorative xmlns:adec="http://schemas.microsoft.com/office/drawing/2017/decorative" val="1"/>
-              </a:ext>
-            </a:extLst>
-          </p:cNvPr>
-          <p:cNvSpPr>
-            <a:spLocks noGrp="1" noRot="1" noChangeAspect="1" noMove="1" noResize="1" noEditPoints="1" noAdjustHandles="1" noChangeArrowheads="1" noChangeShapeType="1" noTextEdit="1"/>
-          </p:cNvSpPr>
-          <p:nvPr>
-            <p:extLst>
-              <p:ext uri="{386F3935-93C4-4BCD-93E2-E3B085C9AB24}">
-                <p16:designElem xmlns:p16="http://schemas.microsoft.com/office/powerpoint/2015/main" val="1"/>
-              </p:ext>
-            </p:extLst>
-          </p:nvPr>
-        </p:nvSpPr>
-        <p:spPr bwMode="gray">
-          <a:xfrm>
-            <a:off x="1" y="1762067"/>
-            <a:ext cx="12192417" cy="5095933"/>
-          </a:xfrm>
-          <a:custGeom>
-            <a:avLst/>
-            <a:gdLst>
-              <a:gd name="connsiteX0" fmla="*/ 0 w 12192417"/>
-              <a:gd name="connsiteY0" fmla="*/ 0 h 5095933"/>
-              <a:gd name="connsiteX1" fmla="*/ 71931 w 12192417"/>
-              <a:gd name="connsiteY1" fmla="*/ 12261 h 5095933"/>
-              <a:gd name="connsiteX2" fmla="*/ 282848 w 12192417"/>
-              <a:gd name="connsiteY2" fmla="*/ 48343 h 5095933"/>
-              <a:gd name="connsiteX3" fmla="*/ 436463 w 12192417"/>
-              <a:gd name="connsiteY3" fmla="*/ 73565 h 5095933"/>
-              <a:gd name="connsiteX4" fmla="*/ 619338 w 12192417"/>
-              <a:gd name="connsiteY4" fmla="*/ 100188 h 5095933"/>
-              <a:gd name="connsiteX5" fmla="*/ 836350 w 12192417"/>
-              <a:gd name="connsiteY5" fmla="*/ 132066 h 5095933"/>
-              <a:gd name="connsiteX6" fmla="*/ 1076527 w 12192417"/>
-              <a:gd name="connsiteY6" fmla="*/ 165696 h 5095933"/>
-              <a:gd name="connsiteX7" fmla="*/ 1347183 w 12192417"/>
-              <a:gd name="connsiteY7" fmla="*/ 201077 h 5095933"/>
-              <a:gd name="connsiteX8" fmla="*/ 1642222 w 12192417"/>
-              <a:gd name="connsiteY8" fmla="*/ 238560 h 5095933"/>
-              <a:gd name="connsiteX9" fmla="*/ 1962863 w 12192417"/>
-              <a:gd name="connsiteY9" fmla="*/ 276043 h 5095933"/>
-              <a:gd name="connsiteX10" fmla="*/ 2304231 w 12192417"/>
-              <a:gd name="connsiteY10" fmla="*/ 314227 h 5095933"/>
-              <a:gd name="connsiteX11" fmla="*/ 2672420 w 12192417"/>
-              <a:gd name="connsiteY11" fmla="*/ 349608 h 5095933"/>
-              <a:gd name="connsiteX12" fmla="*/ 3057677 w 12192417"/>
-              <a:gd name="connsiteY12" fmla="*/ 383588 h 5095933"/>
-              <a:gd name="connsiteX13" fmla="*/ 3464880 w 12192417"/>
-              <a:gd name="connsiteY13" fmla="*/ 414415 h 5095933"/>
-              <a:gd name="connsiteX14" fmla="*/ 3889151 w 12192417"/>
-              <a:gd name="connsiteY14" fmla="*/ 443841 h 5095933"/>
-              <a:gd name="connsiteX15" fmla="*/ 4331709 w 12192417"/>
-              <a:gd name="connsiteY15" fmla="*/ 471515 h 5095933"/>
-              <a:gd name="connsiteX16" fmla="*/ 4558475 w 12192417"/>
-              <a:gd name="connsiteY16" fmla="*/ 481324 h 5095933"/>
-              <a:gd name="connsiteX17" fmla="*/ 4790117 w 12192417"/>
-              <a:gd name="connsiteY17" fmla="*/ 492183 h 5095933"/>
-              <a:gd name="connsiteX18" fmla="*/ 5025417 w 12192417"/>
-              <a:gd name="connsiteY18" fmla="*/ 502342 h 5095933"/>
-              <a:gd name="connsiteX19" fmla="*/ 5261936 w 12192417"/>
-              <a:gd name="connsiteY19" fmla="*/ 508998 h 5095933"/>
-              <a:gd name="connsiteX20" fmla="*/ 5503331 w 12192417"/>
-              <a:gd name="connsiteY20" fmla="*/ 514953 h 5095933"/>
-              <a:gd name="connsiteX21" fmla="*/ 5747166 w 12192417"/>
-              <a:gd name="connsiteY21" fmla="*/ 521259 h 5095933"/>
-              <a:gd name="connsiteX22" fmla="*/ 5995876 w 12192417"/>
-              <a:gd name="connsiteY22" fmla="*/ 525463 h 5095933"/>
-              <a:gd name="connsiteX23" fmla="*/ 6247025 w 12192417"/>
-              <a:gd name="connsiteY23" fmla="*/ 525463 h 5095933"/>
-              <a:gd name="connsiteX24" fmla="*/ 6500612 w 12192417"/>
-              <a:gd name="connsiteY24" fmla="*/ 527565 h 5095933"/>
-              <a:gd name="connsiteX25" fmla="*/ 6756638 w 12192417"/>
-              <a:gd name="connsiteY25" fmla="*/ 525463 h 5095933"/>
-              <a:gd name="connsiteX26" fmla="*/ 7016321 w 12192417"/>
-              <a:gd name="connsiteY26" fmla="*/ 521259 h 5095933"/>
-              <a:gd name="connsiteX27" fmla="*/ 7276004 w 12192417"/>
-              <a:gd name="connsiteY27" fmla="*/ 517406 h 5095933"/>
-              <a:gd name="connsiteX28" fmla="*/ 7539344 w 12192417"/>
-              <a:gd name="connsiteY28" fmla="*/ 508998 h 5095933"/>
-              <a:gd name="connsiteX29" fmla="*/ 7805123 w 12192417"/>
-              <a:gd name="connsiteY29" fmla="*/ 500241 h 5095933"/>
-              <a:gd name="connsiteX30" fmla="*/ 8070902 w 12192417"/>
-              <a:gd name="connsiteY30" fmla="*/ 490082 h 5095933"/>
-              <a:gd name="connsiteX31" fmla="*/ 8339120 w 12192417"/>
-              <a:gd name="connsiteY31" fmla="*/ 475719 h 5095933"/>
-              <a:gd name="connsiteX32" fmla="*/ 8609775 w 12192417"/>
-              <a:gd name="connsiteY32" fmla="*/ 458554 h 5095933"/>
-              <a:gd name="connsiteX33" fmla="*/ 8881650 w 12192417"/>
-              <a:gd name="connsiteY33" fmla="*/ 442089 h 5095933"/>
-              <a:gd name="connsiteX34" fmla="*/ 9153525 w 12192417"/>
-              <a:gd name="connsiteY34" fmla="*/ 421071 h 5095933"/>
-              <a:gd name="connsiteX35" fmla="*/ 9429057 w 12192417"/>
-              <a:gd name="connsiteY35" fmla="*/ 395849 h 5095933"/>
-              <a:gd name="connsiteX36" fmla="*/ 9700932 w 12192417"/>
-              <a:gd name="connsiteY36" fmla="*/ 370626 h 5095933"/>
-              <a:gd name="connsiteX37" fmla="*/ 9977683 w 12192417"/>
-              <a:gd name="connsiteY37" fmla="*/ 341551 h 5095933"/>
-              <a:gd name="connsiteX38" fmla="*/ 10255654 w 12192417"/>
-              <a:gd name="connsiteY38" fmla="*/ 309673 h 5095933"/>
-              <a:gd name="connsiteX39" fmla="*/ 10529967 w 12192417"/>
-              <a:gd name="connsiteY39" fmla="*/ 276043 h 5095933"/>
-              <a:gd name="connsiteX40" fmla="*/ 10807938 w 12192417"/>
-              <a:gd name="connsiteY40" fmla="*/ 236809 h 5095933"/>
-              <a:gd name="connsiteX41" fmla="*/ 11084689 w 12192417"/>
-              <a:gd name="connsiteY41" fmla="*/ 194772 h 5095933"/>
-              <a:gd name="connsiteX42" fmla="*/ 11362660 w 12192417"/>
-              <a:gd name="connsiteY42" fmla="*/ 153085 h 5095933"/>
-              <a:gd name="connsiteX43" fmla="*/ 11639411 w 12192417"/>
-              <a:gd name="connsiteY43" fmla="*/ 104392 h 5095933"/>
-              <a:gd name="connsiteX44" fmla="*/ 11914944 w 12192417"/>
-              <a:gd name="connsiteY44" fmla="*/ 54648 h 5095933"/>
-              <a:gd name="connsiteX45" fmla="*/ 12191695 w 12192417"/>
-              <a:gd name="connsiteY45" fmla="*/ 2452 h 5095933"/>
-              <a:gd name="connsiteX46" fmla="*/ 12191695 w 12192417"/>
-              <a:gd name="connsiteY46" fmla="*/ 2162231 h 5095933"/>
-              <a:gd name="connsiteX47" fmla="*/ 12192417 w 12192417"/>
-              <a:gd name="connsiteY47" fmla="*/ 2162231 h 5095933"/>
-              <a:gd name="connsiteX48" fmla="*/ 12192417 w 12192417"/>
-              <a:gd name="connsiteY48" fmla="*/ 5095933 h 5095933"/>
-              <a:gd name="connsiteX49" fmla="*/ 0 w 12192417"/>
-              <a:gd name="connsiteY49" fmla="*/ 5095933 h 5095933"/>
-              <a:gd name="connsiteX50" fmla="*/ 0 w 12192417"/>
-              <a:gd name="connsiteY50" fmla="*/ 2791958 h 5095933"/>
-              <a:gd name="connsiteX51" fmla="*/ 0 w 12192417"/>
-              <a:gd name="connsiteY51" fmla="*/ 2162231 h 5095933"/>
-            </a:gdLst>
-            <a:ahLst/>
-            <a:cxnLst>
-              <a:cxn ang="0">
-                <a:pos x="connsiteX0" y="connsiteY0"/>
-              </a:cxn>
-              <a:cxn ang="0">
-                <a:pos x="connsiteX1" y="connsiteY1"/>
-              </a:cxn>
-              <a:cxn ang="0">
-                <a:pos x="connsiteX2" y="connsiteY2"/>
-              </a:cxn>
-              <a:cxn ang="0">
-                <a:pos x="connsiteX3" y="connsiteY3"/>
-              </a:cxn>
-              <a:cxn ang="0">
-                <a:pos x="connsiteX4" y="connsiteY4"/>
-              </a:cxn>
-              <a:cxn ang="0">
-                <a:pos x="connsiteX5" y="connsiteY5"/>
-              </a:cxn>
-              <a:cxn ang="0">
-                <a:pos x="connsiteX6" y="connsiteY6"/>
-              </a:cxn>
-              <a:cxn ang="0">
-                <a:pos x="connsiteX7" y="connsiteY7"/>
-              </a:cxn>
-              <a:cxn ang="0">
-                <a:pos x="connsiteX8" y="connsiteY8"/>
-              </a:cxn>
-              <a:cxn ang="0">
-                <a:pos x="connsiteX9" y="connsiteY9"/>
-              </a:cxn>
-              <a:cxn ang="0">
-                <a:pos x="connsiteX10" y="connsiteY10"/>
-              </a:cxn>
-              <a:cxn ang="0">
-                <a:pos x="connsiteX11" y="connsiteY11"/>
-              </a:cxn>
-              <a:cxn ang="0">
-                <a:pos x="connsiteX12" y="connsiteY12"/>
-              </a:cxn>
-              <a:cxn ang="0">
-                <a:pos x="connsiteX13" y="connsiteY13"/>
-              </a:cxn>
-              <a:cxn ang="0">
-                <a:pos x="connsiteX14" y="connsiteY14"/>
-              </a:cxn>
-              <a:cxn ang="0">
-                <a:pos x="connsiteX15" y="connsiteY15"/>
-              </a:cxn>
-              <a:cxn ang="0">
-                <a:pos x="connsiteX16" y="connsiteY16"/>
-              </a:cxn>
-              <a:cxn ang="0">
-                <a:pos x="connsiteX17" y="connsiteY17"/>
-              </a:cxn>
-              <a:cxn ang="0">
-                <a:pos x="connsiteX18" y="connsiteY18"/>
-              </a:cxn>
-              <a:cxn ang="0">
-                <a:pos x="connsiteX19" y="connsiteY19"/>
-              </a:cxn>
-              <a:cxn ang="0">
-                <a:pos x="connsiteX20" y="connsiteY20"/>
-              </a:cxn>
-              <a:cxn ang="0">
-                <a:pos x="connsiteX21" y="connsiteY21"/>
-              </a:cxn>
-              <a:cxn ang="0">
-                <a:pos x="connsiteX22" y="connsiteY22"/>
-              </a:cxn>
-              <a:cxn ang="0">
-                <a:pos x="connsiteX23" y="connsiteY23"/>
-              </a:cxn>
-              <a:cxn ang="0">
-                <a:pos x="connsiteX24" y="connsiteY24"/>
-              </a:cxn>
-              <a:cxn ang="0">
-                <a:pos x="connsiteX25" y="connsiteY25"/>
-              </a:cxn>
-              <a:cxn ang="0">
-                <a:pos x="connsiteX26" y="connsiteY26"/>
-              </a:cxn>
-              <a:cxn ang="0">
-                <a:pos x="connsiteX27" y="connsiteY27"/>
-              </a:cxn>
-              <a:cxn ang="0">
-                <a:pos x="connsiteX28" y="connsiteY28"/>
-              </a:cxn>
-              <a:cxn ang="0">
-                <a:pos x="connsiteX29" y="connsiteY29"/>
-              </a:cxn>
-              <a:cxn ang="0">
-                <a:pos x="connsiteX30" y="connsiteY30"/>
-              </a:cxn>
-              <a:cxn ang="0">
-                <a:pos x="connsiteX31" y="connsiteY31"/>
-              </a:cxn>
-              <a:cxn ang="0">
-                <a:pos x="connsiteX32" y="connsiteY32"/>
-              </a:cxn>
-              <a:cxn ang="0">
-                <a:pos x="connsiteX33" y="connsiteY33"/>
-              </a:cxn>
-              <a:cxn ang="0">
-                <a:pos x="connsiteX34" y="connsiteY34"/>
-              </a:cxn>
-              <a:cxn ang="0">
-                <a:pos x="connsiteX35" y="connsiteY35"/>
-              </a:cxn>
-              <a:cxn ang="0">
-                <a:pos x="connsiteX36" y="connsiteY36"/>
-              </a:cxn>
-              <a:cxn ang="0">
-                <a:pos x="connsiteX37" y="connsiteY37"/>
-              </a:cxn>
-              <a:cxn ang="0">
-                <a:pos x="connsiteX38" y="connsiteY38"/>
-              </a:cxn>
-              <a:cxn ang="0">
-                <a:pos x="connsiteX39" y="connsiteY39"/>
-              </a:cxn>
-              <a:cxn ang="0">
-                <a:pos x="connsiteX40" y="connsiteY40"/>
-              </a:cxn>
-              <a:cxn ang="0">
-                <a:pos x="connsiteX41" y="connsiteY41"/>
-              </a:cxn>
-              <a:cxn ang="0">
-                <a:pos x="connsiteX42" y="connsiteY42"/>
-              </a:cxn>
-              <a:cxn ang="0">
-                <a:pos x="connsiteX43" y="connsiteY43"/>
-              </a:cxn>
-              <a:cxn ang="0">
-                <a:pos x="connsiteX44" y="connsiteY44"/>
-              </a:cxn>
-              <a:cxn ang="0">
-                <a:pos x="connsiteX45" y="connsiteY45"/>
-              </a:cxn>
-              <a:cxn ang="0">
-                <a:pos x="connsiteX46" y="connsiteY46"/>
-              </a:cxn>
-              <a:cxn ang="0">
-                <a:pos x="connsiteX47" y="connsiteY47"/>
-              </a:cxn>
-              <a:cxn ang="0">
-                <a:pos x="connsiteX48" y="connsiteY48"/>
-              </a:cxn>
-              <a:cxn ang="0">
-                <a:pos x="connsiteX49" y="connsiteY49"/>
-              </a:cxn>
-              <a:cxn ang="0">
-                <a:pos x="connsiteX50" y="connsiteY50"/>
-              </a:cxn>
-              <a:cxn ang="0">
-                <a:pos x="connsiteX51" y="connsiteY51"/>
-              </a:cxn>
-            </a:cxnLst>
-            <a:rect l="l" t="t" r="r" b="b"/>
-            <a:pathLst>
-              <a:path w="12192417" h="5095933">
-                <a:moveTo>
-                  <a:pt x="0" y="0"/>
-                </a:moveTo>
-                <a:lnTo>
-                  <a:pt x="71931" y="12261"/>
-                </a:lnTo>
-                <a:lnTo>
-                  <a:pt x="282848" y="48343"/>
-                </a:lnTo>
-                <a:lnTo>
-                  <a:pt x="436463" y="73565"/>
-                </a:lnTo>
-                <a:lnTo>
-                  <a:pt x="619338" y="100188"/>
-                </a:lnTo>
-                <a:lnTo>
-                  <a:pt x="836350" y="132066"/>
-                </a:lnTo>
-                <a:lnTo>
-                  <a:pt x="1076527" y="165696"/>
-                </a:lnTo>
-                <a:lnTo>
-                  <a:pt x="1347183" y="201077"/>
-                </a:lnTo>
-                <a:lnTo>
-                  <a:pt x="1642222" y="238560"/>
-                </a:lnTo>
-                <a:lnTo>
-                  <a:pt x="1962863" y="276043"/>
-                </a:lnTo>
-                <a:lnTo>
-                  <a:pt x="2304231" y="314227"/>
-                </a:lnTo>
-                <a:lnTo>
-                  <a:pt x="2672420" y="349608"/>
-                </a:lnTo>
-                <a:lnTo>
-                  <a:pt x="3057677" y="383588"/>
-                </a:lnTo>
-                <a:lnTo>
-                  <a:pt x="3464880" y="414415"/>
-                </a:lnTo>
-                <a:lnTo>
-                  <a:pt x="3889151" y="443841"/>
-                </a:lnTo>
-                <a:lnTo>
-                  <a:pt x="4331709" y="471515"/>
-                </a:lnTo>
-                <a:lnTo>
-                  <a:pt x="4558475" y="481324"/>
-                </a:lnTo>
-                <a:lnTo>
-                  <a:pt x="4790117" y="492183"/>
-                </a:lnTo>
-                <a:lnTo>
-                  <a:pt x="5025417" y="502342"/>
-                </a:lnTo>
-                <a:lnTo>
-                  <a:pt x="5261936" y="508998"/>
-                </a:lnTo>
-                <a:lnTo>
-                  <a:pt x="5503331" y="514953"/>
-                </a:lnTo>
-                <a:lnTo>
-                  <a:pt x="5747166" y="521259"/>
-                </a:lnTo>
-                <a:lnTo>
-                  <a:pt x="5995876" y="525463"/>
-                </a:lnTo>
-                <a:lnTo>
-                  <a:pt x="6247025" y="525463"/>
-                </a:lnTo>
-                <a:lnTo>
-                  <a:pt x="6500612" y="527565"/>
-                </a:lnTo>
-                <a:lnTo>
-                  <a:pt x="6756638" y="525463"/>
-                </a:lnTo>
-                <a:lnTo>
-                  <a:pt x="7016321" y="521259"/>
-                </a:lnTo>
-                <a:lnTo>
-                  <a:pt x="7276004" y="517406"/>
-                </a:lnTo>
-                <a:lnTo>
-                  <a:pt x="7539344" y="508998"/>
-                </a:lnTo>
-                <a:lnTo>
-                  <a:pt x="7805123" y="500241"/>
-                </a:lnTo>
-                <a:lnTo>
-                  <a:pt x="8070902" y="490082"/>
-                </a:lnTo>
-                <a:lnTo>
-                  <a:pt x="8339120" y="475719"/>
-                </a:lnTo>
-                <a:lnTo>
-                  <a:pt x="8609775" y="458554"/>
-                </a:lnTo>
-                <a:lnTo>
-                  <a:pt x="8881650" y="442089"/>
-                </a:lnTo>
-                <a:lnTo>
-                  <a:pt x="9153525" y="421071"/>
-                </a:lnTo>
-                <a:lnTo>
-                  <a:pt x="9429057" y="395849"/>
-                </a:lnTo>
-                <a:lnTo>
-                  <a:pt x="9700932" y="370626"/>
-                </a:lnTo>
-                <a:lnTo>
-                  <a:pt x="9977683" y="341551"/>
-                </a:lnTo>
-                <a:lnTo>
-                  <a:pt x="10255654" y="309673"/>
-                </a:lnTo>
-                <a:lnTo>
-                  <a:pt x="10529967" y="276043"/>
-                </a:lnTo>
-                <a:lnTo>
-                  <a:pt x="10807938" y="236809"/>
-                </a:lnTo>
-                <a:lnTo>
-                  <a:pt x="11084689" y="194772"/>
-                </a:lnTo>
-                <a:lnTo>
-                  <a:pt x="11362660" y="153085"/>
-                </a:lnTo>
-                <a:lnTo>
-                  <a:pt x="11639411" y="104392"/>
-                </a:lnTo>
-                <a:lnTo>
-                  <a:pt x="11914944" y="54648"/>
-                </a:lnTo>
-                <a:lnTo>
-                  <a:pt x="12191695" y="2452"/>
-                </a:lnTo>
-                <a:lnTo>
-                  <a:pt x="12191695" y="2162231"/>
-                </a:lnTo>
-                <a:lnTo>
-                  <a:pt x="12192417" y="2162231"/>
-                </a:lnTo>
-                <a:lnTo>
-                  <a:pt x="12192417" y="5095933"/>
-                </a:lnTo>
-                <a:lnTo>
-                  <a:pt x="0" y="5095933"/>
-                </a:lnTo>
-                <a:lnTo>
-                  <a:pt x="0" y="2791958"/>
-                </a:lnTo>
-                <a:lnTo>
-                  <a:pt x="0" y="2162231"/>
-                </a:lnTo>
-                <a:close/>
-              </a:path>
-            </a:pathLst>
-          </a:custGeom>
-          <a:ln>
-            <a:noFill/>
-          </a:ln>
-        </p:spPr>
-        <p:txBody>
-          <a:bodyPr/>
-          <a:lstStyle/>
-          <a:p>
-            <a:endParaRPr lang="en-US"/>
-          </a:p>
-        </p:txBody>
-      </p:sp>
-      <p:sp>
-        <p:nvSpPr>
-          <p:cNvPr id="2" name="Title 1">
-            <a:extLst>
-              <a:ext uri="{FF2B5EF4-FFF2-40B4-BE49-F238E27FC236}">
-                <a16:creationId xmlns:a16="http://schemas.microsoft.com/office/drawing/2014/main" id="{55E695C3-4EDE-3CB9-11EB-E12363B5DB64}"/>
-              </a:ext>
-            </a:extLst>
-          </p:cNvPr>
-          <p:cNvSpPr>
-            <a:spLocks noGrp="1"/>
-          </p:cNvSpPr>
-          <p:nvPr>
-            <p:ph type="title"/>
-          </p:nvPr>
-        </p:nvSpPr>
-        <p:spPr>
-          <a:xfrm>
-            <a:off x="1103312" y="452718"/>
-            <a:ext cx="8947522" cy="1400530"/>
-          </a:xfrm>
-        </p:spPr>
-        <p:txBody>
-          <a:bodyPr anchor="ctr">
-            <a:normAutofit/>
-          </a:bodyPr>
-          <a:lstStyle/>
-          <a:p>
-            <a:r>
-              <a:rPr lang="hr-HR" dirty="0">
-                <a:solidFill>
-                  <a:srgbClr val="FFFFFF"/>
-                </a:solidFill>
-              </a:rPr>
-              <a:t>Admin postavke</a:t>
-            </a:r>
-            <a:endParaRPr lang="en-US" dirty="0">
-              <a:solidFill>
-                <a:srgbClr val="FFFFFF"/>
-              </a:solidFill>
-            </a:endParaRPr>
-          </a:p>
-        </p:txBody>
-      </p:sp>
-      <p:sp>
-        <p:nvSpPr>
-          <p:cNvPr id="3" name="Content Placeholder 2">
-            <a:extLst>
-              <a:ext uri="{FF2B5EF4-FFF2-40B4-BE49-F238E27FC236}">
-                <a16:creationId xmlns:a16="http://schemas.microsoft.com/office/drawing/2014/main" id="{E615D0C0-0DF3-4B17-E532-2A00622131B8}"/>
-              </a:ext>
-            </a:extLst>
-          </p:cNvPr>
-          <p:cNvSpPr>
-            <a:spLocks noGrp="1"/>
-          </p:cNvSpPr>
-          <p:nvPr>
-            <p:ph idx="1"/>
-          </p:nvPr>
-        </p:nvSpPr>
-        <p:spPr>
-          <a:xfrm>
-            <a:off x="1103312" y="2763520"/>
-            <a:ext cx="8946541" cy="3484879"/>
-          </a:xfrm>
-        </p:spPr>
-        <p:txBody>
-          <a:bodyPr>
-            <a:normAutofit/>
-          </a:bodyPr>
-          <a:lstStyle/>
-          <a:p>
-            <a:endParaRPr lang="en-US"/>
-          </a:p>
-        </p:txBody>
-      </p:sp>
-      <p:pic>
-        <p:nvPicPr>
           <p:cNvPr id="6" name="Picture 5">
             <a:extLst>
               <a:ext uri="{FF2B5EF4-FFF2-40B4-BE49-F238E27FC236}">
@@ -14446,7 +15095,7 @@
 </p:sld>
 </file>
 
-<file path=ppt/slides/slide17.xml><?xml version="1.0" encoding="utf-8"?>
+<file path=ppt/slides/slide18.xml><?xml version="1.0" encoding="utf-8"?>
 <p:sld xmlns:a="http://schemas.openxmlformats.org/drawingml/2006/main" xmlns:r="http://schemas.openxmlformats.org/officeDocument/2006/relationships" xmlns:p="http://schemas.openxmlformats.org/presentationml/2006/main">
   <p:cSld>
     <p:spTree>
@@ -21655,25 +22304,9 @@
   <p:cSld>
     <p:bg>
       <p:bgPr>
-        <a:blipFill rotWithShape="1">
-          <a:blip r:embed="rId2">
-            <a:duotone>
-              <a:schemeClr val="bg2">
-                <a:shade val="69000"/>
-                <a:hueMod val="108000"/>
-                <a:satMod val="164000"/>
-                <a:lumMod val="74000"/>
-              </a:schemeClr>
-              <a:schemeClr val="bg2">
-                <a:tint val="96000"/>
-                <a:hueMod val="88000"/>
-                <a:satMod val="140000"/>
-                <a:lumMod val="132000"/>
-              </a:schemeClr>
-            </a:duotone>
-          </a:blip>
-          <a:stretch/>
-        </a:blipFill>
+        <a:solidFill>
+          <a:schemeClr val="bg1"/>
+        </a:solidFill>
         <a:effectLst/>
       </p:bgPr>
     </p:bg>
@@ -21691,12 +22324,12 @@
           <a:chExt cx="0" cy="0"/>
         </a:xfrm>
       </p:grpSpPr>
-      <p:sp useBgFill="1">
+      <p:sp>
         <p:nvSpPr>
           <p:cNvPr id="19" name="Rectangle 18">
             <a:extLst>
               <a:ext uri="{FF2B5EF4-FFF2-40B4-BE49-F238E27FC236}">
-                <a16:creationId xmlns:a16="http://schemas.microsoft.com/office/drawing/2014/main" id="{0D9B8FD4-CDEB-4EB4-B4DE-C89E11938958}"/>
+                <a16:creationId xmlns:a16="http://schemas.microsoft.com/office/drawing/2014/main" id="{B4AAD3FD-83A5-4B89-9F8F-01B8870865BE}"/>
               </a:ext>
               <a:ext uri="{C183D7F6-B498-43B3-948B-1728B52AA6E4}">
                 <adec:decorative xmlns:adec="http://schemas.microsoft.com/office/drawing/2017/decorative" val="1"/>
@@ -21716,7 +22349,7 @@
         </p:nvSpPr>
         <p:spPr>
           <a:xfrm>
-            <a:off x="1" y="0"/>
+            <a:off x="0" y="0"/>
             <a:ext cx="12192000" cy="6858000"/>
           </a:xfrm>
           <a:prstGeom prst="rect">
@@ -21753,10 +22386,54 @@
       </p:sp>
       <p:sp>
         <p:nvSpPr>
-          <p:cNvPr id="21" name="Freeform 36">
+          <p:cNvPr id="2" name="Title 1">
             <a:extLst>
               <a:ext uri="{FF2B5EF4-FFF2-40B4-BE49-F238E27FC236}">
-                <a16:creationId xmlns:a16="http://schemas.microsoft.com/office/drawing/2014/main" id="{5A2E3D1D-9E9F-4739-BA14-D4D7FA9FBDD1}"/>
+                <a16:creationId xmlns:a16="http://schemas.microsoft.com/office/drawing/2014/main" id="{2BE2B028-0D59-B19F-C36F-340FAA48809F}"/>
+              </a:ext>
+            </a:extLst>
+          </p:cNvPr>
+          <p:cNvSpPr>
+            <a:spLocks noGrp="1"/>
+          </p:cNvSpPr>
+          <p:nvPr>
+            <p:ph type="title"/>
+          </p:nvPr>
+        </p:nvSpPr>
+        <p:spPr>
+          <a:xfrm>
+            <a:off x="648931" y="629266"/>
+            <a:ext cx="4166510" cy="1622321"/>
+          </a:xfrm>
+        </p:spPr>
+        <p:txBody>
+          <a:bodyPr>
+            <a:normAutofit/>
+          </a:bodyPr>
+          <a:lstStyle/>
+          <a:p>
+            <a:r>
+              <a:rPr lang="hr-HR">
+                <a:solidFill>
+                  <a:srgbClr val="EBEBEB"/>
+                </a:solidFill>
+              </a:rPr>
+              <a:t>Rezervacije</a:t>
+            </a:r>
+            <a:endParaRPr lang="en-US">
+              <a:solidFill>
+                <a:srgbClr val="EBEBEB"/>
+              </a:solidFill>
+            </a:endParaRPr>
+          </a:p>
+        </p:txBody>
+      </p:sp>
+      <p:sp>
+        <p:nvSpPr>
+          <p:cNvPr id="21" name="Freeform 31">
+            <a:extLst>
+              <a:ext uri="{FF2B5EF4-FFF2-40B4-BE49-F238E27FC236}">
+                <a16:creationId xmlns:a16="http://schemas.microsoft.com/office/drawing/2014/main" id="{61752F1D-FC0F-4103-9584-630E643CCDA6}"/>
               </a:ext>
               <a:ext uri="{C183D7F6-B498-43B3-948B-1728B52AA6E4}">
                 <adec:decorative xmlns:adec="http://schemas.microsoft.com/office/drawing/2017/decorative" val="1"/>
@@ -21775,8 +22452,8 @@
           </p:nvPr>
         </p:nvSpPr>
         <p:spPr>
-          <a:xfrm flipH="1">
-            <a:off x="4644637" y="0"/>
+          <a:xfrm>
+            <a:off x="4994020" y="-1"/>
             <a:ext cx="559472" cy="3709642"/>
           </a:xfrm>
           <a:custGeom>
@@ -22086,7 +22763,7 @@
             </a:pathLst>
           </a:custGeom>
           <a:solidFill>
-            <a:schemeClr val="tx1">
+            <a:schemeClr val="bg1">
               <a:alpha val="20000"/>
             </a:schemeClr>
           </a:solidFill>
@@ -22103,12 +22780,513 @@
           </a:p>
         </p:txBody>
       </p:sp>
-      <p:sp>
+      <p:sp useBgFill="1">
         <p:nvSpPr>
           <p:cNvPr id="23" name="Freeform: Shape 22">
             <a:extLst>
               <a:ext uri="{FF2B5EF4-FFF2-40B4-BE49-F238E27FC236}">
-                <a16:creationId xmlns:a16="http://schemas.microsoft.com/office/drawing/2014/main" id="{1FFB365B-E9DC-4859-B8AB-CB83EEBE4E28}"/>
+                <a16:creationId xmlns:a16="http://schemas.microsoft.com/office/drawing/2014/main" id="{70151CB7-E7DE-4917-B831-01DF9CE01306}"/>
+              </a:ext>
+              <a:ext uri="{C183D7F6-B498-43B3-948B-1728B52AA6E4}">
+                <adec:decorative xmlns:adec="http://schemas.microsoft.com/office/drawing/2017/decorative" val="1"/>
+              </a:ext>
+            </a:extLst>
+          </p:cNvPr>
+          <p:cNvSpPr>
+            <a:spLocks noGrp="1" noRot="1" noChangeAspect="1" noMove="1" noResize="1" noEditPoints="1" noAdjustHandles="1" noChangeArrowheads="1" noChangeShapeType="1" noTextEdit="1"/>
+          </p:cNvSpPr>
+          <p:nvPr>
+            <p:extLst>
+              <p:ext uri="{386F3935-93C4-4BCD-93E2-E3B085C9AB24}">
+                <p16:designElem xmlns:p16="http://schemas.microsoft.com/office/powerpoint/2015/main" val="1"/>
+              </p:ext>
+            </p:extLst>
+          </p:nvPr>
+        </p:nvSpPr>
+        <p:spPr bwMode="gray">
+          <a:xfrm rot="16200000">
+            <a:off x="5270819" y="-63600"/>
+            <a:ext cx="6858001" cy="6985200"/>
+          </a:xfrm>
+          <a:custGeom>
+            <a:avLst/>
+            <a:gdLst>
+              <a:gd name="connsiteX0" fmla="*/ 6858001 w 6858001"/>
+              <a:gd name="connsiteY0" fmla="*/ 1177 h 6985200"/>
+              <a:gd name="connsiteX1" fmla="*/ 6858001 w 6858001"/>
+              <a:gd name="connsiteY1" fmla="*/ 1344715 h 6985200"/>
+              <a:gd name="connsiteX2" fmla="*/ 6858000 w 6858001"/>
+              <a:gd name="connsiteY2" fmla="*/ 1344715 h 6985200"/>
+              <a:gd name="connsiteX3" fmla="*/ 6858000 w 6858001"/>
+              <a:gd name="connsiteY3" fmla="*/ 6985200 h 6985200"/>
+              <a:gd name="connsiteX4" fmla="*/ 0 w 6858001"/>
+              <a:gd name="connsiteY4" fmla="*/ 6985199 h 6985200"/>
+              <a:gd name="connsiteX5" fmla="*/ 0 w 6858001"/>
+              <a:gd name="connsiteY5" fmla="*/ 886772 h 6985200"/>
+              <a:gd name="connsiteX6" fmla="*/ 1 w 6858001"/>
+              <a:gd name="connsiteY6" fmla="*/ 886772 h 6985200"/>
+              <a:gd name="connsiteX7" fmla="*/ 1 w 6858001"/>
+              <a:gd name="connsiteY7" fmla="*/ 0 h 6985200"/>
+              <a:gd name="connsiteX8" fmla="*/ 40463 w 6858001"/>
+              <a:gd name="connsiteY8" fmla="*/ 5883 h 6985200"/>
+              <a:gd name="connsiteX9" fmla="*/ 159107 w 6858001"/>
+              <a:gd name="connsiteY9" fmla="*/ 23196 h 6985200"/>
+              <a:gd name="connsiteX10" fmla="*/ 245518 w 6858001"/>
+              <a:gd name="connsiteY10" fmla="*/ 35299 h 6985200"/>
+              <a:gd name="connsiteX11" fmla="*/ 348388 w 6858001"/>
+              <a:gd name="connsiteY11" fmla="*/ 48073 h 6985200"/>
+              <a:gd name="connsiteX12" fmla="*/ 470460 w 6858001"/>
+              <a:gd name="connsiteY12" fmla="*/ 63369 h 6985200"/>
+              <a:gd name="connsiteX13" fmla="*/ 605563 w 6858001"/>
+              <a:gd name="connsiteY13" fmla="*/ 79506 h 6985200"/>
+              <a:gd name="connsiteX14" fmla="*/ 757810 w 6858001"/>
+              <a:gd name="connsiteY14" fmla="*/ 96483 h 6985200"/>
+              <a:gd name="connsiteX15" fmla="*/ 923774 w 6858001"/>
+              <a:gd name="connsiteY15" fmla="*/ 114469 h 6985200"/>
+              <a:gd name="connsiteX16" fmla="*/ 1104139 w 6858001"/>
+              <a:gd name="connsiteY16" fmla="*/ 132454 h 6985200"/>
+              <a:gd name="connsiteX17" fmla="*/ 1296163 w 6858001"/>
+              <a:gd name="connsiteY17" fmla="*/ 150776 h 6985200"/>
+              <a:gd name="connsiteX18" fmla="*/ 1503275 w 6858001"/>
+              <a:gd name="connsiteY18" fmla="*/ 167753 h 6985200"/>
+              <a:gd name="connsiteX19" fmla="*/ 1719988 w 6858001"/>
+              <a:gd name="connsiteY19" fmla="*/ 184058 h 6985200"/>
+              <a:gd name="connsiteX20" fmla="*/ 1949045 w 6858001"/>
+              <a:gd name="connsiteY20" fmla="*/ 198849 h 6985200"/>
+              <a:gd name="connsiteX21" fmla="*/ 2187703 w 6858001"/>
+              <a:gd name="connsiteY21" fmla="*/ 212969 h 6985200"/>
+              <a:gd name="connsiteX22" fmla="*/ 2436649 w 6858001"/>
+              <a:gd name="connsiteY22" fmla="*/ 226248 h 6985200"/>
+              <a:gd name="connsiteX23" fmla="*/ 2564208 w 6858001"/>
+              <a:gd name="connsiteY23" fmla="*/ 230955 h 6985200"/>
+              <a:gd name="connsiteX24" fmla="*/ 2694509 w 6858001"/>
+              <a:gd name="connsiteY24" fmla="*/ 236165 h 6985200"/>
+              <a:gd name="connsiteX25" fmla="*/ 2826869 w 6858001"/>
+              <a:gd name="connsiteY25" fmla="*/ 241040 h 6985200"/>
+              <a:gd name="connsiteX26" fmla="*/ 2959914 w 6858001"/>
+              <a:gd name="connsiteY26" fmla="*/ 244234 h 6985200"/>
+              <a:gd name="connsiteX27" fmla="*/ 3095702 w 6858001"/>
+              <a:gd name="connsiteY27" fmla="*/ 247091 h 6985200"/>
+              <a:gd name="connsiteX28" fmla="*/ 3232862 w 6858001"/>
+              <a:gd name="connsiteY28" fmla="*/ 250117 h 6985200"/>
+              <a:gd name="connsiteX29" fmla="*/ 3372766 w 6858001"/>
+              <a:gd name="connsiteY29" fmla="*/ 252134 h 6985200"/>
+              <a:gd name="connsiteX30" fmla="*/ 3514040 w 6858001"/>
+              <a:gd name="connsiteY30" fmla="*/ 252134 h 6985200"/>
+              <a:gd name="connsiteX31" fmla="*/ 3656686 w 6858001"/>
+              <a:gd name="connsiteY31" fmla="*/ 253142 h 6985200"/>
+              <a:gd name="connsiteX32" fmla="*/ 3800705 w 6858001"/>
+              <a:gd name="connsiteY32" fmla="*/ 252134 h 6985200"/>
+              <a:gd name="connsiteX33" fmla="*/ 3946780 w 6858001"/>
+              <a:gd name="connsiteY33" fmla="*/ 250117 h 6985200"/>
+              <a:gd name="connsiteX34" fmla="*/ 4092856 w 6858001"/>
+              <a:gd name="connsiteY34" fmla="*/ 248268 h 6985200"/>
+              <a:gd name="connsiteX35" fmla="*/ 4240988 w 6858001"/>
+              <a:gd name="connsiteY35" fmla="*/ 244234 h 6985200"/>
+              <a:gd name="connsiteX36" fmla="*/ 4390492 w 6858001"/>
+              <a:gd name="connsiteY36" fmla="*/ 240032 h 6985200"/>
+              <a:gd name="connsiteX37" fmla="*/ 4539997 w 6858001"/>
+              <a:gd name="connsiteY37" fmla="*/ 235157 h 6985200"/>
+              <a:gd name="connsiteX38" fmla="*/ 4690873 w 6858001"/>
+              <a:gd name="connsiteY38" fmla="*/ 228266 h 6985200"/>
+              <a:gd name="connsiteX39" fmla="*/ 4843120 w 6858001"/>
+              <a:gd name="connsiteY39" fmla="*/ 220029 h 6985200"/>
+              <a:gd name="connsiteX40" fmla="*/ 4996054 w 6858001"/>
+              <a:gd name="connsiteY40" fmla="*/ 212129 h 6985200"/>
+              <a:gd name="connsiteX41" fmla="*/ 5148987 w 6858001"/>
+              <a:gd name="connsiteY41" fmla="*/ 202044 h 6985200"/>
+              <a:gd name="connsiteX42" fmla="*/ 5303978 w 6858001"/>
+              <a:gd name="connsiteY42" fmla="*/ 189941 h 6985200"/>
+              <a:gd name="connsiteX43" fmla="*/ 5456911 w 6858001"/>
+              <a:gd name="connsiteY43" fmla="*/ 177839 h 6985200"/>
+              <a:gd name="connsiteX44" fmla="*/ 5612588 w 6858001"/>
+              <a:gd name="connsiteY44" fmla="*/ 163887 h 6985200"/>
+              <a:gd name="connsiteX45" fmla="*/ 5768950 w 6858001"/>
+              <a:gd name="connsiteY45" fmla="*/ 148591 h 6985200"/>
+              <a:gd name="connsiteX46" fmla="*/ 5923255 w 6858001"/>
+              <a:gd name="connsiteY46" fmla="*/ 132455 h 6985200"/>
+              <a:gd name="connsiteX47" fmla="*/ 6079618 w 6858001"/>
+              <a:gd name="connsiteY47" fmla="*/ 113629 h 6985200"/>
+              <a:gd name="connsiteX48" fmla="*/ 6235294 w 6858001"/>
+              <a:gd name="connsiteY48" fmla="*/ 93458 h 6985200"/>
+              <a:gd name="connsiteX49" fmla="*/ 6391657 w 6858001"/>
+              <a:gd name="connsiteY49" fmla="*/ 73455 h 6985200"/>
+              <a:gd name="connsiteX50" fmla="*/ 6547333 w 6858001"/>
+              <a:gd name="connsiteY50" fmla="*/ 50091 h 6985200"/>
+              <a:gd name="connsiteX51" fmla="*/ 6702324 w 6858001"/>
+              <a:gd name="connsiteY51" fmla="*/ 26222 h 6985200"/>
+            </a:gdLst>
+            <a:ahLst/>
+            <a:cxnLst>
+              <a:cxn ang="0">
+                <a:pos x="connsiteX0" y="connsiteY0"/>
+              </a:cxn>
+              <a:cxn ang="0">
+                <a:pos x="connsiteX1" y="connsiteY1"/>
+              </a:cxn>
+              <a:cxn ang="0">
+                <a:pos x="connsiteX2" y="connsiteY2"/>
+              </a:cxn>
+              <a:cxn ang="0">
+                <a:pos x="connsiteX3" y="connsiteY3"/>
+              </a:cxn>
+              <a:cxn ang="0">
+                <a:pos x="connsiteX4" y="connsiteY4"/>
+              </a:cxn>
+              <a:cxn ang="0">
+                <a:pos x="connsiteX5" y="connsiteY5"/>
+              </a:cxn>
+              <a:cxn ang="0">
+                <a:pos x="connsiteX6" y="connsiteY6"/>
+              </a:cxn>
+              <a:cxn ang="0">
+                <a:pos x="connsiteX7" y="connsiteY7"/>
+              </a:cxn>
+              <a:cxn ang="0">
+                <a:pos x="connsiteX8" y="connsiteY8"/>
+              </a:cxn>
+              <a:cxn ang="0">
+                <a:pos x="connsiteX9" y="connsiteY9"/>
+              </a:cxn>
+              <a:cxn ang="0">
+                <a:pos x="connsiteX10" y="connsiteY10"/>
+              </a:cxn>
+              <a:cxn ang="0">
+                <a:pos x="connsiteX11" y="connsiteY11"/>
+              </a:cxn>
+              <a:cxn ang="0">
+                <a:pos x="connsiteX12" y="connsiteY12"/>
+              </a:cxn>
+              <a:cxn ang="0">
+                <a:pos x="connsiteX13" y="connsiteY13"/>
+              </a:cxn>
+              <a:cxn ang="0">
+                <a:pos x="connsiteX14" y="connsiteY14"/>
+              </a:cxn>
+              <a:cxn ang="0">
+                <a:pos x="connsiteX15" y="connsiteY15"/>
+              </a:cxn>
+              <a:cxn ang="0">
+                <a:pos x="connsiteX16" y="connsiteY16"/>
+              </a:cxn>
+              <a:cxn ang="0">
+                <a:pos x="connsiteX17" y="connsiteY17"/>
+              </a:cxn>
+              <a:cxn ang="0">
+                <a:pos x="connsiteX18" y="connsiteY18"/>
+              </a:cxn>
+              <a:cxn ang="0">
+                <a:pos x="connsiteX19" y="connsiteY19"/>
+              </a:cxn>
+              <a:cxn ang="0">
+                <a:pos x="connsiteX20" y="connsiteY20"/>
+              </a:cxn>
+              <a:cxn ang="0">
+                <a:pos x="connsiteX21" y="connsiteY21"/>
+              </a:cxn>
+              <a:cxn ang="0">
+                <a:pos x="connsiteX22" y="connsiteY22"/>
+              </a:cxn>
+              <a:cxn ang="0">
+                <a:pos x="connsiteX23" y="connsiteY23"/>
+              </a:cxn>
+              <a:cxn ang="0">
+                <a:pos x="connsiteX24" y="connsiteY24"/>
+              </a:cxn>
+              <a:cxn ang="0">
+                <a:pos x="connsiteX25" y="connsiteY25"/>
+              </a:cxn>
+              <a:cxn ang="0">
+                <a:pos x="connsiteX26" y="connsiteY26"/>
+              </a:cxn>
+              <a:cxn ang="0">
+                <a:pos x="connsiteX27" y="connsiteY27"/>
+              </a:cxn>
+              <a:cxn ang="0">
+                <a:pos x="connsiteX28" y="connsiteY28"/>
+              </a:cxn>
+              <a:cxn ang="0">
+                <a:pos x="connsiteX29" y="connsiteY29"/>
+              </a:cxn>
+              <a:cxn ang="0">
+                <a:pos x="connsiteX30" y="connsiteY30"/>
+              </a:cxn>
+              <a:cxn ang="0">
+                <a:pos x="connsiteX31" y="connsiteY31"/>
+              </a:cxn>
+              <a:cxn ang="0">
+                <a:pos x="connsiteX32" y="connsiteY32"/>
+              </a:cxn>
+              <a:cxn ang="0">
+                <a:pos x="connsiteX33" y="connsiteY33"/>
+              </a:cxn>
+              <a:cxn ang="0">
+                <a:pos x="connsiteX34" y="connsiteY34"/>
+              </a:cxn>
+              <a:cxn ang="0">
+                <a:pos x="connsiteX35" y="connsiteY35"/>
+              </a:cxn>
+              <a:cxn ang="0">
+                <a:pos x="connsiteX36" y="connsiteY36"/>
+              </a:cxn>
+              <a:cxn ang="0">
+                <a:pos x="connsiteX37" y="connsiteY37"/>
+              </a:cxn>
+              <a:cxn ang="0">
+                <a:pos x="connsiteX38" y="connsiteY38"/>
+              </a:cxn>
+              <a:cxn ang="0">
+                <a:pos x="connsiteX39" y="connsiteY39"/>
+              </a:cxn>
+              <a:cxn ang="0">
+                <a:pos x="connsiteX40" y="connsiteY40"/>
+              </a:cxn>
+              <a:cxn ang="0">
+                <a:pos x="connsiteX41" y="connsiteY41"/>
+              </a:cxn>
+              <a:cxn ang="0">
+                <a:pos x="connsiteX42" y="connsiteY42"/>
+              </a:cxn>
+              <a:cxn ang="0">
+                <a:pos x="connsiteX43" y="connsiteY43"/>
+              </a:cxn>
+              <a:cxn ang="0">
+                <a:pos x="connsiteX44" y="connsiteY44"/>
+              </a:cxn>
+              <a:cxn ang="0">
+                <a:pos x="connsiteX45" y="connsiteY45"/>
+              </a:cxn>
+              <a:cxn ang="0">
+                <a:pos x="connsiteX46" y="connsiteY46"/>
+              </a:cxn>
+              <a:cxn ang="0">
+                <a:pos x="connsiteX47" y="connsiteY47"/>
+              </a:cxn>
+              <a:cxn ang="0">
+                <a:pos x="connsiteX48" y="connsiteY48"/>
+              </a:cxn>
+              <a:cxn ang="0">
+                <a:pos x="connsiteX49" y="connsiteY49"/>
+              </a:cxn>
+              <a:cxn ang="0">
+                <a:pos x="connsiteX50" y="connsiteY50"/>
+              </a:cxn>
+              <a:cxn ang="0">
+                <a:pos x="connsiteX51" y="connsiteY51"/>
+              </a:cxn>
+            </a:cxnLst>
+            <a:rect l="l" t="t" r="r" b="b"/>
+            <a:pathLst>
+              <a:path w="6858001" h="6985200">
+                <a:moveTo>
+                  <a:pt x="6858001" y="1177"/>
+                </a:moveTo>
+                <a:lnTo>
+                  <a:pt x="6858001" y="1344715"/>
+                </a:lnTo>
+                <a:lnTo>
+                  <a:pt x="6858000" y="1344715"/>
+                </a:lnTo>
+                <a:lnTo>
+                  <a:pt x="6858000" y="6985200"/>
+                </a:lnTo>
+                <a:lnTo>
+                  <a:pt x="0" y="6985199"/>
+                </a:lnTo>
+                <a:lnTo>
+                  <a:pt x="0" y="886772"/>
+                </a:lnTo>
+                <a:lnTo>
+                  <a:pt x="1" y="886772"/>
+                </a:lnTo>
+                <a:lnTo>
+                  <a:pt x="1" y="0"/>
+                </a:lnTo>
+                <a:lnTo>
+                  <a:pt x="40463" y="5883"/>
+                </a:lnTo>
+                <a:lnTo>
+                  <a:pt x="159107" y="23196"/>
+                </a:lnTo>
+                <a:lnTo>
+                  <a:pt x="245518" y="35299"/>
+                </a:lnTo>
+                <a:lnTo>
+                  <a:pt x="348388" y="48073"/>
+                </a:lnTo>
+                <a:lnTo>
+                  <a:pt x="470460" y="63369"/>
+                </a:lnTo>
+                <a:lnTo>
+                  <a:pt x="605563" y="79506"/>
+                </a:lnTo>
+                <a:lnTo>
+                  <a:pt x="757810" y="96483"/>
+                </a:lnTo>
+                <a:lnTo>
+                  <a:pt x="923774" y="114469"/>
+                </a:lnTo>
+                <a:lnTo>
+                  <a:pt x="1104139" y="132454"/>
+                </a:lnTo>
+                <a:lnTo>
+                  <a:pt x="1296163" y="150776"/>
+                </a:lnTo>
+                <a:lnTo>
+                  <a:pt x="1503275" y="167753"/>
+                </a:lnTo>
+                <a:lnTo>
+                  <a:pt x="1719988" y="184058"/>
+                </a:lnTo>
+                <a:lnTo>
+                  <a:pt x="1949045" y="198849"/>
+                </a:lnTo>
+                <a:lnTo>
+                  <a:pt x="2187703" y="212969"/>
+                </a:lnTo>
+                <a:lnTo>
+                  <a:pt x="2436649" y="226248"/>
+                </a:lnTo>
+                <a:lnTo>
+                  <a:pt x="2564208" y="230955"/>
+                </a:lnTo>
+                <a:lnTo>
+                  <a:pt x="2694509" y="236165"/>
+                </a:lnTo>
+                <a:lnTo>
+                  <a:pt x="2826869" y="241040"/>
+                </a:lnTo>
+                <a:lnTo>
+                  <a:pt x="2959914" y="244234"/>
+                </a:lnTo>
+                <a:lnTo>
+                  <a:pt x="3095702" y="247091"/>
+                </a:lnTo>
+                <a:lnTo>
+                  <a:pt x="3232862" y="250117"/>
+                </a:lnTo>
+                <a:lnTo>
+                  <a:pt x="3372766" y="252134"/>
+                </a:lnTo>
+                <a:lnTo>
+                  <a:pt x="3514040" y="252134"/>
+                </a:lnTo>
+                <a:lnTo>
+                  <a:pt x="3656686" y="253142"/>
+                </a:lnTo>
+                <a:lnTo>
+                  <a:pt x="3800705" y="252134"/>
+                </a:lnTo>
+                <a:lnTo>
+                  <a:pt x="3946780" y="250117"/>
+                </a:lnTo>
+                <a:lnTo>
+                  <a:pt x="4092856" y="248268"/>
+                </a:lnTo>
+                <a:lnTo>
+                  <a:pt x="4240988" y="244234"/>
+                </a:lnTo>
+                <a:lnTo>
+                  <a:pt x="4390492" y="240032"/>
+                </a:lnTo>
+                <a:lnTo>
+                  <a:pt x="4539997" y="235157"/>
+                </a:lnTo>
+                <a:lnTo>
+                  <a:pt x="4690873" y="228266"/>
+                </a:lnTo>
+                <a:lnTo>
+                  <a:pt x="4843120" y="220029"/>
+                </a:lnTo>
+                <a:lnTo>
+                  <a:pt x="4996054" y="212129"/>
+                </a:lnTo>
+                <a:lnTo>
+                  <a:pt x="5148987" y="202044"/>
+                </a:lnTo>
+                <a:lnTo>
+                  <a:pt x="5303978" y="189941"/>
+                </a:lnTo>
+                <a:lnTo>
+                  <a:pt x="5456911" y="177839"/>
+                </a:lnTo>
+                <a:lnTo>
+                  <a:pt x="5612588" y="163887"/>
+                </a:lnTo>
+                <a:lnTo>
+                  <a:pt x="5768950" y="148591"/>
+                </a:lnTo>
+                <a:lnTo>
+                  <a:pt x="5923255" y="132455"/>
+                </a:lnTo>
+                <a:lnTo>
+                  <a:pt x="6079618" y="113629"/>
+                </a:lnTo>
+                <a:lnTo>
+                  <a:pt x="6235294" y="93458"/>
+                </a:lnTo>
+                <a:lnTo>
+                  <a:pt x="6391657" y="73455"/>
+                </a:lnTo>
+                <a:lnTo>
+                  <a:pt x="6547333" y="50091"/>
+                </a:lnTo>
+                <a:lnTo>
+                  <a:pt x="6702324" y="26222"/>
+                </a:lnTo>
+                <a:close/>
+              </a:path>
+            </a:pathLst>
+          </a:custGeom>
+          <a:ln>
+            <a:noFill/>
+          </a:ln>
+        </p:spPr>
+        <p:txBody>
+          <a:bodyPr/>
+          <a:lstStyle/>
+          <a:p>
+            <a:endParaRPr lang="en-US"/>
+          </a:p>
+        </p:txBody>
+      </p:sp>
+      <p:pic>
+        <p:nvPicPr>
+          <p:cNvPr id="5" name="Picture 4">
+            <a:extLst>
+              <a:ext uri="{FF2B5EF4-FFF2-40B4-BE49-F238E27FC236}">
+                <a16:creationId xmlns:a16="http://schemas.microsoft.com/office/drawing/2014/main" id="{F6B9EC8C-1048-AD1A-582B-4D8CE8E469FB}"/>
+              </a:ext>
+            </a:extLst>
+          </p:cNvPr>
+          <p:cNvPicPr>
+            <a:picLocks noChangeAspect="1"/>
+          </p:cNvPicPr>
+          <p:nvPr/>
+        </p:nvPicPr>
+        <p:blipFill>
+          <a:blip r:embed="rId2"/>
+          <a:stretch>
+            <a:fillRect/>
+          </a:stretch>
+        </p:blipFill>
+        <p:spPr>
+          <a:xfrm>
+            <a:off x="6386545" y="647698"/>
+            <a:ext cx="4864783" cy="5562601"/>
+          </a:xfrm>
+          <a:prstGeom prst="rect">
+            <a:avLst/>
+          </a:prstGeom>
+          <a:effectLst/>
+        </p:spPr>
+      </p:pic>
+      <p:sp>
+        <p:nvSpPr>
+          <p:cNvPr id="25" name="Rectangle 24">
+            <a:extLst>
+              <a:ext uri="{FF2B5EF4-FFF2-40B4-BE49-F238E27FC236}">
+                <a16:creationId xmlns:a16="http://schemas.microsoft.com/office/drawing/2014/main" id="{A92A1116-1C84-41DF-B803-1F7B0883EC82}"/>
               </a:ext>
               <a:ext uri="{C183D7F6-B498-43B3-948B-1728B52AA6E4}">
                 <adec:decorative xmlns:adec="http://schemas.microsoft.com/office/drawing/2017/decorative" val="1"/>
@@ -22128,497 +23306,7 @@
         </p:nvSpPr>
         <p:spPr>
           <a:xfrm>
-            <a:off x="1" y="1"/>
-            <a:ext cx="4990911" cy="6858001"/>
-          </a:xfrm>
-          <a:custGeom>
-            <a:avLst/>
-            <a:gdLst>
-              <a:gd name="connsiteX0" fmla="*/ 3646196 w 4990911"/>
-              <a:gd name="connsiteY0" fmla="*/ 0 h 6858001"/>
-              <a:gd name="connsiteX1" fmla="*/ 4989734 w 4990911"/>
-              <a:gd name="connsiteY1" fmla="*/ 0 h 6858001"/>
-              <a:gd name="connsiteX2" fmla="*/ 4964689 w 4990911"/>
-              <a:gd name="connsiteY2" fmla="*/ 155677 h 6858001"/>
-              <a:gd name="connsiteX3" fmla="*/ 4940820 w 4990911"/>
-              <a:gd name="connsiteY3" fmla="*/ 310668 h 6858001"/>
-              <a:gd name="connsiteX4" fmla="*/ 4917456 w 4990911"/>
-              <a:gd name="connsiteY4" fmla="*/ 466344 h 6858001"/>
-              <a:gd name="connsiteX5" fmla="*/ 4897453 w 4990911"/>
-              <a:gd name="connsiteY5" fmla="*/ 622707 h 6858001"/>
-              <a:gd name="connsiteX6" fmla="*/ 4877282 w 4990911"/>
-              <a:gd name="connsiteY6" fmla="*/ 778383 h 6858001"/>
-              <a:gd name="connsiteX7" fmla="*/ 4858456 w 4990911"/>
-              <a:gd name="connsiteY7" fmla="*/ 934746 h 6858001"/>
-              <a:gd name="connsiteX8" fmla="*/ 4842320 w 4990911"/>
-              <a:gd name="connsiteY8" fmla="*/ 1089051 h 6858001"/>
-              <a:gd name="connsiteX9" fmla="*/ 4827024 w 4990911"/>
-              <a:gd name="connsiteY9" fmla="*/ 1245413 h 6858001"/>
-              <a:gd name="connsiteX10" fmla="*/ 4813072 w 4990911"/>
-              <a:gd name="connsiteY10" fmla="*/ 1401090 h 6858001"/>
-              <a:gd name="connsiteX11" fmla="*/ 4800970 w 4990911"/>
-              <a:gd name="connsiteY11" fmla="*/ 1554023 h 6858001"/>
-              <a:gd name="connsiteX12" fmla="*/ 4788867 w 4990911"/>
-              <a:gd name="connsiteY12" fmla="*/ 1709014 h 6858001"/>
-              <a:gd name="connsiteX13" fmla="*/ 4778782 w 4990911"/>
-              <a:gd name="connsiteY13" fmla="*/ 1861947 h 6858001"/>
-              <a:gd name="connsiteX14" fmla="*/ 4770882 w 4990911"/>
-              <a:gd name="connsiteY14" fmla="*/ 2014881 h 6858001"/>
-              <a:gd name="connsiteX15" fmla="*/ 4762645 w 4990911"/>
-              <a:gd name="connsiteY15" fmla="*/ 2167128 h 6858001"/>
-              <a:gd name="connsiteX16" fmla="*/ 4755754 w 4990911"/>
-              <a:gd name="connsiteY16" fmla="*/ 2318004 h 6858001"/>
-              <a:gd name="connsiteX17" fmla="*/ 4750879 w 4990911"/>
-              <a:gd name="connsiteY17" fmla="*/ 2467509 h 6858001"/>
-              <a:gd name="connsiteX18" fmla="*/ 4746677 w 4990911"/>
-              <a:gd name="connsiteY18" fmla="*/ 2617013 h 6858001"/>
-              <a:gd name="connsiteX19" fmla="*/ 4742643 w 4990911"/>
-              <a:gd name="connsiteY19" fmla="*/ 2765146 h 6858001"/>
-              <a:gd name="connsiteX20" fmla="*/ 4740794 w 4990911"/>
-              <a:gd name="connsiteY20" fmla="*/ 2911221 h 6858001"/>
-              <a:gd name="connsiteX21" fmla="*/ 4738777 w 4990911"/>
-              <a:gd name="connsiteY21" fmla="*/ 3057297 h 6858001"/>
-              <a:gd name="connsiteX22" fmla="*/ 4737768 w 4990911"/>
-              <a:gd name="connsiteY22" fmla="*/ 3201315 h 6858001"/>
-              <a:gd name="connsiteX23" fmla="*/ 4738777 w 4990911"/>
-              <a:gd name="connsiteY23" fmla="*/ 3343961 h 6858001"/>
-              <a:gd name="connsiteX24" fmla="*/ 4738777 w 4990911"/>
-              <a:gd name="connsiteY24" fmla="*/ 3485236 h 6858001"/>
-              <a:gd name="connsiteX25" fmla="*/ 4740794 w 4990911"/>
-              <a:gd name="connsiteY25" fmla="*/ 3625139 h 6858001"/>
-              <a:gd name="connsiteX26" fmla="*/ 4743819 w 4990911"/>
-              <a:gd name="connsiteY26" fmla="*/ 3762299 h 6858001"/>
-              <a:gd name="connsiteX27" fmla="*/ 4746677 w 4990911"/>
-              <a:gd name="connsiteY27" fmla="*/ 3898087 h 6858001"/>
-              <a:gd name="connsiteX28" fmla="*/ 4749871 w 4990911"/>
-              <a:gd name="connsiteY28" fmla="*/ 4031133 h 6858001"/>
-              <a:gd name="connsiteX29" fmla="*/ 4754745 w 4990911"/>
-              <a:gd name="connsiteY29" fmla="*/ 4163492 h 6858001"/>
-              <a:gd name="connsiteX30" fmla="*/ 4759956 w 4990911"/>
-              <a:gd name="connsiteY30" fmla="*/ 4293793 h 6858001"/>
-              <a:gd name="connsiteX31" fmla="*/ 4764662 w 4990911"/>
-              <a:gd name="connsiteY31" fmla="*/ 4421352 h 6858001"/>
-              <a:gd name="connsiteX32" fmla="*/ 4777942 w 4990911"/>
-              <a:gd name="connsiteY32" fmla="*/ 4670298 h 6858001"/>
-              <a:gd name="connsiteX33" fmla="*/ 4792061 w 4990911"/>
-              <a:gd name="connsiteY33" fmla="*/ 4908956 h 6858001"/>
-              <a:gd name="connsiteX34" fmla="*/ 4806853 w 4990911"/>
-              <a:gd name="connsiteY34" fmla="*/ 5138013 h 6858001"/>
-              <a:gd name="connsiteX35" fmla="*/ 4823158 w 4990911"/>
-              <a:gd name="connsiteY35" fmla="*/ 5354726 h 6858001"/>
-              <a:gd name="connsiteX36" fmla="*/ 4840135 w 4990911"/>
-              <a:gd name="connsiteY36" fmla="*/ 5561838 h 6858001"/>
-              <a:gd name="connsiteX37" fmla="*/ 4858456 w 4990911"/>
-              <a:gd name="connsiteY37" fmla="*/ 5753862 h 6858001"/>
-              <a:gd name="connsiteX38" fmla="*/ 4876442 w 4990911"/>
-              <a:gd name="connsiteY38" fmla="*/ 5934227 h 6858001"/>
-              <a:gd name="connsiteX39" fmla="*/ 4894427 w 4990911"/>
-              <a:gd name="connsiteY39" fmla="*/ 6100191 h 6858001"/>
-              <a:gd name="connsiteX40" fmla="*/ 4911404 w 4990911"/>
-              <a:gd name="connsiteY40" fmla="*/ 6252438 h 6858001"/>
-              <a:gd name="connsiteX41" fmla="*/ 4927541 w 4990911"/>
-              <a:gd name="connsiteY41" fmla="*/ 6387541 h 6858001"/>
-              <a:gd name="connsiteX42" fmla="*/ 4942837 w 4990911"/>
-              <a:gd name="connsiteY42" fmla="*/ 6509613 h 6858001"/>
-              <a:gd name="connsiteX43" fmla="*/ 4955612 w 4990911"/>
-              <a:gd name="connsiteY43" fmla="*/ 6612483 h 6858001"/>
-              <a:gd name="connsiteX44" fmla="*/ 4967714 w 4990911"/>
-              <a:gd name="connsiteY44" fmla="*/ 6698894 h 6858001"/>
-              <a:gd name="connsiteX45" fmla="*/ 4985028 w 4990911"/>
-              <a:gd name="connsiteY45" fmla="*/ 6817538 h 6858001"/>
-              <a:gd name="connsiteX46" fmla="*/ 4990911 w 4990911"/>
-              <a:gd name="connsiteY46" fmla="*/ 6858000 h 6858001"/>
-              <a:gd name="connsiteX47" fmla="*/ 4085557 w 4990911"/>
-              <a:gd name="connsiteY47" fmla="*/ 6858000 h 6858001"/>
-              <a:gd name="connsiteX48" fmla="*/ 4085557 w 4990911"/>
-              <a:gd name="connsiteY48" fmla="*/ 6858001 h 6858001"/>
-              <a:gd name="connsiteX49" fmla="*/ 0 w 4990911"/>
-              <a:gd name="connsiteY49" fmla="*/ 6858001 h 6858001"/>
-              <a:gd name="connsiteX50" fmla="*/ 0 w 4990911"/>
-              <a:gd name="connsiteY50" fmla="*/ 1 h 6858001"/>
-              <a:gd name="connsiteX51" fmla="*/ 3646196 w 4990911"/>
-              <a:gd name="connsiteY51" fmla="*/ 1 h 6858001"/>
-            </a:gdLst>
-            <a:ahLst/>
-            <a:cxnLst>
-              <a:cxn ang="0">
-                <a:pos x="connsiteX0" y="connsiteY0"/>
-              </a:cxn>
-              <a:cxn ang="0">
-                <a:pos x="connsiteX1" y="connsiteY1"/>
-              </a:cxn>
-              <a:cxn ang="0">
-                <a:pos x="connsiteX2" y="connsiteY2"/>
-              </a:cxn>
-              <a:cxn ang="0">
-                <a:pos x="connsiteX3" y="connsiteY3"/>
-              </a:cxn>
-              <a:cxn ang="0">
-                <a:pos x="connsiteX4" y="connsiteY4"/>
-              </a:cxn>
-              <a:cxn ang="0">
-                <a:pos x="connsiteX5" y="connsiteY5"/>
-              </a:cxn>
-              <a:cxn ang="0">
-                <a:pos x="connsiteX6" y="connsiteY6"/>
-              </a:cxn>
-              <a:cxn ang="0">
-                <a:pos x="connsiteX7" y="connsiteY7"/>
-              </a:cxn>
-              <a:cxn ang="0">
-                <a:pos x="connsiteX8" y="connsiteY8"/>
-              </a:cxn>
-              <a:cxn ang="0">
-                <a:pos x="connsiteX9" y="connsiteY9"/>
-              </a:cxn>
-              <a:cxn ang="0">
-                <a:pos x="connsiteX10" y="connsiteY10"/>
-              </a:cxn>
-              <a:cxn ang="0">
-                <a:pos x="connsiteX11" y="connsiteY11"/>
-              </a:cxn>
-              <a:cxn ang="0">
-                <a:pos x="connsiteX12" y="connsiteY12"/>
-              </a:cxn>
-              <a:cxn ang="0">
-                <a:pos x="connsiteX13" y="connsiteY13"/>
-              </a:cxn>
-              <a:cxn ang="0">
-                <a:pos x="connsiteX14" y="connsiteY14"/>
-              </a:cxn>
-              <a:cxn ang="0">
-                <a:pos x="connsiteX15" y="connsiteY15"/>
-              </a:cxn>
-              <a:cxn ang="0">
-                <a:pos x="connsiteX16" y="connsiteY16"/>
-              </a:cxn>
-              <a:cxn ang="0">
-                <a:pos x="connsiteX17" y="connsiteY17"/>
-              </a:cxn>
-              <a:cxn ang="0">
-                <a:pos x="connsiteX18" y="connsiteY18"/>
-              </a:cxn>
-              <a:cxn ang="0">
-                <a:pos x="connsiteX19" y="connsiteY19"/>
-              </a:cxn>
-              <a:cxn ang="0">
-                <a:pos x="connsiteX20" y="connsiteY20"/>
-              </a:cxn>
-              <a:cxn ang="0">
-                <a:pos x="connsiteX21" y="connsiteY21"/>
-              </a:cxn>
-              <a:cxn ang="0">
-                <a:pos x="connsiteX22" y="connsiteY22"/>
-              </a:cxn>
-              <a:cxn ang="0">
-                <a:pos x="connsiteX23" y="connsiteY23"/>
-              </a:cxn>
-              <a:cxn ang="0">
-                <a:pos x="connsiteX24" y="connsiteY24"/>
-              </a:cxn>
-              <a:cxn ang="0">
-                <a:pos x="connsiteX25" y="connsiteY25"/>
-              </a:cxn>
-              <a:cxn ang="0">
-                <a:pos x="connsiteX26" y="connsiteY26"/>
-              </a:cxn>
-              <a:cxn ang="0">
-                <a:pos x="connsiteX27" y="connsiteY27"/>
-              </a:cxn>
-              <a:cxn ang="0">
-                <a:pos x="connsiteX28" y="connsiteY28"/>
-              </a:cxn>
-              <a:cxn ang="0">
-                <a:pos x="connsiteX29" y="connsiteY29"/>
-              </a:cxn>
-              <a:cxn ang="0">
-                <a:pos x="connsiteX30" y="connsiteY30"/>
-              </a:cxn>
-              <a:cxn ang="0">
-                <a:pos x="connsiteX31" y="connsiteY31"/>
-              </a:cxn>
-              <a:cxn ang="0">
-                <a:pos x="connsiteX32" y="connsiteY32"/>
-              </a:cxn>
-              <a:cxn ang="0">
-                <a:pos x="connsiteX33" y="connsiteY33"/>
-              </a:cxn>
-              <a:cxn ang="0">
-                <a:pos x="connsiteX34" y="connsiteY34"/>
-              </a:cxn>
-              <a:cxn ang="0">
-                <a:pos x="connsiteX35" y="connsiteY35"/>
-              </a:cxn>
-              <a:cxn ang="0">
-                <a:pos x="connsiteX36" y="connsiteY36"/>
-              </a:cxn>
-              <a:cxn ang="0">
-                <a:pos x="connsiteX37" y="connsiteY37"/>
-              </a:cxn>
-              <a:cxn ang="0">
-                <a:pos x="connsiteX38" y="connsiteY38"/>
-              </a:cxn>
-              <a:cxn ang="0">
-                <a:pos x="connsiteX39" y="connsiteY39"/>
-              </a:cxn>
-              <a:cxn ang="0">
-                <a:pos x="connsiteX40" y="connsiteY40"/>
-              </a:cxn>
-              <a:cxn ang="0">
-                <a:pos x="connsiteX41" y="connsiteY41"/>
-              </a:cxn>
-              <a:cxn ang="0">
-                <a:pos x="connsiteX42" y="connsiteY42"/>
-              </a:cxn>
-              <a:cxn ang="0">
-                <a:pos x="connsiteX43" y="connsiteY43"/>
-              </a:cxn>
-              <a:cxn ang="0">
-                <a:pos x="connsiteX44" y="connsiteY44"/>
-              </a:cxn>
-              <a:cxn ang="0">
-                <a:pos x="connsiteX45" y="connsiteY45"/>
-              </a:cxn>
-              <a:cxn ang="0">
-                <a:pos x="connsiteX46" y="connsiteY46"/>
-              </a:cxn>
-              <a:cxn ang="0">
-                <a:pos x="connsiteX47" y="connsiteY47"/>
-              </a:cxn>
-              <a:cxn ang="0">
-                <a:pos x="connsiteX48" y="connsiteY48"/>
-              </a:cxn>
-              <a:cxn ang="0">
-                <a:pos x="connsiteX49" y="connsiteY49"/>
-              </a:cxn>
-              <a:cxn ang="0">
-                <a:pos x="connsiteX50" y="connsiteY50"/>
-              </a:cxn>
-              <a:cxn ang="0">
-                <a:pos x="connsiteX51" y="connsiteY51"/>
-              </a:cxn>
-            </a:cxnLst>
-            <a:rect l="l" t="t" r="r" b="b"/>
-            <a:pathLst>
-              <a:path w="4990911" h="6858001">
-                <a:moveTo>
-                  <a:pt x="3646196" y="0"/>
-                </a:moveTo>
-                <a:lnTo>
-                  <a:pt x="4989734" y="0"/>
-                </a:lnTo>
-                <a:lnTo>
-                  <a:pt x="4964689" y="155677"/>
-                </a:lnTo>
-                <a:lnTo>
-                  <a:pt x="4940820" y="310668"/>
-                </a:lnTo>
-                <a:lnTo>
-                  <a:pt x="4917456" y="466344"/>
-                </a:lnTo>
-                <a:lnTo>
-                  <a:pt x="4897453" y="622707"/>
-                </a:lnTo>
-                <a:lnTo>
-                  <a:pt x="4877282" y="778383"/>
-                </a:lnTo>
-                <a:lnTo>
-                  <a:pt x="4858456" y="934746"/>
-                </a:lnTo>
-                <a:lnTo>
-                  <a:pt x="4842320" y="1089051"/>
-                </a:lnTo>
-                <a:lnTo>
-                  <a:pt x="4827024" y="1245413"/>
-                </a:lnTo>
-                <a:lnTo>
-                  <a:pt x="4813072" y="1401090"/>
-                </a:lnTo>
-                <a:lnTo>
-                  <a:pt x="4800970" y="1554023"/>
-                </a:lnTo>
-                <a:lnTo>
-                  <a:pt x="4788867" y="1709014"/>
-                </a:lnTo>
-                <a:lnTo>
-                  <a:pt x="4778782" y="1861947"/>
-                </a:lnTo>
-                <a:lnTo>
-                  <a:pt x="4770882" y="2014881"/>
-                </a:lnTo>
-                <a:lnTo>
-                  <a:pt x="4762645" y="2167128"/>
-                </a:lnTo>
-                <a:lnTo>
-                  <a:pt x="4755754" y="2318004"/>
-                </a:lnTo>
-                <a:lnTo>
-                  <a:pt x="4750879" y="2467509"/>
-                </a:lnTo>
-                <a:lnTo>
-                  <a:pt x="4746677" y="2617013"/>
-                </a:lnTo>
-                <a:lnTo>
-                  <a:pt x="4742643" y="2765146"/>
-                </a:lnTo>
-                <a:lnTo>
-                  <a:pt x="4740794" y="2911221"/>
-                </a:lnTo>
-                <a:lnTo>
-                  <a:pt x="4738777" y="3057297"/>
-                </a:lnTo>
-                <a:lnTo>
-                  <a:pt x="4737768" y="3201315"/>
-                </a:lnTo>
-                <a:lnTo>
-                  <a:pt x="4738777" y="3343961"/>
-                </a:lnTo>
-                <a:lnTo>
-                  <a:pt x="4738777" y="3485236"/>
-                </a:lnTo>
-                <a:lnTo>
-                  <a:pt x="4740794" y="3625139"/>
-                </a:lnTo>
-                <a:lnTo>
-                  <a:pt x="4743819" y="3762299"/>
-                </a:lnTo>
-                <a:lnTo>
-                  <a:pt x="4746677" y="3898087"/>
-                </a:lnTo>
-                <a:lnTo>
-                  <a:pt x="4749871" y="4031133"/>
-                </a:lnTo>
-                <a:lnTo>
-                  <a:pt x="4754745" y="4163492"/>
-                </a:lnTo>
-                <a:lnTo>
-                  <a:pt x="4759956" y="4293793"/>
-                </a:lnTo>
-                <a:lnTo>
-                  <a:pt x="4764662" y="4421352"/>
-                </a:lnTo>
-                <a:lnTo>
-                  <a:pt x="4777942" y="4670298"/>
-                </a:lnTo>
-                <a:lnTo>
-                  <a:pt x="4792061" y="4908956"/>
-                </a:lnTo>
-                <a:lnTo>
-                  <a:pt x="4806853" y="5138013"/>
-                </a:lnTo>
-                <a:lnTo>
-                  <a:pt x="4823158" y="5354726"/>
-                </a:lnTo>
-                <a:lnTo>
-                  <a:pt x="4840135" y="5561838"/>
-                </a:lnTo>
-                <a:lnTo>
-                  <a:pt x="4858456" y="5753862"/>
-                </a:lnTo>
-                <a:lnTo>
-                  <a:pt x="4876442" y="5934227"/>
-                </a:lnTo>
-                <a:lnTo>
-                  <a:pt x="4894427" y="6100191"/>
-                </a:lnTo>
-                <a:lnTo>
-                  <a:pt x="4911404" y="6252438"/>
-                </a:lnTo>
-                <a:lnTo>
-                  <a:pt x="4927541" y="6387541"/>
-                </a:lnTo>
-                <a:lnTo>
-                  <a:pt x="4942837" y="6509613"/>
-                </a:lnTo>
-                <a:lnTo>
-                  <a:pt x="4955612" y="6612483"/>
-                </a:lnTo>
-                <a:lnTo>
-                  <a:pt x="4967714" y="6698894"/>
-                </a:lnTo>
-                <a:lnTo>
-                  <a:pt x="4985028" y="6817538"/>
-                </a:lnTo>
-                <a:lnTo>
-                  <a:pt x="4990911" y="6858000"/>
-                </a:lnTo>
-                <a:lnTo>
-                  <a:pt x="4085557" y="6858000"/>
-                </a:lnTo>
-                <a:lnTo>
-                  <a:pt x="4085557" y="6858001"/>
-                </a:lnTo>
-                <a:lnTo>
-                  <a:pt x="0" y="6858001"/>
-                </a:lnTo>
-                <a:lnTo>
-                  <a:pt x="0" y="1"/>
-                </a:lnTo>
-                <a:lnTo>
-                  <a:pt x="3646196" y="1"/>
-                </a:lnTo>
-                <a:close/>
-              </a:path>
-            </a:pathLst>
-          </a:custGeom>
-          <a:solidFill>
-            <a:schemeClr val="tx2"/>
-          </a:solidFill>
-          <a:ln>
-            <a:noFill/>
-          </a:ln>
-        </p:spPr>
-        <p:style>
-          <a:lnRef idx="2">
-            <a:schemeClr val="accent1">
-              <a:shade val="50000"/>
-            </a:schemeClr>
-          </a:lnRef>
-          <a:fillRef idx="1">
-            <a:schemeClr val="accent1"/>
-          </a:fillRef>
-          <a:effectRef idx="0">
-            <a:schemeClr val="accent1"/>
-          </a:effectRef>
-          <a:fontRef idx="minor">
-            <a:schemeClr val="lt1"/>
-          </a:fontRef>
-        </p:style>
-        <p:txBody>
-          <a:bodyPr rtlCol="0" anchor="ctr"/>
-          <a:lstStyle/>
-          <a:p>
-            <a:pPr algn="ctr"/>
-            <a:endParaRPr lang="en-US"/>
-          </a:p>
-        </p:txBody>
-      </p:sp>
-      <p:sp>
-        <p:nvSpPr>
-          <p:cNvPr id="25" name="Rectangle 24">
-            <a:extLst>
-              <a:ext uri="{FF2B5EF4-FFF2-40B4-BE49-F238E27FC236}">
-                <a16:creationId xmlns:a16="http://schemas.microsoft.com/office/drawing/2014/main" id="{8ADAB9C8-EB37-4914-A699-C716FC8FE4FE}"/>
-              </a:ext>
-              <a:ext uri="{C183D7F6-B498-43B3-948B-1728B52AA6E4}">
-                <adec:decorative xmlns:adec="http://schemas.microsoft.com/office/drawing/2017/decorative" val="1"/>
-              </a:ext>
-            </a:extLst>
-          </p:cNvPr>
-          <p:cNvSpPr>
-            <a:spLocks noGrp="1" noRot="1" noChangeAspect="1" noMove="1" noResize="1" noEditPoints="1" noAdjustHandles="1" noChangeArrowheads="1" noChangeShapeType="1" noTextEdit="1"/>
-          </p:cNvSpPr>
-          <p:nvPr>
-            <p:extLst>
-              <p:ext uri="{386F3935-93C4-4BCD-93E2-E3B085C9AB24}">
-                <p16:designElem xmlns:p16="http://schemas.microsoft.com/office/powerpoint/2015/main" val="1"/>
-              </p:ext>
-            </p:extLst>
-          </p:nvPr>
-        </p:nvSpPr>
-        <p:spPr>
-          <a:xfrm>
-            <a:off x="10437812" y="0"/>
+            <a:off x="10442448" y="0"/>
             <a:ext cx="685800" cy="1143000"/>
           </a:xfrm>
           <a:prstGeom prst="rect">
@@ -22655,55 +23343,10 @@
       </p:sp>
       <p:sp>
         <p:nvSpPr>
-          <p:cNvPr id="2" name="Title 1">
-            <a:extLst>
-              <a:ext uri="{FF2B5EF4-FFF2-40B4-BE49-F238E27FC236}">
-                <a16:creationId xmlns:a16="http://schemas.microsoft.com/office/drawing/2014/main" id="{C549B836-ADFE-FB5E-096F-449DB07DB908}"/>
-              </a:ext>
-            </a:extLst>
-          </p:cNvPr>
-          <p:cNvSpPr>
-            <a:spLocks noGrp="1"/>
-          </p:cNvSpPr>
-          <p:nvPr>
-            <p:ph type="title"/>
-          </p:nvPr>
-        </p:nvSpPr>
-        <p:spPr>
-          <a:xfrm>
-            <a:off x="653143" y="1645920"/>
-            <a:ext cx="3522879" cy="4470821"/>
-          </a:xfrm>
-        </p:spPr>
-        <p:txBody>
-          <a:bodyPr>
-            <a:normAutofit/>
-          </a:bodyPr>
-          <a:lstStyle/>
-          <a:p>
-            <a:pPr algn="r"/>
-            <a:r>
-              <a:rPr lang="hr-HR">
-                <a:solidFill>
-                  <a:schemeClr val="bg2"/>
-                </a:solidFill>
-              </a:rPr>
-              <a:t>Rezervacije</a:t>
-            </a:r>
-            <a:endParaRPr lang="en-US">
-              <a:solidFill>
-                <a:schemeClr val="bg2"/>
-              </a:solidFill>
-            </a:endParaRPr>
-          </a:p>
-        </p:txBody>
-      </p:sp>
-      <p:sp>
-        <p:nvSpPr>
           <p:cNvPr id="3" name="Content Placeholder 2">
             <a:extLst>
               <a:ext uri="{FF2B5EF4-FFF2-40B4-BE49-F238E27FC236}">
-                <a16:creationId xmlns:a16="http://schemas.microsoft.com/office/drawing/2014/main" id="{BFAB8C64-2BA8-6B7A-E29E-F81B97E91414}"/>
+                <a16:creationId xmlns:a16="http://schemas.microsoft.com/office/drawing/2014/main" id="{16D705D6-E06E-1C92-ADC4-8FA1374E25E2}"/>
               </a:ext>
             </a:extLst>
           </p:cNvPr>
@@ -22716,8 +23359,8 @@
         </p:nvSpPr>
         <p:spPr>
           <a:xfrm>
-            <a:off x="5204109" y="1645920"/>
-            <a:ext cx="6269434" cy="4470821"/>
+            <a:off x="648931" y="2438400"/>
+            <a:ext cx="4166509" cy="3785419"/>
           </a:xfrm>
         </p:spPr>
         <p:txBody>
@@ -22726,49 +23369,61 @@
           </a:bodyPr>
           <a:lstStyle/>
           <a:p>
-            <a:endParaRPr lang="en-US"/>
+            <a:r>
+              <a:rPr lang="hr-HR" dirty="0">
+                <a:solidFill>
+                  <a:srgbClr val="EBEBEB"/>
+                </a:solidFill>
+              </a:rPr>
+              <a:t>Omogućuje live zapis demosa u tablicu</a:t>
+            </a:r>
+          </a:p>
+          <a:p>
+            <a:r>
+              <a:rPr lang="hr-HR" dirty="0">
+                <a:solidFill>
+                  <a:srgbClr val="EBEBEB"/>
+                </a:solidFill>
+              </a:rPr>
+              <a:t>Neki oblik „kopije” google sheeta</a:t>
+            </a:r>
+          </a:p>
+          <a:p>
+            <a:r>
+              <a:rPr lang="hr-HR" dirty="0">
+                <a:solidFill>
+                  <a:srgbClr val="EBEBEB"/>
+                </a:solidFill>
+              </a:rPr>
+              <a:t>Drugi korisnici vide kada se netko zapiše u neko polje te što pišu</a:t>
+            </a:r>
+          </a:p>
+          <a:p>
+            <a:r>
+              <a:rPr lang="hr-HR" dirty="0">
+                <a:solidFill>
+                  <a:srgbClr val="EBEBEB"/>
+                </a:solidFill>
+              </a:rPr>
+              <a:t>Postoje 4 vrste tablica ovisno o poslu</a:t>
+            </a:r>
+            <a:endParaRPr lang="en-US" dirty="0">
+              <a:solidFill>
+                <a:srgbClr val="EBEBEB"/>
+              </a:solidFill>
+            </a:endParaRPr>
           </a:p>
         </p:txBody>
       </p:sp>
-      <p:pic>
-        <p:nvPicPr>
-          <p:cNvPr id="5" name="Picture 4">
-            <a:extLst>
-              <a:ext uri="{FF2B5EF4-FFF2-40B4-BE49-F238E27FC236}">
-                <a16:creationId xmlns:a16="http://schemas.microsoft.com/office/drawing/2014/main" id="{EFDA6C48-8EC5-2CCA-C5D5-D0E6F0F9C959}"/>
-              </a:ext>
-            </a:extLst>
-          </p:cNvPr>
-          <p:cNvPicPr>
-            <a:picLocks noChangeAspect="1"/>
-          </p:cNvPicPr>
-          <p:nvPr/>
-        </p:nvPicPr>
-        <p:blipFill>
-          <a:blip r:embed="rId3"/>
-          <a:stretch>
-            <a:fillRect/>
-          </a:stretch>
-        </p:blipFill>
-        <p:spPr>
-          <a:xfrm>
-            <a:off x="1082316" y="2703377"/>
-            <a:ext cx="2877361" cy="3290097"/>
-          </a:xfrm>
-          <a:prstGeom prst="rect">
-            <a:avLst/>
-          </a:prstGeom>
-        </p:spPr>
-      </p:pic>
     </p:spTree>
     <p:extLst>
       <p:ext uri="{BB962C8B-B14F-4D97-AF65-F5344CB8AC3E}">
-        <p14:creationId xmlns:p14="http://schemas.microsoft.com/office/powerpoint/2010/main" val="1097399687"/>
+        <p14:creationId xmlns:p14="http://schemas.microsoft.com/office/powerpoint/2010/main" val="3233148841"/>
       </p:ext>
     </p:extLst>
   </p:cSld>
   <p:clrMapOvr>
-    <a:masterClrMapping/>
+    <a:overrideClrMapping bg1="lt1" tx1="dk1" bg2="lt2" tx2="dk2" accent1="accent1" accent2="accent2" accent3="accent3" accent4="accent4" accent5="accent5" accent6="accent6" hlink="hlink" folHlink="folHlink"/>
   </p:clrMapOvr>
 </p:sld>
 </file>
@@ -22779,9 +23434,7 @@
     <p:bg>
       <p:bgPr>
         <a:solidFill>
-          <a:schemeClr val="bg1">
-            <a:lumMod val="85000"/>
-          </a:schemeClr>
+          <a:schemeClr val="bg1"/>
         </a:solidFill>
         <a:effectLst/>
       </p:bgPr>
@@ -22802,10 +23455,10 @@
       </p:grpSpPr>
       <p:sp>
         <p:nvSpPr>
-          <p:cNvPr id="8" name="Rectangle 7">
+          <p:cNvPr id="32" name="Rectangle 31">
             <a:extLst>
               <a:ext uri="{FF2B5EF4-FFF2-40B4-BE49-F238E27FC236}">
-                <a16:creationId xmlns:a16="http://schemas.microsoft.com/office/drawing/2014/main" id="{74CD14DB-BB81-479F-A1FC-1C75640E9F84}"/>
+                <a16:creationId xmlns:a16="http://schemas.microsoft.com/office/drawing/2014/main" id="{B4AAD3FD-83A5-4B89-9F8F-01B8870865BE}"/>
               </a:ext>
               <a:ext uri="{C183D7F6-B498-43B3-948B-1728B52AA6E4}">
                 <adec:decorative xmlns:adec="http://schemas.microsoft.com/office/drawing/2017/decorative" val="1"/>
@@ -22855,46 +23508,61 @@
           <a:bodyPr rtlCol="0" anchor="ctr"/>
           <a:lstStyle/>
           <a:p>
-            <a:pPr marL="0" marR="0" lvl="0" indent="0" algn="ctr" defTabSz="914400" rtl="0" eaLnBrk="1" fontAlgn="auto" latinLnBrk="0" hangingPunct="1">
-              <a:lnSpc>
-                <a:spcPct val="100000"/>
-              </a:lnSpc>
-              <a:spcBef>
-                <a:spcPts val="0"/>
-              </a:spcBef>
-              <a:spcAft>
-                <a:spcPts val="0"/>
-              </a:spcAft>
-              <a:buClrTx/>
-              <a:buSzTx/>
-              <a:buFontTx/>
-              <a:buNone/>
-              <a:tabLst/>
-              <a:defRPr/>
-            </a:pPr>
-            <a:endParaRPr kumimoji="0" lang="en-US" sz="1800" b="0" i="0" u="none" strike="noStrike" kern="1200" cap="none" spc="0" normalizeH="0" baseline="0" noProof="0">
-              <a:ln>
-                <a:noFill/>
-              </a:ln>
-              <a:solidFill>
-                <a:prstClr val="white"/>
-              </a:solidFill>
-              <a:effectLst/>
-              <a:uLnTx/>
-              <a:uFillTx/>
-              <a:latin typeface="Century Gothic" panose="020B0502020202020204"/>
-              <a:ea typeface="+mn-ea"/>
-              <a:cs typeface="+mn-cs"/>
-            </a:endParaRPr>
+            <a:pPr algn="ctr"/>
+            <a:endParaRPr lang="en-US"/>
           </a:p>
         </p:txBody>
       </p:sp>
       <p:sp>
         <p:nvSpPr>
-          <p:cNvPr id="10" name="Rectangle 9">
+          <p:cNvPr id="2" name="Title 1">
             <a:extLst>
               <a:ext uri="{FF2B5EF4-FFF2-40B4-BE49-F238E27FC236}">
-                <a16:creationId xmlns:a16="http://schemas.microsoft.com/office/drawing/2014/main" id="{C943A91B-7CA7-4592-A975-73B1BF8C4C74}"/>
+                <a16:creationId xmlns:a16="http://schemas.microsoft.com/office/drawing/2014/main" id="{C549B836-ADFE-FB5E-096F-449DB07DB908}"/>
+              </a:ext>
+            </a:extLst>
+          </p:cNvPr>
+          <p:cNvSpPr>
+            <a:spLocks noGrp="1"/>
+          </p:cNvSpPr>
+          <p:nvPr>
+            <p:ph type="title"/>
+          </p:nvPr>
+        </p:nvSpPr>
+        <p:spPr>
+          <a:xfrm>
+            <a:off x="648931" y="629266"/>
+            <a:ext cx="4166510" cy="1622321"/>
+          </a:xfrm>
+        </p:spPr>
+        <p:txBody>
+          <a:bodyPr>
+            <a:normAutofit/>
+          </a:bodyPr>
+          <a:lstStyle/>
+          <a:p>
+            <a:r>
+              <a:rPr lang="hr-HR">
+                <a:solidFill>
+                  <a:srgbClr val="EBEBEB"/>
+                </a:solidFill>
+              </a:rPr>
+              <a:t>Rezervacije</a:t>
+            </a:r>
+            <a:endParaRPr lang="en-US">
+              <a:solidFill>
+                <a:srgbClr val="EBEBEB"/>
+              </a:solidFill>
+            </a:endParaRPr>
+          </a:p>
+        </p:txBody>
+      </p:sp>
+      <p:sp>
+        <p:nvSpPr>
+          <p:cNvPr id="34" name="Freeform 31">
+            <a:extLst>
+              <a:ext uri="{FF2B5EF4-FFF2-40B4-BE49-F238E27FC236}">
+                <a16:creationId xmlns:a16="http://schemas.microsoft.com/office/drawing/2014/main" id="{61752F1D-FC0F-4103-9584-630E643CCDA6}"/>
               </a:ext>
               <a:ext uri="{C183D7F6-B498-43B3-948B-1728B52AA6E4}">
                 <adec:decorative xmlns:adec="http://schemas.microsoft.com/office/drawing/2017/decorative" val="1"/>
@@ -22914,7 +23582,866 @@
         </p:nvSpPr>
         <p:spPr>
           <a:xfrm>
-            <a:off x="10437812" y="0"/>
+            <a:off x="4994020" y="-1"/>
+            <a:ext cx="559472" cy="3709642"/>
+          </a:xfrm>
+          <a:custGeom>
+            <a:avLst/>
+            <a:gdLst>
+              <a:gd name="connsiteX0" fmla="*/ 0 w 559472"/>
+              <a:gd name="connsiteY0" fmla="*/ 0 h 3709642"/>
+              <a:gd name="connsiteX1" fmla="*/ 473952 w 559472"/>
+              <a:gd name="connsiteY1" fmla="*/ 0 h 3709642"/>
+              <a:gd name="connsiteX2" fmla="*/ 485840 w 559472"/>
+              <a:gd name="connsiteY2" fmla="*/ 161194 h 3709642"/>
+              <a:gd name="connsiteX3" fmla="*/ 523949 w 559472"/>
+              <a:gd name="connsiteY3" fmla="*/ 3672197 h 3709642"/>
+              <a:gd name="connsiteX4" fmla="*/ 454748 w 559472"/>
+              <a:gd name="connsiteY4" fmla="*/ 3709642 h 3709642"/>
+              <a:gd name="connsiteX5" fmla="*/ 448224 w 559472"/>
+              <a:gd name="connsiteY5" fmla="*/ 3510471 h 3709642"/>
+              <a:gd name="connsiteX6" fmla="*/ 443564 w 559472"/>
+              <a:gd name="connsiteY6" fmla="*/ 3408563 h 3709642"/>
+              <a:gd name="connsiteX7" fmla="*/ 438902 w 559472"/>
+              <a:gd name="connsiteY7" fmla="*/ 3304407 h 3709642"/>
+              <a:gd name="connsiteX8" fmla="*/ 433941 w 559472"/>
+              <a:gd name="connsiteY8" fmla="*/ 3198777 h 3709642"/>
+              <a:gd name="connsiteX9" fmla="*/ 427584 w 559472"/>
+              <a:gd name="connsiteY9" fmla="*/ 3092510 h 3709642"/>
+              <a:gd name="connsiteX10" fmla="*/ 420988 w 559472"/>
+              <a:gd name="connsiteY10" fmla="*/ 2984390 h 3709642"/>
+              <a:gd name="connsiteX11" fmla="*/ 414330 w 559472"/>
+              <a:gd name="connsiteY11" fmla="*/ 2874401 h 3709642"/>
+              <a:gd name="connsiteX12" fmla="*/ 406840 w 559472"/>
+              <a:gd name="connsiteY12" fmla="*/ 2762980 h 3709642"/>
+              <a:gd name="connsiteX13" fmla="*/ 397745 w 559472"/>
+              <a:gd name="connsiteY13" fmla="*/ 2650566 h 3709642"/>
+              <a:gd name="connsiteX14" fmla="*/ 389154 w 559472"/>
+              <a:gd name="connsiteY14" fmla="*/ 2536612 h 3709642"/>
+              <a:gd name="connsiteX15" fmla="*/ 379225 w 559472"/>
+              <a:gd name="connsiteY15" fmla="*/ 2421642 h 3709642"/>
+              <a:gd name="connsiteX16" fmla="*/ 368316 w 559472"/>
+              <a:gd name="connsiteY16" fmla="*/ 2305627 h 3709642"/>
+              <a:gd name="connsiteX17" fmla="*/ 357466 w 559472"/>
+              <a:gd name="connsiteY17" fmla="*/ 2189233 h 3709642"/>
+              <a:gd name="connsiteX18" fmla="*/ 344982 w 559472"/>
+              <a:gd name="connsiteY18" fmla="*/ 2071473 h 3709642"/>
+              <a:gd name="connsiteX19" fmla="*/ 332466 w 559472"/>
+              <a:gd name="connsiteY19" fmla="*/ 1952216 h 3709642"/>
+              <a:gd name="connsiteX20" fmla="*/ 319121 w 559472"/>
+              <a:gd name="connsiteY20" fmla="*/ 1833776 h 3709642"/>
+              <a:gd name="connsiteX21" fmla="*/ 304408 w 559472"/>
+              <a:gd name="connsiteY21" fmla="*/ 1713948 h 3709642"/>
+              <a:gd name="connsiteX22" fmla="*/ 288685 w 559472"/>
+              <a:gd name="connsiteY22" fmla="*/ 1592703 h 3709642"/>
+              <a:gd name="connsiteX23" fmla="*/ 273050 w 559472"/>
+              <a:gd name="connsiteY23" fmla="*/ 1471451 h 3709642"/>
+              <a:gd name="connsiteX24" fmla="*/ 255813 w 559472"/>
+              <a:gd name="connsiteY24" fmla="*/ 1350328 h 3709642"/>
+              <a:gd name="connsiteX25" fmla="*/ 237060 w 559472"/>
+              <a:gd name="connsiteY25" fmla="*/ 1227080 h 3709642"/>
+              <a:gd name="connsiteX26" fmla="*/ 218488 w 559472"/>
+              <a:gd name="connsiteY26" fmla="*/ 1106065 h 3709642"/>
+              <a:gd name="connsiteX27" fmla="*/ 198221 w 559472"/>
+              <a:gd name="connsiteY27" fmla="*/ 982940 h 3709642"/>
+              <a:gd name="connsiteX28" fmla="*/ 177152 w 559472"/>
+              <a:gd name="connsiteY28" fmla="*/ 858755 h 3709642"/>
+              <a:gd name="connsiteX29" fmla="*/ 155551 w 559472"/>
+              <a:gd name="connsiteY29" fmla="*/ 736861 h 3709642"/>
+              <a:gd name="connsiteX30" fmla="*/ 131782 w 559472"/>
+              <a:gd name="connsiteY30" fmla="*/ 613645 h 3709642"/>
+              <a:gd name="connsiteX31" fmla="*/ 107123 w 559472"/>
+              <a:gd name="connsiteY31" fmla="*/ 490500 h 3709642"/>
+              <a:gd name="connsiteX32" fmla="*/ 82552 w 559472"/>
+              <a:gd name="connsiteY32" fmla="*/ 367348 h 3709642"/>
+              <a:gd name="connsiteX33" fmla="*/ 55608 w 559472"/>
+              <a:gd name="connsiteY33" fmla="*/ 244762 h 3709642"/>
+              <a:gd name="connsiteX34" fmla="*/ 28130 w 559472"/>
+              <a:gd name="connsiteY34" fmla="*/ 122220 h 3709642"/>
+              <a:gd name="connsiteX35" fmla="*/ 0 w 559472"/>
+              <a:gd name="connsiteY35" fmla="*/ 0 h 3709642"/>
+            </a:gdLst>
+            <a:ahLst/>
+            <a:cxnLst>
+              <a:cxn ang="0">
+                <a:pos x="connsiteX0" y="connsiteY0"/>
+              </a:cxn>
+              <a:cxn ang="0">
+                <a:pos x="connsiteX1" y="connsiteY1"/>
+              </a:cxn>
+              <a:cxn ang="0">
+                <a:pos x="connsiteX2" y="connsiteY2"/>
+              </a:cxn>
+              <a:cxn ang="0">
+                <a:pos x="connsiteX3" y="connsiteY3"/>
+              </a:cxn>
+              <a:cxn ang="0">
+                <a:pos x="connsiteX4" y="connsiteY4"/>
+              </a:cxn>
+              <a:cxn ang="0">
+                <a:pos x="connsiteX5" y="connsiteY5"/>
+              </a:cxn>
+              <a:cxn ang="0">
+                <a:pos x="connsiteX6" y="connsiteY6"/>
+              </a:cxn>
+              <a:cxn ang="0">
+                <a:pos x="connsiteX7" y="connsiteY7"/>
+              </a:cxn>
+              <a:cxn ang="0">
+                <a:pos x="connsiteX8" y="connsiteY8"/>
+              </a:cxn>
+              <a:cxn ang="0">
+                <a:pos x="connsiteX9" y="connsiteY9"/>
+              </a:cxn>
+              <a:cxn ang="0">
+                <a:pos x="connsiteX10" y="connsiteY10"/>
+              </a:cxn>
+              <a:cxn ang="0">
+                <a:pos x="connsiteX11" y="connsiteY11"/>
+              </a:cxn>
+              <a:cxn ang="0">
+                <a:pos x="connsiteX12" y="connsiteY12"/>
+              </a:cxn>
+              <a:cxn ang="0">
+                <a:pos x="connsiteX13" y="connsiteY13"/>
+              </a:cxn>
+              <a:cxn ang="0">
+                <a:pos x="connsiteX14" y="connsiteY14"/>
+              </a:cxn>
+              <a:cxn ang="0">
+                <a:pos x="connsiteX15" y="connsiteY15"/>
+              </a:cxn>
+              <a:cxn ang="0">
+                <a:pos x="connsiteX16" y="connsiteY16"/>
+              </a:cxn>
+              <a:cxn ang="0">
+                <a:pos x="connsiteX17" y="connsiteY17"/>
+              </a:cxn>
+              <a:cxn ang="0">
+                <a:pos x="connsiteX18" y="connsiteY18"/>
+              </a:cxn>
+              <a:cxn ang="0">
+                <a:pos x="connsiteX19" y="connsiteY19"/>
+              </a:cxn>
+              <a:cxn ang="0">
+                <a:pos x="connsiteX20" y="connsiteY20"/>
+              </a:cxn>
+              <a:cxn ang="0">
+                <a:pos x="connsiteX21" y="connsiteY21"/>
+              </a:cxn>
+              <a:cxn ang="0">
+                <a:pos x="connsiteX22" y="connsiteY22"/>
+              </a:cxn>
+              <a:cxn ang="0">
+                <a:pos x="connsiteX23" y="connsiteY23"/>
+              </a:cxn>
+              <a:cxn ang="0">
+                <a:pos x="connsiteX24" y="connsiteY24"/>
+              </a:cxn>
+              <a:cxn ang="0">
+                <a:pos x="connsiteX25" y="connsiteY25"/>
+              </a:cxn>
+              <a:cxn ang="0">
+                <a:pos x="connsiteX26" y="connsiteY26"/>
+              </a:cxn>
+              <a:cxn ang="0">
+                <a:pos x="connsiteX27" y="connsiteY27"/>
+              </a:cxn>
+              <a:cxn ang="0">
+                <a:pos x="connsiteX28" y="connsiteY28"/>
+              </a:cxn>
+              <a:cxn ang="0">
+                <a:pos x="connsiteX29" y="connsiteY29"/>
+              </a:cxn>
+              <a:cxn ang="0">
+                <a:pos x="connsiteX30" y="connsiteY30"/>
+              </a:cxn>
+              <a:cxn ang="0">
+                <a:pos x="connsiteX31" y="connsiteY31"/>
+              </a:cxn>
+              <a:cxn ang="0">
+                <a:pos x="connsiteX32" y="connsiteY32"/>
+              </a:cxn>
+              <a:cxn ang="0">
+                <a:pos x="connsiteX33" y="connsiteY33"/>
+              </a:cxn>
+              <a:cxn ang="0">
+                <a:pos x="connsiteX34" y="connsiteY34"/>
+              </a:cxn>
+              <a:cxn ang="0">
+                <a:pos x="connsiteX35" y="connsiteY35"/>
+              </a:cxn>
+            </a:cxnLst>
+            <a:rect l="l" t="t" r="r" b="b"/>
+            <a:pathLst>
+              <a:path w="559472" h="3709642">
+                <a:moveTo>
+                  <a:pt x="0" y="0"/>
+                </a:moveTo>
+                <a:lnTo>
+                  <a:pt x="473952" y="0"/>
+                </a:lnTo>
+                <a:lnTo>
+                  <a:pt x="485840" y="161194"/>
+                </a:lnTo>
+                <a:cubicBezTo>
+                  <a:pt x="552063" y="1147770"/>
+                  <a:pt x="592441" y="3086737"/>
+                  <a:pt x="523949" y="3672197"/>
+                </a:cubicBezTo>
+                <a:cubicBezTo>
+                  <a:pt x="500842" y="3684557"/>
+                  <a:pt x="477855" y="3697282"/>
+                  <a:pt x="454748" y="3709642"/>
+                </a:cubicBezTo>
+                <a:lnTo>
+                  <a:pt x="448224" y="3510471"/>
+                </a:lnTo>
+                <a:lnTo>
+                  <a:pt x="443564" y="3408563"/>
+                </a:lnTo>
+                <a:lnTo>
+                  <a:pt x="438902" y="3304407"/>
+                </a:lnTo>
+                <a:lnTo>
+                  <a:pt x="433941" y="3198777"/>
+                </a:lnTo>
+                <a:lnTo>
+                  <a:pt x="427584" y="3092510"/>
+                </a:lnTo>
+                <a:lnTo>
+                  <a:pt x="420988" y="2984390"/>
+                </a:lnTo>
+                <a:lnTo>
+                  <a:pt x="414330" y="2874401"/>
+                </a:lnTo>
+                <a:lnTo>
+                  <a:pt x="406840" y="2762980"/>
+                </a:lnTo>
+                <a:lnTo>
+                  <a:pt x="397745" y="2650566"/>
+                </a:lnTo>
+                <a:lnTo>
+                  <a:pt x="389154" y="2536612"/>
+                </a:lnTo>
+                <a:lnTo>
+                  <a:pt x="379225" y="2421642"/>
+                </a:lnTo>
+                <a:lnTo>
+                  <a:pt x="368316" y="2305627"/>
+                </a:lnTo>
+                <a:lnTo>
+                  <a:pt x="357466" y="2189233"/>
+                </a:lnTo>
+                <a:lnTo>
+                  <a:pt x="344982" y="2071473"/>
+                </a:lnTo>
+                <a:lnTo>
+                  <a:pt x="332466" y="1952216"/>
+                </a:lnTo>
+                <a:lnTo>
+                  <a:pt x="319121" y="1833776"/>
+                </a:lnTo>
+                <a:lnTo>
+                  <a:pt x="304408" y="1713948"/>
+                </a:lnTo>
+                <a:lnTo>
+                  <a:pt x="288685" y="1592703"/>
+                </a:lnTo>
+                <a:lnTo>
+                  <a:pt x="273050" y="1471451"/>
+                </a:lnTo>
+                <a:lnTo>
+                  <a:pt x="255813" y="1350328"/>
+                </a:lnTo>
+                <a:lnTo>
+                  <a:pt x="237060" y="1227080"/>
+                </a:lnTo>
+                <a:lnTo>
+                  <a:pt x="218488" y="1106065"/>
+                </a:lnTo>
+                <a:lnTo>
+                  <a:pt x="198221" y="982940"/>
+                </a:lnTo>
+                <a:lnTo>
+                  <a:pt x="177152" y="858755"/>
+                </a:lnTo>
+                <a:lnTo>
+                  <a:pt x="155551" y="736861"/>
+                </a:lnTo>
+                <a:lnTo>
+                  <a:pt x="131782" y="613645"/>
+                </a:lnTo>
+                <a:lnTo>
+                  <a:pt x="107123" y="490500"/>
+                </a:lnTo>
+                <a:lnTo>
+                  <a:pt x="82552" y="367348"/>
+                </a:lnTo>
+                <a:lnTo>
+                  <a:pt x="55608" y="244762"/>
+                </a:lnTo>
+                <a:lnTo>
+                  <a:pt x="28130" y="122220"/>
+                </a:lnTo>
+                <a:lnTo>
+                  <a:pt x="0" y="0"/>
+                </a:lnTo>
+                <a:close/>
+              </a:path>
+            </a:pathLst>
+          </a:custGeom>
+          <a:solidFill>
+            <a:schemeClr val="bg1">
+              <a:alpha val="20000"/>
+            </a:schemeClr>
+          </a:solidFill>
+          <a:ln>
+            <a:noFill/>
+          </a:ln>
+        </p:spPr>
+        <p:txBody>
+          <a:bodyPr rtlCol="0" anchor="ctr"/>
+          <a:lstStyle/>
+          <a:p>
+            <a:pPr algn="ctr"/>
+            <a:endParaRPr lang="en-US"/>
+          </a:p>
+        </p:txBody>
+      </p:sp>
+      <p:sp useBgFill="1">
+        <p:nvSpPr>
+          <p:cNvPr id="36" name="Freeform: Shape 35">
+            <a:extLst>
+              <a:ext uri="{FF2B5EF4-FFF2-40B4-BE49-F238E27FC236}">
+                <a16:creationId xmlns:a16="http://schemas.microsoft.com/office/drawing/2014/main" id="{70151CB7-E7DE-4917-B831-01DF9CE01306}"/>
+              </a:ext>
+              <a:ext uri="{C183D7F6-B498-43B3-948B-1728B52AA6E4}">
+                <adec:decorative xmlns:adec="http://schemas.microsoft.com/office/drawing/2017/decorative" val="1"/>
+              </a:ext>
+            </a:extLst>
+          </p:cNvPr>
+          <p:cNvSpPr>
+            <a:spLocks noGrp="1" noRot="1" noChangeAspect="1" noMove="1" noResize="1" noEditPoints="1" noAdjustHandles="1" noChangeArrowheads="1" noChangeShapeType="1" noTextEdit="1"/>
+          </p:cNvSpPr>
+          <p:nvPr>
+            <p:extLst>
+              <p:ext uri="{386F3935-93C4-4BCD-93E2-E3B085C9AB24}">
+                <p16:designElem xmlns:p16="http://schemas.microsoft.com/office/powerpoint/2015/main" val="1"/>
+              </p:ext>
+            </p:extLst>
+          </p:nvPr>
+        </p:nvSpPr>
+        <p:spPr bwMode="gray">
+          <a:xfrm rot="16200000">
+            <a:off x="5270819" y="-63600"/>
+            <a:ext cx="6858001" cy="6985200"/>
+          </a:xfrm>
+          <a:custGeom>
+            <a:avLst/>
+            <a:gdLst>
+              <a:gd name="connsiteX0" fmla="*/ 6858001 w 6858001"/>
+              <a:gd name="connsiteY0" fmla="*/ 1177 h 6985200"/>
+              <a:gd name="connsiteX1" fmla="*/ 6858001 w 6858001"/>
+              <a:gd name="connsiteY1" fmla="*/ 1344715 h 6985200"/>
+              <a:gd name="connsiteX2" fmla="*/ 6858000 w 6858001"/>
+              <a:gd name="connsiteY2" fmla="*/ 1344715 h 6985200"/>
+              <a:gd name="connsiteX3" fmla="*/ 6858000 w 6858001"/>
+              <a:gd name="connsiteY3" fmla="*/ 6985200 h 6985200"/>
+              <a:gd name="connsiteX4" fmla="*/ 0 w 6858001"/>
+              <a:gd name="connsiteY4" fmla="*/ 6985199 h 6985200"/>
+              <a:gd name="connsiteX5" fmla="*/ 0 w 6858001"/>
+              <a:gd name="connsiteY5" fmla="*/ 886772 h 6985200"/>
+              <a:gd name="connsiteX6" fmla="*/ 1 w 6858001"/>
+              <a:gd name="connsiteY6" fmla="*/ 886772 h 6985200"/>
+              <a:gd name="connsiteX7" fmla="*/ 1 w 6858001"/>
+              <a:gd name="connsiteY7" fmla="*/ 0 h 6985200"/>
+              <a:gd name="connsiteX8" fmla="*/ 40463 w 6858001"/>
+              <a:gd name="connsiteY8" fmla="*/ 5883 h 6985200"/>
+              <a:gd name="connsiteX9" fmla="*/ 159107 w 6858001"/>
+              <a:gd name="connsiteY9" fmla="*/ 23196 h 6985200"/>
+              <a:gd name="connsiteX10" fmla="*/ 245518 w 6858001"/>
+              <a:gd name="connsiteY10" fmla="*/ 35299 h 6985200"/>
+              <a:gd name="connsiteX11" fmla="*/ 348388 w 6858001"/>
+              <a:gd name="connsiteY11" fmla="*/ 48073 h 6985200"/>
+              <a:gd name="connsiteX12" fmla="*/ 470460 w 6858001"/>
+              <a:gd name="connsiteY12" fmla="*/ 63369 h 6985200"/>
+              <a:gd name="connsiteX13" fmla="*/ 605563 w 6858001"/>
+              <a:gd name="connsiteY13" fmla="*/ 79506 h 6985200"/>
+              <a:gd name="connsiteX14" fmla="*/ 757810 w 6858001"/>
+              <a:gd name="connsiteY14" fmla="*/ 96483 h 6985200"/>
+              <a:gd name="connsiteX15" fmla="*/ 923774 w 6858001"/>
+              <a:gd name="connsiteY15" fmla="*/ 114469 h 6985200"/>
+              <a:gd name="connsiteX16" fmla="*/ 1104139 w 6858001"/>
+              <a:gd name="connsiteY16" fmla="*/ 132454 h 6985200"/>
+              <a:gd name="connsiteX17" fmla="*/ 1296163 w 6858001"/>
+              <a:gd name="connsiteY17" fmla="*/ 150776 h 6985200"/>
+              <a:gd name="connsiteX18" fmla="*/ 1503275 w 6858001"/>
+              <a:gd name="connsiteY18" fmla="*/ 167753 h 6985200"/>
+              <a:gd name="connsiteX19" fmla="*/ 1719988 w 6858001"/>
+              <a:gd name="connsiteY19" fmla="*/ 184058 h 6985200"/>
+              <a:gd name="connsiteX20" fmla="*/ 1949045 w 6858001"/>
+              <a:gd name="connsiteY20" fmla="*/ 198849 h 6985200"/>
+              <a:gd name="connsiteX21" fmla="*/ 2187703 w 6858001"/>
+              <a:gd name="connsiteY21" fmla="*/ 212969 h 6985200"/>
+              <a:gd name="connsiteX22" fmla="*/ 2436649 w 6858001"/>
+              <a:gd name="connsiteY22" fmla="*/ 226248 h 6985200"/>
+              <a:gd name="connsiteX23" fmla="*/ 2564208 w 6858001"/>
+              <a:gd name="connsiteY23" fmla="*/ 230955 h 6985200"/>
+              <a:gd name="connsiteX24" fmla="*/ 2694509 w 6858001"/>
+              <a:gd name="connsiteY24" fmla="*/ 236165 h 6985200"/>
+              <a:gd name="connsiteX25" fmla="*/ 2826869 w 6858001"/>
+              <a:gd name="connsiteY25" fmla="*/ 241040 h 6985200"/>
+              <a:gd name="connsiteX26" fmla="*/ 2959914 w 6858001"/>
+              <a:gd name="connsiteY26" fmla="*/ 244234 h 6985200"/>
+              <a:gd name="connsiteX27" fmla="*/ 3095702 w 6858001"/>
+              <a:gd name="connsiteY27" fmla="*/ 247091 h 6985200"/>
+              <a:gd name="connsiteX28" fmla="*/ 3232862 w 6858001"/>
+              <a:gd name="connsiteY28" fmla="*/ 250117 h 6985200"/>
+              <a:gd name="connsiteX29" fmla="*/ 3372766 w 6858001"/>
+              <a:gd name="connsiteY29" fmla="*/ 252134 h 6985200"/>
+              <a:gd name="connsiteX30" fmla="*/ 3514040 w 6858001"/>
+              <a:gd name="connsiteY30" fmla="*/ 252134 h 6985200"/>
+              <a:gd name="connsiteX31" fmla="*/ 3656686 w 6858001"/>
+              <a:gd name="connsiteY31" fmla="*/ 253142 h 6985200"/>
+              <a:gd name="connsiteX32" fmla="*/ 3800705 w 6858001"/>
+              <a:gd name="connsiteY32" fmla="*/ 252134 h 6985200"/>
+              <a:gd name="connsiteX33" fmla="*/ 3946780 w 6858001"/>
+              <a:gd name="connsiteY33" fmla="*/ 250117 h 6985200"/>
+              <a:gd name="connsiteX34" fmla="*/ 4092856 w 6858001"/>
+              <a:gd name="connsiteY34" fmla="*/ 248268 h 6985200"/>
+              <a:gd name="connsiteX35" fmla="*/ 4240988 w 6858001"/>
+              <a:gd name="connsiteY35" fmla="*/ 244234 h 6985200"/>
+              <a:gd name="connsiteX36" fmla="*/ 4390492 w 6858001"/>
+              <a:gd name="connsiteY36" fmla="*/ 240032 h 6985200"/>
+              <a:gd name="connsiteX37" fmla="*/ 4539997 w 6858001"/>
+              <a:gd name="connsiteY37" fmla="*/ 235157 h 6985200"/>
+              <a:gd name="connsiteX38" fmla="*/ 4690873 w 6858001"/>
+              <a:gd name="connsiteY38" fmla="*/ 228266 h 6985200"/>
+              <a:gd name="connsiteX39" fmla="*/ 4843120 w 6858001"/>
+              <a:gd name="connsiteY39" fmla="*/ 220029 h 6985200"/>
+              <a:gd name="connsiteX40" fmla="*/ 4996054 w 6858001"/>
+              <a:gd name="connsiteY40" fmla="*/ 212129 h 6985200"/>
+              <a:gd name="connsiteX41" fmla="*/ 5148987 w 6858001"/>
+              <a:gd name="connsiteY41" fmla="*/ 202044 h 6985200"/>
+              <a:gd name="connsiteX42" fmla="*/ 5303978 w 6858001"/>
+              <a:gd name="connsiteY42" fmla="*/ 189941 h 6985200"/>
+              <a:gd name="connsiteX43" fmla="*/ 5456911 w 6858001"/>
+              <a:gd name="connsiteY43" fmla="*/ 177839 h 6985200"/>
+              <a:gd name="connsiteX44" fmla="*/ 5612588 w 6858001"/>
+              <a:gd name="connsiteY44" fmla="*/ 163887 h 6985200"/>
+              <a:gd name="connsiteX45" fmla="*/ 5768950 w 6858001"/>
+              <a:gd name="connsiteY45" fmla="*/ 148591 h 6985200"/>
+              <a:gd name="connsiteX46" fmla="*/ 5923255 w 6858001"/>
+              <a:gd name="connsiteY46" fmla="*/ 132455 h 6985200"/>
+              <a:gd name="connsiteX47" fmla="*/ 6079618 w 6858001"/>
+              <a:gd name="connsiteY47" fmla="*/ 113629 h 6985200"/>
+              <a:gd name="connsiteX48" fmla="*/ 6235294 w 6858001"/>
+              <a:gd name="connsiteY48" fmla="*/ 93458 h 6985200"/>
+              <a:gd name="connsiteX49" fmla="*/ 6391657 w 6858001"/>
+              <a:gd name="connsiteY49" fmla="*/ 73455 h 6985200"/>
+              <a:gd name="connsiteX50" fmla="*/ 6547333 w 6858001"/>
+              <a:gd name="connsiteY50" fmla="*/ 50091 h 6985200"/>
+              <a:gd name="connsiteX51" fmla="*/ 6702324 w 6858001"/>
+              <a:gd name="connsiteY51" fmla="*/ 26222 h 6985200"/>
+            </a:gdLst>
+            <a:ahLst/>
+            <a:cxnLst>
+              <a:cxn ang="0">
+                <a:pos x="connsiteX0" y="connsiteY0"/>
+              </a:cxn>
+              <a:cxn ang="0">
+                <a:pos x="connsiteX1" y="connsiteY1"/>
+              </a:cxn>
+              <a:cxn ang="0">
+                <a:pos x="connsiteX2" y="connsiteY2"/>
+              </a:cxn>
+              <a:cxn ang="0">
+                <a:pos x="connsiteX3" y="connsiteY3"/>
+              </a:cxn>
+              <a:cxn ang="0">
+                <a:pos x="connsiteX4" y="connsiteY4"/>
+              </a:cxn>
+              <a:cxn ang="0">
+                <a:pos x="connsiteX5" y="connsiteY5"/>
+              </a:cxn>
+              <a:cxn ang="0">
+                <a:pos x="connsiteX6" y="connsiteY6"/>
+              </a:cxn>
+              <a:cxn ang="0">
+                <a:pos x="connsiteX7" y="connsiteY7"/>
+              </a:cxn>
+              <a:cxn ang="0">
+                <a:pos x="connsiteX8" y="connsiteY8"/>
+              </a:cxn>
+              <a:cxn ang="0">
+                <a:pos x="connsiteX9" y="connsiteY9"/>
+              </a:cxn>
+              <a:cxn ang="0">
+                <a:pos x="connsiteX10" y="connsiteY10"/>
+              </a:cxn>
+              <a:cxn ang="0">
+                <a:pos x="connsiteX11" y="connsiteY11"/>
+              </a:cxn>
+              <a:cxn ang="0">
+                <a:pos x="connsiteX12" y="connsiteY12"/>
+              </a:cxn>
+              <a:cxn ang="0">
+                <a:pos x="connsiteX13" y="connsiteY13"/>
+              </a:cxn>
+              <a:cxn ang="0">
+                <a:pos x="connsiteX14" y="connsiteY14"/>
+              </a:cxn>
+              <a:cxn ang="0">
+                <a:pos x="connsiteX15" y="connsiteY15"/>
+              </a:cxn>
+              <a:cxn ang="0">
+                <a:pos x="connsiteX16" y="connsiteY16"/>
+              </a:cxn>
+              <a:cxn ang="0">
+                <a:pos x="connsiteX17" y="connsiteY17"/>
+              </a:cxn>
+              <a:cxn ang="0">
+                <a:pos x="connsiteX18" y="connsiteY18"/>
+              </a:cxn>
+              <a:cxn ang="0">
+                <a:pos x="connsiteX19" y="connsiteY19"/>
+              </a:cxn>
+              <a:cxn ang="0">
+                <a:pos x="connsiteX20" y="connsiteY20"/>
+              </a:cxn>
+              <a:cxn ang="0">
+                <a:pos x="connsiteX21" y="connsiteY21"/>
+              </a:cxn>
+              <a:cxn ang="0">
+                <a:pos x="connsiteX22" y="connsiteY22"/>
+              </a:cxn>
+              <a:cxn ang="0">
+                <a:pos x="connsiteX23" y="connsiteY23"/>
+              </a:cxn>
+              <a:cxn ang="0">
+                <a:pos x="connsiteX24" y="connsiteY24"/>
+              </a:cxn>
+              <a:cxn ang="0">
+                <a:pos x="connsiteX25" y="connsiteY25"/>
+              </a:cxn>
+              <a:cxn ang="0">
+                <a:pos x="connsiteX26" y="connsiteY26"/>
+              </a:cxn>
+              <a:cxn ang="0">
+                <a:pos x="connsiteX27" y="connsiteY27"/>
+              </a:cxn>
+              <a:cxn ang="0">
+                <a:pos x="connsiteX28" y="connsiteY28"/>
+              </a:cxn>
+              <a:cxn ang="0">
+                <a:pos x="connsiteX29" y="connsiteY29"/>
+              </a:cxn>
+              <a:cxn ang="0">
+                <a:pos x="connsiteX30" y="connsiteY30"/>
+              </a:cxn>
+              <a:cxn ang="0">
+                <a:pos x="connsiteX31" y="connsiteY31"/>
+              </a:cxn>
+              <a:cxn ang="0">
+                <a:pos x="connsiteX32" y="connsiteY32"/>
+              </a:cxn>
+              <a:cxn ang="0">
+                <a:pos x="connsiteX33" y="connsiteY33"/>
+              </a:cxn>
+              <a:cxn ang="0">
+                <a:pos x="connsiteX34" y="connsiteY34"/>
+              </a:cxn>
+              <a:cxn ang="0">
+                <a:pos x="connsiteX35" y="connsiteY35"/>
+              </a:cxn>
+              <a:cxn ang="0">
+                <a:pos x="connsiteX36" y="connsiteY36"/>
+              </a:cxn>
+              <a:cxn ang="0">
+                <a:pos x="connsiteX37" y="connsiteY37"/>
+              </a:cxn>
+              <a:cxn ang="0">
+                <a:pos x="connsiteX38" y="connsiteY38"/>
+              </a:cxn>
+              <a:cxn ang="0">
+                <a:pos x="connsiteX39" y="connsiteY39"/>
+              </a:cxn>
+              <a:cxn ang="0">
+                <a:pos x="connsiteX40" y="connsiteY40"/>
+              </a:cxn>
+              <a:cxn ang="0">
+                <a:pos x="connsiteX41" y="connsiteY41"/>
+              </a:cxn>
+              <a:cxn ang="0">
+                <a:pos x="connsiteX42" y="connsiteY42"/>
+              </a:cxn>
+              <a:cxn ang="0">
+                <a:pos x="connsiteX43" y="connsiteY43"/>
+              </a:cxn>
+              <a:cxn ang="0">
+                <a:pos x="connsiteX44" y="connsiteY44"/>
+              </a:cxn>
+              <a:cxn ang="0">
+                <a:pos x="connsiteX45" y="connsiteY45"/>
+              </a:cxn>
+              <a:cxn ang="0">
+                <a:pos x="connsiteX46" y="connsiteY46"/>
+              </a:cxn>
+              <a:cxn ang="0">
+                <a:pos x="connsiteX47" y="connsiteY47"/>
+              </a:cxn>
+              <a:cxn ang="0">
+                <a:pos x="connsiteX48" y="connsiteY48"/>
+              </a:cxn>
+              <a:cxn ang="0">
+                <a:pos x="connsiteX49" y="connsiteY49"/>
+              </a:cxn>
+              <a:cxn ang="0">
+                <a:pos x="connsiteX50" y="connsiteY50"/>
+              </a:cxn>
+              <a:cxn ang="0">
+                <a:pos x="connsiteX51" y="connsiteY51"/>
+              </a:cxn>
+            </a:cxnLst>
+            <a:rect l="l" t="t" r="r" b="b"/>
+            <a:pathLst>
+              <a:path w="6858001" h="6985200">
+                <a:moveTo>
+                  <a:pt x="6858001" y="1177"/>
+                </a:moveTo>
+                <a:lnTo>
+                  <a:pt x="6858001" y="1344715"/>
+                </a:lnTo>
+                <a:lnTo>
+                  <a:pt x="6858000" y="1344715"/>
+                </a:lnTo>
+                <a:lnTo>
+                  <a:pt x="6858000" y="6985200"/>
+                </a:lnTo>
+                <a:lnTo>
+                  <a:pt x="0" y="6985199"/>
+                </a:lnTo>
+                <a:lnTo>
+                  <a:pt x="0" y="886772"/>
+                </a:lnTo>
+                <a:lnTo>
+                  <a:pt x="1" y="886772"/>
+                </a:lnTo>
+                <a:lnTo>
+                  <a:pt x="1" y="0"/>
+                </a:lnTo>
+                <a:lnTo>
+                  <a:pt x="40463" y="5883"/>
+                </a:lnTo>
+                <a:lnTo>
+                  <a:pt x="159107" y="23196"/>
+                </a:lnTo>
+                <a:lnTo>
+                  <a:pt x="245518" y="35299"/>
+                </a:lnTo>
+                <a:lnTo>
+                  <a:pt x="348388" y="48073"/>
+                </a:lnTo>
+                <a:lnTo>
+                  <a:pt x="470460" y="63369"/>
+                </a:lnTo>
+                <a:lnTo>
+                  <a:pt x="605563" y="79506"/>
+                </a:lnTo>
+                <a:lnTo>
+                  <a:pt x="757810" y="96483"/>
+                </a:lnTo>
+                <a:lnTo>
+                  <a:pt x="923774" y="114469"/>
+                </a:lnTo>
+                <a:lnTo>
+                  <a:pt x="1104139" y="132454"/>
+                </a:lnTo>
+                <a:lnTo>
+                  <a:pt x="1296163" y="150776"/>
+                </a:lnTo>
+                <a:lnTo>
+                  <a:pt x="1503275" y="167753"/>
+                </a:lnTo>
+                <a:lnTo>
+                  <a:pt x="1719988" y="184058"/>
+                </a:lnTo>
+                <a:lnTo>
+                  <a:pt x="1949045" y="198849"/>
+                </a:lnTo>
+                <a:lnTo>
+                  <a:pt x="2187703" y="212969"/>
+                </a:lnTo>
+                <a:lnTo>
+                  <a:pt x="2436649" y="226248"/>
+                </a:lnTo>
+                <a:lnTo>
+                  <a:pt x="2564208" y="230955"/>
+                </a:lnTo>
+                <a:lnTo>
+                  <a:pt x="2694509" y="236165"/>
+                </a:lnTo>
+                <a:lnTo>
+                  <a:pt x="2826869" y="241040"/>
+                </a:lnTo>
+                <a:lnTo>
+                  <a:pt x="2959914" y="244234"/>
+                </a:lnTo>
+                <a:lnTo>
+                  <a:pt x="3095702" y="247091"/>
+                </a:lnTo>
+                <a:lnTo>
+                  <a:pt x="3232862" y="250117"/>
+                </a:lnTo>
+                <a:lnTo>
+                  <a:pt x="3372766" y="252134"/>
+                </a:lnTo>
+                <a:lnTo>
+                  <a:pt x="3514040" y="252134"/>
+                </a:lnTo>
+                <a:lnTo>
+                  <a:pt x="3656686" y="253142"/>
+                </a:lnTo>
+                <a:lnTo>
+                  <a:pt x="3800705" y="252134"/>
+                </a:lnTo>
+                <a:lnTo>
+                  <a:pt x="3946780" y="250117"/>
+                </a:lnTo>
+                <a:lnTo>
+                  <a:pt x="4092856" y="248268"/>
+                </a:lnTo>
+                <a:lnTo>
+                  <a:pt x="4240988" y="244234"/>
+                </a:lnTo>
+                <a:lnTo>
+                  <a:pt x="4390492" y="240032"/>
+                </a:lnTo>
+                <a:lnTo>
+                  <a:pt x="4539997" y="235157"/>
+                </a:lnTo>
+                <a:lnTo>
+                  <a:pt x="4690873" y="228266"/>
+                </a:lnTo>
+                <a:lnTo>
+                  <a:pt x="4843120" y="220029"/>
+                </a:lnTo>
+                <a:lnTo>
+                  <a:pt x="4996054" y="212129"/>
+                </a:lnTo>
+                <a:lnTo>
+                  <a:pt x="5148987" y="202044"/>
+                </a:lnTo>
+                <a:lnTo>
+                  <a:pt x="5303978" y="189941"/>
+                </a:lnTo>
+                <a:lnTo>
+                  <a:pt x="5456911" y="177839"/>
+                </a:lnTo>
+                <a:lnTo>
+                  <a:pt x="5612588" y="163887"/>
+                </a:lnTo>
+                <a:lnTo>
+                  <a:pt x="5768950" y="148591"/>
+                </a:lnTo>
+                <a:lnTo>
+                  <a:pt x="5923255" y="132455"/>
+                </a:lnTo>
+                <a:lnTo>
+                  <a:pt x="6079618" y="113629"/>
+                </a:lnTo>
+                <a:lnTo>
+                  <a:pt x="6235294" y="93458"/>
+                </a:lnTo>
+                <a:lnTo>
+                  <a:pt x="6391657" y="73455"/>
+                </a:lnTo>
+                <a:lnTo>
+                  <a:pt x="6547333" y="50091"/>
+                </a:lnTo>
+                <a:lnTo>
+                  <a:pt x="6702324" y="26222"/>
+                </a:lnTo>
+                <a:close/>
+              </a:path>
+            </a:pathLst>
+          </a:custGeom>
+          <a:ln>
+            <a:noFill/>
+          </a:ln>
+        </p:spPr>
+        <p:txBody>
+          <a:bodyPr/>
+          <a:lstStyle/>
+          <a:p>
+            <a:endParaRPr lang="en-US"/>
+          </a:p>
+        </p:txBody>
+      </p:sp>
+      <p:pic>
+        <p:nvPicPr>
+          <p:cNvPr id="6" name="Content Placeholder 5" descr="A screenshot of a computer&#10;&#10;Description automatically generated">
+            <a:extLst>
+              <a:ext uri="{FF2B5EF4-FFF2-40B4-BE49-F238E27FC236}">
+                <a16:creationId xmlns:a16="http://schemas.microsoft.com/office/drawing/2014/main" id="{C5040AD9-147B-A237-FD4B-49F5F003E6CF}"/>
+              </a:ext>
+            </a:extLst>
+          </p:cNvPr>
+          <p:cNvPicPr>
+            <a:picLocks noChangeAspect="1"/>
+          </p:cNvPicPr>
+          <p:nvPr/>
+        </p:nvPicPr>
+        <p:blipFill>
+          <a:blip r:embed="rId2">
+            <a:extLst>
+              <a:ext uri="{28A0092B-C50C-407E-A947-70E740481C1C}">
+                <a14:useLocalDpi xmlns:a14="http://schemas.microsoft.com/office/drawing/2010/main" val="0"/>
+              </a:ext>
+            </a:extLst>
+          </a:blip>
+          <a:stretch>
+            <a:fillRect/>
+          </a:stretch>
+        </p:blipFill>
+        <p:spPr>
+          <a:xfrm>
+            <a:off x="5732071" y="647698"/>
+            <a:ext cx="5722147" cy="5562601"/>
+          </a:xfrm>
+          <a:prstGeom prst="rect">
+            <a:avLst/>
+          </a:prstGeom>
+          <a:effectLst/>
+        </p:spPr>
+      </p:pic>
+      <p:sp>
+        <p:nvSpPr>
+          <p:cNvPr id="38" name="Rectangle 37">
+            <a:extLst>
+              <a:ext uri="{FF2B5EF4-FFF2-40B4-BE49-F238E27FC236}">
+                <a16:creationId xmlns:a16="http://schemas.microsoft.com/office/drawing/2014/main" id="{A92A1116-1C84-41DF-B803-1F7B0883EC82}"/>
+              </a:ext>
+              <a:ext uri="{C183D7F6-B498-43B3-948B-1728B52AA6E4}">
+                <adec:decorative xmlns:adec="http://schemas.microsoft.com/office/drawing/2017/decorative" val="1"/>
+              </a:ext>
+            </a:extLst>
+          </p:cNvPr>
+          <p:cNvSpPr>
+            <a:spLocks noGrp="1" noRot="1" noChangeAspect="1" noMove="1" noResize="1" noEditPoints="1" noAdjustHandles="1" noChangeArrowheads="1" noChangeShapeType="1" noTextEdit="1"/>
+          </p:cNvSpPr>
+          <p:nvPr>
+            <p:extLst>
+              <p:ext uri="{386F3935-93C4-4BCD-93E2-E3B085C9AB24}">
+                <p16:designElem xmlns:p16="http://schemas.microsoft.com/office/powerpoint/2015/main" val="1"/>
+              </p:ext>
+            </p:extLst>
+          </p:nvPr>
+        </p:nvSpPr>
+        <p:spPr>
+          <a:xfrm>
+            <a:off x="10442448" y="0"/>
             <a:ext cx="685800" cy="1143000"/>
           </a:xfrm>
           <a:prstGeom prst="rect">
@@ -22951,913 +24478,10 @@
       </p:sp>
       <p:sp>
         <p:nvSpPr>
-          <p:cNvPr id="12" name="Freeform 7">
+          <p:cNvPr id="29" name="Content Placeholder 28">
             <a:extLst>
               <a:ext uri="{FF2B5EF4-FFF2-40B4-BE49-F238E27FC236}">
-                <a16:creationId xmlns:a16="http://schemas.microsoft.com/office/drawing/2014/main" id="{EC471314-E46A-414B-8D91-74880E84F187}"/>
-              </a:ext>
-              <a:ext uri="{C183D7F6-B498-43B3-948B-1728B52AA6E4}">
-                <adec:decorative xmlns:adec="http://schemas.microsoft.com/office/drawing/2017/decorative" val="1"/>
-              </a:ext>
-            </a:extLst>
-          </p:cNvPr>
-          <p:cNvSpPr>
-            <a:spLocks noGrp="1" noRot="1" noChangeAspect="1" noMove="1" noResize="1" noEditPoints="1" noAdjustHandles="1" noChangeArrowheads="1" noChangeShapeType="1" noTextEdit="1"/>
-          </p:cNvSpPr>
-          <p:nvPr>
-            <p:extLst>
-              <p:ext uri="{386F3935-93C4-4BCD-93E2-E3B085C9AB24}">
-                <p16:designElem xmlns:p16="http://schemas.microsoft.com/office/powerpoint/2015/main" val="1"/>
-              </p:ext>
-            </p:extLst>
-          </p:nvPr>
-        </p:nvSpPr>
-        <p:spPr>
-          <a:xfrm>
-            <a:off x="8719939" y="1460230"/>
-            <a:ext cx="3472060" cy="825932"/>
-          </a:xfrm>
-          <a:custGeom>
-            <a:avLst/>
-            <a:gdLst>
-              <a:gd name="connsiteX0" fmla="*/ 3470310 w 3472060"/>
-              <a:gd name="connsiteY0" fmla="*/ 0 h 825932"/>
-              <a:gd name="connsiteX1" fmla="*/ 3472060 w 3472060"/>
-              <a:gd name="connsiteY1" fmla="*/ 12850 h 825932"/>
-              <a:gd name="connsiteX2" fmla="*/ 3472060 w 3472060"/>
-              <a:gd name="connsiteY2" fmla="*/ 480529 h 825932"/>
-              <a:gd name="connsiteX3" fmla="*/ 3363699 w 3472060"/>
-              <a:gd name="connsiteY3" fmla="*/ 498471 h 825932"/>
-              <a:gd name="connsiteX4" fmla="*/ 42060 w 3472060"/>
-              <a:gd name="connsiteY4" fmla="*/ 824486 h 825932"/>
-              <a:gd name="connsiteX5" fmla="*/ 0 w 3472060"/>
-              <a:gd name="connsiteY5" fmla="*/ 758452 h 825932"/>
-              <a:gd name="connsiteX6" fmla="*/ 188014 w 3472060"/>
-              <a:gd name="connsiteY6" fmla="*/ 735602 h 825932"/>
-              <a:gd name="connsiteX7" fmla="*/ 284087 w 3472060"/>
-              <a:gd name="connsiteY7" fmla="*/ 722590 h 825932"/>
-              <a:gd name="connsiteX8" fmla="*/ 382288 w 3472060"/>
-              <a:gd name="connsiteY8" fmla="*/ 709392 h 825932"/>
-              <a:gd name="connsiteX9" fmla="*/ 481858 w 3472060"/>
-              <a:gd name="connsiteY9" fmla="*/ 695774 h 825932"/>
-              <a:gd name="connsiteX10" fmla="*/ 581897 w 3472060"/>
-              <a:gd name="connsiteY10" fmla="*/ 680711 h 825932"/>
-              <a:gd name="connsiteX11" fmla="*/ 683670 w 3472060"/>
-              <a:gd name="connsiteY11" fmla="*/ 665256 h 825932"/>
-              <a:gd name="connsiteX12" fmla="*/ 787206 w 3472060"/>
-              <a:gd name="connsiteY12" fmla="*/ 649587 h 825932"/>
-              <a:gd name="connsiteX13" fmla="*/ 892019 w 3472060"/>
-              <a:gd name="connsiteY13" fmla="*/ 632968 h 825932"/>
-              <a:gd name="connsiteX14" fmla="*/ 997620 w 3472060"/>
-              <a:gd name="connsiteY14" fmla="*/ 614667 h 825932"/>
-              <a:gd name="connsiteX15" fmla="*/ 1104727 w 3472060"/>
-              <a:gd name="connsiteY15" fmla="*/ 596741 h 825932"/>
-              <a:gd name="connsiteX16" fmla="*/ 1212669 w 3472060"/>
-              <a:gd name="connsiteY16" fmla="*/ 577397 h 825932"/>
-              <a:gd name="connsiteX17" fmla="*/ 1321506 w 3472060"/>
-              <a:gd name="connsiteY17" fmla="*/ 556988 h 825932"/>
-              <a:gd name="connsiteX18" fmla="*/ 1430709 w 3472060"/>
-              <a:gd name="connsiteY18" fmla="*/ 536607 h 825932"/>
-              <a:gd name="connsiteX19" fmla="*/ 1541050 w 3472060"/>
-              <a:gd name="connsiteY19" fmla="*/ 514481 h 825932"/>
-              <a:gd name="connsiteX20" fmla="*/ 1652805 w 3472060"/>
-              <a:gd name="connsiteY20" fmla="*/ 492202 h 825932"/>
-              <a:gd name="connsiteX21" fmla="*/ 1763708 w 3472060"/>
-              <a:gd name="connsiteY21" fmla="*/ 469161 h 825932"/>
-              <a:gd name="connsiteX22" fmla="*/ 1875795 w 3472060"/>
-              <a:gd name="connsiteY22" fmla="*/ 444641 h 825932"/>
-              <a:gd name="connsiteX23" fmla="*/ 1989128 w 3472060"/>
-              <a:gd name="connsiteY23" fmla="*/ 418995 h 825932"/>
-              <a:gd name="connsiteX24" fmla="*/ 2102476 w 3472060"/>
-              <a:gd name="connsiteY24" fmla="*/ 393438 h 825932"/>
-              <a:gd name="connsiteX25" fmla="*/ 2215549 w 3472060"/>
-              <a:gd name="connsiteY25" fmla="*/ 366291 h 825932"/>
-              <a:gd name="connsiteX26" fmla="*/ 2330490 w 3472060"/>
-              <a:gd name="connsiteY26" fmla="*/ 337455 h 825932"/>
-              <a:gd name="connsiteX27" fmla="*/ 2443333 w 3472060"/>
-              <a:gd name="connsiteY27" fmla="*/ 308983 h 825932"/>
-              <a:gd name="connsiteX28" fmla="*/ 2558014 w 3472060"/>
-              <a:gd name="connsiteY28" fmla="*/ 278646 h 825932"/>
-              <a:gd name="connsiteX29" fmla="*/ 2673621 w 3472060"/>
-              <a:gd name="connsiteY29" fmla="*/ 247421 h 825932"/>
-              <a:gd name="connsiteX30" fmla="*/ 2787008 w 3472060"/>
-              <a:gd name="connsiteY30" fmla="*/ 215853 h 825932"/>
-              <a:gd name="connsiteX31" fmla="*/ 2901442 w 3472060"/>
-              <a:gd name="connsiteY31" fmla="*/ 182011 h 825932"/>
-              <a:gd name="connsiteX32" fmla="*/ 3015722 w 3472060"/>
-              <a:gd name="connsiteY32" fmla="*/ 147286 h 825932"/>
-              <a:gd name="connsiteX33" fmla="*/ 3130018 w 3472060"/>
-              <a:gd name="connsiteY33" fmla="*/ 112649 h 825932"/>
-              <a:gd name="connsiteX34" fmla="*/ 3243551 w 3472060"/>
-              <a:gd name="connsiteY34" fmla="*/ 75688 h 825932"/>
-              <a:gd name="connsiteX35" fmla="*/ 3356992 w 3472060"/>
-              <a:gd name="connsiteY35" fmla="*/ 38197 h 825932"/>
-              <a:gd name="connsiteX36" fmla="*/ 3470310 w 3472060"/>
-              <a:gd name="connsiteY36" fmla="*/ 0 h 825932"/>
-            </a:gdLst>
-            <a:ahLst/>
-            <a:cxnLst>
-              <a:cxn ang="0">
-                <a:pos x="connsiteX0" y="connsiteY0"/>
-              </a:cxn>
-              <a:cxn ang="0">
-                <a:pos x="connsiteX1" y="connsiteY1"/>
-              </a:cxn>
-              <a:cxn ang="0">
-                <a:pos x="connsiteX2" y="connsiteY2"/>
-              </a:cxn>
-              <a:cxn ang="0">
-                <a:pos x="connsiteX3" y="connsiteY3"/>
-              </a:cxn>
-              <a:cxn ang="0">
-                <a:pos x="connsiteX4" y="connsiteY4"/>
-              </a:cxn>
-              <a:cxn ang="0">
-                <a:pos x="connsiteX5" y="connsiteY5"/>
-              </a:cxn>
-              <a:cxn ang="0">
-                <a:pos x="connsiteX6" y="connsiteY6"/>
-              </a:cxn>
-              <a:cxn ang="0">
-                <a:pos x="connsiteX7" y="connsiteY7"/>
-              </a:cxn>
-              <a:cxn ang="0">
-                <a:pos x="connsiteX8" y="connsiteY8"/>
-              </a:cxn>
-              <a:cxn ang="0">
-                <a:pos x="connsiteX9" y="connsiteY9"/>
-              </a:cxn>
-              <a:cxn ang="0">
-                <a:pos x="connsiteX10" y="connsiteY10"/>
-              </a:cxn>
-              <a:cxn ang="0">
-                <a:pos x="connsiteX11" y="connsiteY11"/>
-              </a:cxn>
-              <a:cxn ang="0">
-                <a:pos x="connsiteX12" y="connsiteY12"/>
-              </a:cxn>
-              <a:cxn ang="0">
-                <a:pos x="connsiteX13" y="connsiteY13"/>
-              </a:cxn>
-              <a:cxn ang="0">
-                <a:pos x="connsiteX14" y="connsiteY14"/>
-              </a:cxn>
-              <a:cxn ang="0">
-                <a:pos x="connsiteX15" y="connsiteY15"/>
-              </a:cxn>
-              <a:cxn ang="0">
-                <a:pos x="connsiteX16" y="connsiteY16"/>
-              </a:cxn>
-              <a:cxn ang="0">
-                <a:pos x="connsiteX17" y="connsiteY17"/>
-              </a:cxn>
-              <a:cxn ang="0">
-                <a:pos x="connsiteX18" y="connsiteY18"/>
-              </a:cxn>
-              <a:cxn ang="0">
-                <a:pos x="connsiteX19" y="connsiteY19"/>
-              </a:cxn>
-              <a:cxn ang="0">
-                <a:pos x="connsiteX20" y="connsiteY20"/>
-              </a:cxn>
-              <a:cxn ang="0">
-                <a:pos x="connsiteX21" y="connsiteY21"/>
-              </a:cxn>
-              <a:cxn ang="0">
-                <a:pos x="connsiteX22" y="connsiteY22"/>
-              </a:cxn>
-              <a:cxn ang="0">
-                <a:pos x="connsiteX23" y="connsiteY23"/>
-              </a:cxn>
-              <a:cxn ang="0">
-                <a:pos x="connsiteX24" y="connsiteY24"/>
-              </a:cxn>
-              <a:cxn ang="0">
-                <a:pos x="connsiteX25" y="connsiteY25"/>
-              </a:cxn>
-              <a:cxn ang="0">
-                <a:pos x="connsiteX26" y="connsiteY26"/>
-              </a:cxn>
-              <a:cxn ang="0">
-                <a:pos x="connsiteX27" y="connsiteY27"/>
-              </a:cxn>
-              <a:cxn ang="0">
-                <a:pos x="connsiteX28" y="connsiteY28"/>
-              </a:cxn>
-              <a:cxn ang="0">
-                <a:pos x="connsiteX29" y="connsiteY29"/>
-              </a:cxn>
-              <a:cxn ang="0">
-                <a:pos x="connsiteX30" y="connsiteY30"/>
-              </a:cxn>
-              <a:cxn ang="0">
-                <a:pos x="connsiteX31" y="connsiteY31"/>
-              </a:cxn>
-              <a:cxn ang="0">
-                <a:pos x="connsiteX32" y="connsiteY32"/>
-              </a:cxn>
-              <a:cxn ang="0">
-                <a:pos x="connsiteX33" y="connsiteY33"/>
-              </a:cxn>
-              <a:cxn ang="0">
-                <a:pos x="connsiteX34" y="connsiteY34"/>
-              </a:cxn>
-              <a:cxn ang="0">
-                <a:pos x="connsiteX35" y="connsiteY35"/>
-              </a:cxn>
-              <a:cxn ang="0">
-                <a:pos x="connsiteX36" y="connsiteY36"/>
-              </a:cxn>
-            </a:cxnLst>
-            <a:rect l="l" t="t" r="r" b="b"/>
-            <a:pathLst>
-              <a:path w="3472060" h="825932">
-                <a:moveTo>
-                  <a:pt x="3470310" y="0"/>
-                </a:moveTo>
-                <a:lnTo>
-                  <a:pt x="3472060" y="12850"/>
-                </a:lnTo>
-                <a:lnTo>
-                  <a:pt x="3472060" y="480529"/>
-                </a:lnTo>
-                <a:lnTo>
-                  <a:pt x="3363699" y="498471"/>
-                </a:lnTo>
-                <a:cubicBezTo>
-                  <a:pt x="2435623" y="645518"/>
-                  <a:pt x="603076" y="844866"/>
-                  <a:pt x="42060" y="824486"/>
-                </a:cubicBezTo>
-                <a:cubicBezTo>
-                  <a:pt x="28151" y="802425"/>
-                  <a:pt x="13909" y="780513"/>
-                  <a:pt x="0" y="758452"/>
-                </a:cubicBezTo>
-                <a:lnTo>
-                  <a:pt x="188014" y="735602"/>
-                </a:lnTo>
-                <a:lnTo>
-                  <a:pt x="284087" y="722590"/>
-                </a:lnTo>
-                <a:lnTo>
-                  <a:pt x="382288" y="709392"/>
-                </a:lnTo>
-                <a:lnTo>
-                  <a:pt x="481858" y="695774"/>
-                </a:lnTo>
-                <a:lnTo>
-                  <a:pt x="581897" y="680711"/>
-                </a:lnTo>
-                <a:lnTo>
-                  <a:pt x="683670" y="665256"/>
-                </a:lnTo>
-                <a:lnTo>
-                  <a:pt x="787206" y="649587"/>
-                </a:lnTo>
-                <a:lnTo>
-                  <a:pt x="892019" y="632968"/>
-                </a:lnTo>
-                <a:lnTo>
-                  <a:pt x="997620" y="614667"/>
-                </a:lnTo>
-                <a:lnTo>
-                  <a:pt x="1104727" y="596741"/>
-                </a:lnTo>
-                <a:lnTo>
-                  <a:pt x="1212669" y="577397"/>
-                </a:lnTo>
-                <a:lnTo>
-                  <a:pt x="1321506" y="556988"/>
-                </a:lnTo>
-                <a:lnTo>
-                  <a:pt x="1430709" y="536607"/>
-                </a:lnTo>
-                <a:lnTo>
-                  <a:pt x="1541050" y="514481"/>
-                </a:lnTo>
-                <a:lnTo>
-                  <a:pt x="1652805" y="492202"/>
-                </a:lnTo>
-                <a:lnTo>
-                  <a:pt x="1763708" y="469161"/>
-                </a:lnTo>
-                <a:lnTo>
-                  <a:pt x="1875795" y="444641"/>
-                </a:lnTo>
-                <a:lnTo>
-                  <a:pt x="1989128" y="418995"/>
-                </a:lnTo>
-                <a:lnTo>
-                  <a:pt x="2102476" y="393438"/>
-                </a:lnTo>
-                <a:lnTo>
-                  <a:pt x="2215549" y="366291"/>
-                </a:lnTo>
-                <a:lnTo>
-                  <a:pt x="2330490" y="337455"/>
-                </a:lnTo>
-                <a:lnTo>
-                  <a:pt x="2443333" y="308983"/>
-                </a:lnTo>
-                <a:lnTo>
-                  <a:pt x="2558014" y="278646"/>
-                </a:lnTo>
-                <a:lnTo>
-                  <a:pt x="2673621" y="247421"/>
-                </a:lnTo>
-                <a:lnTo>
-                  <a:pt x="2787008" y="215853"/>
-                </a:lnTo>
-                <a:lnTo>
-                  <a:pt x="2901442" y="182011"/>
-                </a:lnTo>
-                <a:lnTo>
-                  <a:pt x="3015722" y="147286"/>
-                </a:lnTo>
-                <a:lnTo>
-                  <a:pt x="3130018" y="112649"/>
-                </a:lnTo>
-                <a:lnTo>
-                  <a:pt x="3243551" y="75688"/>
-                </a:lnTo>
-                <a:lnTo>
-                  <a:pt x="3356992" y="38197"/>
-                </a:lnTo>
-                <a:lnTo>
-                  <a:pt x="3470310" y="0"/>
-                </a:lnTo>
-                <a:close/>
-              </a:path>
-            </a:pathLst>
-          </a:custGeom>
-          <a:solidFill>
-            <a:schemeClr val="bg1">
-              <a:alpha val="20000"/>
-            </a:schemeClr>
-          </a:solidFill>
-          <a:ln>
-            <a:noFill/>
-          </a:ln>
-        </p:spPr>
-        <p:txBody>
-          <a:bodyPr rtlCol="0" anchor="ctr"/>
-          <a:lstStyle/>
-          <a:p>
-            <a:pPr marL="0" marR="0" lvl="0" indent="0" algn="ctr" defTabSz="914400" rtl="0" eaLnBrk="1" fontAlgn="auto" latinLnBrk="0" hangingPunct="1">
-              <a:lnSpc>
-                <a:spcPct val="100000"/>
-              </a:lnSpc>
-              <a:spcBef>
-                <a:spcPts val="0"/>
-              </a:spcBef>
-              <a:spcAft>
-                <a:spcPts val="0"/>
-              </a:spcAft>
-              <a:buClrTx/>
-              <a:buSzTx/>
-              <a:buFontTx/>
-              <a:buNone/>
-              <a:tabLst/>
-              <a:defRPr/>
-            </a:pPr>
-            <a:endParaRPr kumimoji="0" lang="en-US" sz="1800" b="0" i="0" u="none" strike="noStrike" kern="1200" cap="none" spc="0" normalizeH="0" baseline="0" noProof="0">
-              <a:ln>
-                <a:noFill/>
-              </a:ln>
-              <a:solidFill>
-                <a:prstClr val="black"/>
-              </a:solidFill>
-              <a:effectLst/>
-              <a:uLnTx/>
-              <a:uFillTx/>
-              <a:latin typeface="Century Gothic" panose="020B0502020202020204"/>
-              <a:ea typeface="+mn-ea"/>
-              <a:cs typeface="+mn-cs"/>
-            </a:endParaRPr>
-          </a:p>
-        </p:txBody>
-      </p:sp>
-      <p:sp useBgFill="1">
-        <p:nvSpPr>
-          <p:cNvPr id="14" name="Freeform: Shape 13">
-            <a:extLst>
-              <a:ext uri="{FF2B5EF4-FFF2-40B4-BE49-F238E27FC236}">
-                <a16:creationId xmlns:a16="http://schemas.microsoft.com/office/drawing/2014/main" id="{6A681326-1C9D-44A3-A627-3871BDAE4127}"/>
-              </a:ext>
-              <a:ext uri="{C183D7F6-B498-43B3-948B-1728B52AA6E4}">
-                <adec:decorative xmlns:adec="http://schemas.microsoft.com/office/drawing/2017/decorative" val="1"/>
-              </a:ext>
-            </a:extLst>
-          </p:cNvPr>
-          <p:cNvSpPr>
-            <a:spLocks noGrp="1" noRot="1" noChangeAspect="1" noMove="1" noResize="1" noEditPoints="1" noAdjustHandles="1" noChangeArrowheads="1" noChangeShapeType="1" noTextEdit="1"/>
-          </p:cNvSpPr>
-          <p:nvPr>
-            <p:extLst>
-              <p:ext uri="{386F3935-93C4-4BCD-93E2-E3B085C9AB24}">
-                <p16:designElem xmlns:p16="http://schemas.microsoft.com/office/powerpoint/2015/main" val="1"/>
-              </p:ext>
-            </p:extLst>
-          </p:nvPr>
-        </p:nvSpPr>
-        <p:spPr bwMode="gray">
-          <a:xfrm>
-            <a:off x="1" y="1762067"/>
-            <a:ext cx="12192417" cy="5095933"/>
-          </a:xfrm>
-          <a:custGeom>
-            <a:avLst/>
-            <a:gdLst>
-              <a:gd name="connsiteX0" fmla="*/ 0 w 12192417"/>
-              <a:gd name="connsiteY0" fmla="*/ 0 h 5095933"/>
-              <a:gd name="connsiteX1" fmla="*/ 71931 w 12192417"/>
-              <a:gd name="connsiteY1" fmla="*/ 12261 h 5095933"/>
-              <a:gd name="connsiteX2" fmla="*/ 282848 w 12192417"/>
-              <a:gd name="connsiteY2" fmla="*/ 48343 h 5095933"/>
-              <a:gd name="connsiteX3" fmla="*/ 436463 w 12192417"/>
-              <a:gd name="connsiteY3" fmla="*/ 73565 h 5095933"/>
-              <a:gd name="connsiteX4" fmla="*/ 619338 w 12192417"/>
-              <a:gd name="connsiteY4" fmla="*/ 100188 h 5095933"/>
-              <a:gd name="connsiteX5" fmla="*/ 836350 w 12192417"/>
-              <a:gd name="connsiteY5" fmla="*/ 132066 h 5095933"/>
-              <a:gd name="connsiteX6" fmla="*/ 1076527 w 12192417"/>
-              <a:gd name="connsiteY6" fmla="*/ 165696 h 5095933"/>
-              <a:gd name="connsiteX7" fmla="*/ 1347183 w 12192417"/>
-              <a:gd name="connsiteY7" fmla="*/ 201077 h 5095933"/>
-              <a:gd name="connsiteX8" fmla="*/ 1642222 w 12192417"/>
-              <a:gd name="connsiteY8" fmla="*/ 238560 h 5095933"/>
-              <a:gd name="connsiteX9" fmla="*/ 1962863 w 12192417"/>
-              <a:gd name="connsiteY9" fmla="*/ 276043 h 5095933"/>
-              <a:gd name="connsiteX10" fmla="*/ 2304231 w 12192417"/>
-              <a:gd name="connsiteY10" fmla="*/ 314227 h 5095933"/>
-              <a:gd name="connsiteX11" fmla="*/ 2672420 w 12192417"/>
-              <a:gd name="connsiteY11" fmla="*/ 349608 h 5095933"/>
-              <a:gd name="connsiteX12" fmla="*/ 3057677 w 12192417"/>
-              <a:gd name="connsiteY12" fmla="*/ 383588 h 5095933"/>
-              <a:gd name="connsiteX13" fmla="*/ 3464880 w 12192417"/>
-              <a:gd name="connsiteY13" fmla="*/ 414415 h 5095933"/>
-              <a:gd name="connsiteX14" fmla="*/ 3889151 w 12192417"/>
-              <a:gd name="connsiteY14" fmla="*/ 443841 h 5095933"/>
-              <a:gd name="connsiteX15" fmla="*/ 4331709 w 12192417"/>
-              <a:gd name="connsiteY15" fmla="*/ 471515 h 5095933"/>
-              <a:gd name="connsiteX16" fmla="*/ 4558475 w 12192417"/>
-              <a:gd name="connsiteY16" fmla="*/ 481324 h 5095933"/>
-              <a:gd name="connsiteX17" fmla="*/ 4790117 w 12192417"/>
-              <a:gd name="connsiteY17" fmla="*/ 492183 h 5095933"/>
-              <a:gd name="connsiteX18" fmla="*/ 5025417 w 12192417"/>
-              <a:gd name="connsiteY18" fmla="*/ 502342 h 5095933"/>
-              <a:gd name="connsiteX19" fmla="*/ 5261936 w 12192417"/>
-              <a:gd name="connsiteY19" fmla="*/ 508998 h 5095933"/>
-              <a:gd name="connsiteX20" fmla="*/ 5503331 w 12192417"/>
-              <a:gd name="connsiteY20" fmla="*/ 514953 h 5095933"/>
-              <a:gd name="connsiteX21" fmla="*/ 5747166 w 12192417"/>
-              <a:gd name="connsiteY21" fmla="*/ 521259 h 5095933"/>
-              <a:gd name="connsiteX22" fmla="*/ 5995876 w 12192417"/>
-              <a:gd name="connsiteY22" fmla="*/ 525463 h 5095933"/>
-              <a:gd name="connsiteX23" fmla="*/ 6247025 w 12192417"/>
-              <a:gd name="connsiteY23" fmla="*/ 525463 h 5095933"/>
-              <a:gd name="connsiteX24" fmla="*/ 6500612 w 12192417"/>
-              <a:gd name="connsiteY24" fmla="*/ 527565 h 5095933"/>
-              <a:gd name="connsiteX25" fmla="*/ 6756638 w 12192417"/>
-              <a:gd name="connsiteY25" fmla="*/ 525463 h 5095933"/>
-              <a:gd name="connsiteX26" fmla="*/ 7016321 w 12192417"/>
-              <a:gd name="connsiteY26" fmla="*/ 521259 h 5095933"/>
-              <a:gd name="connsiteX27" fmla="*/ 7276004 w 12192417"/>
-              <a:gd name="connsiteY27" fmla="*/ 517406 h 5095933"/>
-              <a:gd name="connsiteX28" fmla="*/ 7539344 w 12192417"/>
-              <a:gd name="connsiteY28" fmla="*/ 508998 h 5095933"/>
-              <a:gd name="connsiteX29" fmla="*/ 7805123 w 12192417"/>
-              <a:gd name="connsiteY29" fmla="*/ 500241 h 5095933"/>
-              <a:gd name="connsiteX30" fmla="*/ 8070902 w 12192417"/>
-              <a:gd name="connsiteY30" fmla="*/ 490082 h 5095933"/>
-              <a:gd name="connsiteX31" fmla="*/ 8339120 w 12192417"/>
-              <a:gd name="connsiteY31" fmla="*/ 475719 h 5095933"/>
-              <a:gd name="connsiteX32" fmla="*/ 8609775 w 12192417"/>
-              <a:gd name="connsiteY32" fmla="*/ 458554 h 5095933"/>
-              <a:gd name="connsiteX33" fmla="*/ 8881650 w 12192417"/>
-              <a:gd name="connsiteY33" fmla="*/ 442089 h 5095933"/>
-              <a:gd name="connsiteX34" fmla="*/ 9153525 w 12192417"/>
-              <a:gd name="connsiteY34" fmla="*/ 421071 h 5095933"/>
-              <a:gd name="connsiteX35" fmla="*/ 9429057 w 12192417"/>
-              <a:gd name="connsiteY35" fmla="*/ 395849 h 5095933"/>
-              <a:gd name="connsiteX36" fmla="*/ 9700932 w 12192417"/>
-              <a:gd name="connsiteY36" fmla="*/ 370626 h 5095933"/>
-              <a:gd name="connsiteX37" fmla="*/ 9977683 w 12192417"/>
-              <a:gd name="connsiteY37" fmla="*/ 341551 h 5095933"/>
-              <a:gd name="connsiteX38" fmla="*/ 10255654 w 12192417"/>
-              <a:gd name="connsiteY38" fmla="*/ 309673 h 5095933"/>
-              <a:gd name="connsiteX39" fmla="*/ 10529967 w 12192417"/>
-              <a:gd name="connsiteY39" fmla="*/ 276043 h 5095933"/>
-              <a:gd name="connsiteX40" fmla="*/ 10807938 w 12192417"/>
-              <a:gd name="connsiteY40" fmla="*/ 236809 h 5095933"/>
-              <a:gd name="connsiteX41" fmla="*/ 11084689 w 12192417"/>
-              <a:gd name="connsiteY41" fmla="*/ 194772 h 5095933"/>
-              <a:gd name="connsiteX42" fmla="*/ 11362660 w 12192417"/>
-              <a:gd name="connsiteY42" fmla="*/ 153085 h 5095933"/>
-              <a:gd name="connsiteX43" fmla="*/ 11639411 w 12192417"/>
-              <a:gd name="connsiteY43" fmla="*/ 104392 h 5095933"/>
-              <a:gd name="connsiteX44" fmla="*/ 11914944 w 12192417"/>
-              <a:gd name="connsiteY44" fmla="*/ 54648 h 5095933"/>
-              <a:gd name="connsiteX45" fmla="*/ 12191695 w 12192417"/>
-              <a:gd name="connsiteY45" fmla="*/ 2452 h 5095933"/>
-              <a:gd name="connsiteX46" fmla="*/ 12191695 w 12192417"/>
-              <a:gd name="connsiteY46" fmla="*/ 2162231 h 5095933"/>
-              <a:gd name="connsiteX47" fmla="*/ 12192417 w 12192417"/>
-              <a:gd name="connsiteY47" fmla="*/ 2162231 h 5095933"/>
-              <a:gd name="connsiteX48" fmla="*/ 12192417 w 12192417"/>
-              <a:gd name="connsiteY48" fmla="*/ 5095933 h 5095933"/>
-              <a:gd name="connsiteX49" fmla="*/ 0 w 12192417"/>
-              <a:gd name="connsiteY49" fmla="*/ 5095933 h 5095933"/>
-              <a:gd name="connsiteX50" fmla="*/ 0 w 12192417"/>
-              <a:gd name="connsiteY50" fmla="*/ 2791958 h 5095933"/>
-              <a:gd name="connsiteX51" fmla="*/ 0 w 12192417"/>
-              <a:gd name="connsiteY51" fmla="*/ 2162231 h 5095933"/>
-            </a:gdLst>
-            <a:ahLst/>
-            <a:cxnLst>
-              <a:cxn ang="0">
-                <a:pos x="connsiteX0" y="connsiteY0"/>
-              </a:cxn>
-              <a:cxn ang="0">
-                <a:pos x="connsiteX1" y="connsiteY1"/>
-              </a:cxn>
-              <a:cxn ang="0">
-                <a:pos x="connsiteX2" y="connsiteY2"/>
-              </a:cxn>
-              <a:cxn ang="0">
-                <a:pos x="connsiteX3" y="connsiteY3"/>
-              </a:cxn>
-              <a:cxn ang="0">
-                <a:pos x="connsiteX4" y="connsiteY4"/>
-              </a:cxn>
-              <a:cxn ang="0">
-                <a:pos x="connsiteX5" y="connsiteY5"/>
-              </a:cxn>
-              <a:cxn ang="0">
-                <a:pos x="connsiteX6" y="connsiteY6"/>
-              </a:cxn>
-              <a:cxn ang="0">
-                <a:pos x="connsiteX7" y="connsiteY7"/>
-              </a:cxn>
-              <a:cxn ang="0">
-                <a:pos x="connsiteX8" y="connsiteY8"/>
-              </a:cxn>
-              <a:cxn ang="0">
-                <a:pos x="connsiteX9" y="connsiteY9"/>
-              </a:cxn>
-              <a:cxn ang="0">
-                <a:pos x="connsiteX10" y="connsiteY10"/>
-              </a:cxn>
-              <a:cxn ang="0">
-                <a:pos x="connsiteX11" y="connsiteY11"/>
-              </a:cxn>
-              <a:cxn ang="0">
-                <a:pos x="connsiteX12" y="connsiteY12"/>
-              </a:cxn>
-              <a:cxn ang="0">
-                <a:pos x="connsiteX13" y="connsiteY13"/>
-              </a:cxn>
-              <a:cxn ang="0">
-                <a:pos x="connsiteX14" y="connsiteY14"/>
-              </a:cxn>
-              <a:cxn ang="0">
-                <a:pos x="connsiteX15" y="connsiteY15"/>
-              </a:cxn>
-              <a:cxn ang="0">
-                <a:pos x="connsiteX16" y="connsiteY16"/>
-              </a:cxn>
-              <a:cxn ang="0">
-                <a:pos x="connsiteX17" y="connsiteY17"/>
-              </a:cxn>
-              <a:cxn ang="0">
-                <a:pos x="connsiteX18" y="connsiteY18"/>
-              </a:cxn>
-              <a:cxn ang="0">
-                <a:pos x="connsiteX19" y="connsiteY19"/>
-              </a:cxn>
-              <a:cxn ang="0">
-                <a:pos x="connsiteX20" y="connsiteY20"/>
-              </a:cxn>
-              <a:cxn ang="0">
-                <a:pos x="connsiteX21" y="connsiteY21"/>
-              </a:cxn>
-              <a:cxn ang="0">
-                <a:pos x="connsiteX22" y="connsiteY22"/>
-              </a:cxn>
-              <a:cxn ang="0">
-                <a:pos x="connsiteX23" y="connsiteY23"/>
-              </a:cxn>
-              <a:cxn ang="0">
-                <a:pos x="connsiteX24" y="connsiteY24"/>
-              </a:cxn>
-              <a:cxn ang="0">
-                <a:pos x="connsiteX25" y="connsiteY25"/>
-              </a:cxn>
-              <a:cxn ang="0">
-                <a:pos x="connsiteX26" y="connsiteY26"/>
-              </a:cxn>
-              <a:cxn ang="0">
-                <a:pos x="connsiteX27" y="connsiteY27"/>
-              </a:cxn>
-              <a:cxn ang="0">
-                <a:pos x="connsiteX28" y="connsiteY28"/>
-              </a:cxn>
-              <a:cxn ang="0">
-                <a:pos x="connsiteX29" y="connsiteY29"/>
-              </a:cxn>
-              <a:cxn ang="0">
-                <a:pos x="connsiteX30" y="connsiteY30"/>
-              </a:cxn>
-              <a:cxn ang="0">
-                <a:pos x="connsiteX31" y="connsiteY31"/>
-              </a:cxn>
-              <a:cxn ang="0">
-                <a:pos x="connsiteX32" y="connsiteY32"/>
-              </a:cxn>
-              <a:cxn ang="0">
-                <a:pos x="connsiteX33" y="connsiteY33"/>
-              </a:cxn>
-              <a:cxn ang="0">
-                <a:pos x="connsiteX34" y="connsiteY34"/>
-              </a:cxn>
-              <a:cxn ang="0">
-                <a:pos x="connsiteX35" y="connsiteY35"/>
-              </a:cxn>
-              <a:cxn ang="0">
-                <a:pos x="connsiteX36" y="connsiteY36"/>
-              </a:cxn>
-              <a:cxn ang="0">
-                <a:pos x="connsiteX37" y="connsiteY37"/>
-              </a:cxn>
-              <a:cxn ang="0">
-                <a:pos x="connsiteX38" y="connsiteY38"/>
-              </a:cxn>
-              <a:cxn ang="0">
-                <a:pos x="connsiteX39" y="connsiteY39"/>
-              </a:cxn>
-              <a:cxn ang="0">
-                <a:pos x="connsiteX40" y="connsiteY40"/>
-              </a:cxn>
-              <a:cxn ang="0">
-                <a:pos x="connsiteX41" y="connsiteY41"/>
-              </a:cxn>
-              <a:cxn ang="0">
-                <a:pos x="connsiteX42" y="connsiteY42"/>
-              </a:cxn>
-              <a:cxn ang="0">
-                <a:pos x="connsiteX43" y="connsiteY43"/>
-              </a:cxn>
-              <a:cxn ang="0">
-                <a:pos x="connsiteX44" y="connsiteY44"/>
-              </a:cxn>
-              <a:cxn ang="0">
-                <a:pos x="connsiteX45" y="connsiteY45"/>
-              </a:cxn>
-              <a:cxn ang="0">
-                <a:pos x="connsiteX46" y="connsiteY46"/>
-              </a:cxn>
-              <a:cxn ang="0">
-                <a:pos x="connsiteX47" y="connsiteY47"/>
-              </a:cxn>
-              <a:cxn ang="0">
-                <a:pos x="connsiteX48" y="connsiteY48"/>
-              </a:cxn>
-              <a:cxn ang="0">
-                <a:pos x="connsiteX49" y="connsiteY49"/>
-              </a:cxn>
-              <a:cxn ang="0">
-                <a:pos x="connsiteX50" y="connsiteY50"/>
-              </a:cxn>
-              <a:cxn ang="0">
-                <a:pos x="connsiteX51" y="connsiteY51"/>
-              </a:cxn>
-            </a:cxnLst>
-            <a:rect l="l" t="t" r="r" b="b"/>
-            <a:pathLst>
-              <a:path w="12192417" h="5095933">
-                <a:moveTo>
-                  <a:pt x="0" y="0"/>
-                </a:moveTo>
-                <a:lnTo>
-                  <a:pt x="71931" y="12261"/>
-                </a:lnTo>
-                <a:lnTo>
-                  <a:pt x="282848" y="48343"/>
-                </a:lnTo>
-                <a:lnTo>
-                  <a:pt x="436463" y="73565"/>
-                </a:lnTo>
-                <a:lnTo>
-                  <a:pt x="619338" y="100188"/>
-                </a:lnTo>
-                <a:lnTo>
-                  <a:pt x="836350" y="132066"/>
-                </a:lnTo>
-                <a:lnTo>
-                  <a:pt x="1076527" y="165696"/>
-                </a:lnTo>
-                <a:lnTo>
-                  <a:pt x="1347183" y="201077"/>
-                </a:lnTo>
-                <a:lnTo>
-                  <a:pt x="1642222" y="238560"/>
-                </a:lnTo>
-                <a:lnTo>
-                  <a:pt x="1962863" y="276043"/>
-                </a:lnTo>
-                <a:lnTo>
-                  <a:pt x="2304231" y="314227"/>
-                </a:lnTo>
-                <a:lnTo>
-                  <a:pt x="2672420" y="349608"/>
-                </a:lnTo>
-                <a:lnTo>
-                  <a:pt x="3057677" y="383588"/>
-                </a:lnTo>
-                <a:lnTo>
-                  <a:pt x="3464880" y="414415"/>
-                </a:lnTo>
-                <a:lnTo>
-                  <a:pt x="3889151" y="443841"/>
-                </a:lnTo>
-                <a:lnTo>
-                  <a:pt x="4331709" y="471515"/>
-                </a:lnTo>
-                <a:lnTo>
-                  <a:pt x="4558475" y="481324"/>
-                </a:lnTo>
-                <a:lnTo>
-                  <a:pt x="4790117" y="492183"/>
-                </a:lnTo>
-                <a:lnTo>
-                  <a:pt x="5025417" y="502342"/>
-                </a:lnTo>
-                <a:lnTo>
-                  <a:pt x="5261936" y="508998"/>
-                </a:lnTo>
-                <a:lnTo>
-                  <a:pt x="5503331" y="514953"/>
-                </a:lnTo>
-                <a:lnTo>
-                  <a:pt x="5747166" y="521259"/>
-                </a:lnTo>
-                <a:lnTo>
-                  <a:pt x="5995876" y="525463"/>
-                </a:lnTo>
-                <a:lnTo>
-                  <a:pt x="6247025" y="525463"/>
-                </a:lnTo>
-                <a:lnTo>
-                  <a:pt x="6500612" y="527565"/>
-                </a:lnTo>
-                <a:lnTo>
-                  <a:pt x="6756638" y="525463"/>
-                </a:lnTo>
-                <a:lnTo>
-                  <a:pt x="7016321" y="521259"/>
-                </a:lnTo>
-                <a:lnTo>
-                  <a:pt x="7276004" y="517406"/>
-                </a:lnTo>
-                <a:lnTo>
-                  <a:pt x="7539344" y="508998"/>
-                </a:lnTo>
-                <a:lnTo>
-                  <a:pt x="7805123" y="500241"/>
-                </a:lnTo>
-                <a:lnTo>
-                  <a:pt x="8070902" y="490082"/>
-                </a:lnTo>
-                <a:lnTo>
-                  <a:pt x="8339120" y="475719"/>
-                </a:lnTo>
-                <a:lnTo>
-                  <a:pt x="8609775" y="458554"/>
-                </a:lnTo>
-                <a:lnTo>
-                  <a:pt x="8881650" y="442089"/>
-                </a:lnTo>
-                <a:lnTo>
-                  <a:pt x="9153525" y="421071"/>
-                </a:lnTo>
-                <a:lnTo>
-                  <a:pt x="9429057" y="395849"/>
-                </a:lnTo>
-                <a:lnTo>
-                  <a:pt x="9700932" y="370626"/>
-                </a:lnTo>
-                <a:lnTo>
-                  <a:pt x="9977683" y="341551"/>
-                </a:lnTo>
-                <a:lnTo>
-                  <a:pt x="10255654" y="309673"/>
-                </a:lnTo>
-                <a:lnTo>
-                  <a:pt x="10529967" y="276043"/>
-                </a:lnTo>
-                <a:lnTo>
-                  <a:pt x="10807938" y="236809"/>
-                </a:lnTo>
-                <a:lnTo>
-                  <a:pt x="11084689" y="194772"/>
-                </a:lnTo>
-                <a:lnTo>
-                  <a:pt x="11362660" y="153085"/>
-                </a:lnTo>
-                <a:lnTo>
-                  <a:pt x="11639411" y="104392"/>
-                </a:lnTo>
-                <a:lnTo>
-                  <a:pt x="11914944" y="54648"/>
-                </a:lnTo>
-                <a:lnTo>
-                  <a:pt x="12191695" y="2452"/>
-                </a:lnTo>
-                <a:lnTo>
-                  <a:pt x="12191695" y="2162231"/>
-                </a:lnTo>
-                <a:lnTo>
-                  <a:pt x="12192417" y="2162231"/>
-                </a:lnTo>
-                <a:lnTo>
-                  <a:pt x="12192417" y="5095933"/>
-                </a:lnTo>
-                <a:lnTo>
-                  <a:pt x="0" y="5095933"/>
-                </a:lnTo>
-                <a:lnTo>
-                  <a:pt x="0" y="2791958"/>
-                </a:lnTo>
-                <a:lnTo>
-                  <a:pt x="0" y="2162231"/>
-                </a:lnTo>
-                <a:close/>
-              </a:path>
-            </a:pathLst>
-          </a:custGeom>
-          <a:ln>
-            <a:noFill/>
-          </a:ln>
-        </p:spPr>
-        <p:txBody>
-          <a:bodyPr/>
-          <a:lstStyle/>
-          <a:p>
-            <a:endParaRPr lang="en-US"/>
-          </a:p>
-        </p:txBody>
-      </p:sp>
-      <p:sp>
-        <p:nvSpPr>
-          <p:cNvPr id="2" name="Title 1">
-            <a:extLst>
-              <a:ext uri="{FF2B5EF4-FFF2-40B4-BE49-F238E27FC236}">
-                <a16:creationId xmlns:a16="http://schemas.microsoft.com/office/drawing/2014/main" id="{2BE2B028-0D59-B19F-C36F-340FAA48809F}"/>
-              </a:ext>
-            </a:extLst>
-          </p:cNvPr>
-          <p:cNvSpPr>
-            <a:spLocks noGrp="1"/>
-          </p:cNvSpPr>
-          <p:nvPr>
-            <p:ph type="title"/>
-          </p:nvPr>
-        </p:nvSpPr>
-        <p:spPr>
-          <a:xfrm>
-            <a:off x="1103312" y="452718"/>
-            <a:ext cx="8947522" cy="1400530"/>
-          </a:xfrm>
-        </p:spPr>
-        <p:txBody>
-          <a:bodyPr anchor="ctr">
-            <a:normAutofit/>
-          </a:bodyPr>
-          <a:lstStyle/>
-          <a:p>
-            <a:r>
-              <a:rPr lang="hr-HR" dirty="0">
-                <a:solidFill>
-                  <a:srgbClr val="FFFFFF"/>
-                </a:solidFill>
-              </a:rPr>
-              <a:t>Izvještaj</a:t>
-            </a:r>
-            <a:endParaRPr lang="en-US" dirty="0">
-              <a:solidFill>
-                <a:srgbClr val="FFFFFF"/>
-              </a:solidFill>
-            </a:endParaRPr>
-          </a:p>
-        </p:txBody>
-      </p:sp>
-      <p:sp>
-        <p:nvSpPr>
-          <p:cNvPr id="3" name="Content Placeholder 2">
-            <a:extLst>
-              <a:ext uri="{FF2B5EF4-FFF2-40B4-BE49-F238E27FC236}">
-                <a16:creationId xmlns:a16="http://schemas.microsoft.com/office/drawing/2014/main" id="{16D705D6-E06E-1C92-ADC4-8FA1374E25E2}"/>
+                <a16:creationId xmlns:a16="http://schemas.microsoft.com/office/drawing/2014/main" id="{644F6232-FDBD-9F19-FB18-782F35B8E6AC}"/>
               </a:ext>
             </a:extLst>
           </p:cNvPr>
@@ -23870,24 +24494,66 @@
         </p:nvSpPr>
         <p:spPr>
           <a:xfrm>
-            <a:off x="1103312" y="2763520"/>
-            <a:ext cx="8946541" cy="3484879"/>
+            <a:off x="648931" y="2438400"/>
+            <a:ext cx="4166509" cy="3785419"/>
           </a:xfrm>
         </p:spPr>
         <p:txBody>
           <a:bodyPr>
-            <a:normAutofit/>
+            <a:normAutofit lnSpcReduction="10000"/>
           </a:bodyPr>
           <a:lstStyle/>
           <a:p>
-            <a:endParaRPr lang="en-US"/>
+            <a:r>
+              <a:rPr lang="hr-HR" dirty="0">
+                <a:solidFill>
+                  <a:srgbClr val="EBEBEB"/>
+                </a:solidFill>
+              </a:rPr>
+              <a:t>Raspored za sadašnji tjedan i sljedeći</a:t>
+            </a:r>
+          </a:p>
+          <a:p>
+            <a:r>
+              <a:rPr lang="hr-HR" dirty="0">
+                <a:solidFill>
+                  <a:srgbClr val="EBEBEB"/>
+                </a:solidFill>
+              </a:rPr>
+              <a:t>Demosi se zapisuju tjedan dana unaprijed za termine</a:t>
+            </a:r>
+          </a:p>
+          <a:p>
+            <a:r>
+              <a:rPr lang="hr-HR" dirty="0">
+                <a:solidFill>
+                  <a:srgbClr val="EBEBEB"/>
+                </a:solidFill>
+              </a:rPr>
+              <a:t>Podaci se spremaju u JSON datoteke te se mijenjaju ovisno o tome što se gdje upiše</a:t>
+            </a:r>
+          </a:p>
+          <a:p>
+            <a:r>
+              <a:rPr lang="hr-HR" dirty="0">
+                <a:solidFill>
+                  <a:srgbClr val="EBEBEB"/>
+                </a:solidFill>
+              </a:rPr>
+              <a:t>Na kraju tjedna ih admin spremi trajno(više o tome kasnije kod Admin postavki)</a:t>
+            </a:r>
+            <a:endParaRPr lang="en-US" dirty="0">
+              <a:solidFill>
+                <a:srgbClr val="EBEBEB"/>
+              </a:solidFill>
+            </a:endParaRPr>
           </a:p>
         </p:txBody>
       </p:sp>
     </p:spTree>
     <p:extLst>
       <p:ext uri="{BB962C8B-B14F-4D97-AF65-F5344CB8AC3E}">
-        <p14:creationId xmlns:p14="http://schemas.microsoft.com/office/powerpoint/2010/main" val="3233148841"/>
+        <p14:creationId xmlns:p14="http://schemas.microsoft.com/office/powerpoint/2010/main" val="1097399687"/>
       </p:ext>
     </p:extLst>
   </p:cSld>

--- a/Aplikacija za organizaciju demosa za računarske praktikume te.pptx
+++ b/Aplikacija za organizaciju demosa za računarske praktikume te.pptx
@@ -22341,6 +22341,12 @@
           <a:p>
             <a:r>
               <a:rPr lang="hr-HR" dirty="0"/>
+              <a:t>Nalazi se u bazi kasnar(phpMyAdmin)</a:t>
+            </a:r>
+          </a:p>
+          <a:p>
+            <a:r>
+              <a:rPr lang="hr-HR" dirty="0"/>
               <a:t>Baza sadrži 4 tablice</a:t>
             </a:r>
           </a:p>
